--- a/chapter-05/diagram.pptx
+++ b/chapter-05/diagram.pptx
@@ -12,6 +12,8 @@
     <p:sldId id="260" r:id="rId6"/>
     <p:sldId id="261" r:id="rId7"/>
     <p:sldId id="262" r:id="rId8"/>
+    <p:sldId id="263" r:id="rId9"/>
+    <p:sldId id="264" r:id="rId10"/>
   </p:sldIdLst>
   <p:sldSz cx="12192000" cy="6858000"/>
   <p:notesSz cx="6858000" cy="9144000"/>
@@ -110,6 +112,11 @@
       </a:defRPr>
     </a:lvl9pPr>
   </p:defaultTextStyle>
+  <p:extLst>
+    <p:ext uri="{EFAFB233-063F-42B5-8137-9DF3F51BA10A}">
+      <p15:sldGuideLst xmlns:p15="http://schemas.microsoft.com/office/powerpoint/2012/main"/>
+    </p:ext>
+  </p:extLst>
 </p:presentation>
 </file>
 
@@ -9289,6 +9296,3301 @@
     <p:extLst>
       <p:ext uri="{BB962C8B-B14F-4D97-AF65-F5344CB8AC3E}">
         <p14:creationId xmlns:p14="http://schemas.microsoft.com/office/powerpoint/2010/main" val="2170235990"/>
+      </p:ext>
+    </p:extLst>
+  </p:cSld>
+  <p:clrMapOvr>
+    <a:masterClrMapping/>
+  </p:clrMapOvr>
+</p:sld>
+</file>
+
+<file path=ppt/slides/slide8.xml><?xml version="1.0" encoding="utf-8"?>
+<p:sld xmlns:a="http://schemas.openxmlformats.org/drawingml/2006/main" xmlns:r="http://schemas.openxmlformats.org/officeDocument/2006/relationships" xmlns:p="http://schemas.openxmlformats.org/presentationml/2006/main">
+  <p:cSld>
+    <p:spTree>
+      <p:nvGrpSpPr>
+        <p:cNvPr id="1" name=""/>
+        <p:cNvGrpSpPr/>
+        <p:nvPr/>
+      </p:nvGrpSpPr>
+      <p:grpSpPr>
+        <a:xfrm>
+          <a:off x="0" y="0"/>
+          <a:ext cx="0" cy="0"/>
+          <a:chOff x="0" y="0"/>
+          <a:chExt cx="0" cy="0"/>
+        </a:xfrm>
+      </p:grpSpPr>
+      <p:cxnSp>
+        <p:nvCxnSpPr>
+          <p:cNvPr id="3" name="Straight Arrow Connector 2">
+            <a:extLst>
+              <a:ext uri="{FF2B5EF4-FFF2-40B4-BE49-F238E27FC236}">
+                <a16:creationId xmlns:a16="http://schemas.microsoft.com/office/drawing/2014/main" id="{51C1DA7E-A2D7-0AF7-1E0E-B79F6DB3A8BE}"/>
+              </a:ext>
+            </a:extLst>
+          </p:cNvPr>
+          <p:cNvCxnSpPr>
+            <a:cxnSpLocks/>
+          </p:cNvCxnSpPr>
+          <p:nvPr/>
+        </p:nvCxnSpPr>
+        <p:spPr>
+          <a:xfrm flipV="1">
+            <a:off x="720000" y="1080000"/>
+            <a:ext cx="3240000" cy="0"/>
+          </a:xfrm>
+          <a:prstGeom prst="straightConnector1">
+            <a:avLst/>
+          </a:prstGeom>
+          <a:ln w="12700">
+            <a:solidFill>
+              <a:schemeClr val="bg1">
+                <a:lumMod val="85000"/>
+              </a:schemeClr>
+            </a:solidFill>
+            <a:prstDash val="dash"/>
+            <a:headEnd type="none"/>
+            <a:tailEnd type="none"/>
+          </a:ln>
+        </p:spPr>
+        <p:style>
+          <a:lnRef idx="1">
+            <a:schemeClr val="accent1"/>
+          </a:lnRef>
+          <a:fillRef idx="0">
+            <a:schemeClr val="accent1"/>
+          </a:fillRef>
+          <a:effectRef idx="0">
+            <a:schemeClr val="accent1"/>
+          </a:effectRef>
+          <a:fontRef idx="minor">
+            <a:schemeClr val="tx1"/>
+          </a:fontRef>
+        </p:style>
+      </p:cxnSp>
+      <p:cxnSp>
+        <p:nvCxnSpPr>
+          <p:cNvPr id="4" name="Straight Arrow Connector 3">
+            <a:extLst>
+              <a:ext uri="{FF2B5EF4-FFF2-40B4-BE49-F238E27FC236}">
+                <a16:creationId xmlns:a16="http://schemas.microsoft.com/office/drawing/2014/main" id="{5EA772A8-7170-AAEA-FF83-D04BB18F0A06}"/>
+              </a:ext>
+            </a:extLst>
+          </p:cNvPr>
+          <p:cNvCxnSpPr>
+            <a:cxnSpLocks/>
+          </p:cNvCxnSpPr>
+          <p:nvPr/>
+        </p:nvCxnSpPr>
+        <p:spPr>
+          <a:xfrm flipV="1">
+            <a:off x="720000" y="1620000"/>
+            <a:ext cx="3240000" cy="0"/>
+          </a:xfrm>
+          <a:prstGeom prst="straightConnector1">
+            <a:avLst/>
+          </a:prstGeom>
+          <a:ln w="12700">
+            <a:solidFill>
+              <a:schemeClr val="bg1">
+                <a:lumMod val="85000"/>
+              </a:schemeClr>
+            </a:solidFill>
+            <a:prstDash val="sysDot"/>
+            <a:headEnd type="none"/>
+            <a:tailEnd type="none"/>
+          </a:ln>
+        </p:spPr>
+        <p:style>
+          <a:lnRef idx="1">
+            <a:schemeClr val="accent1"/>
+          </a:lnRef>
+          <a:fillRef idx="0">
+            <a:schemeClr val="accent1"/>
+          </a:fillRef>
+          <a:effectRef idx="0">
+            <a:schemeClr val="accent1"/>
+          </a:effectRef>
+          <a:fontRef idx="minor">
+            <a:schemeClr val="tx1"/>
+          </a:fontRef>
+        </p:style>
+      </p:cxnSp>
+      <p:cxnSp>
+        <p:nvCxnSpPr>
+          <p:cNvPr id="6" name="Straight Arrow Connector 5">
+            <a:extLst>
+              <a:ext uri="{FF2B5EF4-FFF2-40B4-BE49-F238E27FC236}">
+                <a16:creationId xmlns:a16="http://schemas.microsoft.com/office/drawing/2014/main" id="{A0D3A6E5-81EF-649B-7423-0DE9421A39F8}"/>
+              </a:ext>
+            </a:extLst>
+          </p:cNvPr>
+          <p:cNvCxnSpPr>
+            <a:cxnSpLocks/>
+          </p:cNvCxnSpPr>
+          <p:nvPr/>
+        </p:nvCxnSpPr>
+        <p:spPr>
+          <a:xfrm flipV="1">
+            <a:off x="720000" y="2160000"/>
+            <a:ext cx="3240000" cy="0"/>
+          </a:xfrm>
+          <a:prstGeom prst="straightConnector1">
+            <a:avLst/>
+          </a:prstGeom>
+          <a:ln w="12700">
+            <a:solidFill>
+              <a:schemeClr val="bg1">
+                <a:lumMod val="85000"/>
+              </a:schemeClr>
+            </a:solidFill>
+            <a:prstDash val="dash"/>
+            <a:headEnd type="none"/>
+            <a:tailEnd type="none"/>
+          </a:ln>
+        </p:spPr>
+        <p:style>
+          <a:lnRef idx="1">
+            <a:schemeClr val="accent1"/>
+          </a:lnRef>
+          <a:fillRef idx="0">
+            <a:schemeClr val="accent1"/>
+          </a:fillRef>
+          <a:effectRef idx="0">
+            <a:schemeClr val="accent1"/>
+          </a:effectRef>
+          <a:fontRef idx="minor">
+            <a:schemeClr val="tx1"/>
+          </a:fontRef>
+        </p:style>
+      </p:cxnSp>
+      <p:cxnSp>
+        <p:nvCxnSpPr>
+          <p:cNvPr id="7" name="Straight Arrow Connector 6">
+            <a:extLst>
+              <a:ext uri="{FF2B5EF4-FFF2-40B4-BE49-F238E27FC236}">
+                <a16:creationId xmlns:a16="http://schemas.microsoft.com/office/drawing/2014/main" id="{6894F66E-F30A-CC56-28BA-AE00467B8762}"/>
+              </a:ext>
+            </a:extLst>
+          </p:cNvPr>
+          <p:cNvCxnSpPr>
+            <a:cxnSpLocks/>
+          </p:cNvCxnSpPr>
+          <p:nvPr/>
+        </p:nvCxnSpPr>
+        <p:spPr>
+          <a:xfrm flipV="1">
+            <a:off x="720000" y="2700000"/>
+            <a:ext cx="3240000" cy="0"/>
+          </a:xfrm>
+          <a:prstGeom prst="straightConnector1">
+            <a:avLst/>
+          </a:prstGeom>
+          <a:ln w="12700">
+            <a:solidFill>
+              <a:schemeClr val="bg1">
+                <a:lumMod val="85000"/>
+              </a:schemeClr>
+            </a:solidFill>
+            <a:prstDash val="sysDot"/>
+            <a:headEnd type="none"/>
+            <a:tailEnd type="none"/>
+          </a:ln>
+        </p:spPr>
+        <p:style>
+          <a:lnRef idx="1">
+            <a:schemeClr val="accent1"/>
+          </a:lnRef>
+          <a:fillRef idx="0">
+            <a:schemeClr val="accent1"/>
+          </a:fillRef>
+          <a:effectRef idx="0">
+            <a:schemeClr val="accent1"/>
+          </a:effectRef>
+          <a:fontRef idx="minor">
+            <a:schemeClr val="tx1"/>
+          </a:fontRef>
+        </p:style>
+      </p:cxnSp>
+      <p:cxnSp>
+        <p:nvCxnSpPr>
+          <p:cNvPr id="9" name="Straight Arrow Connector 8">
+            <a:extLst>
+              <a:ext uri="{FF2B5EF4-FFF2-40B4-BE49-F238E27FC236}">
+                <a16:creationId xmlns:a16="http://schemas.microsoft.com/office/drawing/2014/main" id="{3A51D035-BB96-38C0-5F03-D7B7526E7654}"/>
+              </a:ext>
+            </a:extLst>
+          </p:cNvPr>
+          <p:cNvCxnSpPr>
+            <a:cxnSpLocks/>
+          </p:cNvCxnSpPr>
+          <p:nvPr/>
+        </p:nvCxnSpPr>
+        <p:spPr>
+          <a:xfrm flipV="1">
+            <a:off x="1260000" y="360000"/>
+            <a:ext cx="0" cy="2520000"/>
+          </a:xfrm>
+          <a:prstGeom prst="straightConnector1">
+            <a:avLst/>
+          </a:prstGeom>
+          <a:ln w="12700">
+            <a:solidFill>
+              <a:schemeClr val="bg1">
+                <a:lumMod val="85000"/>
+              </a:schemeClr>
+            </a:solidFill>
+            <a:prstDash val="sysDot"/>
+            <a:headEnd type="none"/>
+            <a:tailEnd type="none"/>
+          </a:ln>
+        </p:spPr>
+        <p:style>
+          <a:lnRef idx="1">
+            <a:schemeClr val="accent1"/>
+          </a:lnRef>
+          <a:fillRef idx="0">
+            <a:schemeClr val="accent1"/>
+          </a:fillRef>
+          <a:effectRef idx="0">
+            <a:schemeClr val="accent1"/>
+          </a:effectRef>
+          <a:fontRef idx="minor">
+            <a:schemeClr val="tx1"/>
+          </a:fontRef>
+        </p:style>
+      </p:cxnSp>
+      <p:cxnSp>
+        <p:nvCxnSpPr>
+          <p:cNvPr id="10" name="Straight Arrow Connector 9">
+            <a:extLst>
+              <a:ext uri="{FF2B5EF4-FFF2-40B4-BE49-F238E27FC236}">
+                <a16:creationId xmlns:a16="http://schemas.microsoft.com/office/drawing/2014/main" id="{67EBA4F3-6AE3-51B6-E78F-8440B2C8F73D}"/>
+              </a:ext>
+            </a:extLst>
+          </p:cNvPr>
+          <p:cNvCxnSpPr>
+            <a:cxnSpLocks/>
+          </p:cNvCxnSpPr>
+          <p:nvPr/>
+        </p:nvCxnSpPr>
+        <p:spPr>
+          <a:xfrm flipV="1">
+            <a:off x="1800000" y="360000"/>
+            <a:ext cx="0" cy="2520000"/>
+          </a:xfrm>
+          <a:prstGeom prst="straightConnector1">
+            <a:avLst/>
+          </a:prstGeom>
+          <a:ln w="12700">
+            <a:solidFill>
+              <a:schemeClr val="bg1">
+                <a:lumMod val="85000"/>
+              </a:schemeClr>
+            </a:solidFill>
+            <a:prstDash val="dash"/>
+            <a:headEnd type="none"/>
+            <a:tailEnd type="none"/>
+          </a:ln>
+        </p:spPr>
+        <p:style>
+          <a:lnRef idx="1">
+            <a:schemeClr val="accent1"/>
+          </a:lnRef>
+          <a:fillRef idx="0">
+            <a:schemeClr val="accent1"/>
+          </a:fillRef>
+          <a:effectRef idx="0">
+            <a:schemeClr val="accent1"/>
+          </a:effectRef>
+          <a:fontRef idx="minor">
+            <a:schemeClr val="tx1"/>
+          </a:fontRef>
+        </p:style>
+      </p:cxnSp>
+      <p:cxnSp>
+        <p:nvCxnSpPr>
+          <p:cNvPr id="11" name="Straight Arrow Connector 10">
+            <a:extLst>
+              <a:ext uri="{FF2B5EF4-FFF2-40B4-BE49-F238E27FC236}">
+                <a16:creationId xmlns:a16="http://schemas.microsoft.com/office/drawing/2014/main" id="{7801489C-451B-6799-74BE-5EED86A4C204}"/>
+              </a:ext>
+            </a:extLst>
+          </p:cNvPr>
+          <p:cNvCxnSpPr>
+            <a:cxnSpLocks/>
+          </p:cNvCxnSpPr>
+          <p:nvPr/>
+        </p:nvCxnSpPr>
+        <p:spPr>
+          <a:xfrm flipV="1">
+            <a:off x="2340000" y="360000"/>
+            <a:ext cx="0" cy="2520000"/>
+          </a:xfrm>
+          <a:prstGeom prst="straightConnector1">
+            <a:avLst/>
+          </a:prstGeom>
+          <a:ln w="12700">
+            <a:solidFill>
+              <a:schemeClr val="bg1">
+                <a:lumMod val="85000"/>
+              </a:schemeClr>
+            </a:solidFill>
+            <a:prstDash val="sysDot"/>
+            <a:headEnd type="none"/>
+            <a:tailEnd type="none"/>
+          </a:ln>
+        </p:spPr>
+        <p:style>
+          <a:lnRef idx="1">
+            <a:schemeClr val="accent1"/>
+          </a:lnRef>
+          <a:fillRef idx="0">
+            <a:schemeClr val="accent1"/>
+          </a:fillRef>
+          <a:effectRef idx="0">
+            <a:schemeClr val="accent1"/>
+          </a:effectRef>
+          <a:fontRef idx="minor">
+            <a:schemeClr val="tx1"/>
+          </a:fontRef>
+        </p:style>
+      </p:cxnSp>
+      <p:cxnSp>
+        <p:nvCxnSpPr>
+          <p:cNvPr id="13" name="Straight Arrow Connector 12">
+            <a:extLst>
+              <a:ext uri="{FF2B5EF4-FFF2-40B4-BE49-F238E27FC236}">
+                <a16:creationId xmlns:a16="http://schemas.microsoft.com/office/drawing/2014/main" id="{579BC832-D079-5413-439E-36A943327F78}"/>
+              </a:ext>
+            </a:extLst>
+          </p:cNvPr>
+          <p:cNvCxnSpPr>
+            <a:cxnSpLocks/>
+          </p:cNvCxnSpPr>
+          <p:nvPr/>
+        </p:nvCxnSpPr>
+        <p:spPr>
+          <a:xfrm flipV="1">
+            <a:off x="2880000" y="360000"/>
+            <a:ext cx="0" cy="2520000"/>
+          </a:xfrm>
+          <a:prstGeom prst="straightConnector1">
+            <a:avLst/>
+          </a:prstGeom>
+          <a:ln w="12700">
+            <a:solidFill>
+              <a:schemeClr val="bg1">
+                <a:lumMod val="85000"/>
+              </a:schemeClr>
+            </a:solidFill>
+            <a:prstDash val="dash"/>
+            <a:headEnd type="none"/>
+            <a:tailEnd type="none"/>
+          </a:ln>
+        </p:spPr>
+        <p:style>
+          <a:lnRef idx="1">
+            <a:schemeClr val="accent1"/>
+          </a:lnRef>
+          <a:fillRef idx="0">
+            <a:schemeClr val="accent1"/>
+          </a:fillRef>
+          <a:effectRef idx="0">
+            <a:schemeClr val="accent1"/>
+          </a:effectRef>
+          <a:fontRef idx="minor">
+            <a:schemeClr val="tx1"/>
+          </a:fontRef>
+        </p:style>
+      </p:cxnSp>
+      <p:cxnSp>
+        <p:nvCxnSpPr>
+          <p:cNvPr id="14" name="Straight Arrow Connector 13">
+            <a:extLst>
+              <a:ext uri="{FF2B5EF4-FFF2-40B4-BE49-F238E27FC236}">
+                <a16:creationId xmlns:a16="http://schemas.microsoft.com/office/drawing/2014/main" id="{A4E6C919-1D9C-F8E9-8A52-7A51F09C2DEB}"/>
+              </a:ext>
+            </a:extLst>
+          </p:cNvPr>
+          <p:cNvCxnSpPr>
+            <a:cxnSpLocks/>
+          </p:cNvCxnSpPr>
+          <p:nvPr/>
+        </p:nvCxnSpPr>
+        <p:spPr>
+          <a:xfrm flipV="1">
+            <a:off x="3420000" y="360000"/>
+            <a:ext cx="0" cy="2520000"/>
+          </a:xfrm>
+          <a:prstGeom prst="straightConnector1">
+            <a:avLst/>
+          </a:prstGeom>
+          <a:ln w="12700">
+            <a:solidFill>
+              <a:schemeClr val="bg1">
+                <a:lumMod val="85000"/>
+              </a:schemeClr>
+            </a:solidFill>
+            <a:prstDash val="sysDot"/>
+            <a:headEnd type="none"/>
+            <a:tailEnd type="none"/>
+          </a:ln>
+        </p:spPr>
+        <p:style>
+          <a:lnRef idx="1">
+            <a:schemeClr val="accent1"/>
+          </a:lnRef>
+          <a:fillRef idx="0">
+            <a:schemeClr val="accent1"/>
+          </a:fillRef>
+          <a:effectRef idx="0">
+            <a:schemeClr val="accent1"/>
+          </a:effectRef>
+          <a:fontRef idx="minor">
+            <a:schemeClr val="tx1"/>
+          </a:fontRef>
+        </p:style>
+      </p:cxnSp>
+      <mc:AlternateContent xmlns:mc="http://schemas.openxmlformats.org/markup-compatibility/2006">
+        <mc:Choice xmlns:a14="http://schemas.microsoft.com/office/drawing/2010/main" Requires="a14">
+          <p:sp>
+            <p:nvSpPr>
+              <p:cNvPr id="28" name="TextBox 27">
+                <a:extLst>
+                  <a:ext uri="{FF2B5EF4-FFF2-40B4-BE49-F238E27FC236}">
+                    <a16:creationId xmlns:a16="http://schemas.microsoft.com/office/drawing/2014/main" id="{65226825-760D-12E4-12A4-CAF3D690F9A9}"/>
+                  </a:ext>
+                </a:extLst>
+              </p:cNvPr>
+              <p:cNvSpPr txBox="1"/>
+              <p:nvPr/>
+            </p:nvSpPr>
+            <p:spPr>
+              <a:xfrm>
+                <a:off x="1466994" y="2880000"/>
+                <a:ext cx="666012" cy="276999"/>
+              </a:xfrm>
+              <a:prstGeom prst="rect">
+                <a:avLst/>
+              </a:prstGeom>
+              <a:noFill/>
+            </p:spPr>
+            <p:txBody>
+              <a:bodyPr wrap="square" rtlCol="0">
+                <a:spAutoFit/>
+              </a:bodyPr>
+              <a:lstStyle/>
+              <a:p>
+                <a:pPr/>
+                <a14:m>
+                  <m:oMathPara xmlns:m="http://schemas.openxmlformats.org/officeDocument/2006/math">
+                    <m:oMathParaPr>
+                      <m:jc m:val="centerGroup"/>
+                    </m:oMathParaPr>
+                    <m:oMath xmlns:m="http://schemas.openxmlformats.org/officeDocument/2006/math">
+                      <m:r>
+                        <a:rPr lang="en-US" sz="1200" b="1" i="0" smtClean="0">
+                          <a:latin typeface="Cambria Math" panose="02040503050406030204" pitchFamily="18" charset="0"/>
+                        </a:rPr>
+                        <m:t>𝐱</m:t>
+                      </m:r>
+                      <m:r>
+                        <a:rPr lang="en-US" sz="1200" b="0" i="0" smtClean="0">
+                          <a:latin typeface="Cambria Math" panose="02040503050406030204" pitchFamily="18" charset="0"/>
+                        </a:rPr>
+                        <m:t>=</m:t>
+                      </m:r>
+                      <m:r>
+                        <a:rPr lang="en-US" sz="1200" b="0" i="0" smtClean="0">
+                          <a:latin typeface="Cambria Math" panose="02040503050406030204" pitchFamily="18" charset="0"/>
+                        </a:rPr>
+                        <m:t>0</m:t>
+                      </m:r>
+                    </m:oMath>
+                  </m:oMathPara>
+                </a14:m>
+                <a:endParaRPr lang="en-US" sz="1200" dirty="0"/>
+              </a:p>
+            </p:txBody>
+          </p:sp>
+        </mc:Choice>
+        <mc:Fallback>
+          <p:sp>
+            <p:nvSpPr>
+              <p:cNvPr id="28" name="TextBox 27">
+                <a:extLst>
+                  <a:ext uri="{FF2B5EF4-FFF2-40B4-BE49-F238E27FC236}">
+                    <a16:creationId xmlns:a16="http://schemas.microsoft.com/office/drawing/2014/main" id="{65226825-760D-12E4-12A4-CAF3D690F9A9}"/>
+                  </a:ext>
+                </a:extLst>
+              </p:cNvPr>
+              <p:cNvSpPr txBox="1">
+                <a:spLocks noRot="1" noChangeAspect="1" noMove="1" noResize="1" noEditPoints="1" noAdjustHandles="1" noChangeArrowheads="1" noChangeShapeType="1" noTextEdit="1"/>
+              </p:cNvSpPr>
+              <p:nvPr/>
+            </p:nvSpPr>
+            <p:spPr>
+              <a:xfrm>
+                <a:off x="1466994" y="2880000"/>
+                <a:ext cx="666012" cy="276999"/>
+              </a:xfrm>
+              <a:prstGeom prst="rect">
+                <a:avLst/>
+              </a:prstGeom>
+              <a:blipFill>
+                <a:blip r:embed="rId2"/>
+                <a:stretch>
+                  <a:fillRect/>
+                </a:stretch>
+              </a:blipFill>
+            </p:spPr>
+            <p:txBody>
+              <a:bodyPr/>
+              <a:lstStyle/>
+              <a:p>
+                <a:r>
+                  <a:rPr lang="en-US">
+                    <a:noFill/>
+                  </a:rPr>
+                  <a:t> </a:t>
+                </a:r>
+              </a:p>
+            </p:txBody>
+          </p:sp>
+        </mc:Fallback>
+      </mc:AlternateContent>
+      <mc:AlternateContent xmlns:mc="http://schemas.openxmlformats.org/markup-compatibility/2006">
+        <mc:Choice xmlns:a14="http://schemas.microsoft.com/office/drawing/2010/main" Requires="a14">
+          <p:sp>
+            <p:nvSpPr>
+              <p:cNvPr id="29" name="TextBox 28">
+                <a:extLst>
+                  <a:ext uri="{FF2B5EF4-FFF2-40B4-BE49-F238E27FC236}">
+                    <a16:creationId xmlns:a16="http://schemas.microsoft.com/office/drawing/2014/main" id="{929E9C6C-AEAF-EFBE-FBDB-17D9EA02EFE6}"/>
+                  </a:ext>
+                </a:extLst>
+              </p:cNvPr>
+              <p:cNvSpPr txBox="1"/>
+              <p:nvPr/>
+            </p:nvSpPr>
+            <p:spPr>
+              <a:xfrm>
+                <a:off x="2573989" y="2880000"/>
+                <a:ext cx="612022" cy="276999"/>
+              </a:xfrm>
+              <a:prstGeom prst="rect">
+                <a:avLst/>
+              </a:prstGeom>
+              <a:noFill/>
+            </p:spPr>
+            <p:txBody>
+              <a:bodyPr wrap="square" rtlCol="0">
+                <a:spAutoFit/>
+              </a:bodyPr>
+              <a:lstStyle/>
+              <a:p>
+                <a:pPr/>
+                <a14:m>
+                  <m:oMathPara xmlns:m="http://schemas.openxmlformats.org/officeDocument/2006/math">
+                    <m:oMathParaPr>
+                      <m:jc m:val="centerGroup"/>
+                    </m:oMathParaPr>
+                    <m:oMath xmlns:m="http://schemas.openxmlformats.org/officeDocument/2006/math">
+                      <m:r>
+                        <a:rPr lang="en-US" sz="1200" b="1" i="0" smtClean="0">
+                          <a:latin typeface="Cambria Math" panose="02040503050406030204" pitchFamily="18" charset="0"/>
+                        </a:rPr>
+                        <m:t>𝐱</m:t>
+                      </m:r>
+                      <m:r>
+                        <a:rPr lang="en-US" sz="1200" b="0" i="0" smtClean="0">
+                          <a:latin typeface="Cambria Math" panose="02040503050406030204" pitchFamily="18" charset="0"/>
+                        </a:rPr>
+                        <m:t>=</m:t>
+                      </m:r>
+                      <m:r>
+                        <a:rPr lang="en-US" sz="1200" b="0" i="0" smtClean="0">
+                          <a:latin typeface="Cambria Math" panose="02040503050406030204" pitchFamily="18" charset="0"/>
+                        </a:rPr>
+                        <m:t>1</m:t>
+                      </m:r>
+                    </m:oMath>
+                  </m:oMathPara>
+                </a14:m>
+                <a:endParaRPr lang="en-US" sz="1200" dirty="0"/>
+              </a:p>
+            </p:txBody>
+          </p:sp>
+        </mc:Choice>
+        <mc:Fallback>
+          <p:sp>
+            <p:nvSpPr>
+              <p:cNvPr id="29" name="TextBox 28">
+                <a:extLst>
+                  <a:ext uri="{FF2B5EF4-FFF2-40B4-BE49-F238E27FC236}">
+                    <a16:creationId xmlns:a16="http://schemas.microsoft.com/office/drawing/2014/main" id="{929E9C6C-AEAF-EFBE-FBDB-17D9EA02EFE6}"/>
+                  </a:ext>
+                </a:extLst>
+              </p:cNvPr>
+              <p:cNvSpPr txBox="1">
+                <a:spLocks noRot="1" noChangeAspect="1" noMove="1" noResize="1" noEditPoints="1" noAdjustHandles="1" noChangeArrowheads="1" noChangeShapeType="1" noTextEdit="1"/>
+              </p:cNvSpPr>
+              <p:nvPr/>
+            </p:nvSpPr>
+            <p:spPr>
+              <a:xfrm>
+                <a:off x="2573989" y="2880000"/>
+                <a:ext cx="612022" cy="276999"/>
+              </a:xfrm>
+              <a:prstGeom prst="rect">
+                <a:avLst/>
+              </a:prstGeom>
+              <a:blipFill>
+                <a:blip r:embed="rId3"/>
+                <a:stretch>
+                  <a:fillRect/>
+                </a:stretch>
+              </a:blipFill>
+            </p:spPr>
+            <p:txBody>
+              <a:bodyPr/>
+              <a:lstStyle/>
+              <a:p>
+                <a:r>
+                  <a:rPr lang="en-US">
+                    <a:noFill/>
+                  </a:rPr>
+                  <a:t> </a:t>
+                </a:r>
+              </a:p>
+            </p:txBody>
+          </p:sp>
+        </mc:Fallback>
+      </mc:AlternateContent>
+      <mc:AlternateContent xmlns:mc="http://schemas.openxmlformats.org/markup-compatibility/2006">
+        <mc:Choice xmlns:a14="http://schemas.microsoft.com/office/drawing/2010/main" Requires="a14">
+          <p:sp>
+            <p:nvSpPr>
+              <p:cNvPr id="30" name="TextBox 29">
+                <a:extLst>
+                  <a:ext uri="{FF2B5EF4-FFF2-40B4-BE49-F238E27FC236}">
+                    <a16:creationId xmlns:a16="http://schemas.microsoft.com/office/drawing/2014/main" id="{FC586A48-F811-58C1-042D-111295C127A5}"/>
+                  </a:ext>
+                </a:extLst>
+              </p:cNvPr>
+              <p:cNvSpPr txBox="1"/>
+              <p:nvPr/>
+            </p:nvSpPr>
+            <p:spPr>
+              <a:xfrm>
+                <a:off x="131688" y="2021500"/>
+                <a:ext cx="666012" cy="276999"/>
+              </a:xfrm>
+              <a:prstGeom prst="rect">
+                <a:avLst/>
+              </a:prstGeom>
+              <a:noFill/>
+            </p:spPr>
+            <p:txBody>
+              <a:bodyPr wrap="square" rtlCol="0">
+                <a:spAutoFit/>
+              </a:bodyPr>
+              <a:lstStyle/>
+              <a:p>
+                <a:pPr/>
+                <a14:m>
+                  <m:oMathPara xmlns:m="http://schemas.openxmlformats.org/officeDocument/2006/math">
+                    <m:oMathParaPr>
+                      <m:jc m:val="centerGroup"/>
+                    </m:oMathParaPr>
+                    <m:oMath xmlns:m="http://schemas.openxmlformats.org/officeDocument/2006/math">
+                      <m:r>
+                        <a:rPr lang="en-US" sz="1200" b="1" i="0" smtClean="0">
+                          <a:latin typeface="Cambria Math" panose="02040503050406030204" pitchFamily="18" charset="0"/>
+                        </a:rPr>
+                        <m:t>𝐲</m:t>
+                      </m:r>
+                      <m:r>
+                        <a:rPr lang="en-US" sz="1200" b="0" i="0" smtClean="0">
+                          <a:latin typeface="Cambria Math" panose="02040503050406030204" pitchFamily="18" charset="0"/>
+                        </a:rPr>
+                        <m:t>=</m:t>
+                      </m:r>
+                      <m:r>
+                        <a:rPr lang="en-US" sz="1200" b="0" i="0" smtClean="0">
+                          <a:latin typeface="Cambria Math" panose="02040503050406030204" pitchFamily="18" charset="0"/>
+                        </a:rPr>
+                        <m:t>0</m:t>
+                      </m:r>
+                    </m:oMath>
+                  </m:oMathPara>
+                </a14:m>
+                <a:endParaRPr lang="en-US" sz="1200" dirty="0"/>
+              </a:p>
+            </p:txBody>
+          </p:sp>
+        </mc:Choice>
+        <mc:Fallback>
+          <p:sp>
+            <p:nvSpPr>
+              <p:cNvPr id="30" name="TextBox 29">
+                <a:extLst>
+                  <a:ext uri="{FF2B5EF4-FFF2-40B4-BE49-F238E27FC236}">
+                    <a16:creationId xmlns:a16="http://schemas.microsoft.com/office/drawing/2014/main" id="{FC586A48-F811-58C1-042D-111295C127A5}"/>
+                  </a:ext>
+                </a:extLst>
+              </p:cNvPr>
+              <p:cNvSpPr txBox="1">
+                <a:spLocks noRot="1" noChangeAspect="1" noMove="1" noResize="1" noEditPoints="1" noAdjustHandles="1" noChangeArrowheads="1" noChangeShapeType="1" noTextEdit="1"/>
+              </p:cNvSpPr>
+              <p:nvPr/>
+            </p:nvSpPr>
+            <p:spPr>
+              <a:xfrm>
+                <a:off x="131688" y="2021500"/>
+                <a:ext cx="666012" cy="276999"/>
+              </a:xfrm>
+              <a:prstGeom prst="rect">
+                <a:avLst/>
+              </a:prstGeom>
+              <a:blipFill>
+                <a:blip r:embed="rId4"/>
+                <a:stretch>
+                  <a:fillRect/>
+                </a:stretch>
+              </a:blipFill>
+            </p:spPr>
+            <p:txBody>
+              <a:bodyPr/>
+              <a:lstStyle/>
+              <a:p>
+                <a:r>
+                  <a:rPr lang="en-US">
+                    <a:noFill/>
+                  </a:rPr>
+                  <a:t> </a:t>
+                </a:r>
+              </a:p>
+            </p:txBody>
+          </p:sp>
+        </mc:Fallback>
+      </mc:AlternateContent>
+      <mc:AlternateContent xmlns:mc="http://schemas.openxmlformats.org/markup-compatibility/2006">
+        <mc:Choice xmlns:a14="http://schemas.microsoft.com/office/drawing/2010/main" Requires="a14">
+          <p:sp>
+            <p:nvSpPr>
+              <p:cNvPr id="31" name="TextBox 30">
+                <a:extLst>
+                  <a:ext uri="{FF2B5EF4-FFF2-40B4-BE49-F238E27FC236}">
+                    <a16:creationId xmlns:a16="http://schemas.microsoft.com/office/drawing/2014/main" id="{68AD8679-90B8-29F9-D09B-F8A2D72E60FC}"/>
+                  </a:ext>
+                </a:extLst>
+              </p:cNvPr>
+              <p:cNvSpPr txBox="1"/>
+              <p:nvPr/>
+            </p:nvSpPr>
+            <p:spPr>
+              <a:xfrm>
+                <a:off x="153188" y="941500"/>
+                <a:ext cx="666012" cy="276999"/>
+              </a:xfrm>
+              <a:prstGeom prst="rect">
+                <a:avLst/>
+              </a:prstGeom>
+              <a:noFill/>
+            </p:spPr>
+            <p:txBody>
+              <a:bodyPr wrap="square" rtlCol="0">
+                <a:spAutoFit/>
+              </a:bodyPr>
+              <a:lstStyle/>
+              <a:p>
+                <a:pPr/>
+                <a14:m>
+                  <m:oMathPara xmlns:m="http://schemas.openxmlformats.org/officeDocument/2006/math">
+                    <m:oMathParaPr>
+                      <m:jc m:val="centerGroup"/>
+                    </m:oMathParaPr>
+                    <m:oMath xmlns:m="http://schemas.openxmlformats.org/officeDocument/2006/math">
+                      <m:r>
+                        <a:rPr lang="en-US" sz="1200" b="1" i="0" smtClean="0">
+                          <a:latin typeface="Cambria Math" panose="02040503050406030204" pitchFamily="18" charset="0"/>
+                        </a:rPr>
+                        <m:t>𝐲</m:t>
+                      </m:r>
+                      <m:r>
+                        <a:rPr lang="en-US" sz="1200" b="0" i="0" smtClean="0">
+                          <a:latin typeface="Cambria Math" panose="02040503050406030204" pitchFamily="18" charset="0"/>
+                        </a:rPr>
+                        <m:t>=</m:t>
+                      </m:r>
+                      <m:r>
+                        <a:rPr lang="en-US" sz="1200" b="0" i="0" smtClean="0">
+                          <a:latin typeface="Cambria Math" panose="02040503050406030204" pitchFamily="18" charset="0"/>
+                        </a:rPr>
+                        <m:t>1</m:t>
+                      </m:r>
+                    </m:oMath>
+                  </m:oMathPara>
+                </a14:m>
+                <a:endParaRPr lang="en-US" sz="1200" dirty="0"/>
+              </a:p>
+            </p:txBody>
+          </p:sp>
+        </mc:Choice>
+        <mc:Fallback>
+          <p:sp>
+            <p:nvSpPr>
+              <p:cNvPr id="31" name="TextBox 30">
+                <a:extLst>
+                  <a:ext uri="{FF2B5EF4-FFF2-40B4-BE49-F238E27FC236}">
+                    <a16:creationId xmlns:a16="http://schemas.microsoft.com/office/drawing/2014/main" id="{68AD8679-90B8-29F9-D09B-F8A2D72E60FC}"/>
+                  </a:ext>
+                </a:extLst>
+              </p:cNvPr>
+              <p:cNvSpPr txBox="1">
+                <a:spLocks noRot="1" noChangeAspect="1" noMove="1" noResize="1" noEditPoints="1" noAdjustHandles="1" noChangeArrowheads="1" noChangeShapeType="1" noTextEdit="1"/>
+              </p:cNvSpPr>
+              <p:nvPr/>
+            </p:nvSpPr>
+            <p:spPr>
+              <a:xfrm>
+                <a:off x="153188" y="941500"/>
+                <a:ext cx="666012" cy="276999"/>
+              </a:xfrm>
+              <a:prstGeom prst="rect">
+                <a:avLst/>
+              </a:prstGeom>
+              <a:blipFill>
+                <a:blip r:embed="rId5"/>
+                <a:stretch>
+                  <a:fillRect/>
+                </a:stretch>
+              </a:blipFill>
+            </p:spPr>
+            <p:txBody>
+              <a:bodyPr/>
+              <a:lstStyle/>
+              <a:p>
+                <a:r>
+                  <a:rPr lang="en-US">
+                    <a:noFill/>
+                  </a:rPr>
+                  <a:t> </a:t>
+                </a:r>
+              </a:p>
+            </p:txBody>
+          </p:sp>
+        </mc:Fallback>
+      </mc:AlternateContent>
+      <p:cxnSp>
+        <p:nvCxnSpPr>
+          <p:cNvPr id="36" name="Straight Connector 35">
+            <a:extLst>
+              <a:ext uri="{FF2B5EF4-FFF2-40B4-BE49-F238E27FC236}">
+                <a16:creationId xmlns:a16="http://schemas.microsoft.com/office/drawing/2014/main" id="{C93C3CCE-990C-90C5-B813-3BE2FBADA988}"/>
+              </a:ext>
+            </a:extLst>
+          </p:cNvPr>
+          <p:cNvCxnSpPr>
+            <a:cxnSpLocks/>
+          </p:cNvCxnSpPr>
+          <p:nvPr/>
+        </p:nvCxnSpPr>
+        <p:spPr>
+          <a:xfrm flipH="1">
+            <a:off x="1800000" y="2159999"/>
+            <a:ext cx="1080000" cy="0"/>
+          </a:xfrm>
+          <a:prstGeom prst="line">
+            <a:avLst/>
+          </a:prstGeom>
+          <a:ln w="12700">
+            <a:solidFill>
+              <a:schemeClr val="tx1"/>
+            </a:solidFill>
+          </a:ln>
+        </p:spPr>
+        <p:style>
+          <a:lnRef idx="1">
+            <a:schemeClr val="accent1"/>
+          </a:lnRef>
+          <a:fillRef idx="0">
+            <a:schemeClr val="accent1"/>
+          </a:fillRef>
+          <a:effectRef idx="0">
+            <a:schemeClr val="accent1"/>
+          </a:effectRef>
+          <a:fontRef idx="minor">
+            <a:schemeClr val="tx1"/>
+          </a:fontRef>
+        </p:style>
+      </p:cxnSp>
+      <p:cxnSp>
+        <p:nvCxnSpPr>
+          <p:cNvPr id="39" name="Straight Connector 38">
+            <a:extLst>
+              <a:ext uri="{FF2B5EF4-FFF2-40B4-BE49-F238E27FC236}">
+                <a16:creationId xmlns:a16="http://schemas.microsoft.com/office/drawing/2014/main" id="{BCBF59FE-8716-50AC-7CFF-9780CB4EAF1C}"/>
+              </a:ext>
+            </a:extLst>
+          </p:cNvPr>
+          <p:cNvCxnSpPr>
+            <a:cxnSpLocks/>
+          </p:cNvCxnSpPr>
+          <p:nvPr/>
+        </p:nvCxnSpPr>
+        <p:spPr>
+          <a:xfrm>
+            <a:off x="2880000" y="1079999"/>
+            <a:ext cx="0" cy="1080000"/>
+          </a:xfrm>
+          <a:prstGeom prst="line">
+            <a:avLst/>
+          </a:prstGeom>
+          <a:ln w="12700">
+            <a:solidFill>
+              <a:schemeClr val="tx1"/>
+            </a:solidFill>
+          </a:ln>
+        </p:spPr>
+        <p:style>
+          <a:lnRef idx="1">
+            <a:schemeClr val="accent1"/>
+          </a:lnRef>
+          <a:fillRef idx="0">
+            <a:schemeClr val="accent1"/>
+          </a:fillRef>
+          <a:effectRef idx="0">
+            <a:schemeClr val="accent1"/>
+          </a:effectRef>
+          <a:fontRef idx="minor">
+            <a:schemeClr val="tx1"/>
+          </a:fontRef>
+        </p:style>
+      </p:cxnSp>
+      <p:cxnSp>
+        <p:nvCxnSpPr>
+          <p:cNvPr id="42" name="Straight Connector 41">
+            <a:extLst>
+              <a:ext uri="{FF2B5EF4-FFF2-40B4-BE49-F238E27FC236}">
+                <a16:creationId xmlns:a16="http://schemas.microsoft.com/office/drawing/2014/main" id="{CC9B3073-4FFD-3B4B-FF33-F079EA977971}"/>
+              </a:ext>
+            </a:extLst>
+          </p:cNvPr>
+          <p:cNvCxnSpPr>
+            <a:cxnSpLocks/>
+          </p:cNvCxnSpPr>
+          <p:nvPr/>
+        </p:nvCxnSpPr>
+        <p:spPr>
+          <a:xfrm flipH="1">
+            <a:off x="1799999" y="1079999"/>
+            <a:ext cx="1080001" cy="1080000"/>
+          </a:xfrm>
+          <a:prstGeom prst="line">
+            <a:avLst/>
+          </a:prstGeom>
+          <a:ln w="12700">
+            <a:solidFill>
+              <a:schemeClr val="tx1"/>
+            </a:solidFill>
+          </a:ln>
+        </p:spPr>
+        <p:style>
+          <a:lnRef idx="1">
+            <a:schemeClr val="accent1"/>
+          </a:lnRef>
+          <a:fillRef idx="0">
+            <a:schemeClr val="accent1"/>
+          </a:fillRef>
+          <a:effectRef idx="0">
+            <a:schemeClr val="accent1"/>
+          </a:effectRef>
+          <a:fontRef idx="minor">
+            <a:schemeClr val="tx1"/>
+          </a:fontRef>
+        </p:style>
+      </p:cxnSp>
+      <p:cxnSp>
+        <p:nvCxnSpPr>
+          <p:cNvPr id="45" name="Straight Connector 44">
+            <a:extLst>
+              <a:ext uri="{FF2B5EF4-FFF2-40B4-BE49-F238E27FC236}">
+                <a16:creationId xmlns:a16="http://schemas.microsoft.com/office/drawing/2014/main" id="{4DD6E127-43AA-B67C-2AAE-0152742A4D77}"/>
+              </a:ext>
+            </a:extLst>
+          </p:cNvPr>
+          <p:cNvCxnSpPr>
+            <a:cxnSpLocks/>
+          </p:cNvCxnSpPr>
+          <p:nvPr/>
+        </p:nvCxnSpPr>
+        <p:spPr>
+          <a:xfrm>
+            <a:off x="1799999" y="1079999"/>
+            <a:ext cx="1080001" cy="0"/>
+          </a:xfrm>
+          <a:prstGeom prst="line">
+            <a:avLst/>
+          </a:prstGeom>
+          <a:ln w="12700">
+            <a:solidFill>
+              <a:schemeClr val="tx1"/>
+            </a:solidFill>
+          </a:ln>
+        </p:spPr>
+        <p:style>
+          <a:lnRef idx="1">
+            <a:schemeClr val="accent1"/>
+          </a:lnRef>
+          <a:fillRef idx="0">
+            <a:schemeClr val="accent1"/>
+          </a:fillRef>
+          <a:effectRef idx="0">
+            <a:schemeClr val="accent1"/>
+          </a:effectRef>
+          <a:fontRef idx="minor">
+            <a:schemeClr val="tx1"/>
+          </a:fontRef>
+        </p:style>
+      </p:cxnSp>
+      <p:cxnSp>
+        <p:nvCxnSpPr>
+          <p:cNvPr id="48" name="Straight Connector 47">
+            <a:extLst>
+              <a:ext uri="{FF2B5EF4-FFF2-40B4-BE49-F238E27FC236}">
+                <a16:creationId xmlns:a16="http://schemas.microsoft.com/office/drawing/2014/main" id="{9F91B7A0-6788-1765-DED6-22B6A3D239E4}"/>
+              </a:ext>
+            </a:extLst>
+          </p:cNvPr>
+          <p:cNvCxnSpPr>
+            <a:cxnSpLocks/>
+          </p:cNvCxnSpPr>
+          <p:nvPr/>
+        </p:nvCxnSpPr>
+        <p:spPr>
+          <a:xfrm>
+            <a:off x="1799999" y="1079999"/>
+            <a:ext cx="0" cy="1079999"/>
+          </a:xfrm>
+          <a:prstGeom prst="line">
+            <a:avLst/>
+          </a:prstGeom>
+          <a:ln w="12700">
+            <a:solidFill>
+              <a:schemeClr val="tx1"/>
+            </a:solidFill>
+          </a:ln>
+        </p:spPr>
+        <p:style>
+          <a:lnRef idx="1">
+            <a:schemeClr val="accent1"/>
+          </a:lnRef>
+          <a:fillRef idx="0">
+            <a:schemeClr val="accent1"/>
+          </a:fillRef>
+          <a:effectRef idx="0">
+            <a:schemeClr val="accent1"/>
+          </a:effectRef>
+          <a:fontRef idx="minor">
+            <a:schemeClr val="tx1"/>
+          </a:fontRef>
+        </p:style>
+      </p:cxnSp>
+      <p:cxnSp>
+        <p:nvCxnSpPr>
+          <p:cNvPr id="51" name="Straight Arrow Connector 50">
+            <a:extLst>
+              <a:ext uri="{FF2B5EF4-FFF2-40B4-BE49-F238E27FC236}">
+                <a16:creationId xmlns:a16="http://schemas.microsoft.com/office/drawing/2014/main" id="{B7102669-7AEC-BFBF-159D-1829E9785E71}"/>
+              </a:ext>
+            </a:extLst>
+          </p:cNvPr>
+          <p:cNvCxnSpPr>
+            <a:cxnSpLocks/>
+          </p:cNvCxnSpPr>
+          <p:nvPr/>
+        </p:nvCxnSpPr>
+        <p:spPr>
+          <a:xfrm flipV="1">
+            <a:off x="720000" y="540000"/>
+            <a:ext cx="3240000" cy="0"/>
+          </a:xfrm>
+          <a:prstGeom prst="straightConnector1">
+            <a:avLst/>
+          </a:prstGeom>
+          <a:ln w="12700">
+            <a:solidFill>
+              <a:schemeClr val="bg1">
+                <a:lumMod val="85000"/>
+              </a:schemeClr>
+            </a:solidFill>
+            <a:prstDash val="sysDot"/>
+            <a:headEnd type="none"/>
+            <a:tailEnd type="none"/>
+          </a:ln>
+        </p:spPr>
+        <p:style>
+          <a:lnRef idx="1">
+            <a:schemeClr val="accent1"/>
+          </a:lnRef>
+          <a:fillRef idx="0">
+            <a:schemeClr val="accent1"/>
+          </a:fillRef>
+          <a:effectRef idx="0">
+            <a:schemeClr val="accent1"/>
+          </a:effectRef>
+          <a:fontRef idx="minor">
+            <a:schemeClr val="tx1"/>
+          </a:fontRef>
+        </p:style>
+      </p:cxnSp>
+      <p:sp>
+        <p:nvSpPr>
+          <p:cNvPr id="52" name="Oval 51">
+            <a:extLst>
+              <a:ext uri="{FF2B5EF4-FFF2-40B4-BE49-F238E27FC236}">
+                <a16:creationId xmlns:a16="http://schemas.microsoft.com/office/drawing/2014/main" id="{1D138D92-46B8-F32D-39DF-75195EEF3E71}"/>
+              </a:ext>
+            </a:extLst>
+          </p:cNvPr>
+          <p:cNvSpPr/>
+          <p:nvPr/>
+        </p:nvSpPr>
+        <p:spPr>
+          <a:xfrm>
+            <a:off x="1763998" y="2123998"/>
+            <a:ext cx="72000" cy="72000"/>
+          </a:xfrm>
+          <a:prstGeom prst="ellipse">
+            <a:avLst/>
+          </a:prstGeom>
+          <a:solidFill>
+            <a:schemeClr val="tx1"/>
+          </a:solidFill>
+          <a:ln>
+            <a:noFill/>
+          </a:ln>
+        </p:spPr>
+        <p:style>
+          <a:lnRef idx="2">
+            <a:schemeClr val="accent1">
+              <a:shade val="15000"/>
+            </a:schemeClr>
+          </a:lnRef>
+          <a:fillRef idx="1">
+            <a:schemeClr val="accent1"/>
+          </a:fillRef>
+          <a:effectRef idx="0">
+            <a:schemeClr val="accent1"/>
+          </a:effectRef>
+          <a:fontRef idx="minor">
+            <a:schemeClr val="lt1"/>
+          </a:fontRef>
+        </p:style>
+        <p:txBody>
+          <a:bodyPr rtlCol="0" anchor="ctr"/>
+          <a:lstStyle/>
+          <a:p>
+            <a:pPr algn="ctr"/>
+            <a:endParaRPr lang="en-US"/>
+          </a:p>
+        </p:txBody>
+      </p:sp>
+      <p:sp>
+        <p:nvSpPr>
+          <p:cNvPr id="53" name="Oval 52">
+            <a:extLst>
+              <a:ext uri="{FF2B5EF4-FFF2-40B4-BE49-F238E27FC236}">
+                <a16:creationId xmlns:a16="http://schemas.microsoft.com/office/drawing/2014/main" id="{1AF8BE77-EF30-4B2F-66AA-3E108CBC1870}"/>
+              </a:ext>
+            </a:extLst>
+          </p:cNvPr>
+          <p:cNvSpPr/>
+          <p:nvPr/>
+        </p:nvSpPr>
+        <p:spPr>
+          <a:xfrm>
+            <a:off x="2840713" y="2121248"/>
+            <a:ext cx="72000" cy="72000"/>
+          </a:xfrm>
+          <a:prstGeom prst="ellipse">
+            <a:avLst/>
+          </a:prstGeom>
+          <a:solidFill>
+            <a:schemeClr val="tx1"/>
+          </a:solidFill>
+          <a:ln>
+            <a:noFill/>
+          </a:ln>
+        </p:spPr>
+        <p:style>
+          <a:lnRef idx="2">
+            <a:schemeClr val="accent1">
+              <a:shade val="15000"/>
+            </a:schemeClr>
+          </a:lnRef>
+          <a:fillRef idx="1">
+            <a:schemeClr val="accent1"/>
+          </a:fillRef>
+          <a:effectRef idx="0">
+            <a:schemeClr val="accent1"/>
+          </a:effectRef>
+          <a:fontRef idx="minor">
+            <a:schemeClr val="lt1"/>
+          </a:fontRef>
+        </p:style>
+        <p:txBody>
+          <a:bodyPr rtlCol="0" anchor="ctr"/>
+          <a:lstStyle/>
+          <a:p>
+            <a:pPr algn="ctr"/>
+            <a:endParaRPr lang="en-US"/>
+          </a:p>
+        </p:txBody>
+      </p:sp>
+      <p:sp>
+        <p:nvSpPr>
+          <p:cNvPr id="54" name="Oval 53">
+            <a:extLst>
+              <a:ext uri="{FF2B5EF4-FFF2-40B4-BE49-F238E27FC236}">
+                <a16:creationId xmlns:a16="http://schemas.microsoft.com/office/drawing/2014/main" id="{FD728B6E-BFEE-1C74-88B3-E2E3DB6F4344}"/>
+              </a:ext>
+            </a:extLst>
+          </p:cNvPr>
+          <p:cNvSpPr/>
+          <p:nvPr/>
+        </p:nvSpPr>
+        <p:spPr>
+          <a:xfrm>
+            <a:off x="2840713" y="1041248"/>
+            <a:ext cx="72000" cy="72000"/>
+          </a:xfrm>
+          <a:prstGeom prst="ellipse">
+            <a:avLst/>
+          </a:prstGeom>
+          <a:solidFill>
+            <a:schemeClr val="tx1"/>
+          </a:solidFill>
+          <a:ln>
+            <a:noFill/>
+          </a:ln>
+        </p:spPr>
+        <p:style>
+          <a:lnRef idx="2">
+            <a:schemeClr val="accent1">
+              <a:shade val="15000"/>
+            </a:schemeClr>
+          </a:lnRef>
+          <a:fillRef idx="1">
+            <a:schemeClr val="accent1"/>
+          </a:fillRef>
+          <a:effectRef idx="0">
+            <a:schemeClr val="accent1"/>
+          </a:effectRef>
+          <a:fontRef idx="minor">
+            <a:schemeClr val="lt1"/>
+          </a:fontRef>
+        </p:style>
+        <p:txBody>
+          <a:bodyPr rtlCol="0" anchor="ctr"/>
+          <a:lstStyle/>
+          <a:p>
+            <a:pPr algn="ctr"/>
+            <a:endParaRPr lang="en-US"/>
+          </a:p>
+        </p:txBody>
+      </p:sp>
+      <p:sp>
+        <p:nvSpPr>
+          <p:cNvPr id="55" name="Oval 54">
+            <a:extLst>
+              <a:ext uri="{FF2B5EF4-FFF2-40B4-BE49-F238E27FC236}">
+                <a16:creationId xmlns:a16="http://schemas.microsoft.com/office/drawing/2014/main" id="{E1F89C7B-95A0-263C-D97D-3AFE1D8E4675}"/>
+              </a:ext>
+            </a:extLst>
+          </p:cNvPr>
+          <p:cNvSpPr/>
+          <p:nvPr/>
+        </p:nvSpPr>
+        <p:spPr>
+          <a:xfrm>
+            <a:off x="1767288" y="1041248"/>
+            <a:ext cx="72000" cy="72000"/>
+          </a:xfrm>
+          <a:prstGeom prst="ellipse">
+            <a:avLst/>
+          </a:prstGeom>
+          <a:solidFill>
+            <a:schemeClr val="tx1"/>
+          </a:solidFill>
+          <a:ln>
+            <a:noFill/>
+          </a:ln>
+        </p:spPr>
+        <p:style>
+          <a:lnRef idx="2">
+            <a:schemeClr val="accent1">
+              <a:shade val="15000"/>
+            </a:schemeClr>
+          </a:lnRef>
+          <a:fillRef idx="1">
+            <a:schemeClr val="accent1"/>
+          </a:fillRef>
+          <a:effectRef idx="0">
+            <a:schemeClr val="accent1"/>
+          </a:effectRef>
+          <a:fontRef idx="minor">
+            <a:schemeClr val="lt1"/>
+          </a:fontRef>
+        </p:style>
+        <p:txBody>
+          <a:bodyPr rtlCol="0" anchor="ctr"/>
+          <a:lstStyle/>
+          <a:p>
+            <a:pPr algn="ctr"/>
+            <a:endParaRPr lang="en-US"/>
+          </a:p>
+        </p:txBody>
+      </p:sp>
+      <p:sp>
+        <p:nvSpPr>
+          <p:cNvPr id="56" name="TextBox 55">
+            <a:extLst>
+              <a:ext uri="{FF2B5EF4-FFF2-40B4-BE49-F238E27FC236}">
+                <a16:creationId xmlns:a16="http://schemas.microsoft.com/office/drawing/2014/main" id="{F80DD3C5-C94D-79A5-52DF-E8A520248D69}"/>
+              </a:ext>
+            </a:extLst>
+          </p:cNvPr>
+          <p:cNvSpPr txBox="1"/>
+          <p:nvPr/>
+        </p:nvSpPr>
+        <p:spPr>
+          <a:xfrm>
+            <a:off x="1570033" y="2157248"/>
+            <a:ext cx="193964" cy="184666"/>
+          </a:xfrm>
+          <a:prstGeom prst="rect">
+            <a:avLst/>
+          </a:prstGeom>
+          <a:noFill/>
+        </p:spPr>
+        <p:txBody>
+          <a:bodyPr wrap="none" lIns="0" tIns="0" rIns="0" bIns="0" rtlCol="0">
+            <a:spAutoFit/>
+          </a:bodyPr>
+          <a:lstStyle/>
+          <a:p>
+            <a:pPr/>
+            <a:r>
+              <a:rPr lang="en-US" sz="1200" dirty="0">
+                <a:solidFill>
+                  <a:srgbClr val="FF0000"/>
+                </a:solidFill>
+                <a:latin typeface="Georgia" panose="02040502050405020303" pitchFamily="18" charset="0"/>
+              </a:rPr>
+              <a:t>#0</a:t>
+            </a:r>
+          </a:p>
+        </p:txBody>
+      </p:sp>
+      <p:sp>
+        <p:nvSpPr>
+          <p:cNvPr id="57" name="TextBox 56">
+            <a:extLst>
+              <a:ext uri="{FF2B5EF4-FFF2-40B4-BE49-F238E27FC236}">
+                <a16:creationId xmlns:a16="http://schemas.microsoft.com/office/drawing/2014/main" id="{E93278AF-969B-3507-78F9-A474D504C21D}"/>
+              </a:ext>
+            </a:extLst>
+          </p:cNvPr>
+          <p:cNvSpPr txBox="1"/>
+          <p:nvPr/>
+        </p:nvSpPr>
+        <p:spPr>
+          <a:xfrm>
+            <a:off x="2921644" y="2163073"/>
+            <a:ext cx="165110" cy="184666"/>
+          </a:xfrm>
+          <a:prstGeom prst="rect">
+            <a:avLst/>
+          </a:prstGeom>
+          <a:noFill/>
+        </p:spPr>
+        <p:txBody>
+          <a:bodyPr wrap="none" lIns="0" tIns="0" rIns="0" bIns="0" rtlCol="0">
+            <a:spAutoFit/>
+          </a:bodyPr>
+          <a:lstStyle/>
+          <a:p>
+            <a:pPr/>
+            <a:r>
+              <a:rPr lang="en-US" sz="1200" dirty="0">
+                <a:solidFill>
+                  <a:srgbClr val="FF0000"/>
+                </a:solidFill>
+                <a:latin typeface="Georgia" panose="02040502050405020303" pitchFamily="18" charset="0"/>
+              </a:rPr>
+              <a:t>#1</a:t>
+            </a:r>
+          </a:p>
+        </p:txBody>
+      </p:sp>
+      <p:sp>
+        <p:nvSpPr>
+          <p:cNvPr id="58" name="TextBox 57">
+            <a:extLst>
+              <a:ext uri="{FF2B5EF4-FFF2-40B4-BE49-F238E27FC236}">
+                <a16:creationId xmlns:a16="http://schemas.microsoft.com/office/drawing/2014/main" id="{4FB5601F-AA75-53B6-7C77-3E1D95C07C47}"/>
+              </a:ext>
+            </a:extLst>
+          </p:cNvPr>
+          <p:cNvSpPr txBox="1"/>
+          <p:nvPr/>
+        </p:nvSpPr>
+        <p:spPr>
+          <a:xfrm>
+            <a:off x="2914408" y="886831"/>
+            <a:ext cx="185948" cy="184666"/>
+          </a:xfrm>
+          <a:prstGeom prst="rect">
+            <a:avLst/>
+          </a:prstGeom>
+          <a:noFill/>
+        </p:spPr>
+        <p:txBody>
+          <a:bodyPr wrap="none" lIns="0" tIns="0" rIns="0" bIns="0" rtlCol="0">
+            <a:spAutoFit/>
+          </a:bodyPr>
+          <a:lstStyle/>
+          <a:p>
+            <a:pPr/>
+            <a:r>
+              <a:rPr lang="en-US" sz="1200" dirty="0">
+                <a:solidFill>
+                  <a:srgbClr val="FF0000"/>
+                </a:solidFill>
+                <a:latin typeface="Georgia" panose="02040502050405020303" pitchFamily="18" charset="0"/>
+              </a:rPr>
+              <a:t>#2</a:t>
+            </a:r>
+          </a:p>
+        </p:txBody>
+      </p:sp>
+      <p:sp>
+        <p:nvSpPr>
+          <p:cNvPr id="59" name="TextBox 58">
+            <a:extLst>
+              <a:ext uri="{FF2B5EF4-FFF2-40B4-BE49-F238E27FC236}">
+                <a16:creationId xmlns:a16="http://schemas.microsoft.com/office/drawing/2014/main" id="{3C6D8F91-3C3F-0E4E-86A2-5A361D8EE24E}"/>
+              </a:ext>
+            </a:extLst>
+          </p:cNvPr>
+          <p:cNvSpPr txBox="1"/>
+          <p:nvPr/>
+        </p:nvSpPr>
+        <p:spPr>
+          <a:xfrm>
+            <a:off x="1561697" y="856582"/>
+            <a:ext cx="185948" cy="184666"/>
+          </a:xfrm>
+          <a:prstGeom prst="rect">
+            <a:avLst/>
+          </a:prstGeom>
+          <a:noFill/>
+        </p:spPr>
+        <p:txBody>
+          <a:bodyPr wrap="none" lIns="0" tIns="0" rIns="0" bIns="0" rtlCol="0">
+            <a:spAutoFit/>
+          </a:bodyPr>
+          <a:lstStyle/>
+          <a:p>
+            <a:pPr/>
+            <a:r>
+              <a:rPr lang="en-US" sz="1200" dirty="0">
+                <a:solidFill>
+                  <a:srgbClr val="FF0000"/>
+                </a:solidFill>
+                <a:latin typeface="Georgia" panose="02040502050405020303" pitchFamily="18" charset="0"/>
+              </a:rPr>
+              <a:t>#3</a:t>
+            </a:r>
+          </a:p>
+        </p:txBody>
+      </p:sp>
+      <p:sp>
+        <p:nvSpPr>
+          <p:cNvPr id="60" name="TextBox 59">
+            <a:extLst>
+              <a:ext uri="{FF2B5EF4-FFF2-40B4-BE49-F238E27FC236}">
+                <a16:creationId xmlns:a16="http://schemas.microsoft.com/office/drawing/2014/main" id="{CC6DF15E-E73E-FEBD-986C-2A1DC0DC072C}"/>
+              </a:ext>
+            </a:extLst>
+          </p:cNvPr>
+          <p:cNvSpPr txBox="1"/>
+          <p:nvPr/>
+        </p:nvSpPr>
+        <p:spPr>
+          <a:xfrm>
+            <a:off x="2307287" y="1703043"/>
+            <a:ext cx="530593" cy="323165"/>
+          </a:xfrm>
+          <a:prstGeom prst="rect">
+            <a:avLst/>
+          </a:prstGeom>
+          <a:noFill/>
+        </p:spPr>
+        <p:txBody>
+          <a:bodyPr wrap="none" lIns="0" tIns="0" rIns="0" bIns="0" rtlCol="0">
+            <a:spAutoFit/>
+          </a:bodyPr>
+          <a:lstStyle/>
+          <a:p>
+            <a:pPr algn="ctr"/>
+            <a:r>
+              <a:rPr lang="en-US" sz="1050" dirty="0">
+                <a:solidFill>
+                  <a:srgbClr val="00B050"/>
+                </a:solidFill>
+                <a:latin typeface="Georgia" panose="02040502050405020303" pitchFamily="18" charset="0"/>
+              </a:rPr>
+              <a:t>Triangle </a:t>
+            </a:r>
+            <a:br>
+              <a:rPr lang="en-US" sz="1050" dirty="0">
+                <a:solidFill>
+                  <a:srgbClr val="00B050"/>
+                </a:solidFill>
+                <a:latin typeface="Georgia" panose="02040502050405020303" pitchFamily="18" charset="0"/>
+              </a:rPr>
+            </a:br>
+            <a:r>
+              <a:rPr lang="en-US" sz="1050" dirty="0">
+                <a:solidFill>
+                  <a:srgbClr val="00B050"/>
+                </a:solidFill>
+                <a:latin typeface="Georgia" panose="02040502050405020303" pitchFamily="18" charset="0"/>
+              </a:rPr>
+              <a:t>#0</a:t>
+            </a:r>
+          </a:p>
+        </p:txBody>
+      </p:sp>
+      <p:sp>
+        <p:nvSpPr>
+          <p:cNvPr id="61" name="TextBox 60">
+            <a:extLst>
+              <a:ext uri="{FF2B5EF4-FFF2-40B4-BE49-F238E27FC236}">
+                <a16:creationId xmlns:a16="http://schemas.microsoft.com/office/drawing/2014/main" id="{DB735F25-550C-42F2-EC87-E4FED5CB2445}"/>
+              </a:ext>
+            </a:extLst>
+          </p:cNvPr>
+          <p:cNvSpPr txBox="1"/>
+          <p:nvPr/>
+        </p:nvSpPr>
+        <p:spPr>
+          <a:xfrm>
+            <a:off x="1867709" y="1213791"/>
+            <a:ext cx="530593" cy="323165"/>
+          </a:xfrm>
+          <a:prstGeom prst="rect">
+            <a:avLst/>
+          </a:prstGeom>
+          <a:noFill/>
+        </p:spPr>
+        <p:txBody>
+          <a:bodyPr wrap="none" lIns="0" tIns="0" rIns="0" bIns="0" rtlCol="0">
+            <a:spAutoFit/>
+          </a:bodyPr>
+          <a:lstStyle/>
+          <a:p>
+            <a:pPr algn="ctr"/>
+            <a:r>
+              <a:rPr lang="en-US" sz="1050" dirty="0">
+                <a:solidFill>
+                  <a:srgbClr val="00B050"/>
+                </a:solidFill>
+                <a:latin typeface="Georgia" panose="02040502050405020303" pitchFamily="18" charset="0"/>
+              </a:rPr>
+              <a:t>Triangle </a:t>
+            </a:r>
+            <a:br>
+              <a:rPr lang="en-US" sz="1050" dirty="0">
+                <a:solidFill>
+                  <a:srgbClr val="00B050"/>
+                </a:solidFill>
+                <a:latin typeface="Georgia" panose="02040502050405020303" pitchFamily="18" charset="0"/>
+              </a:rPr>
+            </a:br>
+            <a:r>
+              <a:rPr lang="en-US" sz="1050" dirty="0">
+                <a:solidFill>
+                  <a:srgbClr val="00B050"/>
+                </a:solidFill>
+                <a:latin typeface="Georgia" panose="02040502050405020303" pitchFamily="18" charset="0"/>
+              </a:rPr>
+              <a:t>#1</a:t>
+            </a:r>
+          </a:p>
+        </p:txBody>
+      </p:sp>
+    </p:spTree>
+    <p:extLst>
+      <p:ext uri="{BB962C8B-B14F-4D97-AF65-F5344CB8AC3E}">
+        <p14:creationId xmlns:p14="http://schemas.microsoft.com/office/powerpoint/2010/main" val="1973375253"/>
+      </p:ext>
+    </p:extLst>
+  </p:cSld>
+  <p:clrMapOvr>
+    <a:masterClrMapping/>
+  </p:clrMapOvr>
+</p:sld>
+</file>
+
+<file path=ppt/slides/slide9.xml><?xml version="1.0" encoding="utf-8"?>
+<p:sld xmlns:a="http://schemas.openxmlformats.org/drawingml/2006/main" xmlns:r="http://schemas.openxmlformats.org/officeDocument/2006/relationships" xmlns:p="http://schemas.openxmlformats.org/presentationml/2006/main">
+  <p:cSld>
+    <p:spTree>
+      <p:nvGrpSpPr>
+        <p:cNvPr id="1" name=""/>
+        <p:cNvGrpSpPr/>
+        <p:nvPr/>
+      </p:nvGrpSpPr>
+      <p:grpSpPr>
+        <a:xfrm>
+          <a:off x="0" y="0"/>
+          <a:ext cx="0" cy="0"/>
+          <a:chOff x="0" y="0"/>
+          <a:chExt cx="0" cy="0"/>
+        </a:xfrm>
+      </p:grpSpPr>
+      <p:cxnSp>
+        <p:nvCxnSpPr>
+          <p:cNvPr id="3" name="Straight Arrow Connector 2">
+            <a:extLst>
+              <a:ext uri="{FF2B5EF4-FFF2-40B4-BE49-F238E27FC236}">
+                <a16:creationId xmlns:a16="http://schemas.microsoft.com/office/drawing/2014/main" id="{51C1DA7E-A2D7-0AF7-1E0E-B79F6DB3A8BE}"/>
+              </a:ext>
+            </a:extLst>
+          </p:cNvPr>
+          <p:cNvCxnSpPr>
+            <a:cxnSpLocks/>
+          </p:cNvCxnSpPr>
+          <p:nvPr/>
+        </p:nvCxnSpPr>
+        <p:spPr>
+          <a:xfrm flipV="1">
+            <a:off x="720000" y="1080000"/>
+            <a:ext cx="3240000" cy="0"/>
+          </a:xfrm>
+          <a:prstGeom prst="straightConnector1">
+            <a:avLst/>
+          </a:prstGeom>
+          <a:ln w="12700">
+            <a:solidFill>
+              <a:schemeClr val="bg1">
+                <a:lumMod val="85000"/>
+              </a:schemeClr>
+            </a:solidFill>
+            <a:prstDash val="dash"/>
+            <a:headEnd type="none"/>
+            <a:tailEnd type="none"/>
+          </a:ln>
+        </p:spPr>
+        <p:style>
+          <a:lnRef idx="1">
+            <a:schemeClr val="accent1"/>
+          </a:lnRef>
+          <a:fillRef idx="0">
+            <a:schemeClr val="accent1"/>
+          </a:fillRef>
+          <a:effectRef idx="0">
+            <a:schemeClr val="accent1"/>
+          </a:effectRef>
+          <a:fontRef idx="minor">
+            <a:schemeClr val="tx1"/>
+          </a:fontRef>
+        </p:style>
+      </p:cxnSp>
+      <p:cxnSp>
+        <p:nvCxnSpPr>
+          <p:cNvPr id="4" name="Straight Arrow Connector 3">
+            <a:extLst>
+              <a:ext uri="{FF2B5EF4-FFF2-40B4-BE49-F238E27FC236}">
+                <a16:creationId xmlns:a16="http://schemas.microsoft.com/office/drawing/2014/main" id="{5EA772A8-7170-AAEA-FF83-D04BB18F0A06}"/>
+              </a:ext>
+            </a:extLst>
+          </p:cNvPr>
+          <p:cNvCxnSpPr>
+            <a:cxnSpLocks/>
+          </p:cNvCxnSpPr>
+          <p:nvPr/>
+        </p:nvCxnSpPr>
+        <p:spPr>
+          <a:xfrm flipV="1">
+            <a:off x="720000" y="1620000"/>
+            <a:ext cx="3240000" cy="0"/>
+          </a:xfrm>
+          <a:prstGeom prst="straightConnector1">
+            <a:avLst/>
+          </a:prstGeom>
+          <a:ln w="12700">
+            <a:solidFill>
+              <a:schemeClr val="bg1">
+                <a:lumMod val="85000"/>
+              </a:schemeClr>
+            </a:solidFill>
+            <a:prstDash val="sysDot"/>
+            <a:headEnd type="none"/>
+            <a:tailEnd type="none"/>
+          </a:ln>
+        </p:spPr>
+        <p:style>
+          <a:lnRef idx="1">
+            <a:schemeClr val="accent1"/>
+          </a:lnRef>
+          <a:fillRef idx="0">
+            <a:schemeClr val="accent1"/>
+          </a:fillRef>
+          <a:effectRef idx="0">
+            <a:schemeClr val="accent1"/>
+          </a:effectRef>
+          <a:fontRef idx="minor">
+            <a:schemeClr val="tx1"/>
+          </a:fontRef>
+        </p:style>
+      </p:cxnSp>
+      <p:cxnSp>
+        <p:nvCxnSpPr>
+          <p:cNvPr id="6" name="Straight Arrow Connector 5">
+            <a:extLst>
+              <a:ext uri="{FF2B5EF4-FFF2-40B4-BE49-F238E27FC236}">
+                <a16:creationId xmlns:a16="http://schemas.microsoft.com/office/drawing/2014/main" id="{A0D3A6E5-81EF-649B-7423-0DE9421A39F8}"/>
+              </a:ext>
+            </a:extLst>
+          </p:cNvPr>
+          <p:cNvCxnSpPr>
+            <a:cxnSpLocks/>
+          </p:cNvCxnSpPr>
+          <p:nvPr/>
+        </p:nvCxnSpPr>
+        <p:spPr>
+          <a:xfrm flipV="1">
+            <a:off x="720000" y="2160000"/>
+            <a:ext cx="3240000" cy="0"/>
+          </a:xfrm>
+          <a:prstGeom prst="straightConnector1">
+            <a:avLst/>
+          </a:prstGeom>
+          <a:ln w="12700">
+            <a:solidFill>
+              <a:schemeClr val="bg1">
+                <a:lumMod val="85000"/>
+              </a:schemeClr>
+            </a:solidFill>
+            <a:prstDash val="dash"/>
+            <a:headEnd type="none"/>
+            <a:tailEnd type="none"/>
+          </a:ln>
+        </p:spPr>
+        <p:style>
+          <a:lnRef idx="1">
+            <a:schemeClr val="accent1"/>
+          </a:lnRef>
+          <a:fillRef idx="0">
+            <a:schemeClr val="accent1"/>
+          </a:fillRef>
+          <a:effectRef idx="0">
+            <a:schemeClr val="accent1"/>
+          </a:effectRef>
+          <a:fontRef idx="minor">
+            <a:schemeClr val="tx1"/>
+          </a:fontRef>
+        </p:style>
+      </p:cxnSp>
+      <p:cxnSp>
+        <p:nvCxnSpPr>
+          <p:cNvPr id="7" name="Straight Arrow Connector 6">
+            <a:extLst>
+              <a:ext uri="{FF2B5EF4-FFF2-40B4-BE49-F238E27FC236}">
+                <a16:creationId xmlns:a16="http://schemas.microsoft.com/office/drawing/2014/main" id="{6894F66E-F30A-CC56-28BA-AE00467B8762}"/>
+              </a:ext>
+            </a:extLst>
+          </p:cNvPr>
+          <p:cNvCxnSpPr>
+            <a:cxnSpLocks/>
+          </p:cNvCxnSpPr>
+          <p:nvPr/>
+        </p:nvCxnSpPr>
+        <p:spPr>
+          <a:xfrm flipV="1">
+            <a:off x="720000" y="2700000"/>
+            <a:ext cx="3240000" cy="0"/>
+          </a:xfrm>
+          <a:prstGeom prst="straightConnector1">
+            <a:avLst/>
+          </a:prstGeom>
+          <a:ln w="12700">
+            <a:solidFill>
+              <a:schemeClr val="bg1">
+                <a:lumMod val="85000"/>
+              </a:schemeClr>
+            </a:solidFill>
+            <a:prstDash val="sysDot"/>
+            <a:headEnd type="none"/>
+            <a:tailEnd type="none"/>
+          </a:ln>
+        </p:spPr>
+        <p:style>
+          <a:lnRef idx="1">
+            <a:schemeClr val="accent1"/>
+          </a:lnRef>
+          <a:fillRef idx="0">
+            <a:schemeClr val="accent1"/>
+          </a:fillRef>
+          <a:effectRef idx="0">
+            <a:schemeClr val="accent1"/>
+          </a:effectRef>
+          <a:fontRef idx="minor">
+            <a:schemeClr val="tx1"/>
+          </a:fontRef>
+        </p:style>
+      </p:cxnSp>
+      <p:cxnSp>
+        <p:nvCxnSpPr>
+          <p:cNvPr id="9" name="Straight Arrow Connector 8">
+            <a:extLst>
+              <a:ext uri="{FF2B5EF4-FFF2-40B4-BE49-F238E27FC236}">
+                <a16:creationId xmlns:a16="http://schemas.microsoft.com/office/drawing/2014/main" id="{3A51D035-BB96-38C0-5F03-D7B7526E7654}"/>
+              </a:ext>
+            </a:extLst>
+          </p:cNvPr>
+          <p:cNvCxnSpPr>
+            <a:cxnSpLocks/>
+          </p:cNvCxnSpPr>
+          <p:nvPr/>
+        </p:nvCxnSpPr>
+        <p:spPr>
+          <a:xfrm flipV="1">
+            <a:off x="1260000" y="360000"/>
+            <a:ext cx="0" cy="2520000"/>
+          </a:xfrm>
+          <a:prstGeom prst="straightConnector1">
+            <a:avLst/>
+          </a:prstGeom>
+          <a:ln w="12700">
+            <a:solidFill>
+              <a:schemeClr val="bg1">
+                <a:lumMod val="85000"/>
+              </a:schemeClr>
+            </a:solidFill>
+            <a:prstDash val="sysDot"/>
+            <a:headEnd type="none"/>
+            <a:tailEnd type="none"/>
+          </a:ln>
+        </p:spPr>
+        <p:style>
+          <a:lnRef idx="1">
+            <a:schemeClr val="accent1"/>
+          </a:lnRef>
+          <a:fillRef idx="0">
+            <a:schemeClr val="accent1"/>
+          </a:fillRef>
+          <a:effectRef idx="0">
+            <a:schemeClr val="accent1"/>
+          </a:effectRef>
+          <a:fontRef idx="minor">
+            <a:schemeClr val="tx1"/>
+          </a:fontRef>
+        </p:style>
+      </p:cxnSp>
+      <p:cxnSp>
+        <p:nvCxnSpPr>
+          <p:cNvPr id="10" name="Straight Arrow Connector 9">
+            <a:extLst>
+              <a:ext uri="{FF2B5EF4-FFF2-40B4-BE49-F238E27FC236}">
+                <a16:creationId xmlns:a16="http://schemas.microsoft.com/office/drawing/2014/main" id="{67EBA4F3-6AE3-51B6-E78F-8440B2C8F73D}"/>
+              </a:ext>
+            </a:extLst>
+          </p:cNvPr>
+          <p:cNvCxnSpPr>
+            <a:cxnSpLocks/>
+          </p:cNvCxnSpPr>
+          <p:nvPr/>
+        </p:nvCxnSpPr>
+        <p:spPr>
+          <a:xfrm flipV="1">
+            <a:off x="1800000" y="360000"/>
+            <a:ext cx="0" cy="2520000"/>
+          </a:xfrm>
+          <a:prstGeom prst="straightConnector1">
+            <a:avLst/>
+          </a:prstGeom>
+          <a:ln w="12700">
+            <a:solidFill>
+              <a:schemeClr val="bg1">
+                <a:lumMod val="85000"/>
+              </a:schemeClr>
+            </a:solidFill>
+            <a:prstDash val="dash"/>
+            <a:headEnd type="none"/>
+            <a:tailEnd type="none"/>
+          </a:ln>
+        </p:spPr>
+        <p:style>
+          <a:lnRef idx="1">
+            <a:schemeClr val="accent1"/>
+          </a:lnRef>
+          <a:fillRef idx="0">
+            <a:schemeClr val="accent1"/>
+          </a:fillRef>
+          <a:effectRef idx="0">
+            <a:schemeClr val="accent1"/>
+          </a:effectRef>
+          <a:fontRef idx="minor">
+            <a:schemeClr val="tx1"/>
+          </a:fontRef>
+        </p:style>
+      </p:cxnSp>
+      <p:cxnSp>
+        <p:nvCxnSpPr>
+          <p:cNvPr id="11" name="Straight Arrow Connector 10">
+            <a:extLst>
+              <a:ext uri="{FF2B5EF4-FFF2-40B4-BE49-F238E27FC236}">
+                <a16:creationId xmlns:a16="http://schemas.microsoft.com/office/drawing/2014/main" id="{7801489C-451B-6799-74BE-5EED86A4C204}"/>
+              </a:ext>
+            </a:extLst>
+          </p:cNvPr>
+          <p:cNvCxnSpPr>
+            <a:cxnSpLocks/>
+          </p:cNvCxnSpPr>
+          <p:nvPr/>
+        </p:nvCxnSpPr>
+        <p:spPr>
+          <a:xfrm flipV="1">
+            <a:off x="2340000" y="360000"/>
+            <a:ext cx="0" cy="2520000"/>
+          </a:xfrm>
+          <a:prstGeom prst="straightConnector1">
+            <a:avLst/>
+          </a:prstGeom>
+          <a:ln w="12700">
+            <a:solidFill>
+              <a:schemeClr val="bg1">
+                <a:lumMod val="85000"/>
+              </a:schemeClr>
+            </a:solidFill>
+            <a:prstDash val="sysDot"/>
+            <a:headEnd type="none"/>
+            <a:tailEnd type="none"/>
+          </a:ln>
+        </p:spPr>
+        <p:style>
+          <a:lnRef idx="1">
+            <a:schemeClr val="accent1"/>
+          </a:lnRef>
+          <a:fillRef idx="0">
+            <a:schemeClr val="accent1"/>
+          </a:fillRef>
+          <a:effectRef idx="0">
+            <a:schemeClr val="accent1"/>
+          </a:effectRef>
+          <a:fontRef idx="minor">
+            <a:schemeClr val="tx1"/>
+          </a:fontRef>
+        </p:style>
+      </p:cxnSp>
+      <p:cxnSp>
+        <p:nvCxnSpPr>
+          <p:cNvPr id="13" name="Straight Arrow Connector 12">
+            <a:extLst>
+              <a:ext uri="{FF2B5EF4-FFF2-40B4-BE49-F238E27FC236}">
+                <a16:creationId xmlns:a16="http://schemas.microsoft.com/office/drawing/2014/main" id="{579BC832-D079-5413-439E-36A943327F78}"/>
+              </a:ext>
+            </a:extLst>
+          </p:cNvPr>
+          <p:cNvCxnSpPr>
+            <a:cxnSpLocks/>
+          </p:cNvCxnSpPr>
+          <p:nvPr/>
+        </p:nvCxnSpPr>
+        <p:spPr>
+          <a:xfrm flipV="1">
+            <a:off x="2880000" y="360000"/>
+            <a:ext cx="0" cy="2520000"/>
+          </a:xfrm>
+          <a:prstGeom prst="straightConnector1">
+            <a:avLst/>
+          </a:prstGeom>
+          <a:ln w="12700">
+            <a:solidFill>
+              <a:schemeClr val="bg1">
+                <a:lumMod val="85000"/>
+              </a:schemeClr>
+            </a:solidFill>
+            <a:prstDash val="dash"/>
+            <a:headEnd type="none"/>
+            <a:tailEnd type="none"/>
+          </a:ln>
+        </p:spPr>
+        <p:style>
+          <a:lnRef idx="1">
+            <a:schemeClr val="accent1"/>
+          </a:lnRef>
+          <a:fillRef idx="0">
+            <a:schemeClr val="accent1"/>
+          </a:fillRef>
+          <a:effectRef idx="0">
+            <a:schemeClr val="accent1"/>
+          </a:effectRef>
+          <a:fontRef idx="minor">
+            <a:schemeClr val="tx1"/>
+          </a:fontRef>
+        </p:style>
+      </p:cxnSp>
+      <p:cxnSp>
+        <p:nvCxnSpPr>
+          <p:cNvPr id="14" name="Straight Arrow Connector 13">
+            <a:extLst>
+              <a:ext uri="{FF2B5EF4-FFF2-40B4-BE49-F238E27FC236}">
+                <a16:creationId xmlns:a16="http://schemas.microsoft.com/office/drawing/2014/main" id="{A4E6C919-1D9C-F8E9-8A52-7A51F09C2DEB}"/>
+              </a:ext>
+            </a:extLst>
+          </p:cNvPr>
+          <p:cNvCxnSpPr>
+            <a:cxnSpLocks/>
+          </p:cNvCxnSpPr>
+          <p:nvPr/>
+        </p:nvCxnSpPr>
+        <p:spPr>
+          <a:xfrm flipV="1">
+            <a:off x="3420000" y="360000"/>
+            <a:ext cx="0" cy="2520000"/>
+          </a:xfrm>
+          <a:prstGeom prst="straightConnector1">
+            <a:avLst/>
+          </a:prstGeom>
+          <a:ln w="12700">
+            <a:solidFill>
+              <a:schemeClr val="bg1">
+                <a:lumMod val="85000"/>
+              </a:schemeClr>
+            </a:solidFill>
+            <a:prstDash val="sysDot"/>
+            <a:headEnd type="none"/>
+            <a:tailEnd type="none"/>
+          </a:ln>
+        </p:spPr>
+        <p:style>
+          <a:lnRef idx="1">
+            <a:schemeClr val="accent1"/>
+          </a:lnRef>
+          <a:fillRef idx="0">
+            <a:schemeClr val="accent1"/>
+          </a:fillRef>
+          <a:effectRef idx="0">
+            <a:schemeClr val="accent1"/>
+          </a:effectRef>
+          <a:fontRef idx="minor">
+            <a:schemeClr val="tx1"/>
+          </a:fontRef>
+        </p:style>
+      </p:cxnSp>
+      <mc:AlternateContent xmlns:mc="http://schemas.openxmlformats.org/markup-compatibility/2006">
+        <mc:Choice xmlns:a14="http://schemas.microsoft.com/office/drawing/2010/main" Requires="a14">
+          <p:sp>
+            <p:nvSpPr>
+              <p:cNvPr id="28" name="TextBox 27">
+                <a:extLst>
+                  <a:ext uri="{FF2B5EF4-FFF2-40B4-BE49-F238E27FC236}">
+                    <a16:creationId xmlns:a16="http://schemas.microsoft.com/office/drawing/2014/main" id="{65226825-760D-12E4-12A4-CAF3D690F9A9}"/>
+                  </a:ext>
+                </a:extLst>
+              </p:cNvPr>
+              <p:cNvSpPr txBox="1"/>
+              <p:nvPr/>
+            </p:nvSpPr>
+            <p:spPr>
+              <a:xfrm>
+                <a:off x="1466994" y="2880000"/>
+                <a:ext cx="666012" cy="276999"/>
+              </a:xfrm>
+              <a:prstGeom prst="rect">
+                <a:avLst/>
+              </a:prstGeom>
+              <a:noFill/>
+            </p:spPr>
+            <p:txBody>
+              <a:bodyPr wrap="square" rtlCol="0">
+                <a:spAutoFit/>
+              </a:bodyPr>
+              <a:lstStyle/>
+              <a:p>
+                <a:pPr/>
+                <a14:m>
+                  <m:oMathPara xmlns:m="http://schemas.openxmlformats.org/officeDocument/2006/math">
+                    <m:oMathParaPr>
+                      <m:jc m:val="centerGroup"/>
+                    </m:oMathParaPr>
+                    <m:oMath xmlns:m="http://schemas.openxmlformats.org/officeDocument/2006/math">
+                      <m:r>
+                        <a:rPr lang="en-US" sz="1200" b="1" i="0" smtClean="0">
+                          <a:latin typeface="Cambria Math" panose="02040503050406030204" pitchFamily="18" charset="0"/>
+                        </a:rPr>
+                        <m:t>𝐱</m:t>
+                      </m:r>
+                      <m:r>
+                        <a:rPr lang="en-US" sz="1200" b="0" i="0" smtClean="0">
+                          <a:latin typeface="Cambria Math" panose="02040503050406030204" pitchFamily="18" charset="0"/>
+                        </a:rPr>
+                        <m:t>=</m:t>
+                      </m:r>
+                      <m:r>
+                        <a:rPr lang="en-US" sz="1200" b="0" i="0" smtClean="0">
+                          <a:latin typeface="Cambria Math" panose="02040503050406030204" pitchFamily="18" charset="0"/>
+                        </a:rPr>
+                        <m:t>0</m:t>
+                      </m:r>
+                    </m:oMath>
+                  </m:oMathPara>
+                </a14:m>
+                <a:endParaRPr lang="en-US" sz="1200" dirty="0"/>
+              </a:p>
+            </p:txBody>
+          </p:sp>
+        </mc:Choice>
+        <mc:Fallback>
+          <p:sp>
+            <p:nvSpPr>
+              <p:cNvPr id="28" name="TextBox 27">
+                <a:extLst>
+                  <a:ext uri="{FF2B5EF4-FFF2-40B4-BE49-F238E27FC236}">
+                    <a16:creationId xmlns:a16="http://schemas.microsoft.com/office/drawing/2014/main" id="{65226825-760D-12E4-12A4-CAF3D690F9A9}"/>
+                  </a:ext>
+                </a:extLst>
+              </p:cNvPr>
+              <p:cNvSpPr txBox="1">
+                <a:spLocks noRot="1" noChangeAspect="1" noMove="1" noResize="1" noEditPoints="1" noAdjustHandles="1" noChangeArrowheads="1" noChangeShapeType="1" noTextEdit="1"/>
+              </p:cNvSpPr>
+              <p:nvPr/>
+            </p:nvSpPr>
+            <p:spPr>
+              <a:xfrm>
+                <a:off x="1466994" y="2880000"/>
+                <a:ext cx="666012" cy="276999"/>
+              </a:xfrm>
+              <a:prstGeom prst="rect">
+                <a:avLst/>
+              </a:prstGeom>
+              <a:blipFill>
+                <a:blip r:embed="rId2"/>
+                <a:stretch>
+                  <a:fillRect/>
+                </a:stretch>
+              </a:blipFill>
+            </p:spPr>
+            <p:txBody>
+              <a:bodyPr/>
+              <a:lstStyle/>
+              <a:p>
+                <a:r>
+                  <a:rPr lang="en-US">
+                    <a:noFill/>
+                  </a:rPr>
+                  <a:t> </a:t>
+                </a:r>
+              </a:p>
+            </p:txBody>
+          </p:sp>
+        </mc:Fallback>
+      </mc:AlternateContent>
+      <mc:AlternateContent xmlns:mc="http://schemas.openxmlformats.org/markup-compatibility/2006">
+        <mc:Choice xmlns:a14="http://schemas.microsoft.com/office/drawing/2010/main" Requires="a14">
+          <p:sp>
+            <p:nvSpPr>
+              <p:cNvPr id="29" name="TextBox 28">
+                <a:extLst>
+                  <a:ext uri="{FF2B5EF4-FFF2-40B4-BE49-F238E27FC236}">
+                    <a16:creationId xmlns:a16="http://schemas.microsoft.com/office/drawing/2014/main" id="{929E9C6C-AEAF-EFBE-FBDB-17D9EA02EFE6}"/>
+                  </a:ext>
+                </a:extLst>
+              </p:cNvPr>
+              <p:cNvSpPr txBox="1"/>
+              <p:nvPr/>
+            </p:nvSpPr>
+            <p:spPr>
+              <a:xfrm>
+                <a:off x="2573989" y="2880000"/>
+                <a:ext cx="612022" cy="276999"/>
+              </a:xfrm>
+              <a:prstGeom prst="rect">
+                <a:avLst/>
+              </a:prstGeom>
+              <a:noFill/>
+            </p:spPr>
+            <p:txBody>
+              <a:bodyPr wrap="square" rtlCol="0">
+                <a:spAutoFit/>
+              </a:bodyPr>
+              <a:lstStyle/>
+              <a:p>
+                <a:pPr/>
+                <a14:m>
+                  <m:oMathPara xmlns:m="http://schemas.openxmlformats.org/officeDocument/2006/math">
+                    <m:oMathParaPr>
+                      <m:jc m:val="centerGroup"/>
+                    </m:oMathParaPr>
+                    <m:oMath xmlns:m="http://schemas.openxmlformats.org/officeDocument/2006/math">
+                      <m:r>
+                        <a:rPr lang="en-US" sz="1200" b="1" i="0" smtClean="0">
+                          <a:latin typeface="Cambria Math" panose="02040503050406030204" pitchFamily="18" charset="0"/>
+                        </a:rPr>
+                        <m:t>𝐱</m:t>
+                      </m:r>
+                      <m:r>
+                        <a:rPr lang="en-US" sz="1200" b="0" i="0" smtClean="0">
+                          <a:latin typeface="Cambria Math" panose="02040503050406030204" pitchFamily="18" charset="0"/>
+                        </a:rPr>
+                        <m:t>=</m:t>
+                      </m:r>
+                      <m:r>
+                        <a:rPr lang="en-US" sz="1200" b="0" i="0" smtClean="0">
+                          <a:latin typeface="Cambria Math" panose="02040503050406030204" pitchFamily="18" charset="0"/>
+                        </a:rPr>
+                        <m:t>1</m:t>
+                      </m:r>
+                    </m:oMath>
+                  </m:oMathPara>
+                </a14:m>
+                <a:endParaRPr lang="en-US" sz="1200" dirty="0"/>
+              </a:p>
+            </p:txBody>
+          </p:sp>
+        </mc:Choice>
+        <mc:Fallback>
+          <p:sp>
+            <p:nvSpPr>
+              <p:cNvPr id="29" name="TextBox 28">
+                <a:extLst>
+                  <a:ext uri="{FF2B5EF4-FFF2-40B4-BE49-F238E27FC236}">
+                    <a16:creationId xmlns:a16="http://schemas.microsoft.com/office/drawing/2014/main" id="{929E9C6C-AEAF-EFBE-FBDB-17D9EA02EFE6}"/>
+                  </a:ext>
+                </a:extLst>
+              </p:cNvPr>
+              <p:cNvSpPr txBox="1">
+                <a:spLocks noRot="1" noChangeAspect="1" noMove="1" noResize="1" noEditPoints="1" noAdjustHandles="1" noChangeArrowheads="1" noChangeShapeType="1" noTextEdit="1"/>
+              </p:cNvSpPr>
+              <p:nvPr/>
+            </p:nvSpPr>
+            <p:spPr>
+              <a:xfrm>
+                <a:off x="2573989" y="2880000"/>
+                <a:ext cx="612022" cy="276999"/>
+              </a:xfrm>
+              <a:prstGeom prst="rect">
+                <a:avLst/>
+              </a:prstGeom>
+              <a:blipFill>
+                <a:blip r:embed="rId3"/>
+                <a:stretch>
+                  <a:fillRect/>
+                </a:stretch>
+              </a:blipFill>
+            </p:spPr>
+            <p:txBody>
+              <a:bodyPr/>
+              <a:lstStyle/>
+              <a:p>
+                <a:r>
+                  <a:rPr lang="en-US">
+                    <a:noFill/>
+                  </a:rPr>
+                  <a:t> </a:t>
+                </a:r>
+              </a:p>
+            </p:txBody>
+          </p:sp>
+        </mc:Fallback>
+      </mc:AlternateContent>
+      <mc:AlternateContent xmlns:mc="http://schemas.openxmlformats.org/markup-compatibility/2006">
+        <mc:Choice xmlns:a14="http://schemas.microsoft.com/office/drawing/2010/main" Requires="a14">
+          <p:sp>
+            <p:nvSpPr>
+              <p:cNvPr id="30" name="TextBox 29">
+                <a:extLst>
+                  <a:ext uri="{FF2B5EF4-FFF2-40B4-BE49-F238E27FC236}">
+                    <a16:creationId xmlns:a16="http://schemas.microsoft.com/office/drawing/2014/main" id="{FC586A48-F811-58C1-042D-111295C127A5}"/>
+                  </a:ext>
+                </a:extLst>
+              </p:cNvPr>
+              <p:cNvSpPr txBox="1"/>
+              <p:nvPr/>
+            </p:nvSpPr>
+            <p:spPr>
+              <a:xfrm>
+                <a:off x="131688" y="2021500"/>
+                <a:ext cx="666012" cy="276999"/>
+              </a:xfrm>
+              <a:prstGeom prst="rect">
+                <a:avLst/>
+              </a:prstGeom>
+              <a:noFill/>
+            </p:spPr>
+            <p:txBody>
+              <a:bodyPr wrap="square" rtlCol="0">
+                <a:spAutoFit/>
+              </a:bodyPr>
+              <a:lstStyle/>
+              <a:p>
+                <a:pPr/>
+                <a14:m>
+                  <m:oMathPara xmlns:m="http://schemas.openxmlformats.org/officeDocument/2006/math">
+                    <m:oMathParaPr>
+                      <m:jc m:val="centerGroup"/>
+                    </m:oMathParaPr>
+                    <m:oMath xmlns:m="http://schemas.openxmlformats.org/officeDocument/2006/math">
+                      <m:r>
+                        <a:rPr lang="en-US" sz="1200" b="1" i="0" smtClean="0">
+                          <a:latin typeface="Cambria Math" panose="02040503050406030204" pitchFamily="18" charset="0"/>
+                        </a:rPr>
+                        <m:t>𝐲</m:t>
+                      </m:r>
+                      <m:r>
+                        <a:rPr lang="en-US" sz="1200" b="0" i="0" smtClean="0">
+                          <a:latin typeface="Cambria Math" panose="02040503050406030204" pitchFamily="18" charset="0"/>
+                        </a:rPr>
+                        <m:t>=</m:t>
+                      </m:r>
+                      <m:r>
+                        <a:rPr lang="en-US" sz="1200" b="0" i="0" smtClean="0">
+                          <a:latin typeface="Cambria Math" panose="02040503050406030204" pitchFamily="18" charset="0"/>
+                        </a:rPr>
+                        <m:t>0</m:t>
+                      </m:r>
+                    </m:oMath>
+                  </m:oMathPara>
+                </a14:m>
+                <a:endParaRPr lang="en-US" sz="1200" dirty="0"/>
+              </a:p>
+            </p:txBody>
+          </p:sp>
+        </mc:Choice>
+        <mc:Fallback>
+          <p:sp>
+            <p:nvSpPr>
+              <p:cNvPr id="30" name="TextBox 29">
+                <a:extLst>
+                  <a:ext uri="{FF2B5EF4-FFF2-40B4-BE49-F238E27FC236}">
+                    <a16:creationId xmlns:a16="http://schemas.microsoft.com/office/drawing/2014/main" id="{FC586A48-F811-58C1-042D-111295C127A5}"/>
+                  </a:ext>
+                </a:extLst>
+              </p:cNvPr>
+              <p:cNvSpPr txBox="1">
+                <a:spLocks noRot="1" noChangeAspect="1" noMove="1" noResize="1" noEditPoints="1" noAdjustHandles="1" noChangeArrowheads="1" noChangeShapeType="1" noTextEdit="1"/>
+              </p:cNvSpPr>
+              <p:nvPr/>
+            </p:nvSpPr>
+            <p:spPr>
+              <a:xfrm>
+                <a:off x="131688" y="2021500"/>
+                <a:ext cx="666012" cy="276999"/>
+              </a:xfrm>
+              <a:prstGeom prst="rect">
+                <a:avLst/>
+              </a:prstGeom>
+              <a:blipFill>
+                <a:blip r:embed="rId4"/>
+                <a:stretch>
+                  <a:fillRect/>
+                </a:stretch>
+              </a:blipFill>
+            </p:spPr>
+            <p:txBody>
+              <a:bodyPr/>
+              <a:lstStyle/>
+              <a:p>
+                <a:r>
+                  <a:rPr lang="en-US">
+                    <a:noFill/>
+                  </a:rPr>
+                  <a:t> </a:t>
+                </a:r>
+              </a:p>
+            </p:txBody>
+          </p:sp>
+        </mc:Fallback>
+      </mc:AlternateContent>
+      <mc:AlternateContent xmlns:mc="http://schemas.openxmlformats.org/markup-compatibility/2006">
+        <mc:Choice xmlns:a14="http://schemas.microsoft.com/office/drawing/2010/main" Requires="a14">
+          <p:sp>
+            <p:nvSpPr>
+              <p:cNvPr id="31" name="TextBox 30">
+                <a:extLst>
+                  <a:ext uri="{FF2B5EF4-FFF2-40B4-BE49-F238E27FC236}">
+                    <a16:creationId xmlns:a16="http://schemas.microsoft.com/office/drawing/2014/main" id="{68AD8679-90B8-29F9-D09B-F8A2D72E60FC}"/>
+                  </a:ext>
+                </a:extLst>
+              </p:cNvPr>
+              <p:cNvSpPr txBox="1"/>
+              <p:nvPr/>
+            </p:nvSpPr>
+            <p:spPr>
+              <a:xfrm>
+                <a:off x="153188" y="941500"/>
+                <a:ext cx="666012" cy="276999"/>
+              </a:xfrm>
+              <a:prstGeom prst="rect">
+                <a:avLst/>
+              </a:prstGeom>
+              <a:noFill/>
+            </p:spPr>
+            <p:txBody>
+              <a:bodyPr wrap="square" rtlCol="0">
+                <a:spAutoFit/>
+              </a:bodyPr>
+              <a:lstStyle/>
+              <a:p>
+                <a:pPr/>
+                <a14:m>
+                  <m:oMathPara xmlns:m="http://schemas.openxmlformats.org/officeDocument/2006/math">
+                    <m:oMathParaPr>
+                      <m:jc m:val="centerGroup"/>
+                    </m:oMathParaPr>
+                    <m:oMath xmlns:m="http://schemas.openxmlformats.org/officeDocument/2006/math">
+                      <m:r>
+                        <a:rPr lang="en-US" sz="1200" b="1" i="0" smtClean="0">
+                          <a:latin typeface="Cambria Math" panose="02040503050406030204" pitchFamily="18" charset="0"/>
+                        </a:rPr>
+                        <m:t>𝐲</m:t>
+                      </m:r>
+                      <m:r>
+                        <a:rPr lang="en-US" sz="1200" b="0" i="0" smtClean="0">
+                          <a:latin typeface="Cambria Math" panose="02040503050406030204" pitchFamily="18" charset="0"/>
+                        </a:rPr>
+                        <m:t>=</m:t>
+                      </m:r>
+                      <m:r>
+                        <a:rPr lang="en-US" sz="1200" b="0" i="0" smtClean="0">
+                          <a:latin typeface="Cambria Math" panose="02040503050406030204" pitchFamily="18" charset="0"/>
+                        </a:rPr>
+                        <m:t>1</m:t>
+                      </m:r>
+                    </m:oMath>
+                  </m:oMathPara>
+                </a14:m>
+                <a:endParaRPr lang="en-US" sz="1200" dirty="0"/>
+              </a:p>
+            </p:txBody>
+          </p:sp>
+        </mc:Choice>
+        <mc:Fallback>
+          <p:sp>
+            <p:nvSpPr>
+              <p:cNvPr id="31" name="TextBox 30">
+                <a:extLst>
+                  <a:ext uri="{FF2B5EF4-FFF2-40B4-BE49-F238E27FC236}">
+                    <a16:creationId xmlns:a16="http://schemas.microsoft.com/office/drawing/2014/main" id="{68AD8679-90B8-29F9-D09B-F8A2D72E60FC}"/>
+                  </a:ext>
+                </a:extLst>
+              </p:cNvPr>
+              <p:cNvSpPr txBox="1">
+                <a:spLocks noRot="1" noChangeAspect="1" noMove="1" noResize="1" noEditPoints="1" noAdjustHandles="1" noChangeArrowheads="1" noChangeShapeType="1" noTextEdit="1"/>
+              </p:cNvSpPr>
+              <p:nvPr/>
+            </p:nvSpPr>
+            <p:spPr>
+              <a:xfrm>
+                <a:off x="153188" y="941500"/>
+                <a:ext cx="666012" cy="276999"/>
+              </a:xfrm>
+              <a:prstGeom prst="rect">
+                <a:avLst/>
+              </a:prstGeom>
+              <a:blipFill>
+                <a:blip r:embed="rId5"/>
+                <a:stretch>
+                  <a:fillRect/>
+                </a:stretch>
+              </a:blipFill>
+            </p:spPr>
+            <p:txBody>
+              <a:bodyPr/>
+              <a:lstStyle/>
+              <a:p>
+                <a:r>
+                  <a:rPr lang="en-US">
+                    <a:noFill/>
+                  </a:rPr>
+                  <a:t> </a:t>
+                </a:r>
+              </a:p>
+            </p:txBody>
+          </p:sp>
+        </mc:Fallback>
+      </mc:AlternateContent>
+      <p:cxnSp>
+        <p:nvCxnSpPr>
+          <p:cNvPr id="36" name="Straight Connector 35">
+            <a:extLst>
+              <a:ext uri="{FF2B5EF4-FFF2-40B4-BE49-F238E27FC236}">
+                <a16:creationId xmlns:a16="http://schemas.microsoft.com/office/drawing/2014/main" id="{C93C3CCE-990C-90C5-B813-3BE2FBADA988}"/>
+              </a:ext>
+            </a:extLst>
+          </p:cNvPr>
+          <p:cNvCxnSpPr>
+            <a:cxnSpLocks/>
+          </p:cNvCxnSpPr>
+          <p:nvPr/>
+        </p:nvCxnSpPr>
+        <p:spPr>
+          <a:xfrm flipH="1">
+            <a:off x="1800000" y="2159999"/>
+            <a:ext cx="1080000" cy="0"/>
+          </a:xfrm>
+          <a:prstGeom prst="line">
+            <a:avLst/>
+          </a:prstGeom>
+          <a:ln w="12700">
+            <a:solidFill>
+              <a:schemeClr val="tx1"/>
+            </a:solidFill>
+          </a:ln>
+        </p:spPr>
+        <p:style>
+          <a:lnRef idx="1">
+            <a:schemeClr val="accent1"/>
+          </a:lnRef>
+          <a:fillRef idx="0">
+            <a:schemeClr val="accent1"/>
+          </a:fillRef>
+          <a:effectRef idx="0">
+            <a:schemeClr val="accent1"/>
+          </a:effectRef>
+          <a:fontRef idx="minor">
+            <a:schemeClr val="tx1"/>
+          </a:fontRef>
+        </p:style>
+      </p:cxnSp>
+      <p:cxnSp>
+        <p:nvCxnSpPr>
+          <p:cNvPr id="39" name="Straight Connector 38">
+            <a:extLst>
+              <a:ext uri="{FF2B5EF4-FFF2-40B4-BE49-F238E27FC236}">
+                <a16:creationId xmlns:a16="http://schemas.microsoft.com/office/drawing/2014/main" id="{BCBF59FE-8716-50AC-7CFF-9780CB4EAF1C}"/>
+              </a:ext>
+            </a:extLst>
+          </p:cNvPr>
+          <p:cNvCxnSpPr>
+            <a:cxnSpLocks/>
+          </p:cNvCxnSpPr>
+          <p:nvPr/>
+        </p:nvCxnSpPr>
+        <p:spPr>
+          <a:xfrm>
+            <a:off x="2880000" y="1079999"/>
+            <a:ext cx="0" cy="1080000"/>
+          </a:xfrm>
+          <a:prstGeom prst="line">
+            <a:avLst/>
+          </a:prstGeom>
+          <a:ln w="12700">
+            <a:solidFill>
+              <a:schemeClr val="tx1"/>
+            </a:solidFill>
+          </a:ln>
+        </p:spPr>
+        <p:style>
+          <a:lnRef idx="1">
+            <a:schemeClr val="accent1"/>
+          </a:lnRef>
+          <a:fillRef idx="0">
+            <a:schemeClr val="accent1"/>
+          </a:fillRef>
+          <a:effectRef idx="0">
+            <a:schemeClr val="accent1"/>
+          </a:effectRef>
+          <a:fontRef idx="minor">
+            <a:schemeClr val="tx1"/>
+          </a:fontRef>
+        </p:style>
+      </p:cxnSp>
+      <p:cxnSp>
+        <p:nvCxnSpPr>
+          <p:cNvPr id="45" name="Straight Connector 44">
+            <a:extLst>
+              <a:ext uri="{FF2B5EF4-FFF2-40B4-BE49-F238E27FC236}">
+                <a16:creationId xmlns:a16="http://schemas.microsoft.com/office/drawing/2014/main" id="{4DD6E127-43AA-B67C-2AAE-0152742A4D77}"/>
+              </a:ext>
+            </a:extLst>
+          </p:cNvPr>
+          <p:cNvCxnSpPr>
+            <a:cxnSpLocks/>
+          </p:cNvCxnSpPr>
+          <p:nvPr/>
+        </p:nvCxnSpPr>
+        <p:spPr>
+          <a:xfrm>
+            <a:off x="1799999" y="1079999"/>
+            <a:ext cx="1080001" cy="0"/>
+          </a:xfrm>
+          <a:prstGeom prst="line">
+            <a:avLst/>
+          </a:prstGeom>
+          <a:ln w="12700">
+            <a:solidFill>
+              <a:schemeClr val="tx1"/>
+            </a:solidFill>
+          </a:ln>
+        </p:spPr>
+        <p:style>
+          <a:lnRef idx="1">
+            <a:schemeClr val="accent1"/>
+          </a:lnRef>
+          <a:fillRef idx="0">
+            <a:schemeClr val="accent1"/>
+          </a:fillRef>
+          <a:effectRef idx="0">
+            <a:schemeClr val="accent1"/>
+          </a:effectRef>
+          <a:fontRef idx="minor">
+            <a:schemeClr val="tx1"/>
+          </a:fontRef>
+        </p:style>
+      </p:cxnSp>
+      <p:cxnSp>
+        <p:nvCxnSpPr>
+          <p:cNvPr id="48" name="Straight Connector 47">
+            <a:extLst>
+              <a:ext uri="{FF2B5EF4-FFF2-40B4-BE49-F238E27FC236}">
+                <a16:creationId xmlns:a16="http://schemas.microsoft.com/office/drawing/2014/main" id="{9F91B7A0-6788-1765-DED6-22B6A3D239E4}"/>
+              </a:ext>
+            </a:extLst>
+          </p:cNvPr>
+          <p:cNvCxnSpPr>
+            <a:cxnSpLocks/>
+          </p:cNvCxnSpPr>
+          <p:nvPr/>
+        </p:nvCxnSpPr>
+        <p:spPr>
+          <a:xfrm>
+            <a:off x="1799999" y="1079999"/>
+            <a:ext cx="0" cy="1079999"/>
+          </a:xfrm>
+          <a:prstGeom prst="line">
+            <a:avLst/>
+          </a:prstGeom>
+          <a:ln w="12700">
+            <a:solidFill>
+              <a:schemeClr val="tx1"/>
+            </a:solidFill>
+          </a:ln>
+        </p:spPr>
+        <p:style>
+          <a:lnRef idx="1">
+            <a:schemeClr val="accent1"/>
+          </a:lnRef>
+          <a:fillRef idx="0">
+            <a:schemeClr val="accent1"/>
+          </a:fillRef>
+          <a:effectRef idx="0">
+            <a:schemeClr val="accent1"/>
+          </a:effectRef>
+          <a:fontRef idx="minor">
+            <a:schemeClr val="tx1"/>
+          </a:fontRef>
+        </p:style>
+      </p:cxnSp>
+      <p:cxnSp>
+        <p:nvCxnSpPr>
+          <p:cNvPr id="51" name="Straight Arrow Connector 50">
+            <a:extLst>
+              <a:ext uri="{FF2B5EF4-FFF2-40B4-BE49-F238E27FC236}">
+                <a16:creationId xmlns:a16="http://schemas.microsoft.com/office/drawing/2014/main" id="{B7102669-7AEC-BFBF-159D-1829E9785E71}"/>
+              </a:ext>
+            </a:extLst>
+          </p:cNvPr>
+          <p:cNvCxnSpPr>
+            <a:cxnSpLocks/>
+          </p:cNvCxnSpPr>
+          <p:nvPr/>
+        </p:nvCxnSpPr>
+        <p:spPr>
+          <a:xfrm flipV="1">
+            <a:off x="720000" y="540000"/>
+            <a:ext cx="3240000" cy="0"/>
+          </a:xfrm>
+          <a:prstGeom prst="straightConnector1">
+            <a:avLst/>
+          </a:prstGeom>
+          <a:ln w="12700">
+            <a:solidFill>
+              <a:schemeClr val="bg1">
+                <a:lumMod val="85000"/>
+              </a:schemeClr>
+            </a:solidFill>
+            <a:prstDash val="sysDot"/>
+            <a:headEnd type="none"/>
+            <a:tailEnd type="none"/>
+          </a:ln>
+        </p:spPr>
+        <p:style>
+          <a:lnRef idx="1">
+            <a:schemeClr val="accent1"/>
+          </a:lnRef>
+          <a:fillRef idx="0">
+            <a:schemeClr val="accent1"/>
+          </a:fillRef>
+          <a:effectRef idx="0">
+            <a:schemeClr val="accent1"/>
+          </a:effectRef>
+          <a:fontRef idx="minor">
+            <a:schemeClr val="tx1"/>
+          </a:fontRef>
+        </p:style>
+      </p:cxnSp>
+      <p:sp>
+        <p:nvSpPr>
+          <p:cNvPr id="52" name="Oval 51">
+            <a:extLst>
+              <a:ext uri="{FF2B5EF4-FFF2-40B4-BE49-F238E27FC236}">
+                <a16:creationId xmlns:a16="http://schemas.microsoft.com/office/drawing/2014/main" id="{1D138D92-46B8-F32D-39DF-75195EEF3E71}"/>
+              </a:ext>
+            </a:extLst>
+          </p:cNvPr>
+          <p:cNvSpPr/>
+          <p:nvPr/>
+        </p:nvSpPr>
+        <p:spPr>
+          <a:xfrm>
+            <a:off x="1763998" y="2123998"/>
+            <a:ext cx="72000" cy="72000"/>
+          </a:xfrm>
+          <a:prstGeom prst="ellipse">
+            <a:avLst/>
+          </a:prstGeom>
+          <a:solidFill>
+            <a:schemeClr val="tx1"/>
+          </a:solidFill>
+          <a:ln>
+            <a:noFill/>
+          </a:ln>
+        </p:spPr>
+        <p:style>
+          <a:lnRef idx="2">
+            <a:schemeClr val="accent1">
+              <a:shade val="15000"/>
+            </a:schemeClr>
+          </a:lnRef>
+          <a:fillRef idx="1">
+            <a:schemeClr val="accent1"/>
+          </a:fillRef>
+          <a:effectRef idx="0">
+            <a:schemeClr val="accent1"/>
+          </a:effectRef>
+          <a:fontRef idx="minor">
+            <a:schemeClr val="lt1"/>
+          </a:fontRef>
+        </p:style>
+        <p:txBody>
+          <a:bodyPr rtlCol="0" anchor="ctr"/>
+          <a:lstStyle/>
+          <a:p>
+            <a:pPr algn="ctr"/>
+            <a:endParaRPr lang="en-US"/>
+          </a:p>
+        </p:txBody>
+      </p:sp>
+      <p:sp>
+        <p:nvSpPr>
+          <p:cNvPr id="53" name="Oval 52">
+            <a:extLst>
+              <a:ext uri="{FF2B5EF4-FFF2-40B4-BE49-F238E27FC236}">
+                <a16:creationId xmlns:a16="http://schemas.microsoft.com/office/drawing/2014/main" id="{1AF8BE77-EF30-4B2F-66AA-3E108CBC1870}"/>
+              </a:ext>
+            </a:extLst>
+          </p:cNvPr>
+          <p:cNvSpPr/>
+          <p:nvPr/>
+        </p:nvSpPr>
+        <p:spPr>
+          <a:xfrm>
+            <a:off x="2840713" y="2121248"/>
+            <a:ext cx="72000" cy="72000"/>
+          </a:xfrm>
+          <a:prstGeom prst="ellipse">
+            <a:avLst/>
+          </a:prstGeom>
+          <a:solidFill>
+            <a:schemeClr val="tx1"/>
+          </a:solidFill>
+          <a:ln>
+            <a:noFill/>
+          </a:ln>
+        </p:spPr>
+        <p:style>
+          <a:lnRef idx="2">
+            <a:schemeClr val="accent1">
+              <a:shade val="15000"/>
+            </a:schemeClr>
+          </a:lnRef>
+          <a:fillRef idx="1">
+            <a:schemeClr val="accent1"/>
+          </a:fillRef>
+          <a:effectRef idx="0">
+            <a:schemeClr val="accent1"/>
+          </a:effectRef>
+          <a:fontRef idx="minor">
+            <a:schemeClr val="lt1"/>
+          </a:fontRef>
+        </p:style>
+        <p:txBody>
+          <a:bodyPr rtlCol="0" anchor="ctr"/>
+          <a:lstStyle/>
+          <a:p>
+            <a:pPr algn="ctr"/>
+            <a:endParaRPr lang="en-US"/>
+          </a:p>
+        </p:txBody>
+      </p:sp>
+      <p:sp>
+        <p:nvSpPr>
+          <p:cNvPr id="54" name="Oval 53">
+            <a:extLst>
+              <a:ext uri="{FF2B5EF4-FFF2-40B4-BE49-F238E27FC236}">
+                <a16:creationId xmlns:a16="http://schemas.microsoft.com/office/drawing/2014/main" id="{FD728B6E-BFEE-1C74-88B3-E2E3DB6F4344}"/>
+              </a:ext>
+            </a:extLst>
+          </p:cNvPr>
+          <p:cNvSpPr/>
+          <p:nvPr/>
+        </p:nvSpPr>
+        <p:spPr>
+          <a:xfrm>
+            <a:off x="2840713" y="1041248"/>
+            <a:ext cx="72000" cy="72000"/>
+          </a:xfrm>
+          <a:prstGeom prst="ellipse">
+            <a:avLst/>
+          </a:prstGeom>
+          <a:solidFill>
+            <a:schemeClr val="tx1"/>
+          </a:solidFill>
+          <a:ln>
+            <a:noFill/>
+          </a:ln>
+        </p:spPr>
+        <p:style>
+          <a:lnRef idx="2">
+            <a:schemeClr val="accent1">
+              <a:shade val="15000"/>
+            </a:schemeClr>
+          </a:lnRef>
+          <a:fillRef idx="1">
+            <a:schemeClr val="accent1"/>
+          </a:fillRef>
+          <a:effectRef idx="0">
+            <a:schemeClr val="accent1"/>
+          </a:effectRef>
+          <a:fontRef idx="minor">
+            <a:schemeClr val="lt1"/>
+          </a:fontRef>
+        </p:style>
+        <p:txBody>
+          <a:bodyPr rtlCol="0" anchor="ctr"/>
+          <a:lstStyle/>
+          <a:p>
+            <a:pPr algn="ctr"/>
+            <a:endParaRPr lang="en-US"/>
+          </a:p>
+        </p:txBody>
+      </p:sp>
+      <p:sp>
+        <p:nvSpPr>
+          <p:cNvPr id="55" name="Oval 54">
+            <a:extLst>
+              <a:ext uri="{FF2B5EF4-FFF2-40B4-BE49-F238E27FC236}">
+                <a16:creationId xmlns:a16="http://schemas.microsoft.com/office/drawing/2014/main" id="{E1F89C7B-95A0-263C-D97D-3AFE1D8E4675}"/>
+              </a:ext>
+            </a:extLst>
+          </p:cNvPr>
+          <p:cNvSpPr/>
+          <p:nvPr/>
+        </p:nvSpPr>
+        <p:spPr>
+          <a:xfrm>
+            <a:off x="1767288" y="1041248"/>
+            <a:ext cx="72000" cy="72000"/>
+          </a:xfrm>
+          <a:prstGeom prst="ellipse">
+            <a:avLst/>
+          </a:prstGeom>
+          <a:solidFill>
+            <a:schemeClr val="tx1"/>
+          </a:solidFill>
+          <a:ln>
+            <a:noFill/>
+          </a:ln>
+        </p:spPr>
+        <p:style>
+          <a:lnRef idx="2">
+            <a:schemeClr val="accent1">
+              <a:shade val="15000"/>
+            </a:schemeClr>
+          </a:lnRef>
+          <a:fillRef idx="1">
+            <a:schemeClr val="accent1"/>
+          </a:fillRef>
+          <a:effectRef idx="0">
+            <a:schemeClr val="accent1"/>
+          </a:effectRef>
+          <a:fontRef idx="minor">
+            <a:schemeClr val="lt1"/>
+          </a:fontRef>
+        </p:style>
+        <p:txBody>
+          <a:bodyPr rtlCol="0" anchor="ctr"/>
+          <a:lstStyle/>
+          <a:p>
+            <a:pPr algn="ctr"/>
+            <a:endParaRPr lang="en-US"/>
+          </a:p>
+        </p:txBody>
+      </p:sp>
+      <p:sp>
+        <p:nvSpPr>
+          <p:cNvPr id="56" name="TextBox 55">
+            <a:extLst>
+              <a:ext uri="{FF2B5EF4-FFF2-40B4-BE49-F238E27FC236}">
+                <a16:creationId xmlns:a16="http://schemas.microsoft.com/office/drawing/2014/main" id="{F80DD3C5-C94D-79A5-52DF-E8A520248D69}"/>
+              </a:ext>
+            </a:extLst>
+          </p:cNvPr>
+          <p:cNvSpPr txBox="1"/>
+          <p:nvPr/>
+        </p:nvSpPr>
+        <p:spPr>
+          <a:xfrm>
+            <a:off x="1570033" y="2157248"/>
+            <a:ext cx="193964" cy="184666"/>
+          </a:xfrm>
+          <a:prstGeom prst="rect">
+            <a:avLst/>
+          </a:prstGeom>
+          <a:noFill/>
+        </p:spPr>
+        <p:txBody>
+          <a:bodyPr wrap="none" lIns="0" tIns="0" rIns="0" bIns="0" rtlCol="0">
+            <a:spAutoFit/>
+          </a:bodyPr>
+          <a:lstStyle/>
+          <a:p>
+            <a:pPr/>
+            <a:r>
+              <a:rPr lang="en-US" sz="1200" dirty="0">
+                <a:solidFill>
+                  <a:srgbClr val="FF0000"/>
+                </a:solidFill>
+                <a:latin typeface="Georgia" panose="02040502050405020303" pitchFamily="18" charset="0"/>
+              </a:rPr>
+              <a:t>#0</a:t>
+            </a:r>
+          </a:p>
+        </p:txBody>
+      </p:sp>
+      <p:sp>
+        <p:nvSpPr>
+          <p:cNvPr id="57" name="TextBox 56">
+            <a:extLst>
+              <a:ext uri="{FF2B5EF4-FFF2-40B4-BE49-F238E27FC236}">
+                <a16:creationId xmlns:a16="http://schemas.microsoft.com/office/drawing/2014/main" id="{E93278AF-969B-3507-78F9-A474D504C21D}"/>
+              </a:ext>
+            </a:extLst>
+          </p:cNvPr>
+          <p:cNvSpPr txBox="1"/>
+          <p:nvPr/>
+        </p:nvSpPr>
+        <p:spPr>
+          <a:xfrm>
+            <a:off x="2921644" y="2163073"/>
+            <a:ext cx="165110" cy="184666"/>
+          </a:xfrm>
+          <a:prstGeom prst="rect">
+            <a:avLst/>
+          </a:prstGeom>
+          <a:noFill/>
+        </p:spPr>
+        <p:txBody>
+          <a:bodyPr wrap="none" lIns="0" tIns="0" rIns="0" bIns="0" rtlCol="0">
+            <a:spAutoFit/>
+          </a:bodyPr>
+          <a:lstStyle/>
+          <a:p>
+            <a:pPr/>
+            <a:r>
+              <a:rPr lang="en-US" sz="1200" dirty="0">
+                <a:solidFill>
+                  <a:srgbClr val="FF0000"/>
+                </a:solidFill>
+                <a:latin typeface="Georgia" panose="02040502050405020303" pitchFamily="18" charset="0"/>
+              </a:rPr>
+              <a:t>#1</a:t>
+            </a:r>
+          </a:p>
+        </p:txBody>
+      </p:sp>
+      <p:sp>
+        <p:nvSpPr>
+          <p:cNvPr id="58" name="TextBox 57">
+            <a:extLst>
+              <a:ext uri="{FF2B5EF4-FFF2-40B4-BE49-F238E27FC236}">
+                <a16:creationId xmlns:a16="http://schemas.microsoft.com/office/drawing/2014/main" id="{4FB5601F-AA75-53B6-7C77-3E1D95C07C47}"/>
+              </a:ext>
+            </a:extLst>
+          </p:cNvPr>
+          <p:cNvSpPr txBox="1"/>
+          <p:nvPr/>
+        </p:nvSpPr>
+        <p:spPr>
+          <a:xfrm>
+            <a:off x="2914408" y="886831"/>
+            <a:ext cx="185948" cy="184666"/>
+          </a:xfrm>
+          <a:prstGeom prst="rect">
+            <a:avLst/>
+          </a:prstGeom>
+          <a:noFill/>
+        </p:spPr>
+        <p:txBody>
+          <a:bodyPr wrap="none" lIns="0" tIns="0" rIns="0" bIns="0" rtlCol="0">
+            <a:spAutoFit/>
+          </a:bodyPr>
+          <a:lstStyle/>
+          <a:p>
+            <a:pPr/>
+            <a:r>
+              <a:rPr lang="en-US" sz="1200" dirty="0">
+                <a:solidFill>
+                  <a:srgbClr val="FF0000"/>
+                </a:solidFill>
+                <a:latin typeface="Georgia" panose="02040502050405020303" pitchFamily="18" charset="0"/>
+              </a:rPr>
+              <a:t>#2</a:t>
+            </a:r>
+          </a:p>
+        </p:txBody>
+      </p:sp>
+      <p:sp>
+        <p:nvSpPr>
+          <p:cNvPr id="59" name="TextBox 58">
+            <a:extLst>
+              <a:ext uri="{FF2B5EF4-FFF2-40B4-BE49-F238E27FC236}">
+                <a16:creationId xmlns:a16="http://schemas.microsoft.com/office/drawing/2014/main" id="{3C6D8F91-3C3F-0E4E-86A2-5A361D8EE24E}"/>
+              </a:ext>
+            </a:extLst>
+          </p:cNvPr>
+          <p:cNvSpPr txBox="1"/>
+          <p:nvPr/>
+        </p:nvSpPr>
+        <p:spPr>
+          <a:xfrm>
+            <a:off x="1561697" y="856582"/>
+            <a:ext cx="185948" cy="184666"/>
+          </a:xfrm>
+          <a:prstGeom prst="rect">
+            <a:avLst/>
+          </a:prstGeom>
+          <a:noFill/>
+        </p:spPr>
+        <p:txBody>
+          <a:bodyPr wrap="none" lIns="0" tIns="0" rIns="0" bIns="0" rtlCol="0">
+            <a:spAutoFit/>
+          </a:bodyPr>
+          <a:lstStyle/>
+          <a:p>
+            <a:pPr/>
+            <a:r>
+              <a:rPr lang="en-US" sz="1200" dirty="0">
+                <a:solidFill>
+                  <a:srgbClr val="FF0000"/>
+                </a:solidFill>
+                <a:latin typeface="Georgia" panose="02040502050405020303" pitchFamily="18" charset="0"/>
+              </a:rPr>
+              <a:t>#3</a:t>
+            </a:r>
+          </a:p>
+        </p:txBody>
+      </p:sp>
+      <p:sp>
+        <p:nvSpPr>
+          <p:cNvPr id="60" name="TextBox 59">
+            <a:extLst>
+              <a:ext uri="{FF2B5EF4-FFF2-40B4-BE49-F238E27FC236}">
+                <a16:creationId xmlns:a16="http://schemas.microsoft.com/office/drawing/2014/main" id="{CC6DF15E-E73E-FEBD-986C-2A1DC0DC072C}"/>
+              </a:ext>
+            </a:extLst>
+          </p:cNvPr>
+          <p:cNvSpPr txBox="1"/>
+          <p:nvPr/>
+        </p:nvSpPr>
+        <p:spPr>
+          <a:xfrm>
+            <a:off x="2119645" y="2186156"/>
+            <a:ext cx="469680" cy="161583"/>
+          </a:xfrm>
+          <a:prstGeom prst="rect">
+            <a:avLst/>
+          </a:prstGeom>
+          <a:noFill/>
+        </p:spPr>
+        <p:txBody>
+          <a:bodyPr wrap="none" lIns="0" tIns="0" rIns="0" bIns="0" rtlCol="0">
+            <a:spAutoFit/>
+          </a:bodyPr>
+          <a:lstStyle/>
+          <a:p>
+            <a:pPr algn="ctr"/>
+            <a:r>
+              <a:rPr lang="en-US" sz="1050" dirty="0">
+                <a:solidFill>
+                  <a:srgbClr val="00B050"/>
+                </a:solidFill>
+                <a:latin typeface="Georgia" panose="02040502050405020303" pitchFamily="18" charset="0"/>
+              </a:rPr>
+              <a:t>Line #0</a:t>
+            </a:r>
+          </a:p>
+        </p:txBody>
+      </p:sp>
+      <p:sp>
+        <p:nvSpPr>
+          <p:cNvPr id="61" name="TextBox 60">
+            <a:extLst>
+              <a:ext uri="{FF2B5EF4-FFF2-40B4-BE49-F238E27FC236}">
+                <a16:creationId xmlns:a16="http://schemas.microsoft.com/office/drawing/2014/main" id="{DB735F25-550C-42F2-EC87-E4FED5CB2445}"/>
+              </a:ext>
+            </a:extLst>
+          </p:cNvPr>
+          <p:cNvSpPr txBox="1"/>
+          <p:nvPr/>
+        </p:nvSpPr>
+        <p:spPr>
+          <a:xfrm>
+            <a:off x="2129963" y="892261"/>
+            <a:ext cx="461665" cy="161583"/>
+          </a:xfrm>
+          <a:prstGeom prst="rect">
+            <a:avLst/>
+          </a:prstGeom>
+          <a:noFill/>
+        </p:spPr>
+        <p:txBody>
+          <a:bodyPr wrap="none" lIns="0" tIns="0" rIns="0" bIns="0" rtlCol="0">
+            <a:spAutoFit/>
+          </a:bodyPr>
+          <a:lstStyle/>
+          <a:p>
+            <a:pPr algn="ctr"/>
+            <a:r>
+              <a:rPr lang="en-US" sz="1050" dirty="0">
+                <a:solidFill>
+                  <a:srgbClr val="00B050"/>
+                </a:solidFill>
+                <a:latin typeface="Georgia" panose="02040502050405020303" pitchFamily="18" charset="0"/>
+              </a:rPr>
+              <a:t>Line #2</a:t>
+            </a:r>
+          </a:p>
+        </p:txBody>
+      </p:sp>
+      <p:sp>
+        <p:nvSpPr>
+          <p:cNvPr id="2" name="TextBox 1">
+            <a:extLst>
+              <a:ext uri="{FF2B5EF4-FFF2-40B4-BE49-F238E27FC236}">
+                <a16:creationId xmlns:a16="http://schemas.microsoft.com/office/drawing/2014/main" id="{FD2F00D2-B9AD-5E40-0051-2655B134D50B}"/>
+              </a:ext>
+            </a:extLst>
+          </p:cNvPr>
+          <p:cNvSpPr txBox="1"/>
+          <p:nvPr/>
+        </p:nvSpPr>
+        <p:spPr>
+          <a:xfrm>
+            <a:off x="2919288" y="1539206"/>
+            <a:ext cx="444032" cy="161583"/>
+          </a:xfrm>
+          <a:prstGeom prst="rect">
+            <a:avLst/>
+          </a:prstGeom>
+          <a:noFill/>
+        </p:spPr>
+        <p:txBody>
+          <a:bodyPr wrap="none" lIns="0" tIns="0" rIns="0" bIns="0" rtlCol="0">
+            <a:spAutoFit/>
+          </a:bodyPr>
+          <a:lstStyle/>
+          <a:p>
+            <a:pPr algn="ctr"/>
+            <a:r>
+              <a:rPr lang="en-US" sz="1050" dirty="0">
+                <a:solidFill>
+                  <a:srgbClr val="00B050"/>
+                </a:solidFill>
+                <a:latin typeface="Georgia" panose="02040502050405020303" pitchFamily="18" charset="0"/>
+              </a:rPr>
+              <a:t>Line #1</a:t>
+            </a:r>
+          </a:p>
+        </p:txBody>
+      </p:sp>
+      <p:sp>
+        <p:nvSpPr>
+          <p:cNvPr id="5" name="TextBox 4">
+            <a:extLst>
+              <a:ext uri="{FF2B5EF4-FFF2-40B4-BE49-F238E27FC236}">
+                <a16:creationId xmlns:a16="http://schemas.microsoft.com/office/drawing/2014/main" id="{F436D25C-F2FD-1B7D-E77F-90B04987C715}"/>
+              </a:ext>
+            </a:extLst>
+          </p:cNvPr>
+          <p:cNvSpPr txBox="1"/>
+          <p:nvPr/>
+        </p:nvSpPr>
+        <p:spPr>
+          <a:xfrm>
+            <a:off x="1305530" y="1536456"/>
+            <a:ext cx="460062" cy="161583"/>
+          </a:xfrm>
+          <a:prstGeom prst="rect">
+            <a:avLst/>
+          </a:prstGeom>
+          <a:noFill/>
+        </p:spPr>
+        <p:txBody>
+          <a:bodyPr wrap="none" lIns="0" tIns="0" rIns="0" bIns="0" rtlCol="0">
+            <a:spAutoFit/>
+          </a:bodyPr>
+          <a:lstStyle/>
+          <a:p>
+            <a:pPr algn="ctr"/>
+            <a:r>
+              <a:rPr lang="en-US" sz="1050" dirty="0">
+                <a:solidFill>
+                  <a:srgbClr val="00B050"/>
+                </a:solidFill>
+                <a:latin typeface="Georgia" panose="02040502050405020303" pitchFamily="18" charset="0"/>
+              </a:rPr>
+              <a:t>Line #3</a:t>
+            </a:r>
+          </a:p>
+        </p:txBody>
+      </p:sp>
+    </p:spTree>
+    <p:extLst>
+      <p:ext uri="{BB962C8B-B14F-4D97-AF65-F5344CB8AC3E}">
+        <p14:creationId xmlns:p14="http://schemas.microsoft.com/office/powerpoint/2010/main" val="1758410343"/>
       </p:ext>
     </p:extLst>
   </p:cSld>

--- a/chapter-05/diagram.pptx
+++ b/chapter-05/diagram.pptx
@@ -14,6 +14,10 @@
     <p:sldId id="262" r:id="rId8"/>
     <p:sldId id="263" r:id="rId9"/>
     <p:sldId id="264" r:id="rId10"/>
+    <p:sldId id="265" r:id="rId11"/>
+    <p:sldId id="266" r:id="rId12"/>
+    <p:sldId id="267" r:id="rId13"/>
+    <p:sldId id="268" r:id="rId14"/>
   </p:sldIdLst>
   <p:sldSz cx="12192000" cy="6858000"/>
   <p:notesSz cx="6858000" cy="9144000"/>
@@ -267,7 +271,7 @@
           <a:p>
             <a:fld id="{68ACF616-3535-4BC0-B584-000D29C26DAD}" type="datetimeFigureOut">
               <a:rPr lang="en-US" smtClean="0"/>
-              <a:t>7/1/2023</a:t>
+              <a:t>7/9/2023</a:t>
             </a:fld>
             <a:endParaRPr lang="en-US"/>
           </a:p>
@@ -465,7 +469,7 @@
           <a:p>
             <a:fld id="{68ACF616-3535-4BC0-B584-000D29C26DAD}" type="datetimeFigureOut">
               <a:rPr lang="en-US" smtClean="0"/>
-              <a:t>7/1/2023</a:t>
+              <a:t>7/9/2023</a:t>
             </a:fld>
             <a:endParaRPr lang="en-US"/>
           </a:p>
@@ -673,7 +677,7 @@
           <a:p>
             <a:fld id="{68ACF616-3535-4BC0-B584-000D29C26DAD}" type="datetimeFigureOut">
               <a:rPr lang="en-US" smtClean="0"/>
-              <a:t>7/1/2023</a:t>
+              <a:t>7/9/2023</a:t>
             </a:fld>
             <a:endParaRPr lang="en-US"/>
           </a:p>
@@ -871,7 +875,7 @@
           <a:p>
             <a:fld id="{68ACF616-3535-4BC0-B584-000D29C26DAD}" type="datetimeFigureOut">
               <a:rPr lang="en-US" smtClean="0"/>
-              <a:t>7/1/2023</a:t>
+              <a:t>7/9/2023</a:t>
             </a:fld>
             <a:endParaRPr lang="en-US"/>
           </a:p>
@@ -1146,7 +1150,7 @@
           <a:p>
             <a:fld id="{68ACF616-3535-4BC0-B584-000D29C26DAD}" type="datetimeFigureOut">
               <a:rPr lang="en-US" smtClean="0"/>
-              <a:t>7/1/2023</a:t>
+              <a:t>7/9/2023</a:t>
             </a:fld>
             <a:endParaRPr lang="en-US"/>
           </a:p>
@@ -1411,7 +1415,7 @@
           <a:p>
             <a:fld id="{68ACF616-3535-4BC0-B584-000D29C26DAD}" type="datetimeFigureOut">
               <a:rPr lang="en-US" smtClean="0"/>
-              <a:t>7/1/2023</a:t>
+              <a:t>7/9/2023</a:t>
             </a:fld>
             <a:endParaRPr lang="en-US"/>
           </a:p>
@@ -1823,7 +1827,7 @@
           <a:p>
             <a:fld id="{68ACF616-3535-4BC0-B584-000D29C26DAD}" type="datetimeFigureOut">
               <a:rPr lang="en-US" smtClean="0"/>
-              <a:t>7/1/2023</a:t>
+              <a:t>7/9/2023</a:t>
             </a:fld>
             <a:endParaRPr lang="en-US"/>
           </a:p>
@@ -1964,7 +1968,7 @@
           <a:p>
             <a:fld id="{68ACF616-3535-4BC0-B584-000D29C26DAD}" type="datetimeFigureOut">
               <a:rPr lang="en-US" smtClean="0"/>
-              <a:t>7/1/2023</a:t>
+              <a:t>7/9/2023</a:t>
             </a:fld>
             <a:endParaRPr lang="en-US"/>
           </a:p>
@@ -2077,7 +2081,7 @@
           <a:p>
             <a:fld id="{68ACF616-3535-4BC0-B584-000D29C26DAD}" type="datetimeFigureOut">
               <a:rPr lang="en-US" smtClean="0"/>
-              <a:t>7/1/2023</a:t>
+              <a:t>7/9/2023</a:t>
             </a:fld>
             <a:endParaRPr lang="en-US"/>
           </a:p>
@@ -2388,7 +2392,7 @@
           <a:p>
             <a:fld id="{68ACF616-3535-4BC0-B584-000D29C26DAD}" type="datetimeFigureOut">
               <a:rPr lang="en-US" smtClean="0"/>
-              <a:t>7/1/2023</a:t>
+              <a:t>7/9/2023</a:t>
             </a:fld>
             <a:endParaRPr lang="en-US"/>
           </a:p>
@@ -2676,7 +2680,7 @@
           <a:p>
             <a:fld id="{68ACF616-3535-4BC0-B584-000D29C26DAD}" type="datetimeFigureOut">
               <a:rPr lang="en-US" smtClean="0"/>
-              <a:t>7/1/2023</a:t>
+              <a:t>7/9/2023</a:t>
             </a:fld>
             <a:endParaRPr lang="en-US"/>
           </a:p>
@@ -2917,7 +2921,7 @@
           <a:p>
             <a:fld id="{68ACF616-3535-4BC0-B584-000D29C26DAD}" type="datetimeFigureOut">
               <a:rPr lang="en-US" smtClean="0"/>
-              <a:t>7/1/2023</a:t>
+              <a:t>7/9/2023</a:t>
             </a:fld>
             <a:endParaRPr lang="en-US"/>
           </a:p>
@@ -3939,6 +3943,5060 @@
 </p:sld>
 </file>
 
+<file path=ppt/slides/slide10.xml><?xml version="1.0" encoding="utf-8"?>
+<p:sld xmlns:a="http://schemas.openxmlformats.org/drawingml/2006/main" xmlns:r="http://schemas.openxmlformats.org/officeDocument/2006/relationships" xmlns:p="http://schemas.openxmlformats.org/presentationml/2006/main">
+  <p:cSld>
+    <p:spTree>
+      <p:nvGrpSpPr>
+        <p:cNvPr id="1" name=""/>
+        <p:cNvGrpSpPr/>
+        <p:nvPr/>
+      </p:nvGrpSpPr>
+      <p:grpSpPr>
+        <a:xfrm>
+          <a:off x="0" y="0"/>
+          <a:ext cx="0" cy="0"/>
+          <a:chOff x="0" y="0"/>
+          <a:chExt cx="0" cy="0"/>
+        </a:xfrm>
+      </p:grpSpPr>
+      <p:cxnSp>
+        <p:nvCxnSpPr>
+          <p:cNvPr id="57" name="Straight Arrow Connector 56">
+            <a:extLst>
+              <a:ext uri="{FF2B5EF4-FFF2-40B4-BE49-F238E27FC236}">
+                <a16:creationId xmlns:a16="http://schemas.microsoft.com/office/drawing/2014/main" id="{C1685909-28C7-286C-C6C2-442D789B1392}"/>
+              </a:ext>
+            </a:extLst>
+          </p:cNvPr>
+          <p:cNvCxnSpPr>
+            <a:cxnSpLocks/>
+          </p:cNvCxnSpPr>
+          <p:nvPr/>
+        </p:nvCxnSpPr>
+        <p:spPr>
+          <a:xfrm>
+            <a:off x="2698330" y="3420000"/>
+            <a:ext cx="180000" cy="0"/>
+          </a:xfrm>
+          <a:prstGeom prst="straightConnector1">
+            <a:avLst/>
+          </a:prstGeom>
+          <a:ln w="12700">
+            <a:solidFill>
+              <a:srgbClr val="002060"/>
+            </a:solidFill>
+            <a:headEnd type="none" w="med" len="lg"/>
+            <a:tailEnd type="none"/>
+          </a:ln>
+        </p:spPr>
+        <p:style>
+          <a:lnRef idx="1">
+            <a:schemeClr val="accent1"/>
+          </a:lnRef>
+          <a:fillRef idx="0">
+            <a:schemeClr val="accent1"/>
+          </a:fillRef>
+          <a:effectRef idx="0">
+            <a:schemeClr val="accent1"/>
+          </a:effectRef>
+          <a:fontRef idx="minor">
+            <a:schemeClr val="tx1"/>
+          </a:fontRef>
+        </p:style>
+      </p:cxnSp>
+      <p:cxnSp>
+        <p:nvCxnSpPr>
+          <p:cNvPr id="58" name="Straight Arrow Connector 57">
+            <a:extLst>
+              <a:ext uri="{FF2B5EF4-FFF2-40B4-BE49-F238E27FC236}">
+                <a16:creationId xmlns:a16="http://schemas.microsoft.com/office/drawing/2014/main" id="{A62CD5BA-10AA-62EF-ABDB-7DD7C0CB5B29}"/>
+              </a:ext>
+            </a:extLst>
+          </p:cNvPr>
+          <p:cNvCxnSpPr>
+            <a:cxnSpLocks/>
+          </p:cNvCxnSpPr>
+          <p:nvPr/>
+        </p:nvCxnSpPr>
+        <p:spPr>
+          <a:xfrm>
+            <a:off x="2698330" y="3240000"/>
+            <a:ext cx="0" cy="180000"/>
+          </a:xfrm>
+          <a:prstGeom prst="straightConnector1">
+            <a:avLst/>
+          </a:prstGeom>
+          <a:ln w="12700">
+            <a:solidFill>
+              <a:srgbClr val="002060"/>
+            </a:solidFill>
+            <a:headEnd type="none" w="med" len="lg"/>
+            <a:tailEnd type="none"/>
+          </a:ln>
+        </p:spPr>
+        <p:style>
+          <a:lnRef idx="1">
+            <a:schemeClr val="accent1"/>
+          </a:lnRef>
+          <a:fillRef idx="0">
+            <a:schemeClr val="accent1"/>
+          </a:fillRef>
+          <a:effectRef idx="0">
+            <a:schemeClr val="accent1"/>
+          </a:effectRef>
+          <a:fontRef idx="minor">
+            <a:schemeClr val="tx1"/>
+          </a:fontRef>
+        </p:style>
+      </p:cxnSp>
+      <p:cxnSp>
+        <p:nvCxnSpPr>
+          <p:cNvPr id="59" name="Straight Arrow Connector 58">
+            <a:extLst>
+              <a:ext uri="{FF2B5EF4-FFF2-40B4-BE49-F238E27FC236}">
+                <a16:creationId xmlns:a16="http://schemas.microsoft.com/office/drawing/2014/main" id="{0457A4FD-005A-A53D-DA00-2A7126DD7349}"/>
+              </a:ext>
+            </a:extLst>
+          </p:cNvPr>
+          <p:cNvCxnSpPr>
+            <a:cxnSpLocks/>
+          </p:cNvCxnSpPr>
+          <p:nvPr/>
+        </p:nvCxnSpPr>
+        <p:spPr>
+          <a:xfrm>
+            <a:off x="3069805" y="3420000"/>
+            <a:ext cx="180000" cy="0"/>
+          </a:xfrm>
+          <a:prstGeom prst="straightConnector1">
+            <a:avLst/>
+          </a:prstGeom>
+          <a:ln w="12700">
+            <a:solidFill>
+              <a:srgbClr val="002060"/>
+            </a:solidFill>
+            <a:headEnd type="none" w="med" len="lg"/>
+            <a:tailEnd type="none"/>
+          </a:ln>
+        </p:spPr>
+        <p:style>
+          <a:lnRef idx="1">
+            <a:schemeClr val="accent1"/>
+          </a:lnRef>
+          <a:fillRef idx="0">
+            <a:schemeClr val="accent1"/>
+          </a:fillRef>
+          <a:effectRef idx="0">
+            <a:schemeClr val="accent1"/>
+          </a:effectRef>
+          <a:fontRef idx="minor">
+            <a:schemeClr val="tx1"/>
+          </a:fontRef>
+        </p:style>
+      </p:cxnSp>
+      <p:cxnSp>
+        <p:nvCxnSpPr>
+          <p:cNvPr id="60" name="Straight Arrow Connector 59">
+            <a:extLst>
+              <a:ext uri="{FF2B5EF4-FFF2-40B4-BE49-F238E27FC236}">
+                <a16:creationId xmlns:a16="http://schemas.microsoft.com/office/drawing/2014/main" id="{E9B68A2A-83C3-7E3F-99C6-6A6994CDEC09}"/>
+              </a:ext>
+            </a:extLst>
+          </p:cNvPr>
+          <p:cNvCxnSpPr>
+            <a:cxnSpLocks/>
+          </p:cNvCxnSpPr>
+          <p:nvPr/>
+        </p:nvCxnSpPr>
+        <p:spPr>
+          <a:xfrm>
+            <a:off x="3069805" y="3240000"/>
+            <a:ext cx="0" cy="180000"/>
+          </a:xfrm>
+          <a:prstGeom prst="straightConnector1">
+            <a:avLst/>
+          </a:prstGeom>
+          <a:ln w="12700">
+            <a:solidFill>
+              <a:srgbClr val="002060"/>
+            </a:solidFill>
+            <a:headEnd type="none" w="med" len="lg"/>
+            <a:tailEnd type="none"/>
+          </a:ln>
+        </p:spPr>
+        <p:style>
+          <a:lnRef idx="1">
+            <a:schemeClr val="accent1"/>
+          </a:lnRef>
+          <a:fillRef idx="0">
+            <a:schemeClr val="accent1"/>
+          </a:fillRef>
+          <a:effectRef idx="0">
+            <a:schemeClr val="accent1"/>
+          </a:effectRef>
+          <a:fontRef idx="minor">
+            <a:schemeClr val="tx1"/>
+          </a:fontRef>
+        </p:style>
+      </p:cxnSp>
+      <p:cxnSp>
+        <p:nvCxnSpPr>
+          <p:cNvPr id="61" name="Straight Arrow Connector 60">
+            <a:extLst>
+              <a:ext uri="{FF2B5EF4-FFF2-40B4-BE49-F238E27FC236}">
+                <a16:creationId xmlns:a16="http://schemas.microsoft.com/office/drawing/2014/main" id="{08E563F7-BCDD-E3F4-C984-30298779655E}"/>
+              </a:ext>
+            </a:extLst>
+          </p:cNvPr>
+          <p:cNvCxnSpPr>
+            <a:cxnSpLocks/>
+          </p:cNvCxnSpPr>
+          <p:nvPr/>
+        </p:nvCxnSpPr>
+        <p:spPr>
+          <a:xfrm>
+            <a:off x="3422230" y="3420000"/>
+            <a:ext cx="180000" cy="0"/>
+          </a:xfrm>
+          <a:prstGeom prst="straightConnector1">
+            <a:avLst/>
+          </a:prstGeom>
+          <a:ln w="12700">
+            <a:solidFill>
+              <a:srgbClr val="002060"/>
+            </a:solidFill>
+            <a:headEnd type="none" w="med" len="lg"/>
+            <a:tailEnd type="none"/>
+          </a:ln>
+        </p:spPr>
+        <p:style>
+          <a:lnRef idx="1">
+            <a:schemeClr val="accent1"/>
+          </a:lnRef>
+          <a:fillRef idx="0">
+            <a:schemeClr val="accent1"/>
+          </a:fillRef>
+          <a:effectRef idx="0">
+            <a:schemeClr val="accent1"/>
+          </a:effectRef>
+          <a:fontRef idx="minor">
+            <a:schemeClr val="tx1"/>
+          </a:fontRef>
+        </p:style>
+      </p:cxnSp>
+      <p:cxnSp>
+        <p:nvCxnSpPr>
+          <p:cNvPr id="62" name="Straight Arrow Connector 61">
+            <a:extLst>
+              <a:ext uri="{FF2B5EF4-FFF2-40B4-BE49-F238E27FC236}">
+                <a16:creationId xmlns:a16="http://schemas.microsoft.com/office/drawing/2014/main" id="{AD43C189-5EEC-97F3-344D-08804B10958F}"/>
+              </a:ext>
+            </a:extLst>
+          </p:cNvPr>
+          <p:cNvCxnSpPr>
+            <a:cxnSpLocks/>
+          </p:cNvCxnSpPr>
+          <p:nvPr/>
+        </p:nvCxnSpPr>
+        <p:spPr>
+          <a:xfrm>
+            <a:off x="3422230" y="3240000"/>
+            <a:ext cx="0" cy="180000"/>
+          </a:xfrm>
+          <a:prstGeom prst="straightConnector1">
+            <a:avLst/>
+          </a:prstGeom>
+          <a:ln w="12700">
+            <a:solidFill>
+              <a:srgbClr val="002060"/>
+            </a:solidFill>
+            <a:headEnd type="none" w="med" len="lg"/>
+            <a:tailEnd type="none"/>
+          </a:ln>
+        </p:spPr>
+        <p:style>
+          <a:lnRef idx="1">
+            <a:schemeClr val="accent1"/>
+          </a:lnRef>
+          <a:fillRef idx="0">
+            <a:schemeClr val="accent1"/>
+          </a:fillRef>
+          <a:effectRef idx="0">
+            <a:schemeClr val="accent1"/>
+          </a:effectRef>
+          <a:fontRef idx="minor">
+            <a:schemeClr val="tx1"/>
+          </a:fontRef>
+        </p:style>
+      </p:cxnSp>
+      <p:cxnSp>
+        <p:nvCxnSpPr>
+          <p:cNvPr id="63" name="Straight Arrow Connector 62">
+            <a:extLst>
+              <a:ext uri="{FF2B5EF4-FFF2-40B4-BE49-F238E27FC236}">
+                <a16:creationId xmlns:a16="http://schemas.microsoft.com/office/drawing/2014/main" id="{D98E49FB-E9EF-7BD6-C0E9-BA836189B050}"/>
+              </a:ext>
+            </a:extLst>
+          </p:cNvPr>
+          <p:cNvCxnSpPr>
+            <a:cxnSpLocks/>
+          </p:cNvCxnSpPr>
+          <p:nvPr/>
+        </p:nvCxnSpPr>
+        <p:spPr>
+          <a:xfrm>
+            <a:off x="3780000" y="3420000"/>
+            <a:ext cx="180000" cy="0"/>
+          </a:xfrm>
+          <a:prstGeom prst="straightConnector1">
+            <a:avLst/>
+          </a:prstGeom>
+          <a:ln w="12700">
+            <a:solidFill>
+              <a:srgbClr val="002060"/>
+            </a:solidFill>
+            <a:headEnd type="none" w="med" len="lg"/>
+            <a:tailEnd type="none"/>
+          </a:ln>
+        </p:spPr>
+        <p:style>
+          <a:lnRef idx="1">
+            <a:schemeClr val="accent1"/>
+          </a:lnRef>
+          <a:fillRef idx="0">
+            <a:schemeClr val="accent1"/>
+          </a:fillRef>
+          <a:effectRef idx="0">
+            <a:schemeClr val="accent1"/>
+          </a:effectRef>
+          <a:fontRef idx="minor">
+            <a:schemeClr val="tx1"/>
+          </a:fontRef>
+        </p:style>
+      </p:cxnSp>
+      <p:cxnSp>
+        <p:nvCxnSpPr>
+          <p:cNvPr id="64" name="Straight Arrow Connector 63">
+            <a:extLst>
+              <a:ext uri="{FF2B5EF4-FFF2-40B4-BE49-F238E27FC236}">
+                <a16:creationId xmlns:a16="http://schemas.microsoft.com/office/drawing/2014/main" id="{2EBD9611-D5B8-0259-A2DC-73186A505797}"/>
+              </a:ext>
+            </a:extLst>
+          </p:cNvPr>
+          <p:cNvCxnSpPr>
+            <a:cxnSpLocks/>
+          </p:cNvCxnSpPr>
+          <p:nvPr/>
+        </p:nvCxnSpPr>
+        <p:spPr>
+          <a:xfrm>
+            <a:off x="3780000" y="3240000"/>
+            <a:ext cx="0" cy="180000"/>
+          </a:xfrm>
+          <a:prstGeom prst="straightConnector1">
+            <a:avLst/>
+          </a:prstGeom>
+          <a:ln w="12700">
+            <a:solidFill>
+              <a:srgbClr val="002060"/>
+            </a:solidFill>
+            <a:headEnd type="none" w="med" len="lg"/>
+            <a:tailEnd type="none"/>
+          </a:ln>
+        </p:spPr>
+        <p:style>
+          <a:lnRef idx="1">
+            <a:schemeClr val="accent1"/>
+          </a:lnRef>
+          <a:fillRef idx="0">
+            <a:schemeClr val="accent1"/>
+          </a:fillRef>
+          <a:effectRef idx="0">
+            <a:schemeClr val="accent1"/>
+          </a:effectRef>
+          <a:fontRef idx="minor">
+            <a:schemeClr val="tx1"/>
+          </a:fontRef>
+        </p:style>
+      </p:cxnSp>
+      <p:cxnSp>
+        <p:nvCxnSpPr>
+          <p:cNvPr id="65" name="Straight Arrow Connector 64">
+            <a:extLst>
+              <a:ext uri="{FF2B5EF4-FFF2-40B4-BE49-F238E27FC236}">
+                <a16:creationId xmlns:a16="http://schemas.microsoft.com/office/drawing/2014/main" id="{A95D45E9-1E6F-3B43-1E55-D28E96766086}"/>
+              </a:ext>
+            </a:extLst>
+          </p:cNvPr>
+          <p:cNvCxnSpPr>
+            <a:cxnSpLocks/>
+          </p:cNvCxnSpPr>
+          <p:nvPr/>
+        </p:nvCxnSpPr>
+        <p:spPr>
+          <a:xfrm>
+            <a:off x="4143749" y="3414175"/>
+            <a:ext cx="180000" cy="0"/>
+          </a:xfrm>
+          <a:prstGeom prst="straightConnector1">
+            <a:avLst/>
+          </a:prstGeom>
+          <a:ln w="12700">
+            <a:solidFill>
+              <a:srgbClr val="002060"/>
+            </a:solidFill>
+            <a:headEnd type="none" w="med" len="lg"/>
+            <a:tailEnd type="none"/>
+          </a:ln>
+        </p:spPr>
+        <p:style>
+          <a:lnRef idx="1">
+            <a:schemeClr val="accent1"/>
+          </a:lnRef>
+          <a:fillRef idx="0">
+            <a:schemeClr val="accent1"/>
+          </a:fillRef>
+          <a:effectRef idx="0">
+            <a:schemeClr val="accent1"/>
+          </a:effectRef>
+          <a:fontRef idx="minor">
+            <a:schemeClr val="tx1"/>
+          </a:fontRef>
+        </p:style>
+      </p:cxnSp>
+      <p:cxnSp>
+        <p:nvCxnSpPr>
+          <p:cNvPr id="66" name="Straight Arrow Connector 65">
+            <a:extLst>
+              <a:ext uri="{FF2B5EF4-FFF2-40B4-BE49-F238E27FC236}">
+                <a16:creationId xmlns:a16="http://schemas.microsoft.com/office/drawing/2014/main" id="{D0601F5E-CE76-C8CB-2931-0613B3E0BE66}"/>
+              </a:ext>
+            </a:extLst>
+          </p:cNvPr>
+          <p:cNvCxnSpPr>
+            <a:cxnSpLocks/>
+          </p:cNvCxnSpPr>
+          <p:nvPr/>
+        </p:nvCxnSpPr>
+        <p:spPr>
+          <a:xfrm>
+            <a:off x="4143749" y="3234175"/>
+            <a:ext cx="0" cy="180000"/>
+          </a:xfrm>
+          <a:prstGeom prst="straightConnector1">
+            <a:avLst/>
+          </a:prstGeom>
+          <a:ln w="12700">
+            <a:solidFill>
+              <a:srgbClr val="002060"/>
+            </a:solidFill>
+            <a:headEnd type="none" w="med" len="lg"/>
+            <a:tailEnd type="none"/>
+          </a:ln>
+        </p:spPr>
+        <p:style>
+          <a:lnRef idx="1">
+            <a:schemeClr val="accent1"/>
+          </a:lnRef>
+          <a:fillRef idx="0">
+            <a:schemeClr val="accent1"/>
+          </a:fillRef>
+          <a:effectRef idx="0">
+            <a:schemeClr val="accent1"/>
+          </a:effectRef>
+          <a:fontRef idx="minor">
+            <a:schemeClr val="tx1"/>
+          </a:fontRef>
+        </p:style>
+      </p:cxnSp>
+      <p:cxnSp>
+        <p:nvCxnSpPr>
+          <p:cNvPr id="51" name="Straight Arrow Connector 50">
+            <a:extLst>
+              <a:ext uri="{FF2B5EF4-FFF2-40B4-BE49-F238E27FC236}">
+                <a16:creationId xmlns:a16="http://schemas.microsoft.com/office/drawing/2014/main" id="{3A655079-E6B7-7960-FA3C-C855D8BD0A38}"/>
+              </a:ext>
+            </a:extLst>
+          </p:cNvPr>
+          <p:cNvCxnSpPr>
+            <a:cxnSpLocks/>
+          </p:cNvCxnSpPr>
+          <p:nvPr/>
+        </p:nvCxnSpPr>
+        <p:spPr>
+          <a:xfrm flipV="1">
+            <a:off x="4320775" y="3229230"/>
+            <a:ext cx="0" cy="1461540"/>
+          </a:xfrm>
+          <a:prstGeom prst="straightConnector1">
+            <a:avLst/>
+          </a:prstGeom>
+          <a:ln w="25400">
+            <a:solidFill>
+              <a:srgbClr val="FF0000"/>
+            </a:solidFill>
+            <a:headEnd type="triangle" w="med" len="lg"/>
+            <a:tailEnd type="none"/>
+          </a:ln>
+        </p:spPr>
+        <p:style>
+          <a:lnRef idx="1">
+            <a:schemeClr val="accent1"/>
+          </a:lnRef>
+          <a:fillRef idx="0">
+            <a:schemeClr val="accent1"/>
+          </a:fillRef>
+          <a:effectRef idx="0">
+            <a:schemeClr val="accent1"/>
+          </a:effectRef>
+          <a:fontRef idx="minor">
+            <a:schemeClr val="tx1"/>
+          </a:fontRef>
+        </p:style>
+      </p:cxnSp>
+      <p:cxnSp>
+        <p:nvCxnSpPr>
+          <p:cNvPr id="50" name="Straight Arrow Connector 49">
+            <a:extLst>
+              <a:ext uri="{FF2B5EF4-FFF2-40B4-BE49-F238E27FC236}">
+                <a16:creationId xmlns:a16="http://schemas.microsoft.com/office/drawing/2014/main" id="{CD110D1B-6395-A9A6-D957-A54D54B8AC0D}"/>
+              </a:ext>
+            </a:extLst>
+          </p:cNvPr>
+          <p:cNvCxnSpPr>
+            <a:cxnSpLocks/>
+          </p:cNvCxnSpPr>
+          <p:nvPr/>
+        </p:nvCxnSpPr>
+        <p:spPr>
+          <a:xfrm flipV="1">
+            <a:off x="3960000" y="3240000"/>
+            <a:ext cx="0" cy="989100"/>
+          </a:xfrm>
+          <a:prstGeom prst="straightConnector1">
+            <a:avLst/>
+          </a:prstGeom>
+          <a:ln w="25400">
+            <a:solidFill>
+              <a:srgbClr val="FF0000"/>
+            </a:solidFill>
+            <a:headEnd type="triangle" w="med" len="lg"/>
+            <a:tailEnd type="none"/>
+          </a:ln>
+        </p:spPr>
+        <p:style>
+          <a:lnRef idx="1">
+            <a:schemeClr val="accent1"/>
+          </a:lnRef>
+          <a:fillRef idx="0">
+            <a:schemeClr val="accent1"/>
+          </a:fillRef>
+          <a:effectRef idx="0">
+            <a:schemeClr val="accent1"/>
+          </a:effectRef>
+          <a:fontRef idx="minor">
+            <a:schemeClr val="tx1"/>
+          </a:fontRef>
+        </p:style>
+      </p:cxnSp>
+      <p:cxnSp>
+        <p:nvCxnSpPr>
+          <p:cNvPr id="49" name="Straight Arrow Connector 48">
+            <a:extLst>
+              <a:ext uri="{FF2B5EF4-FFF2-40B4-BE49-F238E27FC236}">
+                <a16:creationId xmlns:a16="http://schemas.microsoft.com/office/drawing/2014/main" id="{1A16F050-07DC-802B-F054-18B07D0654B0}"/>
+              </a:ext>
+            </a:extLst>
+          </p:cNvPr>
+          <p:cNvCxnSpPr>
+            <a:cxnSpLocks/>
+          </p:cNvCxnSpPr>
+          <p:nvPr/>
+        </p:nvCxnSpPr>
+        <p:spPr>
+          <a:xfrm flipV="1">
+            <a:off x="3603238" y="3240000"/>
+            <a:ext cx="0" cy="468400"/>
+          </a:xfrm>
+          <a:prstGeom prst="straightConnector1">
+            <a:avLst/>
+          </a:prstGeom>
+          <a:ln w="25400">
+            <a:solidFill>
+              <a:srgbClr val="FF0000"/>
+            </a:solidFill>
+            <a:headEnd type="triangle" w="med" len="lg"/>
+            <a:tailEnd type="none"/>
+          </a:ln>
+        </p:spPr>
+        <p:style>
+          <a:lnRef idx="1">
+            <a:schemeClr val="accent1"/>
+          </a:lnRef>
+          <a:fillRef idx="0">
+            <a:schemeClr val="accent1"/>
+          </a:fillRef>
+          <a:effectRef idx="0">
+            <a:schemeClr val="accent1"/>
+          </a:effectRef>
+          <a:fontRef idx="minor">
+            <a:schemeClr val="tx1"/>
+          </a:fontRef>
+        </p:style>
+      </p:cxnSp>
+      <p:cxnSp>
+        <p:nvCxnSpPr>
+          <p:cNvPr id="48" name="Straight Arrow Connector 47">
+            <a:extLst>
+              <a:ext uri="{FF2B5EF4-FFF2-40B4-BE49-F238E27FC236}">
+                <a16:creationId xmlns:a16="http://schemas.microsoft.com/office/drawing/2014/main" id="{D574CB81-9B35-8985-3F7B-7B918FA28C33}"/>
+              </a:ext>
+            </a:extLst>
+          </p:cNvPr>
+          <p:cNvCxnSpPr>
+            <a:cxnSpLocks/>
+          </p:cNvCxnSpPr>
+          <p:nvPr/>
+        </p:nvCxnSpPr>
+        <p:spPr>
+          <a:xfrm flipV="1">
+            <a:off x="3249805" y="3240000"/>
+            <a:ext cx="0" cy="1789200"/>
+          </a:xfrm>
+          <a:prstGeom prst="straightConnector1">
+            <a:avLst/>
+          </a:prstGeom>
+          <a:ln w="25400">
+            <a:solidFill>
+              <a:srgbClr val="FF0000"/>
+            </a:solidFill>
+            <a:headEnd type="triangle" w="med" len="lg"/>
+            <a:tailEnd type="none"/>
+          </a:ln>
+        </p:spPr>
+        <p:style>
+          <a:lnRef idx="1">
+            <a:schemeClr val="accent1"/>
+          </a:lnRef>
+          <a:fillRef idx="0">
+            <a:schemeClr val="accent1"/>
+          </a:fillRef>
+          <a:effectRef idx="0">
+            <a:schemeClr val="accent1"/>
+          </a:effectRef>
+          <a:fontRef idx="minor">
+            <a:schemeClr val="tx1"/>
+          </a:fontRef>
+        </p:style>
+      </p:cxnSp>
+      <p:cxnSp>
+        <p:nvCxnSpPr>
+          <p:cNvPr id="11" name="Straight Arrow Connector 10">
+            <a:extLst>
+              <a:ext uri="{FF2B5EF4-FFF2-40B4-BE49-F238E27FC236}">
+                <a16:creationId xmlns:a16="http://schemas.microsoft.com/office/drawing/2014/main" id="{52E3DD0C-DAFC-4791-C919-2D9A719F4F74}"/>
+              </a:ext>
+            </a:extLst>
+          </p:cNvPr>
+          <p:cNvCxnSpPr>
+            <a:cxnSpLocks/>
+          </p:cNvCxnSpPr>
+          <p:nvPr/>
+        </p:nvCxnSpPr>
+        <p:spPr>
+          <a:xfrm>
+            <a:off x="1080000" y="3960000"/>
+            <a:ext cx="3600000" cy="0"/>
+          </a:xfrm>
+          <a:prstGeom prst="straightConnector1">
+            <a:avLst/>
+          </a:prstGeom>
+          <a:ln w="12700">
+            <a:solidFill>
+              <a:schemeClr val="bg1">
+                <a:lumMod val="75000"/>
+              </a:schemeClr>
+            </a:solidFill>
+            <a:prstDash val="dash"/>
+            <a:headEnd type="none"/>
+            <a:tailEnd type="none"/>
+          </a:ln>
+        </p:spPr>
+        <p:style>
+          <a:lnRef idx="1">
+            <a:schemeClr val="accent1"/>
+          </a:lnRef>
+          <a:fillRef idx="0">
+            <a:schemeClr val="accent1"/>
+          </a:fillRef>
+          <a:effectRef idx="0">
+            <a:schemeClr val="accent1"/>
+          </a:effectRef>
+          <a:fontRef idx="minor">
+            <a:schemeClr val="tx1"/>
+          </a:fontRef>
+        </p:style>
+      </p:cxnSp>
+      <p:cxnSp>
+        <p:nvCxnSpPr>
+          <p:cNvPr id="12" name="Straight Arrow Connector 11">
+            <a:extLst>
+              <a:ext uri="{FF2B5EF4-FFF2-40B4-BE49-F238E27FC236}">
+                <a16:creationId xmlns:a16="http://schemas.microsoft.com/office/drawing/2014/main" id="{E5709EC7-9AD0-2F60-C8F2-BDE8CD9F7540}"/>
+              </a:ext>
+            </a:extLst>
+          </p:cNvPr>
+          <p:cNvCxnSpPr>
+            <a:cxnSpLocks/>
+          </p:cNvCxnSpPr>
+          <p:nvPr/>
+        </p:nvCxnSpPr>
+        <p:spPr>
+          <a:xfrm>
+            <a:off x="1440000" y="3600000"/>
+            <a:ext cx="3600000" cy="0"/>
+          </a:xfrm>
+          <a:prstGeom prst="straightConnector1">
+            <a:avLst/>
+          </a:prstGeom>
+          <a:ln w="12700">
+            <a:solidFill>
+              <a:schemeClr val="bg1">
+                <a:lumMod val="75000"/>
+              </a:schemeClr>
+            </a:solidFill>
+            <a:prstDash val="dash"/>
+            <a:headEnd type="none"/>
+            <a:tailEnd type="none"/>
+          </a:ln>
+        </p:spPr>
+        <p:style>
+          <a:lnRef idx="1">
+            <a:schemeClr val="accent1"/>
+          </a:lnRef>
+          <a:fillRef idx="0">
+            <a:schemeClr val="accent1"/>
+          </a:fillRef>
+          <a:effectRef idx="0">
+            <a:schemeClr val="accent1"/>
+          </a:effectRef>
+          <a:fontRef idx="minor">
+            <a:schemeClr val="tx1"/>
+          </a:fontRef>
+        </p:style>
+      </p:cxnSp>
+      <p:cxnSp>
+        <p:nvCxnSpPr>
+          <p:cNvPr id="13" name="Straight Arrow Connector 12">
+            <a:extLst>
+              <a:ext uri="{FF2B5EF4-FFF2-40B4-BE49-F238E27FC236}">
+                <a16:creationId xmlns:a16="http://schemas.microsoft.com/office/drawing/2014/main" id="{43DB675C-8CCD-6E89-9E02-968A102EACC2}"/>
+              </a:ext>
+            </a:extLst>
+          </p:cNvPr>
+          <p:cNvCxnSpPr>
+            <a:cxnSpLocks/>
+          </p:cNvCxnSpPr>
+          <p:nvPr/>
+        </p:nvCxnSpPr>
+        <p:spPr>
+          <a:xfrm>
+            <a:off x="1800000" y="3240000"/>
+            <a:ext cx="3600000" cy="0"/>
+          </a:xfrm>
+          <a:prstGeom prst="straightConnector1">
+            <a:avLst/>
+          </a:prstGeom>
+          <a:ln w="12700">
+            <a:solidFill>
+              <a:schemeClr val="bg1">
+                <a:lumMod val="75000"/>
+              </a:schemeClr>
+            </a:solidFill>
+            <a:prstDash val="dash"/>
+            <a:headEnd type="none"/>
+            <a:tailEnd type="none"/>
+          </a:ln>
+        </p:spPr>
+        <p:style>
+          <a:lnRef idx="1">
+            <a:schemeClr val="accent1"/>
+          </a:lnRef>
+          <a:fillRef idx="0">
+            <a:schemeClr val="accent1"/>
+          </a:fillRef>
+          <a:effectRef idx="0">
+            <a:schemeClr val="accent1"/>
+          </a:effectRef>
+          <a:fontRef idx="minor">
+            <a:schemeClr val="tx1"/>
+          </a:fontRef>
+        </p:style>
+      </p:cxnSp>
+      <p:cxnSp>
+        <p:nvCxnSpPr>
+          <p:cNvPr id="14" name="Straight Arrow Connector 13">
+            <a:extLst>
+              <a:ext uri="{FF2B5EF4-FFF2-40B4-BE49-F238E27FC236}">
+                <a16:creationId xmlns:a16="http://schemas.microsoft.com/office/drawing/2014/main" id="{700E80A0-ED53-13BE-851C-3C1698235062}"/>
+              </a:ext>
+            </a:extLst>
+          </p:cNvPr>
+          <p:cNvCxnSpPr>
+            <a:cxnSpLocks/>
+          </p:cNvCxnSpPr>
+          <p:nvPr/>
+        </p:nvCxnSpPr>
+        <p:spPr>
+          <a:xfrm>
+            <a:off x="2160000" y="2880000"/>
+            <a:ext cx="3600000" cy="0"/>
+          </a:xfrm>
+          <a:prstGeom prst="straightConnector1">
+            <a:avLst/>
+          </a:prstGeom>
+          <a:ln w="12700">
+            <a:solidFill>
+              <a:schemeClr val="bg1">
+                <a:lumMod val="75000"/>
+              </a:schemeClr>
+            </a:solidFill>
+            <a:prstDash val="dash"/>
+            <a:headEnd type="none"/>
+            <a:tailEnd type="none"/>
+          </a:ln>
+        </p:spPr>
+        <p:style>
+          <a:lnRef idx="1">
+            <a:schemeClr val="accent1"/>
+          </a:lnRef>
+          <a:fillRef idx="0">
+            <a:schemeClr val="accent1"/>
+          </a:fillRef>
+          <a:effectRef idx="0">
+            <a:schemeClr val="accent1"/>
+          </a:effectRef>
+          <a:fontRef idx="minor">
+            <a:schemeClr val="tx1"/>
+          </a:fontRef>
+        </p:style>
+      </p:cxnSp>
+      <p:cxnSp>
+        <p:nvCxnSpPr>
+          <p:cNvPr id="15" name="Straight Arrow Connector 14">
+            <a:extLst>
+              <a:ext uri="{FF2B5EF4-FFF2-40B4-BE49-F238E27FC236}">
+                <a16:creationId xmlns:a16="http://schemas.microsoft.com/office/drawing/2014/main" id="{CE9C1DF7-5050-C1B2-66E1-3A96F0D21096}"/>
+              </a:ext>
+            </a:extLst>
+          </p:cNvPr>
+          <p:cNvCxnSpPr>
+            <a:cxnSpLocks/>
+          </p:cNvCxnSpPr>
+          <p:nvPr/>
+        </p:nvCxnSpPr>
+        <p:spPr>
+          <a:xfrm>
+            <a:off x="2520000" y="2520000"/>
+            <a:ext cx="3600000" cy="0"/>
+          </a:xfrm>
+          <a:prstGeom prst="straightConnector1">
+            <a:avLst/>
+          </a:prstGeom>
+          <a:ln w="12700">
+            <a:solidFill>
+              <a:schemeClr val="bg1">
+                <a:lumMod val="75000"/>
+              </a:schemeClr>
+            </a:solidFill>
+            <a:prstDash val="dash"/>
+            <a:headEnd type="none"/>
+            <a:tailEnd type="none"/>
+          </a:ln>
+        </p:spPr>
+        <p:style>
+          <a:lnRef idx="1">
+            <a:schemeClr val="accent1"/>
+          </a:lnRef>
+          <a:fillRef idx="0">
+            <a:schemeClr val="accent1"/>
+          </a:fillRef>
+          <a:effectRef idx="0">
+            <a:schemeClr val="accent1"/>
+          </a:effectRef>
+          <a:fontRef idx="minor">
+            <a:schemeClr val="tx1"/>
+          </a:fontRef>
+        </p:style>
+      </p:cxnSp>
+      <p:cxnSp>
+        <p:nvCxnSpPr>
+          <p:cNvPr id="4" name="Straight Arrow Connector 3">
+            <a:extLst>
+              <a:ext uri="{FF2B5EF4-FFF2-40B4-BE49-F238E27FC236}">
+                <a16:creationId xmlns:a16="http://schemas.microsoft.com/office/drawing/2014/main" id="{926895DD-9092-CC13-B7CD-F2D6AEC17B3D}"/>
+              </a:ext>
+            </a:extLst>
+          </p:cNvPr>
+          <p:cNvCxnSpPr>
+            <a:cxnSpLocks/>
+          </p:cNvCxnSpPr>
+          <p:nvPr/>
+        </p:nvCxnSpPr>
+        <p:spPr>
+          <a:xfrm flipV="1">
+            <a:off x="1440000" y="2160000"/>
+            <a:ext cx="2160000" cy="2160000"/>
+          </a:xfrm>
+          <a:prstGeom prst="straightConnector1">
+            <a:avLst/>
+          </a:prstGeom>
+          <a:ln w="12700">
+            <a:solidFill>
+              <a:schemeClr val="bg1">
+                <a:lumMod val="75000"/>
+              </a:schemeClr>
+            </a:solidFill>
+            <a:prstDash val="dash"/>
+            <a:headEnd type="none"/>
+            <a:tailEnd type="none"/>
+          </a:ln>
+        </p:spPr>
+        <p:style>
+          <a:lnRef idx="1">
+            <a:schemeClr val="accent1"/>
+          </a:lnRef>
+          <a:fillRef idx="0">
+            <a:schemeClr val="accent1"/>
+          </a:fillRef>
+          <a:effectRef idx="0">
+            <a:schemeClr val="accent1"/>
+          </a:effectRef>
+          <a:fontRef idx="minor">
+            <a:schemeClr val="tx1"/>
+          </a:fontRef>
+        </p:style>
+      </p:cxnSp>
+      <p:cxnSp>
+        <p:nvCxnSpPr>
+          <p:cNvPr id="5" name="Straight Arrow Connector 4">
+            <a:extLst>
+              <a:ext uri="{FF2B5EF4-FFF2-40B4-BE49-F238E27FC236}">
+                <a16:creationId xmlns:a16="http://schemas.microsoft.com/office/drawing/2014/main" id="{1C0F6D57-6B9F-1180-54E7-7220E63EAD63}"/>
+              </a:ext>
+            </a:extLst>
+          </p:cNvPr>
+          <p:cNvCxnSpPr>
+            <a:cxnSpLocks/>
+          </p:cNvCxnSpPr>
+          <p:nvPr/>
+        </p:nvCxnSpPr>
+        <p:spPr>
+          <a:xfrm flipV="1">
+            <a:off x="1800000" y="2160000"/>
+            <a:ext cx="2160000" cy="2160000"/>
+          </a:xfrm>
+          <a:prstGeom prst="straightConnector1">
+            <a:avLst/>
+          </a:prstGeom>
+          <a:ln w="12700">
+            <a:solidFill>
+              <a:schemeClr val="bg1">
+                <a:lumMod val="75000"/>
+              </a:schemeClr>
+            </a:solidFill>
+            <a:prstDash val="dash"/>
+            <a:headEnd type="none"/>
+            <a:tailEnd type="none"/>
+          </a:ln>
+        </p:spPr>
+        <p:style>
+          <a:lnRef idx="1">
+            <a:schemeClr val="accent1"/>
+          </a:lnRef>
+          <a:fillRef idx="0">
+            <a:schemeClr val="accent1"/>
+          </a:fillRef>
+          <a:effectRef idx="0">
+            <a:schemeClr val="accent1"/>
+          </a:effectRef>
+          <a:fontRef idx="minor">
+            <a:schemeClr val="tx1"/>
+          </a:fontRef>
+        </p:style>
+      </p:cxnSp>
+      <p:cxnSp>
+        <p:nvCxnSpPr>
+          <p:cNvPr id="6" name="Straight Arrow Connector 5">
+            <a:extLst>
+              <a:ext uri="{FF2B5EF4-FFF2-40B4-BE49-F238E27FC236}">
+                <a16:creationId xmlns:a16="http://schemas.microsoft.com/office/drawing/2014/main" id="{E33E4F9B-CC89-B3D4-1283-62CB283D08FE}"/>
+              </a:ext>
+            </a:extLst>
+          </p:cNvPr>
+          <p:cNvCxnSpPr>
+            <a:cxnSpLocks/>
+          </p:cNvCxnSpPr>
+          <p:nvPr/>
+        </p:nvCxnSpPr>
+        <p:spPr>
+          <a:xfrm flipV="1">
+            <a:off x="2160000" y="2160000"/>
+            <a:ext cx="2160000" cy="2160000"/>
+          </a:xfrm>
+          <a:prstGeom prst="straightConnector1">
+            <a:avLst/>
+          </a:prstGeom>
+          <a:ln w="12700">
+            <a:solidFill>
+              <a:schemeClr val="bg1">
+                <a:lumMod val="75000"/>
+              </a:schemeClr>
+            </a:solidFill>
+            <a:prstDash val="dash"/>
+            <a:headEnd type="none"/>
+            <a:tailEnd type="none"/>
+          </a:ln>
+        </p:spPr>
+        <p:style>
+          <a:lnRef idx="1">
+            <a:schemeClr val="accent1"/>
+          </a:lnRef>
+          <a:fillRef idx="0">
+            <a:schemeClr val="accent1"/>
+          </a:fillRef>
+          <a:effectRef idx="0">
+            <a:schemeClr val="accent1"/>
+          </a:effectRef>
+          <a:fontRef idx="minor">
+            <a:schemeClr val="tx1"/>
+          </a:fontRef>
+        </p:style>
+      </p:cxnSp>
+      <p:cxnSp>
+        <p:nvCxnSpPr>
+          <p:cNvPr id="7" name="Straight Arrow Connector 6">
+            <a:extLst>
+              <a:ext uri="{FF2B5EF4-FFF2-40B4-BE49-F238E27FC236}">
+                <a16:creationId xmlns:a16="http://schemas.microsoft.com/office/drawing/2014/main" id="{B4CC85A5-234F-D749-118D-3E77AADC4B67}"/>
+              </a:ext>
+            </a:extLst>
+          </p:cNvPr>
+          <p:cNvCxnSpPr>
+            <a:cxnSpLocks/>
+          </p:cNvCxnSpPr>
+          <p:nvPr/>
+        </p:nvCxnSpPr>
+        <p:spPr>
+          <a:xfrm flipV="1">
+            <a:off x="2520000" y="2160000"/>
+            <a:ext cx="2160000" cy="2160000"/>
+          </a:xfrm>
+          <a:prstGeom prst="straightConnector1">
+            <a:avLst/>
+          </a:prstGeom>
+          <a:ln w="12700">
+            <a:solidFill>
+              <a:schemeClr val="bg1">
+                <a:lumMod val="75000"/>
+              </a:schemeClr>
+            </a:solidFill>
+            <a:prstDash val="dash"/>
+            <a:headEnd type="none"/>
+            <a:tailEnd type="none"/>
+          </a:ln>
+        </p:spPr>
+        <p:style>
+          <a:lnRef idx="1">
+            <a:schemeClr val="accent1"/>
+          </a:lnRef>
+          <a:fillRef idx="0">
+            <a:schemeClr val="accent1"/>
+          </a:fillRef>
+          <a:effectRef idx="0">
+            <a:schemeClr val="accent1"/>
+          </a:effectRef>
+          <a:fontRef idx="minor">
+            <a:schemeClr val="tx1"/>
+          </a:fontRef>
+        </p:style>
+      </p:cxnSp>
+      <p:cxnSp>
+        <p:nvCxnSpPr>
+          <p:cNvPr id="8" name="Straight Arrow Connector 7">
+            <a:extLst>
+              <a:ext uri="{FF2B5EF4-FFF2-40B4-BE49-F238E27FC236}">
+                <a16:creationId xmlns:a16="http://schemas.microsoft.com/office/drawing/2014/main" id="{2692D4BE-9BB5-5A1D-5F30-38AB5FC326B7}"/>
+              </a:ext>
+            </a:extLst>
+          </p:cNvPr>
+          <p:cNvCxnSpPr>
+            <a:cxnSpLocks/>
+          </p:cNvCxnSpPr>
+          <p:nvPr/>
+        </p:nvCxnSpPr>
+        <p:spPr>
+          <a:xfrm flipV="1">
+            <a:off x="2880000" y="2160000"/>
+            <a:ext cx="2160000" cy="2160000"/>
+          </a:xfrm>
+          <a:prstGeom prst="straightConnector1">
+            <a:avLst/>
+          </a:prstGeom>
+          <a:ln w="12700">
+            <a:solidFill>
+              <a:schemeClr val="bg1">
+                <a:lumMod val="75000"/>
+              </a:schemeClr>
+            </a:solidFill>
+            <a:prstDash val="dash"/>
+            <a:headEnd type="none"/>
+            <a:tailEnd type="none"/>
+          </a:ln>
+        </p:spPr>
+        <p:style>
+          <a:lnRef idx="1">
+            <a:schemeClr val="accent1"/>
+          </a:lnRef>
+          <a:fillRef idx="0">
+            <a:schemeClr val="accent1"/>
+          </a:fillRef>
+          <a:effectRef idx="0">
+            <a:schemeClr val="accent1"/>
+          </a:effectRef>
+          <a:fontRef idx="minor">
+            <a:schemeClr val="tx1"/>
+          </a:fontRef>
+        </p:style>
+      </p:cxnSp>
+      <p:cxnSp>
+        <p:nvCxnSpPr>
+          <p:cNvPr id="9" name="Straight Arrow Connector 8">
+            <a:extLst>
+              <a:ext uri="{FF2B5EF4-FFF2-40B4-BE49-F238E27FC236}">
+                <a16:creationId xmlns:a16="http://schemas.microsoft.com/office/drawing/2014/main" id="{165A7444-AFB2-F04A-4C2C-B7D2A74B731E}"/>
+              </a:ext>
+            </a:extLst>
+          </p:cNvPr>
+          <p:cNvCxnSpPr>
+            <a:cxnSpLocks/>
+          </p:cNvCxnSpPr>
+          <p:nvPr/>
+        </p:nvCxnSpPr>
+        <p:spPr>
+          <a:xfrm flipV="1">
+            <a:off x="3240000" y="2160000"/>
+            <a:ext cx="2160000" cy="2160000"/>
+          </a:xfrm>
+          <a:prstGeom prst="straightConnector1">
+            <a:avLst/>
+          </a:prstGeom>
+          <a:ln w="12700">
+            <a:solidFill>
+              <a:schemeClr val="bg1">
+                <a:lumMod val="75000"/>
+              </a:schemeClr>
+            </a:solidFill>
+            <a:prstDash val="dash"/>
+            <a:headEnd type="none"/>
+            <a:tailEnd type="none"/>
+          </a:ln>
+        </p:spPr>
+        <p:style>
+          <a:lnRef idx="1">
+            <a:schemeClr val="accent1"/>
+          </a:lnRef>
+          <a:fillRef idx="0">
+            <a:schemeClr val="accent1"/>
+          </a:fillRef>
+          <a:effectRef idx="0">
+            <a:schemeClr val="accent1"/>
+          </a:effectRef>
+          <a:fontRef idx="minor">
+            <a:schemeClr val="tx1"/>
+          </a:fontRef>
+        </p:style>
+      </p:cxnSp>
+      <p:cxnSp>
+        <p:nvCxnSpPr>
+          <p:cNvPr id="10" name="Straight Arrow Connector 9">
+            <a:extLst>
+              <a:ext uri="{FF2B5EF4-FFF2-40B4-BE49-F238E27FC236}">
+                <a16:creationId xmlns:a16="http://schemas.microsoft.com/office/drawing/2014/main" id="{37B05D9D-92D1-A321-7938-6FE9C2ECBF9F}"/>
+              </a:ext>
+            </a:extLst>
+          </p:cNvPr>
+          <p:cNvCxnSpPr>
+            <a:cxnSpLocks/>
+          </p:cNvCxnSpPr>
+          <p:nvPr/>
+        </p:nvCxnSpPr>
+        <p:spPr>
+          <a:xfrm flipV="1">
+            <a:off x="3600000" y="2160000"/>
+            <a:ext cx="2160000" cy="2160000"/>
+          </a:xfrm>
+          <a:prstGeom prst="straightConnector1">
+            <a:avLst/>
+          </a:prstGeom>
+          <a:ln w="12700">
+            <a:solidFill>
+              <a:schemeClr val="bg1">
+                <a:lumMod val="75000"/>
+              </a:schemeClr>
+            </a:solidFill>
+            <a:prstDash val="dash"/>
+            <a:headEnd type="none"/>
+            <a:tailEnd type="none"/>
+          </a:ln>
+        </p:spPr>
+        <p:style>
+          <a:lnRef idx="1">
+            <a:schemeClr val="accent1"/>
+          </a:lnRef>
+          <a:fillRef idx="0">
+            <a:schemeClr val="accent1"/>
+          </a:fillRef>
+          <a:effectRef idx="0">
+            <a:schemeClr val="accent1"/>
+          </a:effectRef>
+          <a:fontRef idx="minor">
+            <a:schemeClr val="tx1"/>
+          </a:fontRef>
+        </p:style>
+      </p:cxnSp>
+      <p:cxnSp>
+        <p:nvCxnSpPr>
+          <p:cNvPr id="34" name="Straight Arrow Connector 33">
+            <a:extLst>
+              <a:ext uri="{FF2B5EF4-FFF2-40B4-BE49-F238E27FC236}">
+                <a16:creationId xmlns:a16="http://schemas.microsoft.com/office/drawing/2014/main" id="{E91D25A9-1DF5-B508-1FDD-6BDCE0044F7D}"/>
+              </a:ext>
+            </a:extLst>
+          </p:cNvPr>
+          <p:cNvCxnSpPr>
+            <a:cxnSpLocks/>
+          </p:cNvCxnSpPr>
+          <p:nvPr/>
+        </p:nvCxnSpPr>
+        <p:spPr>
+          <a:xfrm flipV="1">
+            <a:off x="2880000" y="3240000"/>
+            <a:ext cx="0" cy="589050"/>
+          </a:xfrm>
+          <a:prstGeom prst="straightConnector1">
+            <a:avLst/>
+          </a:prstGeom>
+          <a:ln w="25400">
+            <a:solidFill>
+              <a:srgbClr val="FF0000"/>
+            </a:solidFill>
+            <a:headEnd type="triangle" w="med" len="lg"/>
+            <a:tailEnd type="none"/>
+          </a:ln>
+        </p:spPr>
+        <p:style>
+          <a:lnRef idx="1">
+            <a:schemeClr val="accent1"/>
+          </a:lnRef>
+          <a:fillRef idx="0">
+            <a:schemeClr val="accent1"/>
+          </a:fillRef>
+          <a:effectRef idx="0">
+            <a:schemeClr val="accent1"/>
+          </a:effectRef>
+          <a:fontRef idx="minor">
+            <a:schemeClr val="tx1"/>
+          </a:fontRef>
+        </p:style>
+      </p:cxnSp>
+      <p:sp>
+        <p:nvSpPr>
+          <p:cNvPr id="2" name="Parallelogram 1">
+            <a:extLst>
+              <a:ext uri="{FF2B5EF4-FFF2-40B4-BE49-F238E27FC236}">
+                <a16:creationId xmlns:a16="http://schemas.microsoft.com/office/drawing/2014/main" id="{63947384-0B3E-8787-C4B2-179644A9DAD2}"/>
+              </a:ext>
+            </a:extLst>
+          </p:cNvPr>
+          <p:cNvSpPr/>
+          <p:nvPr/>
+        </p:nvSpPr>
+        <p:spPr>
+          <a:xfrm>
+            <a:off x="1789050" y="2520001"/>
+            <a:ext cx="3600000" cy="1439999"/>
+          </a:xfrm>
+          <a:prstGeom prst="parallelogram">
+            <a:avLst>
+              <a:gd name="adj" fmla="val 100036"/>
+            </a:avLst>
+          </a:prstGeom>
+          <a:solidFill>
+            <a:schemeClr val="accent1">
+              <a:lumMod val="20000"/>
+              <a:lumOff val="80000"/>
+              <a:alpha val="75000"/>
+            </a:schemeClr>
+          </a:solidFill>
+          <a:ln w="12700">
+            <a:solidFill>
+              <a:schemeClr val="accent1"/>
+            </a:solidFill>
+          </a:ln>
+        </p:spPr>
+        <p:style>
+          <a:lnRef idx="2">
+            <a:schemeClr val="accent1">
+              <a:shade val="50000"/>
+            </a:schemeClr>
+          </a:lnRef>
+          <a:fillRef idx="1">
+            <a:schemeClr val="accent1"/>
+          </a:fillRef>
+          <a:effectRef idx="0">
+            <a:schemeClr val="accent1"/>
+          </a:effectRef>
+          <a:fontRef idx="minor">
+            <a:schemeClr val="lt1"/>
+          </a:fontRef>
+        </p:style>
+        <p:txBody>
+          <a:bodyPr rtlCol="0" anchor="ctr"/>
+          <a:lstStyle/>
+          <a:p>
+            <a:pPr algn="ctr"/>
+            <a:endParaRPr lang="en-US"/>
+          </a:p>
+        </p:txBody>
+      </p:sp>
+      <p:cxnSp>
+        <p:nvCxnSpPr>
+          <p:cNvPr id="3" name="Straight Arrow Connector 2">
+            <a:extLst>
+              <a:ext uri="{FF2B5EF4-FFF2-40B4-BE49-F238E27FC236}">
+                <a16:creationId xmlns:a16="http://schemas.microsoft.com/office/drawing/2014/main" id="{DE715AA5-FDD8-C328-A324-819B0DAEE0CA}"/>
+              </a:ext>
+            </a:extLst>
+          </p:cNvPr>
+          <p:cNvCxnSpPr>
+            <a:cxnSpLocks/>
+          </p:cNvCxnSpPr>
+          <p:nvPr/>
+        </p:nvCxnSpPr>
+        <p:spPr>
+          <a:xfrm flipV="1">
+            <a:off x="1080000" y="2160000"/>
+            <a:ext cx="2160000" cy="2160000"/>
+          </a:xfrm>
+          <a:prstGeom prst="straightConnector1">
+            <a:avLst/>
+          </a:prstGeom>
+          <a:ln w="12700">
+            <a:solidFill>
+              <a:schemeClr val="bg1">
+                <a:lumMod val="75000"/>
+              </a:schemeClr>
+            </a:solidFill>
+            <a:prstDash val="dash"/>
+            <a:headEnd type="none"/>
+            <a:tailEnd type="none"/>
+          </a:ln>
+        </p:spPr>
+        <p:style>
+          <a:lnRef idx="1">
+            <a:schemeClr val="accent1"/>
+          </a:lnRef>
+          <a:fillRef idx="0">
+            <a:schemeClr val="accent1"/>
+          </a:fillRef>
+          <a:effectRef idx="0">
+            <a:schemeClr val="accent1"/>
+          </a:effectRef>
+          <a:fontRef idx="minor">
+            <a:schemeClr val="tx1"/>
+          </a:fontRef>
+        </p:style>
+      </p:cxnSp>
+      <p:cxnSp>
+        <p:nvCxnSpPr>
+          <p:cNvPr id="18" name="Straight Arrow Connector 17">
+            <a:extLst>
+              <a:ext uri="{FF2B5EF4-FFF2-40B4-BE49-F238E27FC236}">
+                <a16:creationId xmlns:a16="http://schemas.microsoft.com/office/drawing/2014/main" id="{E722862D-1A4B-2D24-2E57-00E38B0C479A}"/>
+              </a:ext>
+            </a:extLst>
+          </p:cNvPr>
+          <p:cNvCxnSpPr>
+            <a:cxnSpLocks/>
+          </p:cNvCxnSpPr>
+          <p:nvPr/>
+        </p:nvCxnSpPr>
+        <p:spPr>
+          <a:xfrm flipV="1">
+            <a:off x="3960000" y="2160000"/>
+            <a:ext cx="2160000" cy="2160000"/>
+          </a:xfrm>
+          <a:prstGeom prst="straightConnector1">
+            <a:avLst/>
+          </a:prstGeom>
+          <a:ln w="12700">
+            <a:solidFill>
+              <a:schemeClr val="bg1">
+                <a:lumMod val="75000"/>
+              </a:schemeClr>
+            </a:solidFill>
+            <a:prstDash val="dash"/>
+            <a:headEnd type="none"/>
+            <a:tailEnd type="none"/>
+          </a:ln>
+        </p:spPr>
+        <p:style>
+          <a:lnRef idx="1">
+            <a:schemeClr val="accent1"/>
+          </a:lnRef>
+          <a:fillRef idx="0">
+            <a:schemeClr val="accent1"/>
+          </a:fillRef>
+          <a:effectRef idx="0">
+            <a:schemeClr val="accent1"/>
+          </a:effectRef>
+          <a:fontRef idx="minor">
+            <a:schemeClr val="tx1"/>
+          </a:fontRef>
+        </p:style>
+      </p:cxnSp>
+      <p:cxnSp>
+        <p:nvCxnSpPr>
+          <p:cNvPr id="38" name="Straight Arrow Connector 37">
+            <a:extLst>
+              <a:ext uri="{FF2B5EF4-FFF2-40B4-BE49-F238E27FC236}">
+                <a16:creationId xmlns:a16="http://schemas.microsoft.com/office/drawing/2014/main" id="{ADCAE138-74BA-7881-3E35-0BDA1CE025E7}"/>
+              </a:ext>
+            </a:extLst>
+          </p:cNvPr>
+          <p:cNvCxnSpPr>
+            <a:cxnSpLocks/>
+          </p:cNvCxnSpPr>
+          <p:nvPr/>
+        </p:nvCxnSpPr>
+        <p:spPr>
+          <a:xfrm>
+            <a:off x="3069805" y="2700000"/>
+            <a:ext cx="180000" cy="0"/>
+          </a:xfrm>
+          <a:prstGeom prst="straightConnector1">
+            <a:avLst/>
+          </a:prstGeom>
+          <a:ln w="12700">
+            <a:solidFill>
+              <a:srgbClr val="002060"/>
+            </a:solidFill>
+            <a:headEnd type="none" w="med" len="lg"/>
+            <a:tailEnd type="none"/>
+          </a:ln>
+        </p:spPr>
+        <p:style>
+          <a:lnRef idx="1">
+            <a:schemeClr val="accent1"/>
+          </a:lnRef>
+          <a:fillRef idx="0">
+            <a:schemeClr val="accent1"/>
+          </a:fillRef>
+          <a:effectRef idx="0">
+            <a:schemeClr val="accent1"/>
+          </a:effectRef>
+          <a:fontRef idx="minor">
+            <a:schemeClr val="tx1"/>
+          </a:fontRef>
+        </p:style>
+      </p:cxnSp>
+      <p:cxnSp>
+        <p:nvCxnSpPr>
+          <p:cNvPr id="39" name="Straight Arrow Connector 38">
+            <a:extLst>
+              <a:ext uri="{FF2B5EF4-FFF2-40B4-BE49-F238E27FC236}">
+                <a16:creationId xmlns:a16="http://schemas.microsoft.com/office/drawing/2014/main" id="{69DAD36B-D477-805E-9522-7DDFAE97A327}"/>
+              </a:ext>
+            </a:extLst>
+          </p:cNvPr>
+          <p:cNvCxnSpPr>
+            <a:cxnSpLocks/>
+          </p:cNvCxnSpPr>
+          <p:nvPr/>
+        </p:nvCxnSpPr>
+        <p:spPr>
+          <a:xfrm>
+            <a:off x="3069805" y="2700000"/>
+            <a:ext cx="0" cy="180000"/>
+          </a:xfrm>
+          <a:prstGeom prst="straightConnector1">
+            <a:avLst/>
+          </a:prstGeom>
+          <a:ln w="12700">
+            <a:solidFill>
+              <a:srgbClr val="002060"/>
+            </a:solidFill>
+            <a:headEnd type="none" w="med" len="lg"/>
+            <a:tailEnd type="none"/>
+          </a:ln>
+        </p:spPr>
+        <p:style>
+          <a:lnRef idx="1">
+            <a:schemeClr val="accent1"/>
+          </a:lnRef>
+          <a:fillRef idx="0">
+            <a:schemeClr val="accent1"/>
+          </a:fillRef>
+          <a:effectRef idx="0">
+            <a:schemeClr val="accent1"/>
+          </a:effectRef>
+          <a:fontRef idx="minor">
+            <a:schemeClr val="tx1"/>
+          </a:fontRef>
+        </p:style>
+      </p:cxnSp>
+      <p:cxnSp>
+        <p:nvCxnSpPr>
+          <p:cNvPr id="23" name="Straight Arrow Connector 22">
+            <a:extLst>
+              <a:ext uri="{FF2B5EF4-FFF2-40B4-BE49-F238E27FC236}">
+                <a16:creationId xmlns:a16="http://schemas.microsoft.com/office/drawing/2014/main" id="{6DD26812-214A-E8E8-720E-25C1F7FB2DF3}"/>
+              </a:ext>
+            </a:extLst>
+          </p:cNvPr>
+          <p:cNvCxnSpPr>
+            <a:cxnSpLocks/>
+          </p:cNvCxnSpPr>
+          <p:nvPr/>
+        </p:nvCxnSpPr>
+        <p:spPr>
+          <a:xfrm>
+            <a:off x="3249805" y="1861384"/>
+            <a:ext cx="0" cy="1018984"/>
+          </a:xfrm>
+          <a:prstGeom prst="straightConnector1">
+            <a:avLst/>
+          </a:prstGeom>
+          <a:ln w="25400">
+            <a:solidFill>
+              <a:srgbClr val="FF0000"/>
+            </a:solidFill>
+            <a:headEnd type="triangle" w="med" len="lg"/>
+            <a:tailEnd type="none"/>
+          </a:ln>
+        </p:spPr>
+        <p:style>
+          <a:lnRef idx="1">
+            <a:schemeClr val="accent1"/>
+          </a:lnRef>
+          <a:fillRef idx="0">
+            <a:schemeClr val="accent1"/>
+          </a:fillRef>
+          <a:effectRef idx="0">
+            <a:schemeClr val="accent1"/>
+          </a:effectRef>
+          <a:fontRef idx="minor">
+            <a:schemeClr val="tx1"/>
+          </a:fontRef>
+        </p:style>
+      </p:cxnSp>
+      <p:cxnSp>
+        <p:nvCxnSpPr>
+          <p:cNvPr id="40" name="Straight Arrow Connector 39">
+            <a:extLst>
+              <a:ext uri="{FF2B5EF4-FFF2-40B4-BE49-F238E27FC236}">
+                <a16:creationId xmlns:a16="http://schemas.microsoft.com/office/drawing/2014/main" id="{FFE7AFC5-5D76-1817-3076-93A22F14B391}"/>
+              </a:ext>
+            </a:extLst>
+          </p:cNvPr>
+          <p:cNvCxnSpPr>
+            <a:cxnSpLocks/>
+          </p:cNvCxnSpPr>
+          <p:nvPr/>
+        </p:nvCxnSpPr>
+        <p:spPr>
+          <a:xfrm>
+            <a:off x="3422230" y="2700000"/>
+            <a:ext cx="180000" cy="0"/>
+          </a:xfrm>
+          <a:prstGeom prst="straightConnector1">
+            <a:avLst/>
+          </a:prstGeom>
+          <a:ln w="12700">
+            <a:solidFill>
+              <a:srgbClr val="002060"/>
+            </a:solidFill>
+            <a:headEnd type="none" w="med" len="lg"/>
+            <a:tailEnd type="none"/>
+          </a:ln>
+        </p:spPr>
+        <p:style>
+          <a:lnRef idx="1">
+            <a:schemeClr val="accent1"/>
+          </a:lnRef>
+          <a:fillRef idx="0">
+            <a:schemeClr val="accent1"/>
+          </a:fillRef>
+          <a:effectRef idx="0">
+            <a:schemeClr val="accent1"/>
+          </a:effectRef>
+          <a:fontRef idx="minor">
+            <a:schemeClr val="tx1"/>
+          </a:fontRef>
+        </p:style>
+      </p:cxnSp>
+      <p:cxnSp>
+        <p:nvCxnSpPr>
+          <p:cNvPr id="41" name="Straight Arrow Connector 40">
+            <a:extLst>
+              <a:ext uri="{FF2B5EF4-FFF2-40B4-BE49-F238E27FC236}">
+                <a16:creationId xmlns:a16="http://schemas.microsoft.com/office/drawing/2014/main" id="{494376D5-E22C-0BBD-4824-372ECDEF64CD}"/>
+              </a:ext>
+            </a:extLst>
+          </p:cNvPr>
+          <p:cNvCxnSpPr>
+            <a:cxnSpLocks/>
+          </p:cNvCxnSpPr>
+          <p:nvPr/>
+        </p:nvCxnSpPr>
+        <p:spPr>
+          <a:xfrm>
+            <a:off x="3422230" y="2700000"/>
+            <a:ext cx="0" cy="180000"/>
+          </a:xfrm>
+          <a:prstGeom prst="straightConnector1">
+            <a:avLst/>
+          </a:prstGeom>
+          <a:ln w="12700">
+            <a:solidFill>
+              <a:srgbClr val="002060"/>
+            </a:solidFill>
+            <a:headEnd type="none" w="med" len="lg"/>
+            <a:tailEnd type="none"/>
+          </a:ln>
+        </p:spPr>
+        <p:style>
+          <a:lnRef idx="1">
+            <a:schemeClr val="accent1"/>
+          </a:lnRef>
+          <a:fillRef idx="0">
+            <a:schemeClr val="accent1"/>
+          </a:fillRef>
+          <a:effectRef idx="0">
+            <a:schemeClr val="accent1"/>
+          </a:effectRef>
+          <a:fontRef idx="minor">
+            <a:schemeClr val="tx1"/>
+          </a:fontRef>
+        </p:style>
+      </p:cxnSp>
+      <p:cxnSp>
+        <p:nvCxnSpPr>
+          <p:cNvPr id="42" name="Straight Arrow Connector 41">
+            <a:extLst>
+              <a:ext uri="{FF2B5EF4-FFF2-40B4-BE49-F238E27FC236}">
+                <a16:creationId xmlns:a16="http://schemas.microsoft.com/office/drawing/2014/main" id="{A708E7CB-87C3-1837-4452-6B03DC1A9285}"/>
+              </a:ext>
+            </a:extLst>
+          </p:cNvPr>
+          <p:cNvCxnSpPr>
+            <a:cxnSpLocks/>
+          </p:cNvCxnSpPr>
+          <p:nvPr/>
+        </p:nvCxnSpPr>
+        <p:spPr>
+          <a:xfrm>
+            <a:off x="3772274" y="2700000"/>
+            <a:ext cx="180000" cy="0"/>
+          </a:xfrm>
+          <a:prstGeom prst="straightConnector1">
+            <a:avLst/>
+          </a:prstGeom>
+          <a:ln w="12700">
+            <a:solidFill>
+              <a:srgbClr val="002060"/>
+            </a:solidFill>
+            <a:headEnd type="none" w="med" len="lg"/>
+            <a:tailEnd type="none"/>
+          </a:ln>
+        </p:spPr>
+        <p:style>
+          <a:lnRef idx="1">
+            <a:schemeClr val="accent1"/>
+          </a:lnRef>
+          <a:fillRef idx="0">
+            <a:schemeClr val="accent1"/>
+          </a:fillRef>
+          <a:effectRef idx="0">
+            <a:schemeClr val="accent1"/>
+          </a:effectRef>
+          <a:fontRef idx="minor">
+            <a:schemeClr val="tx1"/>
+          </a:fontRef>
+        </p:style>
+      </p:cxnSp>
+      <p:cxnSp>
+        <p:nvCxnSpPr>
+          <p:cNvPr id="43" name="Straight Arrow Connector 42">
+            <a:extLst>
+              <a:ext uri="{FF2B5EF4-FFF2-40B4-BE49-F238E27FC236}">
+                <a16:creationId xmlns:a16="http://schemas.microsoft.com/office/drawing/2014/main" id="{F60CEDE8-A7FB-CE15-9688-D1C2CC0A1CF8}"/>
+              </a:ext>
+            </a:extLst>
+          </p:cNvPr>
+          <p:cNvCxnSpPr>
+            <a:cxnSpLocks/>
+          </p:cNvCxnSpPr>
+          <p:nvPr/>
+        </p:nvCxnSpPr>
+        <p:spPr>
+          <a:xfrm>
+            <a:off x="3772274" y="2700000"/>
+            <a:ext cx="0" cy="180000"/>
+          </a:xfrm>
+          <a:prstGeom prst="straightConnector1">
+            <a:avLst/>
+          </a:prstGeom>
+          <a:ln w="12700">
+            <a:solidFill>
+              <a:srgbClr val="002060"/>
+            </a:solidFill>
+            <a:headEnd type="none" w="med" len="lg"/>
+            <a:tailEnd type="none"/>
+          </a:ln>
+        </p:spPr>
+        <p:style>
+          <a:lnRef idx="1">
+            <a:schemeClr val="accent1"/>
+          </a:lnRef>
+          <a:fillRef idx="0">
+            <a:schemeClr val="accent1"/>
+          </a:fillRef>
+          <a:effectRef idx="0">
+            <a:schemeClr val="accent1"/>
+          </a:effectRef>
+          <a:fontRef idx="minor">
+            <a:schemeClr val="tx1"/>
+          </a:fontRef>
+        </p:style>
+      </p:cxnSp>
+      <p:cxnSp>
+        <p:nvCxnSpPr>
+          <p:cNvPr id="44" name="Straight Arrow Connector 43">
+            <a:extLst>
+              <a:ext uri="{FF2B5EF4-FFF2-40B4-BE49-F238E27FC236}">
+                <a16:creationId xmlns:a16="http://schemas.microsoft.com/office/drawing/2014/main" id="{76C6A648-D525-492A-6354-BE64CBD4EBBB}"/>
+              </a:ext>
+            </a:extLst>
+          </p:cNvPr>
+          <p:cNvCxnSpPr>
+            <a:cxnSpLocks/>
+          </p:cNvCxnSpPr>
+          <p:nvPr/>
+        </p:nvCxnSpPr>
+        <p:spPr>
+          <a:xfrm>
+            <a:off x="4143749" y="2700000"/>
+            <a:ext cx="180000" cy="0"/>
+          </a:xfrm>
+          <a:prstGeom prst="straightConnector1">
+            <a:avLst/>
+          </a:prstGeom>
+          <a:ln w="12700">
+            <a:solidFill>
+              <a:srgbClr val="002060"/>
+            </a:solidFill>
+            <a:headEnd type="none" w="med" len="lg"/>
+            <a:tailEnd type="none"/>
+          </a:ln>
+        </p:spPr>
+        <p:style>
+          <a:lnRef idx="1">
+            <a:schemeClr val="accent1"/>
+          </a:lnRef>
+          <a:fillRef idx="0">
+            <a:schemeClr val="accent1"/>
+          </a:fillRef>
+          <a:effectRef idx="0">
+            <a:schemeClr val="accent1"/>
+          </a:effectRef>
+          <a:fontRef idx="minor">
+            <a:schemeClr val="tx1"/>
+          </a:fontRef>
+        </p:style>
+      </p:cxnSp>
+      <p:cxnSp>
+        <p:nvCxnSpPr>
+          <p:cNvPr id="45" name="Straight Arrow Connector 44">
+            <a:extLst>
+              <a:ext uri="{FF2B5EF4-FFF2-40B4-BE49-F238E27FC236}">
+                <a16:creationId xmlns:a16="http://schemas.microsoft.com/office/drawing/2014/main" id="{A08765F2-6060-C18E-D4D0-F3B2D487ACE9}"/>
+              </a:ext>
+            </a:extLst>
+          </p:cNvPr>
+          <p:cNvCxnSpPr>
+            <a:cxnSpLocks/>
+          </p:cNvCxnSpPr>
+          <p:nvPr/>
+        </p:nvCxnSpPr>
+        <p:spPr>
+          <a:xfrm>
+            <a:off x="4143749" y="2700000"/>
+            <a:ext cx="0" cy="180000"/>
+          </a:xfrm>
+          <a:prstGeom prst="straightConnector1">
+            <a:avLst/>
+          </a:prstGeom>
+          <a:ln w="12700">
+            <a:solidFill>
+              <a:srgbClr val="002060"/>
+            </a:solidFill>
+            <a:headEnd type="none" w="med" len="lg"/>
+            <a:tailEnd type="none"/>
+          </a:ln>
+        </p:spPr>
+        <p:style>
+          <a:lnRef idx="1">
+            <a:schemeClr val="accent1"/>
+          </a:lnRef>
+          <a:fillRef idx="0">
+            <a:schemeClr val="accent1"/>
+          </a:fillRef>
+          <a:effectRef idx="0">
+            <a:schemeClr val="accent1"/>
+          </a:effectRef>
+          <a:fontRef idx="minor">
+            <a:schemeClr val="tx1"/>
+          </a:fontRef>
+        </p:style>
+      </p:cxnSp>
+      <p:cxnSp>
+        <p:nvCxnSpPr>
+          <p:cNvPr id="46" name="Straight Arrow Connector 45">
+            <a:extLst>
+              <a:ext uri="{FF2B5EF4-FFF2-40B4-BE49-F238E27FC236}">
+                <a16:creationId xmlns:a16="http://schemas.microsoft.com/office/drawing/2014/main" id="{761D7E53-9632-F97D-EA99-A0A318D104AD}"/>
+              </a:ext>
+            </a:extLst>
+          </p:cNvPr>
+          <p:cNvCxnSpPr>
+            <a:cxnSpLocks/>
+          </p:cNvCxnSpPr>
+          <p:nvPr/>
+        </p:nvCxnSpPr>
+        <p:spPr>
+          <a:xfrm>
+            <a:off x="4508080" y="2701556"/>
+            <a:ext cx="180000" cy="0"/>
+          </a:xfrm>
+          <a:prstGeom prst="straightConnector1">
+            <a:avLst/>
+          </a:prstGeom>
+          <a:ln w="12700">
+            <a:solidFill>
+              <a:srgbClr val="002060"/>
+            </a:solidFill>
+            <a:headEnd type="none" w="med" len="lg"/>
+            <a:tailEnd type="none"/>
+          </a:ln>
+        </p:spPr>
+        <p:style>
+          <a:lnRef idx="1">
+            <a:schemeClr val="accent1"/>
+          </a:lnRef>
+          <a:fillRef idx="0">
+            <a:schemeClr val="accent1"/>
+          </a:fillRef>
+          <a:effectRef idx="0">
+            <a:schemeClr val="accent1"/>
+          </a:effectRef>
+          <a:fontRef idx="minor">
+            <a:schemeClr val="tx1"/>
+          </a:fontRef>
+        </p:style>
+      </p:cxnSp>
+      <p:cxnSp>
+        <p:nvCxnSpPr>
+          <p:cNvPr id="47" name="Straight Arrow Connector 46">
+            <a:extLst>
+              <a:ext uri="{FF2B5EF4-FFF2-40B4-BE49-F238E27FC236}">
+                <a16:creationId xmlns:a16="http://schemas.microsoft.com/office/drawing/2014/main" id="{EAE88D3B-EC69-6666-F77A-FA534C91319B}"/>
+              </a:ext>
+            </a:extLst>
+          </p:cNvPr>
+          <p:cNvCxnSpPr>
+            <a:cxnSpLocks/>
+          </p:cNvCxnSpPr>
+          <p:nvPr/>
+        </p:nvCxnSpPr>
+        <p:spPr>
+          <a:xfrm>
+            <a:off x="4508080" y="2701556"/>
+            <a:ext cx="0" cy="180000"/>
+          </a:xfrm>
+          <a:prstGeom prst="straightConnector1">
+            <a:avLst/>
+          </a:prstGeom>
+          <a:ln w="12700">
+            <a:solidFill>
+              <a:srgbClr val="002060"/>
+            </a:solidFill>
+            <a:headEnd type="none" w="med" len="lg"/>
+            <a:tailEnd type="none"/>
+          </a:ln>
+        </p:spPr>
+        <p:style>
+          <a:lnRef idx="1">
+            <a:schemeClr val="accent1"/>
+          </a:lnRef>
+          <a:fillRef idx="0">
+            <a:schemeClr val="accent1"/>
+          </a:fillRef>
+          <a:effectRef idx="0">
+            <a:schemeClr val="accent1"/>
+          </a:effectRef>
+          <a:fontRef idx="minor">
+            <a:schemeClr val="tx1"/>
+          </a:fontRef>
+        </p:style>
+      </p:cxnSp>
+      <p:cxnSp>
+        <p:nvCxnSpPr>
+          <p:cNvPr id="25" name="Straight Arrow Connector 24">
+            <a:extLst>
+              <a:ext uri="{FF2B5EF4-FFF2-40B4-BE49-F238E27FC236}">
+                <a16:creationId xmlns:a16="http://schemas.microsoft.com/office/drawing/2014/main" id="{88D57623-F73C-0DE3-0650-47698345FAC7}"/>
+              </a:ext>
+            </a:extLst>
+          </p:cNvPr>
+          <p:cNvCxnSpPr>
+            <a:cxnSpLocks/>
+          </p:cNvCxnSpPr>
+          <p:nvPr/>
+        </p:nvCxnSpPr>
+        <p:spPr>
+          <a:xfrm>
+            <a:off x="3598272" y="1203795"/>
+            <a:ext cx="478" cy="1677233"/>
+          </a:xfrm>
+          <a:prstGeom prst="straightConnector1">
+            <a:avLst/>
+          </a:prstGeom>
+          <a:ln w="25400">
+            <a:solidFill>
+              <a:srgbClr val="FF0000"/>
+            </a:solidFill>
+            <a:headEnd type="triangle" w="med" len="lg"/>
+            <a:tailEnd type="none"/>
+          </a:ln>
+        </p:spPr>
+        <p:style>
+          <a:lnRef idx="1">
+            <a:schemeClr val="accent1"/>
+          </a:lnRef>
+          <a:fillRef idx="0">
+            <a:schemeClr val="accent1"/>
+          </a:fillRef>
+          <a:effectRef idx="0">
+            <a:schemeClr val="accent1"/>
+          </a:effectRef>
+          <a:fontRef idx="minor">
+            <a:schemeClr val="tx1"/>
+          </a:fontRef>
+        </p:style>
+      </p:cxnSp>
+      <p:cxnSp>
+        <p:nvCxnSpPr>
+          <p:cNvPr id="27" name="Straight Arrow Connector 26">
+            <a:extLst>
+              <a:ext uri="{FF2B5EF4-FFF2-40B4-BE49-F238E27FC236}">
+                <a16:creationId xmlns:a16="http://schemas.microsoft.com/office/drawing/2014/main" id="{68796507-C5C7-8078-5098-976865FDB9A2}"/>
+              </a:ext>
+            </a:extLst>
+          </p:cNvPr>
+          <p:cNvCxnSpPr>
+            <a:cxnSpLocks/>
+          </p:cNvCxnSpPr>
+          <p:nvPr/>
+        </p:nvCxnSpPr>
+        <p:spPr>
+          <a:xfrm>
+            <a:off x="3944899" y="1532077"/>
+            <a:ext cx="0" cy="1348438"/>
+          </a:xfrm>
+          <a:prstGeom prst="straightConnector1">
+            <a:avLst/>
+          </a:prstGeom>
+          <a:ln w="25400">
+            <a:solidFill>
+              <a:srgbClr val="FF0000"/>
+            </a:solidFill>
+            <a:headEnd type="triangle" w="med" len="lg"/>
+            <a:tailEnd type="none"/>
+          </a:ln>
+        </p:spPr>
+        <p:style>
+          <a:lnRef idx="1">
+            <a:schemeClr val="accent1"/>
+          </a:lnRef>
+          <a:fillRef idx="0">
+            <a:schemeClr val="accent1"/>
+          </a:fillRef>
+          <a:effectRef idx="0">
+            <a:schemeClr val="accent1"/>
+          </a:effectRef>
+          <a:fontRef idx="minor">
+            <a:schemeClr val="tx1"/>
+          </a:fontRef>
+        </p:style>
+      </p:cxnSp>
+      <p:cxnSp>
+        <p:nvCxnSpPr>
+          <p:cNvPr id="29" name="Straight Arrow Connector 28">
+            <a:extLst>
+              <a:ext uri="{FF2B5EF4-FFF2-40B4-BE49-F238E27FC236}">
+                <a16:creationId xmlns:a16="http://schemas.microsoft.com/office/drawing/2014/main" id="{E53AF32D-6D01-C15C-2744-FF412465B693}"/>
+              </a:ext>
+            </a:extLst>
+          </p:cNvPr>
+          <p:cNvCxnSpPr>
+            <a:cxnSpLocks/>
+          </p:cNvCxnSpPr>
+          <p:nvPr/>
+        </p:nvCxnSpPr>
+        <p:spPr>
+          <a:xfrm>
+            <a:off x="4320000" y="2295525"/>
+            <a:ext cx="0" cy="584990"/>
+          </a:xfrm>
+          <a:prstGeom prst="straightConnector1">
+            <a:avLst/>
+          </a:prstGeom>
+          <a:ln w="25400">
+            <a:solidFill>
+              <a:srgbClr val="FF0000"/>
+            </a:solidFill>
+            <a:headEnd type="triangle" w="med" len="lg"/>
+            <a:tailEnd type="none"/>
+          </a:ln>
+        </p:spPr>
+        <p:style>
+          <a:lnRef idx="1">
+            <a:schemeClr val="accent1"/>
+          </a:lnRef>
+          <a:fillRef idx="0">
+            <a:schemeClr val="accent1"/>
+          </a:fillRef>
+          <a:effectRef idx="0">
+            <a:schemeClr val="accent1"/>
+          </a:effectRef>
+          <a:fontRef idx="minor">
+            <a:schemeClr val="tx1"/>
+          </a:fontRef>
+        </p:style>
+      </p:cxnSp>
+      <p:cxnSp>
+        <p:nvCxnSpPr>
+          <p:cNvPr id="31" name="Straight Arrow Connector 30">
+            <a:extLst>
+              <a:ext uri="{FF2B5EF4-FFF2-40B4-BE49-F238E27FC236}">
+                <a16:creationId xmlns:a16="http://schemas.microsoft.com/office/drawing/2014/main" id="{A55A3B4F-5EA2-B3B9-59B5-BBB70DDE518B}"/>
+              </a:ext>
+            </a:extLst>
+          </p:cNvPr>
+          <p:cNvCxnSpPr>
+            <a:cxnSpLocks/>
+          </p:cNvCxnSpPr>
+          <p:nvPr/>
+        </p:nvCxnSpPr>
+        <p:spPr>
+          <a:xfrm>
+            <a:off x="4680000" y="581025"/>
+            <a:ext cx="0" cy="2298975"/>
+          </a:xfrm>
+          <a:prstGeom prst="straightConnector1">
+            <a:avLst/>
+          </a:prstGeom>
+          <a:ln w="25400">
+            <a:solidFill>
+              <a:srgbClr val="FF0000"/>
+            </a:solidFill>
+            <a:headEnd type="triangle" w="med" len="lg"/>
+            <a:tailEnd type="none"/>
+          </a:ln>
+        </p:spPr>
+        <p:style>
+          <a:lnRef idx="1">
+            <a:schemeClr val="accent1"/>
+          </a:lnRef>
+          <a:fillRef idx="0">
+            <a:schemeClr val="accent1"/>
+          </a:fillRef>
+          <a:effectRef idx="0">
+            <a:schemeClr val="accent1"/>
+          </a:effectRef>
+          <a:fontRef idx="minor">
+            <a:schemeClr val="tx1"/>
+          </a:fontRef>
+        </p:style>
+      </p:cxnSp>
+    </p:spTree>
+    <p:extLst>
+      <p:ext uri="{BB962C8B-B14F-4D97-AF65-F5344CB8AC3E}">
+        <p14:creationId xmlns:p14="http://schemas.microsoft.com/office/powerpoint/2010/main" val="119472357"/>
+      </p:ext>
+    </p:extLst>
+  </p:cSld>
+  <p:clrMapOvr>
+    <a:masterClrMapping/>
+  </p:clrMapOvr>
+</p:sld>
+</file>
+
+<file path=ppt/slides/slide11.xml><?xml version="1.0" encoding="utf-8"?>
+<p:sld xmlns:a="http://schemas.openxmlformats.org/drawingml/2006/main" xmlns:r="http://schemas.openxmlformats.org/officeDocument/2006/relationships" xmlns:p="http://schemas.openxmlformats.org/presentationml/2006/main">
+  <p:cSld>
+    <p:spTree>
+      <p:nvGrpSpPr>
+        <p:cNvPr id="1" name=""/>
+        <p:cNvGrpSpPr/>
+        <p:nvPr/>
+      </p:nvGrpSpPr>
+      <p:grpSpPr>
+        <a:xfrm>
+          <a:off x="0" y="0"/>
+          <a:ext cx="0" cy="0"/>
+          <a:chOff x="0" y="0"/>
+          <a:chExt cx="0" cy="0"/>
+        </a:xfrm>
+      </p:grpSpPr>
+      <p:cxnSp>
+        <p:nvCxnSpPr>
+          <p:cNvPr id="50" name="Straight Arrow Connector 49">
+            <a:extLst>
+              <a:ext uri="{FF2B5EF4-FFF2-40B4-BE49-F238E27FC236}">
+                <a16:creationId xmlns:a16="http://schemas.microsoft.com/office/drawing/2014/main" id="{F179B378-B140-3740-29E7-1D11C12307DF}"/>
+              </a:ext>
+            </a:extLst>
+          </p:cNvPr>
+          <p:cNvCxnSpPr>
+            <a:cxnSpLocks/>
+          </p:cNvCxnSpPr>
+          <p:nvPr/>
+        </p:nvCxnSpPr>
+        <p:spPr>
+          <a:xfrm>
+            <a:off x="3420000" y="3421857"/>
+            <a:ext cx="180000" cy="0"/>
+          </a:xfrm>
+          <a:prstGeom prst="straightConnector1">
+            <a:avLst/>
+          </a:prstGeom>
+          <a:ln w="12700">
+            <a:solidFill>
+              <a:srgbClr val="002060"/>
+            </a:solidFill>
+            <a:headEnd type="none" w="med" len="lg"/>
+            <a:tailEnd type="none"/>
+          </a:ln>
+        </p:spPr>
+        <p:style>
+          <a:lnRef idx="1">
+            <a:schemeClr val="accent1"/>
+          </a:lnRef>
+          <a:fillRef idx="0">
+            <a:schemeClr val="accent1"/>
+          </a:fillRef>
+          <a:effectRef idx="0">
+            <a:schemeClr val="accent1"/>
+          </a:effectRef>
+          <a:fontRef idx="minor">
+            <a:schemeClr val="tx1"/>
+          </a:fontRef>
+        </p:style>
+      </p:cxnSp>
+      <p:cxnSp>
+        <p:nvCxnSpPr>
+          <p:cNvPr id="15" name="Straight Arrow Connector 14">
+            <a:extLst>
+              <a:ext uri="{FF2B5EF4-FFF2-40B4-BE49-F238E27FC236}">
+                <a16:creationId xmlns:a16="http://schemas.microsoft.com/office/drawing/2014/main" id="{7E9CBE48-54C3-59B2-3927-122F011AC771}"/>
+              </a:ext>
+            </a:extLst>
+          </p:cNvPr>
+          <p:cNvCxnSpPr>
+            <a:cxnSpLocks/>
+          </p:cNvCxnSpPr>
+          <p:nvPr/>
+        </p:nvCxnSpPr>
+        <p:spPr>
+          <a:xfrm flipV="1">
+            <a:off x="3600000" y="3240000"/>
+            <a:ext cx="0" cy="1800000"/>
+          </a:xfrm>
+          <a:prstGeom prst="straightConnector1">
+            <a:avLst/>
+          </a:prstGeom>
+          <a:ln w="25400">
+            <a:solidFill>
+              <a:srgbClr val="FF0000"/>
+            </a:solidFill>
+            <a:headEnd type="triangle" w="med" len="lg"/>
+            <a:tailEnd type="none"/>
+          </a:ln>
+        </p:spPr>
+        <p:style>
+          <a:lnRef idx="1">
+            <a:schemeClr val="accent1"/>
+          </a:lnRef>
+          <a:fillRef idx="0">
+            <a:schemeClr val="accent1"/>
+          </a:fillRef>
+          <a:effectRef idx="0">
+            <a:schemeClr val="accent1"/>
+          </a:effectRef>
+          <a:fontRef idx="minor">
+            <a:schemeClr val="tx1"/>
+          </a:fontRef>
+        </p:style>
+      </p:cxnSp>
+      <p:cxnSp>
+        <p:nvCxnSpPr>
+          <p:cNvPr id="51" name="Straight Arrow Connector 50">
+            <a:extLst>
+              <a:ext uri="{FF2B5EF4-FFF2-40B4-BE49-F238E27FC236}">
+                <a16:creationId xmlns:a16="http://schemas.microsoft.com/office/drawing/2014/main" id="{4FFA5315-572D-FBF4-265B-3D8978AED855}"/>
+              </a:ext>
+            </a:extLst>
+          </p:cNvPr>
+          <p:cNvCxnSpPr>
+            <a:cxnSpLocks/>
+          </p:cNvCxnSpPr>
+          <p:nvPr/>
+        </p:nvCxnSpPr>
+        <p:spPr>
+          <a:xfrm>
+            <a:off x="3420000" y="3249000"/>
+            <a:ext cx="0" cy="180000"/>
+          </a:xfrm>
+          <a:prstGeom prst="straightConnector1">
+            <a:avLst/>
+          </a:prstGeom>
+          <a:ln w="12700">
+            <a:solidFill>
+              <a:srgbClr val="002060"/>
+            </a:solidFill>
+            <a:headEnd type="none" w="med" len="lg"/>
+            <a:tailEnd type="none"/>
+          </a:ln>
+        </p:spPr>
+        <p:style>
+          <a:lnRef idx="1">
+            <a:schemeClr val="accent1"/>
+          </a:lnRef>
+          <a:fillRef idx="0">
+            <a:schemeClr val="accent1"/>
+          </a:fillRef>
+          <a:effectRef idx="0">
+            <a:schemeClr val="accent1"/>
+          </a:effectRef>
+          <a:fontRef idx="minor">
+            <a:schemeClr val="tx1"/>
+          </a:fontRef>
+        </p:style>
+      </p:cxnSp>
+      <p:cxnSp>
+        <p:nvCxnSpPr>
+          <p:cNvPr id="16" name="Straight Arrow Connector 15">
+            <a:extLst>
+              <a:ext uri="{FF2B5EF4-FFF2-40B4-BE49-F238E27FC236}">
+                <a16:creationId xmlns:a16="http://schemas.microsoft.com/office/drawing/2014/main" id="{B00DB90A-2D61-8301-6339-FAF2D7F4A3A8}"/>
+              </a:ext>
+            </a:extLst>
+          </p:cNvPr>
+          <p:cNvCxnSpPr>
+            <a:cxnSpLocks/>
+          </p:cNvCxnSpPr>
+          <p:nvPr/>
+        </p:nvCxnSpPr>
+        <p:spPr>
+          <a:xfrm>
+            <a:off x="1080000" y="3960000"/>
+            <a:ext cx="3600000" cy="0"/>
+          </a:xfrm>
+          <a:prstGeom prst="straightConnector1">
+            <a:avLst/>
+          </a:prstGeom>
+          <a:ln w="12700">
+            <a:solidFill>
+              <a:schemeClr val="bg1">
+                <a:lumMod val="75000"/>
+              </a:schemeClr>
+            </a:solidFill>
+            <a:prstDash val="dash"/>
+            <a:headEnd type="none"/>
+            <a:tailEnd type="none"/>
+          </a:ln>
+        </p:spPr>
+        <p:style>
+          <a:lnRef idx="1">
+            <a:schemeClr val="accent1"/>
+          </a:lnRef>
+          <a:fillRef idx="0">
+            <a:schemeClr val="accent1"/>
+          </a:fillRef>
+          <a:effectRef idx="0">
+            <a:schemeClr val="accent1"/>
+          </a:effectRef>
+          <a:fontRef idx="minor">
+            <a:schemeClr val="tx1"/>
+          </a:fontRef>
+        </p:style>
+      </p:cxnSp>
+      <p:cxnSp>
+        <p:nvCxnSpPr>
+          <p:cNvPr id="17" name="Straight Arrow Connector 16">
+            <a:extLst>
+              <a:ext uri="{FF2B5EF4-FFF2-40B4-BE49-F238E27FC236}">
+                <a16:creationId xmlns:a16="http://schemas.microsoft.com/office/drawing/2014/main" id="{B1058BA8-6562-93CD-D13E-B3740D7C2B1B}"/>
+              </a:ext>
+            </a:extLst>
+          </p:cNvPr>
+          <p:cNvCxnSpPr>
+            <a:cxnSpLocks/>
+          </p:cNvCxnSpPr>
+          <p:nvPr/>
+        </p:nvCxnSpPr>
+        <p:spPr>
+          <a:xfrm>
+            <a:off x="1440000" y="3600000"/>
+            <a:ext cx="3600000" cy="0"/>
+          </a:xfrm>
+          <a:prstGeom prst="straightConnector1">
+            <a:avLst/>
+          </a:prstGeom>
+          <a:ln w="12700">
+            <a:solidFill>
+              <a:schemeClr val="bg1">
+                <a:lumMod val="75000"/>
+              </a:schemeClr>
+            </a:solidFill>
+            <a:prstDash val="dash"/>
+            <a:headEnd type="none"/>
+            <a:tailEnd type="none"/>
+          </a:ln>
+        </p:spPr>
+        <p:style>
+          <a:lnRef idx="1">
+            <a:schemeClr val="accent1"/>
+          </a:lnRef>
+          <a:fillRef idx="0">
+            <a:schemeClr val="accent1"/>
+          </a:fillRef>
+          <a:effectRef idx="0">
+            <a:schemeClr val="accent1"/>
+          </a:effectRef>
+          <a:fontRef idx="minor">
+            <a:schemeClr val="tx1"/>
+          </a:fontRef>
+        </p:style>
+      </p:cxnSp>
+      <p:cxnSp>
+        <p:nvCxnSpPr>
+          <p:cNvPr id="18" name="Straight Arrow Connector 17">
+            <a:extLst>
+              <a:ext uri="{FF2B5EF4-FFF2-40B4-BE49-F238E27FC236}">
+                <a16:creationId xmlns:a16="http://schemas.microsoft.com/office/drawing/2014/main" id="{4D884A38-0397-9911-A9D8-E3A6A8534404}"/>
+              </a:ext>
+            </a:extLst>
+          </p:cNvPr>
+          <p:cNvCxnSpPr>
+            <a:cxnSpLocks/>
+          </p:cNvCxnSpPr>
+          <p:nvPr/>
+        </p:nvCxnSpPr>
+        <p:spPr>
+          <a:xfrm>
+            <a:off x="1800000" y="3240000"/>
+            <a:ext cx="3600000" cy="0"/>
+          </a:xfrm>
+          <a:prstGeom prst="straightConnector1">
+            <a:avLst/>
+          </a:prstGeom>
+          <a:ln w="12700">
+            <a:solidFill>
+              <a:schemeClr val="bg1">
+                <a:lumMod val="75000"/>
+              </a:schemeClr>
+            </a:solidFill>
+            <a:prstDash val="dash"/>
+            <a:headEnd type="none"/>
+            <a:tailEnd type="none"/>
+          </a:ln>
+        </p:spPr>
+        <p:style>
+          <a:lnRef idx="1">
+            <a:schemeClr val="accent1"/>
+          </a:lnRef>
+          <a:fillRef idx="0">
+            <a:schemeClr val="accent1"/>
+          </a:fillRef>
+          <a:effectRef idx="0">
+            <a:schemeClr val="accent1"/>
+          </a:effectRef>
+          <a:fontRef idx="minor">
+            <a:schemeClr val="tx1"/>
+          </a:fontRef>
+        </p:style>
+      </p:cxnSp>
+      <p:cxnSp>
+        <p:nvCxnSpPr>
+          <p:cNvPr id="19" name="Straight Arrow Connector 18">
+            <a:extLst>
+              <a:ext uri="{FF2B5EF4-FFF2-40B4-BE49-F238E27FC236}">
+                <a16:creationId xmlns:a16="http://schemas.microsoft.com/office/drawing/2014/main" id="{39437467-78A9-1668-FAC3-245E326F1620}"/>
+              </a:ext>
+            </a:extLst>
+          </p:cNvPr>
+          <p:cNvCxnSpPr>
+            <a:cxnSpLocks/>
+          </p:cNvCxnSpPr>
+          <p:nvPr/>
+        </p:nvCxnSpPr>
+        <p:spPr>
+          <a:xfrm>
+            <a:off x="2160000" y="2880000"/>
+            <a:ext cx="3600000" cy="0"/>
+          </a:xfrm>
+          <a:prstGeom prst="straightConnector1">
+            <a:avLst/>
+          </a:prstGeom>
+          <a:ln w="12700">
+            <a:solidFill>
+              <a:schemeClr val="bg1">
+                <a:lumMod val="75000"/>
+              </a:schemeClr>
+            </a:solidFill>
+            <a:prstDash val="dash"/>
+            <a:headEnd type="none"/>
+            <a:tailEnd type="none"/>
+          </a:ln>
+        </p:spPr>
+        <p:style>
+          <a:lnRef idx="1">
+            <a:schemeClr val="accent1"/>
+          </a:lnRef>
+          <a:fillRef idx="0">
+            <a:schemeClr val="accent1"/>
+          </a:fillRef>
+          <a:effectRef idx="0">
+            <a:schemeClr val="accent1"/>
+          </a:effectRef>
+          <a:fontRef idx="minor">
+            <a:schemeClr val="tx1"/>
+          </a:fontRef>
+        </p:style>
+      </p:cxnSp>
+      <p:cxnSp>
+        <p:nvCxnSpPr>
+          <p:cNvPr id="20" name="Straight Arrow Connector 19">
+            <a:extLst>
+              <a:ext uri="{FF2B5EF4-FFF2-40B4-BE49-F238E27FC236}">
+                <a16:creationId xmlns:a16="http://schemas.microsoft.com/office/drawing/2014/main" id="{A37F492D-F722-339D-D612-698DD5775E49}"/>
+              </a:ext>
+            </a:extLst>
+          </p:cNvPr>
+          <p:cNvCxnSpPr>
+            <a:cxnSpLocks/>
+          </p:cNvCxnSpPr>
+          <p:nvPr/>
+        </p:nvCxnSpPr>
+        <p:spPr>
+          <a:xfrm>
+            <a:off x="2520000" y="2520000"/>
+            <a:ext cx="3600000" cy="0"/>
+          </a:xfrm>
+          <a:prstGeom prst="straightConnector1">
+            <a:avLst/>
+          </a:prstGeom>
+          <a:ln w="12700">
+            <a:solidFill>
+              <a:schemeClr val="bg1">
+                <a:lumMod val="75000"/>
+              </a:schemeClr>
+            </a:solidFill>
+            <a:prstDash val="dash"/>
+            <a:headEnd type="none"/>
+            <a:tailEnd type="none"/>
+          </a:ln>
+        </p:spPr>
+        <p:style>
+          <a:lnRef idx="1">
+            <a:schemeClr val="accent1"/>
+          </a:lnRef>
+          <a:fillRef idx="0">
+            <a:schemeClr val="accent1"/>
+          </a:fillRef>
+          <a:effectRef idx="0">
+            <a:schemeClr val="accent1"/>
+          </a:effectRef>
+          <a:fontRef idx="minor">
+            <a:schemeClr val="tx1"/>
+          </a:fontRef>
+        </p:style>
+      </p:cxnSp>
+      <p:cxnSp>
+        <p:nvCxnSpPr>
+          <p:cNvPr id="21" name="Straight Arrow Connector 20">
+            <a:extLst>
+              <a:ext uri="{FF2B5EF4-FFF2-40B4-BE49-F238E27FC236}">
+                <a16:creationId xmlns:a16="http://schemas.microsoft.com/office/drawing/2014/main" id="{FEFA5478-E226-6EF3-8748-A4BA7C571D15}"/>
+              </a:ext>
+            </a:extLst>
+          </p:cNvPr>
+          <p:cNvCxnSpPr>
+            <a:cxnSpLocks/>
+          </p:cNvCxnSpPr>
+          <p:nvPr/>
+        </p:nvCxnSpPr>
+        <p:spPr>
+          <a:xfrm flipV="1">
+            <a:off x="1440000" y="2160000"/>
+            <a:ext cx="2160000" cy="2160000"/>
+          </a:xfrm>
+          <a:prstGeom prst="straightConnector1">
+            <a:avLst/>
+          </a:prstGeom>
+          <a:ln w="12700">
+            <a:solidFill>
+              <a:schemeClr val="bg1">
+                <a:lumMod val="75000"/>
+              </a:schemeClr>
+            </a:solidFill>
+            <a:prstDash val="dash"/>
+            <a:headEnd type="none"/>
+            <a:tailEnd type="none"/>
+          </a:ln>
+        </p:spPr>
+        <p:style>
+          <a:lnRef idx="1">
+            <a:schemeClr val="accent1"/>
+          </a:lnRef>
+          <a:fillRef idx="0">
+            <a:schemeClr val="accent1"/>
+          </a:fillRef>
+          <a:effectRef idx="0">
+            <a:schemeClr val="accent1"/>
+          </a:effectRef>
+          <a:fontRef idx="minor">
+            <a:schemeClr val="tx1"/>
+          </a:fontRef>
+        </p:style>
+      </p:cxnSp>
+      <p:cxnSp>
+        <p:nvCxnSpPr>
+          <p:cNvPr id="22" name="Straight Arrow Connector 21">
+            <a:extLst>
+              <a:ext uri="{FF2B5EF4-FFF2-40B4-BE49-F238E27FC236}">
+                <a16:creationId xmlns:a16="http://schemas.microsoft.com/office/drawing/2014/main" id="{58DB2124-F3FE-7662-3AB3-37E656A45B1F}"/>
+              </a:ext>
+            </a:extLst>
+          </p:cNvPr>
+          <p:cNvCxnSpPr>
+            <a:cxnSpLocks/>
+          </p:cNvCxnSpPr>
+          <p:nvPr/>
+        </p:nvCxnSpPr>
+        <p:spPr>
+          <a:xfrm flipV="1">
+            <a:off x="1800000" y="2160000"/>
+            <a:ext cx="2160000" cy="2160000"/>
+          </a:xfrm>
+          <a:prstGeom prst="straightConnector1">
+            <a:avLst/>
+          </a:prstGeom>
+          <a:ln w="12700">
+            <a:solidFill>
+              <a:schemeClr val="bg1">
+                <a:lumMod val="75000"/>
+              </a:schemeClr>
+            </a:solidFill>
+            <a:prstDash val="dash"/>
+            <a:headEnd type="none"/>
+            <a:tailEnd type="none"/>
+          </a:ln>
+        </p:spPr>
+        <p:style>
+          <a:lnRef idx="1">
+            <a:schemeClr val="accent1"/>
+          </a:lnRef>
+          <a:fillRef idx="0">
+            <a:schemeClr val="accent1"/>
+          </a:fillRef>
+          <a:effectRef idx="0">
+            <a:schemeClr val="accent1"/>
+          </a:effectRef>
+          <a:fontRef idx="minor">
+            <a:schemeClr val="tx1"/>
+          </a:fontRef>
+        </p:style>
+      </p:cxnSp>
+      <p:cxnSp>
+        <p:nvCxnSpPr>
+          <p:cNvPr id="23" name="Straight Arrow Connector 22">
+            <a:extLst>
+              <a:ext uri="{FF2B5EF4-FFF2-40B4-BE49-F238E27FC236}">
+                <a16:creationId xmlns:a16="http://schemas.microsoft.com/office/drawing/2014/main" id="{AA2D64C4-1656-7E0E-B7E6-BABF2D020960}"/>
+              </a:ext>
+            </a:extLst>
+          </p:cNvPr>
+          <p:cNvCxnSpPr>
+            <a:cxnSpLocks/>
+          </p:cNvCxnSpPr>
+          <p:nvPr/>
+        </p:nvCxnSpPr>
+        <p:spPr>
+          <a:xfrm flipV="1">
+            <a:off x="2160000" y="2160000"/>
+            <a:ext cx="2160000" cy="2160000"/>
+          </a:xfrm>
+          <a:prstGeom prst="straightConnector1">
+            <a:avLst/>
+          </a:prstGeom>
+          <a:ln w="12700">
+            <a:solidFill>
+              <a:schemeClr val="bg1">
+                <a:lumMod val="75000"/>
+              </a:schemeClr>
+            </a:solidFill>
+            <a:prstDash val="dash"/>
+            <a:headEnd type="none"/>
+            <a:tailEnd type="none"/>
+          </a:ln>
+        </p:spPr>
+        <p:style>
+          <a:lnRef idx="1">
+            <a:schemeClr val="accent1"/>
+          </a:lnRef>
+          <a:fillRef idx="0">
+            <a:schemeClr val="accent1"/>
+          </a:fillRef>
+          <a:effectRef idx="0">
+            <a:schemeClr val="accent1"/>
+          </a:effectRef>
+          <a:fontRef idx="minor">
+            <a:schemeClr val="tx1"/>
+          </a:fontRef>
+        </p:style>
+      </p:cxnSp>
+      <p:cxnSp>
+        <p:nvCxnSpPr>
+          <p:cNvPr id="24" name="Straight Arrow Connector 23">
+            <a:extLst>
+              <a:ext uri="{FF2B5EF4-FFF2-40B4-BE49-F238E27FC236}">
+                <a16:creationId xmlns:a16="http://schemas.microsoft.com/office/drawing/2014/main" id="{319C36AF-DDD5-CA2E-0C8F-9E8AE3CACBDC}"/>
+              </a:ext>
+            </a:extLst>
+          </p:cNvPr>
+          <p:cNvCxnSpPr>
+            <a:cxnSpLocks/>
+          </p:cNvCxnSpPr>
+          <p:nvPr/>
+        </p:nvCxnSpPr>
+        <p:spPr>
+          <a:xfrm flipV="1">
+            <a:off x="2520000" y="2160000"/>
+            <a:ext cx="2160000" cy="2160000"/>
+          </a:xfrm>
+          <a:prstGeom prst="straightConnector1">
+            <a:avLst/>
+          </a:prstGeom>
+          <a:ln w="12700">
+            <a:solidFill>
+              <a:schemeClr val="bg1">
+                <a:lumMod val="75000"/>
+              </a:schemeClr>
+            </a:solidFill>
+            <a:prstDash val="dash"/>
+            <a:headEnd type="none"/>
+            <a:tailEnd type="none"/>
+          </a:ln>
+        </p:spPr>
+        <p:style>
+          <a:lnRef idx="1">
+            <a:schemeClr val="accent1"/>
+          </a:lnRef>
+          <a:fillRef idx="0">
+            <a:schemeClr val="accent1"/>
+          </a:fillRef>
+          <a:effectRef idx="0">
+            <a:schemeClr val="accent1"/>
+          </a:effectRef>
+          <a:fontRef idx="minor">
+            <a:schemeClr val="tx1"/>
+          </a:fontRef>
+        </p:style>
+      </p:cxnSp>
+      <p:cxnSp>
+        <p:nvCxnSpPr>
+          <p:cNvPr id="25" name="Straight Arrow Connector 24">
+            <a:extLst>
+              <a:ext uri="{FF2B5EF4-FFF2-40B4-BE49-F238E27FC236}">
+                <a16:creationId xmlns:a16="http://schemas.microsoft.com/office/drawing/2014/main" id="{7C2B53A2-500E-8627-2EDA-3EC977DC303B}"/>
+              </a:ext>
+            </a:extLst>
+          </p:cNvPr>
+          <p:cNvCxnSpPr>
+            <a:cxnSpLocks/>
+          </p:cNvCxnSpPr>
+          <p:nvPr/>
+        </p:nvCxnSpPr>
+        <p:spPr>
+          <a:xfrm flipV="1">
+            <a:off x="2880000" y="2160000"/>
+            <a:ext cx="2160000" cy="2160000"/>
+          </a:xfrm>
+          <a:prstGeom prst="straightConnector1">
+            <a:avLst/>
+          </a:prstGeom>
+          <a:ln w="12700">
+            <a:solidFill>
+              <a:schemeClr val="bg1">
+                <a:lumMod val="75000"/>
+              </a:schemeClr>
+            </a:solidFill>
+            <a:prstDash val="dash"/>
+            <a:headEnd type="none"/>
+            <a:tailEnd type="none"/>
+          </a:ln>
+        </p:spPr>
+        <p:style>
+          <a:lnRef idx="1">
+            <a:schemeClr val="accent1"/>
+          </a:lnRef>
+          <a:fillRef idx="0">
+            <a:schemeClr val="accent1"/>
+          </a:fillRef>
+          <a:effectRef idx="0">
+            <a:schemeClr val="accent1"/>
+          </a:effectRef>
+          <a:fontRef idx="minor">
+            <a:schemeClr val="tx1"/>
+          </a:fontRef>
+        </p:style>
+      </p:cxnSp>
+      <p:cxnSp>
+        <p:nvCxnSpPr>
+          <p:cNvPr id="26" name="Straight Arrow Connector 25">
+            <a:extLst>
+              <a:ext uri="{FF2B5EF4-FFF2-40B4-BE49-F238E27FC236}">
+                <a16:creationId xmlns:a16="http://schemas.microsoft.com/office/drawing/2014/main" id="{F28CF3FB-8E13-10F7-A4B7-16CDBFFAB774}"/>
+              </a:ext>
+            </a:extLst>
+          </p:cNvPr>
+          <p:cNvCxnSpPr>
+            <a:cxnSpLocks/>
+          </p:cNvCxnSpPr>
+          <p:nvPr/>
+        </p:nvCxnSpPr>
+        <p:spPr>
+          <a:xfrm flipV="1">
+            <a:off x="3240000" y="2160000"/>
+            <a:ext cx="2160000" cy="2160000"/>
+          </a:xfrm>
+          <a:prstGeom prst="straightConnector1">
+            <a:avLst/>
+          </a:prstGeom>
+          <a:ln w="12700">
+            <a:solidFill>
+              <a:schemeClr val="bg1">
+                <a:lumMod val="75000"/>
+              </a:schemeClr>
+            </a:solidFill>
+            <a:prstDash val="dash"/>
+            <a:headEnd type="none"/>
+            <a:tailEnd type="none"/>
+          </a:ln>
+        </p:spPr>
+        <p:style>
+          <a:lnRef idx="1">
+            <a:schemeClr val="accent1"/>
+          </a:lnRef>
+          <a:fillRef idx="0">
+            <a:schemeClr val="accent1"/>
+          </a:fillRef>
+          <a:effectRef idx="0">
+            <a:schemeClr val="accent1"/>
+          </a:effectRef>
+          <a:fontRef idx="minor">
+            <a:schemeClr val="tx1"/>
+          </a:fontRef>
+        </p:style>
+      </p:cxnSp>
+      <p:sp>
+        <p:nvSpPr>
+          <p:cNvPr id="52" name="Parallelogram 51">
+            <a:extLst>
+              <a:ext uri="{FF2B5EF4-FFF2-40B4-BE49-F238E27FC236}">
+                <a16:creationId xmlns:a16="http://schemas.microsoft.com/office/drawing/2014/main" id="{166464DA-2BCF-74BB-C605-79A549B0DED3}"/>
+              </a:ext>
+            </a:extLst>
+          </p:cNvPr>
+          <p:cNvSpPr/>
+          <p:nvPr/>
+        </p:nvSpPr>
+        <p:spPr>
+          <a:xfrm>
+            <a:off x="1789050" y="2520001"/>
+            <a:ext cx="3600000" cy="1439999"/>
+          </a:xfrm>
+          <a:prstGeom prst="parallelogram">
+            <a:avLst>
+              <a:gd name="adj" fmla="val 100036"/>
+            </a:avLst>
+          </a:prstGeom>
+          <a:solidFill>
+            <a:schemeClr val="accent1">
+              <a:lumMod val="20000"/>
+              <a:lumOff val="80000"/>
+              <a:alpha val="75000"/>
+            </a:schemeClr>
+          </a:solidFill>
+          <a:ln w="12700">
+            <a:solidFill>
+              <a:schemeClr val="accent1"/>
+            </a:solidFill>
+          </a:ln>
+        </p:spPr>
+        <p:style>
+          <a:lnRef idx="2">
+            <a:schemeClr val="accent1">
+              <a:shade val="50000"/>
+            </a:schemeClr>
+          </a:lnRef>
+          <a:fillRef idx="1">
+            <a:schemeClr val="accent1"/>
+          </a:fillRef>
+          <a:effectRef idx="0">
+            <a:schemeClr val="accent1"/>
+          </a:effectRef>
+          <a:fontRef idx="minor">
+            <a:schemeClr val="lt1"/>
+          </a:fontRef>
+        </p:style>
+        <p:txBody>
+          <a:bodyPr rtlCol="0" anchor="ctr"/>
+          <a:lstStyle/>
+          <a:p>
+            <a:pPr algn="ctr"/>
+            <a:endParaRPr lang="en-US"/>
+          </a:p>
+        </p:txBody>
+      </p:sp>
+      <p:cxnSp>
+        <p:nvCxnSpPr>
+          <p:cNvPr id="27" name="Straight Arrow Connector 26">
+            <a:extLst>
+              <a:ext uri="{FF2B5EF4-FFF2-40B4-BE49-F238E27FC236}">
+                <a16:creationId xmlns:a16="http://schemas.microsoft.com/office/drawing/2014/main" id="{7486DD8F-914B-24FF-3A65-C3D046195C30}"/>
+              </a:ext>
+            </a:extLst>
+          </p:cNvPr>
+          <p:cNvCxnSpPr>
+            <a:cxnSpLocks/>
+          </p:cNvCxnSpPr>
+          <p:nvPr/>
+        </p:nvCxnSpPr>
+        <p:spPr>
+          <a:xfrm flipV="1">
+            <a:off x="3600000" y="2160000"/>
+            <a:ext cx="2160000" cy="2160000"/>
+          </a:xfrm>
+          <a:prstGeom prst="straightConnector1">
+            <a:avLst/>
+          </a:prstGeom>
+          <a:ln w="12700">
+            <a:solidFill>
+              <a:schemeClr val="bg1">
+                <a:lumMod val="75000"/>
+              </a:schemeClr>
+            </a:solidFill>
+            <a:prstDash val="dash"/>
+            <a:headEnd type="none"/>
+            <a:tailEnd type="none"/>
+          </a:ln>
+        </p:spPr>
+        <p:style>
+          <a:lnRef idx="1">
+            <a:schemeClr val="accent1"/>
+          </a:lnRef>
+          <a:fillRef idx="0">
+            <a:schemeClr val="accent1"/>
+          </a:fillRef>
+          <a:effectRef idx="0">
+            <a:schemeClr val="accent1"/>
+          </a:effectRef>
+          <a:fontRef idx="minor">
+            <a:schemeClr val="tx1"/>
+          </a:fontRef>
+        </p:style>
+      </p:cxnSp>
+      <p:cxnSp>
+        <p:nvCxnSpPr>
+          <p:cNvPr id="30" name="Straight Arrow Connector 29">
+            <a:extLst>
+              <a:ext uri="{FF2B5EF4-FFF2-40B4-BE49-F238E27FC236}">
+                <a16:creationId xmlns:a16="http://schemas.microsoft.com/office/drawing/2014/main" id="{AE7BC944-A3A2-D8FC-12BA-7D9E6022EF64}"/>
+              </a:ext>
+            </a:extLst>
+          </p:cNvPr>
+          <p:cNvCxnSpPr>
+            <a:cxnSpLocks/>
+          </p:cNvCxnSpPr>
+          <p:nvPr/>
+        </p:nvCxnSpPr>
+        <p:spPr>
+          <a:xfrm flipV="1">
+            <a:off x="1080000" y="2160000"/>
+            <a:ext cx="2160000" cy="2160000"/>
+          </a:xfrm>
+          <a:prstGeom prst="straightConnector1">
+            <a:avLst/>
+          </a:prstGeom>
+          <a:ln w="12700">
+            <a:solidFill>
+              <a:schemeClr val="bg1">
+                <a:lumMod val="75000"/>
+              </a:schemeClr>
+            </a:solidFill>
+            <a:prstDash val="dash"/>
+            <a:headEnd type="none"/>
+            <a:tailEnd type="none"/>
+          </a:ln>
+        </p:spPr>
+        <p:style>
+          <a:lnRef idx="1">
+            <a:schemeClr val="accent1"/>
+          </a:lnRef>
+          <a:fillRef idx="0">
+            <a:schemeClr val="accent1"/>
+          </a:fillRef>
+          <a:effectRef idx="0">
+            <a:schemeClr val="accent1"/>
+          </a:effectRef>
+          <a:fontRef idx="minor">
+            <a:schemeClr val="tx1"/>
+          </a:fontRef>
+        </p:style>
+      </p:cxnSp>
+      <p:cxnSp>
+        <p:nvCxnSpPr>
+          <p:cNvPr id="31" name="Straight Arrow Connector 30">
+            <a:extLst>
+              <a:ext uri="{FF2B5EF4-FFF2-40B4-BE49-F238E27FC236}">
+                <a16:creationId xmlns:a16="http://schemas.microsoft.com/office/drawing/2014/main" id="{DB96D324-01D2-8141-7132-7794EC9C90E3}"/>
+              </a:ext>
+            </a:extLst>
+          </p:cNvPr>
+          <p:cNvCxnSpPr>
+            <a:cxnSpLocks/>
+          </p:cNvCxnSpPr>
+          <p:nvPr/>
+        </p:nvCxnSpPr>
+        <p:spPr>
+          <a:xfrm flipV="1">
+            <a:off x="3960000" y="2160000"/>
+            <a:ext cx="2160000" cy="2160000"/>
+          </a:xfrm>
+          <a:prstGeom prst="straightConnector1">
+            <a:avLst/>
+          </a:prstGeom>
+          <a:ln w="12700">
+            <a:solidFill>
+              <a:schemeClr val="bg1">
+                <a:lumMod val="75000"/>
+              </a:schemeClr>
+            </a:solidFill>
+            <a:prstDash val="dash"/>
+            <a:headEnd type="none"/>
+            <a:tailEnd type="none"/>
+          </a:ln>
+        </p:spPr>
+        <p:style>
+          <a:lnRef idx="1">
+            <a:schemeClr val="accent1"/>
+          </a:lnRef>
+          <a:fillRef idx="0">
+            <a:schemeClr val="accent1"/>
+          </a:fillRef>
+          <a:effectRef idx="0">
+            <a:schemeClr val="accent1"/>
+          </a:effectRef>
+          <a:fontRef idx="minor">
+            <a:schemeClr val="tx1"/>
+          </a:fontRef>
+        </p:style>
+      </p:cxnSp>
+      <p:cxnSp>
+        <p:nvCxnSpPr>
+          <p:cNvPr id="43" name="Straight Arrow Connector 42">
+            <a:extLst>
+              <a:ext uri="{FF2B5EF4-FFF2-40B4-BE49-F238E27FC236}">
+                <a16:creationId xmlns:a16="http://schemas.microsoft.com/office/drawing/2014/main" id="{347BF0B9-F490-9EB7-5BF5-F0DDD93B491F}"/>
+              </a:ext>
+            </a:extLst>
+          </p:cNvPr>
+          <p:cNvCxnSpPr>
+            <a:cxnSpLocks/>
+          </p:cNvCxnSpPr>
+          <p:nvPr/>
+        </p:nvCxnSpPr>
+        <p:spPr>
+          <a:xfrm>
+            <a:off x="3959762" y="1080000"/>
+            <a:ext cx="478" cy="1800000"/>
+          </a:xfrm>
+          <a:prstGeom prst="straightConnector1">
+            <a:avLst/>
+          </a:prstGeom>
+          <a:ln w="25400">
+            <a:solidFill>
+              <a:srgbClr val="FF0000"/>
+            </a:solidFill>
+            <a:headEnd type="triangle" w="med" len="lg"/>
+            <a:tailEnd type="none"/>
+          </a:ln>
+        </p:spPr>
+        <p:style>
+          <a:lnRef idx="1">
+            <a:schemeClr val="accent1"/>
+          </a:lnRef>
+          <a:fillRef idx="0">
+            <a:schemeClr val="accent1"/>
+          </a:fillRef>
+          <a:effectRef idx="0">
+            <a:schemeClr val="accent1"/>
+          </a:effectRef>
+          <a:fontRef idx="minor">
+            <a:schemeClr val="tx1"/>
+          </a:fontRef>
+        </p:style>
+      </p:cxnSp>
+      <p:cxnSp>
+        <p:nvCxnSpPr>
+          <p:cNvPr id="48" name="Straight Arrow Connector 47">
+            <a:extLst>
+              <a:ext uri="{FF2B5EF4-FFF2-40B4-BE49-F238E27FC236}">
+                <a16:creationId xmlns:a16="http://schemas.microsoft.com/office/drawing/2014/main" id="{05ED7143-7B1E-51AA-5248-ED8229266C59}"/>
+              </a:ext>
+            </a:extLst>
+          </p:cNvPr>
+          <p:cNvCxnSpPr>
+            <a:cxnSpLocks/>
+          </p:cNvCxnSpPr>
+          <p:nvPr/>
+        </p:nvCxnSpPr>
+        <p:spPr>
+          <a:xfrm>
+            <a:off x="3772274" y="2700000"/>
+            <a:ext cx="180000" cy="0"/>
+          </a:xfrm>
+          <a:prstGeom prst="straightConnector1">
+            <a:avLst/>
+          </a:prstGeom>
+          <a:ln w="12700">
+            <a:solidFill>
+              <a:srgbClr val="002060"/>
+            </a:solidFill>
+            <a:headEnd type="none" w="med" len="lg"/>
+            <a:tailEnd type="none"/>
+          </a:ln>
+        </p:spPr>
+        <p:style>
+          <a:lnRef idx="1">
+            <a:schemeClr val="accent1"/>
+          </a:lnRef>
+          <a:fillRef idx="0">
+            <a:schemeClr val="accent1"/>
+          </a:fillRef>
+          <a:effectRef idx="0">
+            <a:schemeClr val="accent1"/>
+          </a:effectRef>
+          <a:fontRef idx="minor">
+            <a:schemeClr val="tx1"/>
+          </a:fontRef>
+        </p:style>
+      </p:cxnSp>
+      <p:cxnSp>
+        <p:nvCxnSpPr>
+          <p:cNvPr id="49" name="Straight Arrow Connector 48">
+            <a:extLst>
+              <a:ext uri="{FF2B5EF4-FFF2-40B4-BE49-F238E27FC236}">
+                <a16:creationId xmlns:a16="http://schemas.microsoft.com/office/drawing/2014/main" id="{A106707B-500E-0CD6-D1E6-4FA9C4ED8987}"/>
+              </a:ext>
+            </a:extLst>
+          </p:cNvPr>
+          <p:cNvCxnSpPr>
+            <a:cxnSpLocks/>
+          </p:cNvCxnSpPr>
+          <p:nvPr/>
+        </p:nvCxnSpPr>
+        <p:spPr>
+          <a:xfrm>
+            <a:off x="3772274" y="2700000"/>
+            <a:ext cx="0" cy="180000"/>
+          </a:xfrm>
+          <a:prstGeom prst="straightConnector1">
+            <a:avLst/>
+          </a:prstGeom>
+          <a:ln w="12700">
+            <a:solidFill>
+              <a:srgbClr val="002060"/>
+            </a:solidFill>
+            <a:headEnd type="none" w="med" len="lg"/>
+            <a:tailEnd type="none"/>
+          </a:ln>
+        </p:spPr>
+        <p:style>
+          <a:lnRef idx="1">
+            <a:schemeClr val="accent1"/>
+          </a:lnRef>
+          <a:fillRef idx="0">
+            <a:schemeClr val="accent1"/>
+          </a:fillRef>
+          <a:effectRef idx="0">
+            <a:schemeClr val="accent1"/>
+          </a:effectRef>
+          <a:fontRef idx="minor">
+            <a:schemeClr val="tx1"/>
+          </a:fontRef>
+        </p:style>
+      </p:cxnSp>
+      <p:sp>
+        <p:nvSpPr>
+          <p:cNvPr id="53" name="Right Brace 52">
+            <a:extLst>
+              <a:ext uri="{FF2B5EF4-FFF2-40B4-BE49-F238E27FC236}">
+                <a16:creationId xmlns:a16="http://schemas.microsoft.com/office/drawing/2014/main" id="{6AC0D40B-65F6-D4D6-9EBD-8C2E296F2759}"/>
+              </a:ext>
+            </a:extLst>
+          </p:cNvPr>
+          <p:cNvSpPr/>
+          <p:nvPr/>
+        </p:nvSpPr>
+        <p:spPr>
+          <a:xfrm>
+            <a:off x="4075551" y="1079999"/>
+            <a:ext cx="124161" cy="1790997"/>
+          </a:xfrm>
+          <a:prstGeom prst="rightBrace">
+            <a:avLst>
+              <a:gd name="adj1" fmla="val 45123"/>
+              <a:gd name="adj2" fmla="val 50000"/>
+            </a:avLst>
+          </a:prstGeom>
+          <a:ln w="12700">
+            <a:solidFill>
+              <a:srgbClr val="FF0000"/>
+            </a:solidFill>
+          </a:ln>
+        </p:spPr>
+        <p:style>
+          <a:lnRef idx="1">
+            <a:schemeClr val="accent1"/>
+          </a:lnRef>
+          <a:fillRef idx="0">
+            <a:schemeClr val="accent1"/>
+          </a:fillRef>
+          <a:effectRef idx="0">
+            <a:schemeClr val="accent1"/>
+          </a:effectRef>
+          <a:fontRef idx="minor">
+            <a:schemeClr val="tx1"/>
+          </a:fontRef>
+        </p:style>
+        <p:txBody>
+          <a:bodyPr rtlCol="0" anchor="ctr"/>
+          <a:lstStyle/>
+          <a:p>
+            <a:pPr algn="ctr"/>
+            <a:endParaRPr lang="en-US"/>
+          </a:p>
+        </p:txBody>
+      </p:sp>
+      <mc:AlternateContent xmlns:mc="http://schemas.openxmlformats.org/markup-compatibility/2006">
+        <mc:Choice xmlns:a14="http://schemas.microsoft.com/office/drawing/2010/main" Requires="a14">
+          <p:sp>
+            <p:nvSpPr>
+              <p:cNvPr id="54" name="TextBox 53">
+                <a:extLst>
+                  <a:ext uri="{FF2B5EF4-FFF2-40B4-BE49-F238E27FC236}">
+                    <a16:creationId xmlns:a16="http://schemas.microsoft.com/office/drawing/2014/main" id="{151D254F-F52E-4551-5EB6-28AD53C4FA0A}"/>
+                  </a:ext>
+                </a:extLst>
+              </p:cNvPr>
+              <p:cNvSpPr txBox="1"/>
+              <p:nvPr/>
+            </p:nvSpPr>
+            <p:spPr>
+              <a:xfrm>
+                <a:off x="4234873" y="1856889"/>
+                <a:ext cx="160300" cy="246221"/>
+              </a:xfrm>
+              <a:prstGeom prst="rect">
+                <a:avLst/>
+              </a:prstGeom>
+              <a:noFill/>
+            </p:spPr>
+            <p:txBody>
+              <a:bodyPr wrap="square" lIns="0" tIns="0" rIns="0" bIns="0" rtlCol="0">
+                <a:spAutoFit/>
+              </a:bodyPr>
+              <a:lstStyle/>
+              <a:p>
+                <a:pPr/>
+                <a14:m>
+                  <m:oMathPara xmlns:m="http://schemas.openxmlformats.org/officeDocument/2006/math">
+                    <m:oMathParaPr>
+                      <m:jc m:val="centerGroup"/>
+                    </m:oMathParaPr>
+                    <m:oMath xmlns:m="http://schemas.openxmlformats.org/officeDocument/2006/math">
+                      <m:r>
+                        <a:rPr lang="en-US" sz="1600" b="0" i="1" smtClean="0">
+                          <a:solidFill>
+                            <a:srgbClr val="FF0000"/>
+                          </a:solidFill>
+                          <a:latin typeface="Cambria Math" panose="02040503050406030204" pitchFamily="18" charset="0"/>
+                        </a:rPr>
+                        <m:t>1</m:t>
+                      </m:r>
+                    </m:oMath>
+                  </m:oMathPara>
+                </a14:m>
+                <a:endParaRPr lang="en-US" dirty="0"/>
+              </a:p>
+            </p:txBody>
+          </p:sp>
+        </mc:Choice>
+        <mc:Fallback>
+          <p:sp>
+            <p:nvSpPr>
+              <p:cNvPr id="54" name="TextBox 53">
+                <a:extLst>
+                  <a:ext uri="{FF2B5EF4-FFF2-40B4-BE49-F238E27FC236}">
+                    <a16:creationId xmlns:a16="http://schemas.microsoft.com/office/drawing/2014/main" id="{151D254F-F52E-4551-5EB6-28AD53C4FA0A}"/>
+                  </a:ext>
+                </a:extLst>
+              </p:cNvPr>
+              <p:cNvSpPr txBox="1">
+                <a:spLocks noRot="1" noChangeAspect="1" noMove="1" noResize="1" noEditPoints="1" noAdjustHandles="1" noChangeArrowheads="1" noChangeShapeType="1" noTextEdit="1"/>
+              </p:cNvSpPr>
+              <p:nvPr/>
+            </p:nvSpPr>
+            <p:spPr>
+              <a:xfrm>
+                <a:off x="4234873" y="1856889"/>
+                <a:ext cx="160300" cy="246221"/>
+              </a:xfrm>
+              <a:prstGeom prst="rect">
+                <a:avLst/>
+              </a:prstGeom>
+              <a:blipFill>
+                <a:blip r:embed="rId2"/>
+                <a:stretch>
+                  <a:fillRect l="-30769" r="-26923" b="-5000"/>
+                </a:stretch>
+              </a:blipFill>
+            </p:spPr>
+            <p:txBody>
+              <a:bodyPr/>
+              <a:lstStyle/>
+              <a:p>
+                <a:r>
+                  <a:rPr lang="en-US">
+                    <a:noFill/>
+                  </a:rPr>
+                  <a:t> </a:t>
+                </a:r>
+              </a:p>
+            </p:txBody>
+          </p:sp>
+        </mc:Fallback>
+      </mc:AlternateContent>
+      <p:sp>
+        <p:nvSpPr>
+          <p:cNvPr id="55" name="Right Brace 54">
+            <a:extLst>
+              <a:ext uri="{FF2B5EF4-FFF2-40B4-BE49-F238E27FC236}">
+                <a16:creationId xmlns:a16="http://schemas.microsoft.com/office/drawing/2014/main" id="{FD73A74F-8BFD-2E18-748A-8C5A826277C3}"/>
+              </a:ext>
+            </a:extLst>
+          </p:cNvPr>
+          <p:cNvSpPr/>
+          <p:nvPr/>
+        </p:nvSpPr>
+        <p:spPr>
+          <a:xfrm>
+            <a:off x="3741976" y="3249003"/>
+            <a:ext cx="124161" cy="1790997"/>
+          </a:xfrm>
+          <a:prstGeom prst="rightBrace">
+            <a:avLst>
+              <a:gd name="adj1" fmla="val 45123"/>
+              <a:gd name="adj2" fmla="val 50000"/>
+            </a:avLst>
+          </a:prstGeom>
+          <a:ln w="12700">
+            <a:solidFill>
+              <a:srgbClr val="FF0000"/>
+            </a:solidFill>
+          </a:ln>
+        </p:spPr>
+        <p:style>
+          <a:lnRef idx="1">
+            <a:schemeClr val="accent1"/>
+          </a:lnRef>
+          <a:fillRef idx="0">
+            <a:schemeClr val="accent1"/>
+          </a:fillRef>
+          <a:effectRef idx="0">
+            <a:schemeClr val="accent1"/>
+          </a:effectRef>
+          <a:fontRef idx="minor">
+            <a:schemeClr val="tx1"/>
+          </a:fontRef>
+        </p:style>
+        <p:txBody>
+          <a:bodyPr rtlCol="0" anchor="ctr"/>
+          <a:lstStyle/>
+          <a:p>
+            <a:pPr algn="ctr"/>
+            <a:endParaRPr lang="en-US"/>
+          </a:p>
+        </p:txBody>
+      </p:sp>
+      <mc:AlternateContent xmlns:mc="http://schemas.openxmlformats.org/markup-compatibility/2006">
+        <mc:Choice xmlns:a14="http://schemas.microsoft.com/office/drawing/2010/main" Requires="a14">
+          <p:sp>
+            <p:nvSpPr>
+              <p:cNvPr id="56" name="TextBox 55">
+                <a:extLst>
+                  <a:ext uri="{FF2B5EF4-FFF2-40B4-BE49-F238E27FC236}">
+                    <a16:creationId xmlns:a16="http://schemas.microsoft.com/office/drawing/2014/main" id="{1463BC8B-5C24-4BCA-3105-C85B1F46DE4E}"/>
+                  </a:ext>
+                </a:extLst>
+              </p:cNvPr>
+              <p:cNvSpPr txBox="1"/>
+              <p:nvPr/>
+            </p:nvSpPr>
+            <p:spPr>
+              <a:xfrm>
+                <a:off x="3896948" y="4021390"/>
+                <a:ext cx="160300" cy="246221"/>
+              </a:xfrm>
+              <a:prstGeom prst="rect">
+                <a:avLst/>
+              </a:prstGeom>
+              <a:noFill/>
+            </p:spPr>
+            <p:txBody>
+              <a:bodyPr wrap="square" lIns="0" tIns="0" rIns="0" bIns="0" rtlCol="0">
+                <a:spAutoFit/>
+              </a:bodyPr>
+              <a:lstStyle/>
+              <a:p>
+                <a:pPr/>
+                <a14:m>
+                  <m:oMathPara xmlns:m="http://schemas.openxmlformats.org/officeDocument/2006/math">
+                    <m:oMathParaPr>
+                      <m:jc m:val="centerGroup"/>
+                    </m:oMathParaPr>
+                    <m:oMath xmlns:m="http://schemas.openxmlformats.org/officeDocument/2006/math">
+                      <m:r>
+                        <a:rPr lang="en-US" sz="1600" b="0" i="1" smtClean="0">
+                          <a:solidFill>
+                            <a:srgbClr val="FF0000"/>
+                          </a:solidFill>
+                          <a:latin typeface="Cambria Math" panose="02040503050406030204" pitchFamily="18" charset="0"/>
+                        </a:rPr>
+                        <m:t>1</m:t>
+                      </m:r>
+                    </m:oMath>
+                  </m:oMathPara>
+                </a14:m>
+                <a:endParaRPr lang="en-US" dirty="0"/>
+              </a:p>
+            </p:txBody>
+          </p:sp>
+        </mc:Choice>
+        <mc:Fallback>
+          <p:sp>
+            <p:nvSpPr>
+              <p:cNvPr id="56" name="TextBox 55">
+                <a:extLst>
+                  <a:ext uri="{FF2B5EF4-FFF2-40B4-BE49-F238E27FC236}">
+                    <a16:creationId xmlns:a16="http://schemas.microsoft.com/office/drawing/2014/main" id="{1463BC8B-5C24-4BCA-3105-C85B1F46DE4E}"/>
+                  </a:ext>
+                </a:extLst>
+              </p:cNvPr>
+              <p:cNvSpPr txBox="1">
+                <a:spLocks noRot="1" noChangeAspect="1" noMove="1" noResize="1" noEditPoints="1" noAdjustHandles="1" noChangeArrowheads="1" noChangeShapeType="1" noTextEdit="1"/>
+              </p:cNvSpPr>
+              <p:nvPr/>
+            </p:nvSpPr>
+            <p:spPr>
+              <a:xfrm>
+                <a:off x="3896948" y="4021390"/>
+                <a:ext cx="160300" cy="246221"/>
+              </a:xfrm>
+              <a:prstGeom prst="rect">
+                <a:avLst/>
+              </a:prstGeom>
+              <a:blipFill>
+                <a:blip r:embed="rId3"/>
+                <a:stretch>
+                  <a:fillRect l="-25926" r="-25926" b="-5000"/>
+                </a:stretch>
+              </a:blipFill>
+            </p:spPr>
+            <p:txBody>
+              <a:bodyPr/>
+              <a:lstStyle/>
+              <a:p>
+                <a:r>
+                  <a:rPr lang="en-US">
+                    <a:noFill/>
+                  </a:rPr>
+                  <a:t> </a:t>
+                </a:r>
+              </a:p>
+            </p:txBody>
+          </p:sp>
+        </mc:Fallback>
+      </mc:AlternateContent>
+    </p:spTree>
+    <p:extLst>
+      <p:ext uri="{BB962C8B-B14F-4D97-AF65-F5344CB8AC3E}">
+        <p14:creationId xmlns:p14="http://schemas.microsoft.com/office/powerpoint/2010/main" val="4078243434"/>
+      </p:ext>
+    </p:extLst>
+  </p:cSld>
+  <p:clrMapOvr>
+    <a:masterClrMapping/>
+  </p:clrMapOvr>
+</p:sld>
+</file>
+
+<file path=ppt/slides/slide12.xml><?xml version="1.0" encoding="utf-8"?>
+<p:sld xmlns:a="http://schemas.openxmlformats.org/drawingml/2006/main" xmlns:r="http://schemas.openxmlformats.org/officeDocument/2006/relationships" xmlns:p="http://schemas.openxmlformats.org/presentationml/2006/main">
+  <p:cSld>
+    <p:spTree>
+      <p:nvGrpSpPr>
+        <p:cNvPr id="1" name=""/>
+        <p:cNvGrpSpPr/>
+        <p:nvPr/>
+      </p:nvGrpSpPr>
+      <p:grpSpPr>
+        <a:xfrm>
+          <a:off x="0" y="0"/>
+          <a:ext cx="0" cy="0"/>
+          <a:chOff x="0" y="0"/>
+          <a:chExt cx="0" cy="0"/>
+        </a:xfrm>
+      </p:grpSpPr>
+      <p:cxnSp>
+        <p:nvCxnSpPr>
+          <p:cNvPr id="14" name="Straight Arrow Connector 13">
+            <a:extLst>
+              <a:ext uri="{FF2B5EF4-FFF2-40B4-BE49-F238E27FC236}">
+                <a16:creationId xmlns:a16="http://schemas.microsoft.com/office/drawing/2014/main" id="{A03E9872-C2BD-97D4-4731-FF0687F5A732}"/>
+              </a:ext>
+            </a:extLst>
+          </p:cNvPr>
+          <p:cNvCxnSpPr>
+            <a:cxnSpLocks/>
+          </p:cNvCxnSpPr>
+          <p:nvPr/>
+        </p:nvCxnSpPr>
+        <p:spPr>
+          <a:xfrm>
+            <a:off x="2309813" y="3175500"/>
+            <a:ext cx="180000" cy="0"/>
+          </a:xfrm>
+          <a:prstGeom prst="straightConnector1">
+            <a:avLst/>
+          </a:prstGeom>
+          <a:ln w="12700">
+            <a:solidFill>
+              <a:srgbClr val="002060"/>
+            </a:solidFill>
+            <a:headEnd type="none" w="med" len="lg"/>
+            <a:tailEnd type="none"/>
+          </a:ln>
+        </p:spPr>
+        <p:style>
+          <a:lnRef idx="1">
+            <a:schemeClr val="accent1"/>
+          </a:lnRef>
+          <a:fillRef idx="0">
+            <a:schemeClr val="accent1"/>
+          </a:fillRef>
+          <a:effectRef idx="0">
+            <a:schemeClr val="accent1"/>
+          </a:effectRef>
+          <a:fontRef idx="minor">
+            <a:schemeClr val="tx1"/>
+          </a:fontRef>
+        </p:style>
+      </p:cxnSp>
+      <p:cxnSp>
+        <p:nvCxnSpPr>
+          <p:cNvPr id="15" name="Straight Arrow Connector 14">
+            <a:extLst>
+              <a:ext uri="{FF2B5EF4-FFF2-40B4-BE49-F238E27FC236}">
+                <a16:creationId xmlns:a16="http://schemas.microsoft.com/office/drawing/2014/main" id="{8DAAE73D-32C5-6EAE-0744-6F70FB0ED2F8}"/>
+              </a:ext>
+            </a:extLst>
+          </p:cNvPr>
+          <p:cNvCxnSpPr>
+            <a:cxnSpLocks/>
+          </p:cNvCxnSpPr>
+          <p:nvPr/>
+        </p:nvCxnSpPr>
+        <p:spPr>
+          <a:xfrm>
+            <a:off x="2489813" y="3175500"/>
+            <a:ext cx="0" cy="180000"/>
+          </a:xfrm>
+          <a:prstGeom prst="straightConnector1">
+            <a:avLst/>
+          </a:prstGeom>
+          <a:ln w="12700">
+            <a:solidFill>
+              <a:srgbClr val="002060"/>
+            </a:solidFill>
+            <a:headEnd type="none" w="med" len="lg"/>
+            <a:tailEnd type="none"/>
+          </a:ln>
+        </p:spPr>
+        <p:style>
+          <a:lnRef idx="1">
+            <a:schemeClr val="accent1"/>
+          </a:lnRef>
+          <a:fillRef idx="0">
+            <a:schemeClr val="accent1"/>
+          </a:fillRef>
+          <a:effectRef idx="0">
+            <a:schemeClr val="accent1"/>
+          </a:effectRef>
+          <a:fontRef idx="minor">
+            <a:schemeClr val="tx1"/>
+          </a:fontRef>
+        </p:style>
+      </p:cxnSp>
+      <p:cxnSp>
+        <p:nvCxnSpPr>
+          <p:cNvPr id="13" name="Straight Arrow Connector 12">
+            <a:extLst>
+              <a:ext uri="{FF2B5EF4-FFF2-40B4-BE49-F238E27FC236}">
+                <a16:creationId xmlns:a16="http://schemas.microsoft.com/office/drawing/2014/main" id="{9F35A291-F98B-6092-3580-570313DD7AD5}"/>
+              </a:ext>
+            </a:extLst>
+          </p:cNvPr>
+          <p:cNvCxnSpPr>
+            <a:cxnSpLocks/>
+          </p:cNvCxnSpPr>
+          <p:nvPr/>
+        </p:nvCxnSpPr>
+        <p:spPr>
+          <a:xfrm>
+            <a:off x="2131592" y="3175500"/>
+            <a:ext cx="0" cy="180000"/>
+          </a:xfrm>
+          <a:prstGeom prst="straightConnector1">
+            <a:avLst/>
+          </a:prstGeom>
+          <a:ln w="12700">
+            <a:solidFill>
+              <a:srgbClr val="002060"/>
+            </a:solidFill>
+            <a:headEnd type="none" w="med" len="lg"/>
+            <a:tailEnd type="none"/>
+          </a:ln>
+        </p:spPr>
+        <p:style>
+          <a:lnRef idx="1">
+            <a:schemeClr val="accent1"/>
+          </a:lnRef>
+          <a:fillRef idx="0">
+            <a:schemeClr val="accent1"/>
+          </a:fillRef>
+          <a:effectRef idx="0">
+            <a:schemeClr val="accent1"/>
+          </a:effectRef>
+          <a:fontRef idx="minor">
+            <a:schemeClr val="tx1"/>
+          </a:fontRef>
+        </p:style>
+      </p:cxnSp>
+      <p:cxnSp>
+        <p:nvCxnSpPr>
+          <p:cNvPr id="12" name="Straight Arrow Connector 11">
+            <a:extLst>
+              <a:ext uri="{FF2B5EF4-FFF2-40B4-BE49-F238E27FC236}">
+                <a16:creationId xmlns:a16="http://schemas.microsoft.com/office/drawing/2014/main" id="{2C495AA3-2C8D-E1A6-5355-6A9558B7C84C}"/>
+              </a:ext>
+            </a:extLst>
+          </p:cNvPr>
+          <p:cNvCxnSpPr>
+            <a:cxnSpLocks/>
+          </p:cNvCxnSpPr>
+          <p:nvPr/>
+        </p:nvCxnSpPr>
+        <p:spPr>
+          <a:xfrm>
+            <a:off x="2131592" y="3175500"/>
+            <a:ext cx="180000" cy="0"/>
+          </a:xfrm>
+          <a:prstGeom prst="straightConnector1">
+            <a:avLst/>
+          </a:prstGeom>
+          <a:ln w="12700">
+            <a:solidFill>
+              <a:srgbClr val="002060"/>
+            </a:solidFill>
+            <a:headEnd type="none" w="med" len="lg"/>
+            <a:tailEnd type="none"/>
+          </a:ln>
+        </p:spPr>
+        <p:style>
+          <a:lnRef idx="1">
+            <a:schemeClr val="accent1"/>
+          </a:lnRef>
+          <a:fillRef idx="0">
+            <a:schemeClr val="accent1"/>
+          </a:fillRef>
+          <a:effectRef idx="0">
+            <a:schemeClr val="accent1"/>
+          </a:effectRef>
+          <a:fontRef idx="minor">
+            <a:schemeClr val="tx1"/>
+          </a:fontRef>
+        </p:style>
+      </p:cxnSp>
+      <p:cxnSp>
+        <p:nvCxnSpPr>
+          <p:cNvPr id="2" name="Straight Arrow Connector 1">
+            <a:extLst>
+              <a:ext uri="{FF2B5EF4-FFF2-40B4-BE49-F238E27FC236}">
+                <a16:creationId xmlns:a16="http://schemas.microsoft.com/office/drawing/2014/main" id="{39532250-E514-CD85-745B-CA32E95AA954}"/>
+              </a:ext>
+            </a:extLst>
+          </p:cNvPr>
+          <p:cNvCxnSpPr>
+            <a:cxnSpLocks/>
+          </p:cNvCxnSpPr>
+          <p:nvPr/>
+        </p:nvCxnSpPr>
+        <p:spPr>
+          <a:xfrm flipV="1">
+            <a:off x="2309813" y="2095500"/>
+            <a:ext cx="0" cy="2520000"/>
+          </a:xfrm>
+          <a:prstGeom prst="straightConnector1">
+            <a:avLst/>
+          </a:prstGeom>
+          <a:ln w="12700">
+            <a:solidFill>
+              <a:schemeClr val="bg1">
+                <a:lumMod val="75000"/>
+              </a:schemeClr>
+            </a:solidFill>
+            <a:prstDash val="dash"/>
+            <a:headEnd type="none"/>
+            <a:tailEnd type="none"/>
+          </a:ln>
+        </p:spPr>
+        <p:style>
+          <a:lnRef idx="1">
+            <a:schemeClr val="accent1"/>
+          </a:lnRef>
+          <a:fillRef idx="0">
+            <a:schemeClr val="accent1"/>
+          </a:fillRef>
+          <a:effectRef idx="0">
+            <a:schemeClr val="accent1"/>
+          </a:effectRef>
+          <a:fontRef idx="minor">
+            <a:schemeClr val="tx1"/>
+          </a:fontRef>
+        </p:style>
+      </p:cxnSp>
+      <p:cxnSp>
+        <p:nvCxnSpPr>
+          <p:cNvPr id="7" name="Straight Arrow Connector 6">
+            <a:extLst>
+              <a:ext uri="{FF2B5EF4-FFF2-40B4-BE49-F238E27FC236}">
+                <a16:creationId xmlns:a16="http://schemas.microsoft.com/office/drawing/2014/main" id="{42CF9BDB-F40D-192F-690D-16946BBC3D7F}"/>
+              </a:ext>
+            </a:extLst>
+          </p:cNvPr>
+          <p:cNvCxnSpPr>
+            <a:cxnSpLocks/>
+          </p:cNvCxnSpPr>
+          <p:nvPr/>
+        </p:nvCxnSpPr>
+        <p:spPr>
+          <a:xfrm flipH="1">
+            <a:off x="2309813" y="3355500"/>
+            <a:ext cx="900000" cy="0"/>
+          </a:xfrm>
+          <a:prstGeom prst="straightConnector1">
+            <a:avLst/>
+          </a:prstGeom>
+          <a:ln w="25400">
+            <a:solidFill>
+              <a:srgbClr val="FF0000"/>
+            </a:solidFill>
+            <a:headEnd type="triangle" w="med" len="lg"/>
+            <a:tailEnd type="none"/>
+          </a:ln>
+        </p:spPr>
+        <p:style>
+          <a:lnRef idx="1">
+            <a:schemeClr val="accent1"/>
+          </a:lnRef>
+          <a:fillRef idx="0">
+            <a:schemeClr val="accent1"/>
+          </a:fillRef>
+          <a:effectRef idx="0">
+            <a:schemeClr val="accent1"/>
+          </a:effectRef>
+          <a:fontRef idx="minor">
+            <a:schemeClr val="tx1"/>
+          </a:fontRef>
+        </p:style>
+      </p:cxnSp>
+      <p:cxnSp>
+        <p:nvCxnSpPr>
+          <p:cNvPr id="10" name="Straight Arrow Connector 9">
+            <a:extLst>
+              <a:ext uri="{FF2B5EF4-FFF2-40B4-BE49-F238E27FC236}">
+                <a16:creationId xmlns:a16="http://schemas.microsoft.com/office/drawing/2014/main" id="{B3716435-E509-0FE6-055C-006F931B4EBA}"/>
+              </a:ext>
+            </a:extLst>
+          </p:cNvPr>
+          <p:cNvCxnSpPr>
+            <a:cxnSpLocks/>
+          </p:cNvCxnSpPr>
+          <p:nvPr/>
+        </p:nvCxnSpPr>
+        <p:spPr>
+          <a:xfrm flipH="1">
+            <a:off x="1409813" y="3355500"/>
+            <a:ext cx="900000" cy="0"/>
+          </a:xfrm>
+          <a:prstGeom prst="straightConnector1">
+            <a:avLst/>
+          </a:prstGeom>
+          <a:ln w="25400">
+            <a:solidFill>
+              <a:srgbClr val="FF0000"/>
+            </a:solidFill>
+            <a:headEnd type="none" w="lg" len="med"/>
+            <a:tailEnd type="triangle" w="med" len="lg"/>
+          </a:ln>
+        </p:spPr>
+        <p:style>
+          <a:lnRef idx="1">
+            <a:schemeClr val="accent1"/>
+          </a:lnRef>
+          <a:fillRef idx="0">
+            <a:schemeClr val="accent1"/>
+          </a:fillRef>
+          <a:effectRef idx="0">
+            <a:schemeClr val="accent1"/>
+          </a:effectRef>
+          <a:fontRef idx="minor">
+            <a:schemeClr val="tx1"/>
+          </a:fontRef>
+        </p:style>
+      </p:cxnSp>
+      <p:cxnSp>
+        <p:nvCxnSpPr>
+          <p:cNvPr id="6" name="Straight Arrow Connector 5">
+            <a:extLst>
+              <a:ext uri="{FF2B5EF4-FFF2-40B4-BE49-F238E27FC236}">
+                <a16:creationId xmlns:a16="http://schemas.microsoft.com/office/drawing/2014/main" id="{8DA5D1EB-CC61-1509-1B77-922F654F4A52}"/>
+              </a:ext>
+            </a:extLst>
+          </p:cNvPr>
+          <p:cNvCxnSpPr>
+            <a:cxnSpLocks/>
+          </p:cNvCxnSpPr>
+          <p:nvPr/>
+        </p:nvCxnSpPr>
+        <p:spPr>
+          <a:xfrm flipV="1">
+            <a:off x="2309813" y="2529000"/>
+            <a:ext cx="0" cy="1800000"/>
+          </a:xfrm>
+          <a:prstGeom prst="straightConnector1">
+            <a:avLst/>
+          </a:prstGeom>
+          <a:ln w="25400">
+            <a:solidFill>
+              <a:schemeClr val="accent1"/>
+            </a:solidFill>
+            <a:prstDash val="solid"/>
+            <a:headEnd type="none"/>
+            <a:tailEnd type="none"/>
+          </a:ln>
+        </p:spPr>
+        <p:style>
+          <a:lnRef idx="1">
+            <a:schemeClr val="accent1"/>
+          </a:lnRef>
+          <a:fillRef idx="0">
+            <a:schemeClr val="accent1"/>
+          </a:fillRef>
+          <a:effectRef idx="0">
+            <a:schemeClr val="accent1"/>
+          </a:effectRef>
+          <a:fontRef idx="minor">
+            <a:schemeClr val="tx1"/>
+          </a:fontRef>
+        </p:style>
+      </p:cxnSp>
+      <p:sp>
+        <p:nvSpPr>
+          <p:cNvPr id="21" name="TextBox 20">
+            <a:extLst>
+              <a:ext uri="{FF2B5EF4-FFF2-40B4-BE49-F238E27FC236}">
+                <a16:creationId xmlns:a16="http://schemas.microsoft.com/office/drawing/2014/main" id="{FAE0F94E-B885-2F55-5C06-84B573BC5F4E}"/>
+              </a:ext>
+            </a:extLst>
+          </p:cNvPr>
+          <p:cNvSpPr txBox="1"/>
+          <p:nvPr/>
+        </p:nvSpPr>
+        <p:spPr>
+          <a:xfrm>
+            <a:off x="1409813" y="2584617"/>
+            <a:ext cx="641522" cy="261610"/>
+          </a:xfrm>
+          <a:prstGeom prst="rect">
+            <a:avLst/>
+          </a:prstGeom>
+          <a:noFill/>
+        </p:spPr>
+        <p:txBody>
+          <a:bodyPr wrap="none" rtlCol="0">
+            <a:spAutoFit/>
+          </a:bodyPr>
+          <a:lstStyle/>
+          <a:p>
+            <a:pPr/>
+            <a:r>
+              <a:rPr lang="en-US" sz="1050" dirty="0">
+                <a:latin typeface="Georgia" panose="02040502050405020303" pitchFamily="18" charset="0"/>
+              </a:rPr>
+              <a:t>Side #1</a:t>
+            </a:r>
+            <a:endParaRPr lang="en-US" dirty="0">
+              <a:latin typeface="Georgia" panose="02040502050405020303" pitchFamily="18" charset="0"/>
+            </a:endParaRPr>
+          </a:p>
+        </p:txBody>
+      </p:sp>
+      <p:sp>
+        <p:nvSpPr>
+          <p:cNvPr id="22" name="TextBox 21">
+            <a:extLst>
+              <a:ext uri="{FF2B5EF4-FFF2-40B4-BE49-F238E27FC236}">
+                <a16:creationId xmlns:a16="http://schemas.microsoft.com/office/drawing/2014/main" id="{A8DBC02B-3A06-847C-2772-7C6DD811CCC5}"/>
+              </a:ext>
+            </a:extLst>
+          </p:cNvPr>
+          <p:cNvSpPr txBox="1"/>
+          <p:nvPr/>
+        </p:nvSpPr>
+        <p:spPr>
+          <a:xfrm>
+            <a:off x="2573100" y="2592311"/>
+            <a:ext cx="636713" cy="253916"/>
+          </a:xfrm>
+          <a:prstGeom prst="rect">
+            <a:avLst/>
+          </a:prstGeom>
+          <a:noFill/>
+        </p:spPr>
+        <p:txBody>
+          <a:bodyPr wrap="none" rtlCol="0">
+            <a:spAutoFit/>
+          </a:bodyPr>
+          <a:lstStyle/>
+          <a:p>
+            <a:pPr/>
+            <a:r>
+              <a:rPr lang="en-US" sz="1050" dirty="0">
+                <a:latin typeface="Georgia" panose="02040502050405020303" pitchFamily="18" charset="0"/>
+              </a:rPr>
+              <a:t>Side #2</a:t>
+            </a:r>
+            <a:endParaRPr lang="en-US" dirty="0">
+              <a:latin typeface="Georgia" panose="02040502050405020303" pitchFamily="18" charset="0"/>
+            </a:endParaRPr>
+          </a:p>
+        </p:txBody>
+      </p:sp>
+      <p:cxnSp>
+        <p:nvCxnSpPr>
+          <p:cNvPr id="23" name="Straight Arrow Connector 22">
+            <a:extLst>
+              <a:ext uri="{FF2B5EF4-FFF2-40B4-BE49-F238E27FC236}">
+                <a16:creationId xmlns:a16="http://schemas.microsoft.com/office/drawing/2014/main" id="{3F7F4251-1EA2-3A36-79C2-20D5A40B222D}"/>
+              </a:ext>
+            </a:extLst>
+          </p:cNvPr>
+          <p:cNvCxnSpPr>
+            <a:cxnSpLocks/>
+          </p:cNvCxnSpPr>
+          <p:nvPr/>
+        </p:nvCxnSpPr>
+        <p:spPr>
+          <a:xfrm>
+            <a:off x="2354813" y="2719269"/>
+            <a:ext cx="266442" cy="0"/>
+          </a:xfrm>
+          <a:prstGeom prst="straightConnector1">
+            <a:avLst/>
+          </a:prstGeom>
+          <a:ln w="12700">
+            <a:solidFill>
+              <a:schemeClr val="tx1"/>
+            </a:solidFill>
+            <a:headEnd type="triangle" w="sm" len="med"/>
+            <a:tailEnd type="none"/>
+          </a:ln>
+        </p:spPr>
+        <p:style>
+          <a:lnRef idx="1">
+            <a:schemeClr val="accent1"/>
+          </a:lnRef>
+          <a:fillRef idx="0">
+            <a:schemeClr val="accent1"/>
+          </a:fillRef>
+          <a:effectRef idx="0">
+            <a:schemeClr val="accent1"/>
+          </a:effectRef>
+          <a:fontRef idx="minor">
+            <a:schemeClr val="tx1"/>
+          </a:fontRef>
+        </p:style>
+      </p:cxnSp>
+      <p:cxnSp>
+        <p:nvCxnSpPr>
+          <p:cNvPr id="26" name="Straight Arrow Connector 25">
+            <a:extLst>
+              <a:ext uri="{FF2B5EF4-FFF2-40B4-BE49-F238E27FC236}">
+                <a16:creationId xmlns:a16="http://schemas.microsoft.com/office/drawing/2014/main" id="{138BE9E8-B367-09D1-FF5D-20E5AE1298B2}"/>
+              </a:ext>
+            </a:extLst>
+          </p:cNvPr>
+          <p:cNvCxnSpPr>
+            <a:cxnSpLocks/>
+          </p:cNvCxnSpPr>
+          <p:nvPr/>
+        </p:nvCxnSpPr>
+        <p:spPr>
+          <a:xfrm flipH="1">
+            <a:off x="1979255" y="2719269"/>
+            <a:ext cx="285621" cy="0"/>
+          </a:xfrm>
+          <a:prstGeom prst="straightConnector1">
+            <a:avLst/>
+          </a:prstGeom>
+          <a:ln w="12700">
+            <a:solidFill>
+              <a:schemeClr val="tx1"/>
+            </a:solidFill>
+            <a:headEnd type="triangle" w="sm" len="med"/>
+            <a:tailEnd type="none"/>
+          </a:ln>
+        </p:spPr>
+        <p:style>
+          <a:lnRef idx="1">
+            <a:schemeClr val="accent1"/>
+          </a:lnRef>
+          <a:fillRef idx="0">
+            <a:schemeClr val="accent1"/>
+          </a:fillRef>
+          <a:effectRef idx="0">
+            <a:schemeClr val="accent1"/>
+          </a:effectRef>
+          <a:fontRef idx="minor">
+            <a:schemeClr val="tx1"/>
+          </a:fontRef>
+        </p:style>
+      </p:cxnSp>
+      <p:sp>
+        <p:nvSpPr>
+          <p:cNvPr id="28" name="TextBox 27">
+            <a:extLst>
+              <a:ext uri="{FF2B5EF4-FFF2-40B4-BE49-F238E27FC236}">
+                <a16:creationId xmlns:a16="http://schemas.microsoft.com/office/drawing/2014/main" id="{915E973B-76D9-DCF3-F503-BD982F10AE73}"/>
+              </a:ext>
+            </a:extLst>
+          </p:cNvPr>
+          <p:cNvSpPr txBox="1"/>
+          <p:nvPr/>
+        </p:nvSpPr>
+        <p:spPr>
+          <a:xfrm>
+            <a:off x="2074011" y="1862909"/>
+            <a:ext cx="471604" cy="230832"/>
+          </a:xfrm>
+          <a:prstGeom prst="rect">
+            <a:avLst/>
+          </a:prstGeom>
+          <a:noFill/>
+          <a:ln>
+            <a:noFill/>
+          </a:ln>
+        </p:spPr>
+        <p:txBody>
+          <a:bodyPr wrap="none" rtlCol="0">
+            <a:spAutoFit/>
+          </a:bodyPr>
+          <a:lstStyle/>
+          <a:p>
+            <a:pPr/>
+            <a:r>
+              <a:rPr lang="en-US" sz="900" dirty="0">
+                <a:solidFill>
+                  <a:schemeClr val="bg1">
+                    <a:lumMod val="65000"/>
+                  </a:schemeClr>
+                </a:solidFill>
+                <a:latin typeface="Georgia" panose="02040502050405020303" pitchFamily="18" charset="0"/>
+              </a:rPr>
+              <a:t>Plane</a:t>
+            </a:r>
+            <a:endParaRPr lang="en-US" sz="1400" dirty="0">
+              <a:solidFill>
+                <a:schemeClr val="bg1">
+                  <a:lumMod val="65000"/>
+                </a:schemeClr>
+              </a:solidFill>
+              <a:latin typeface="Georgia" panose="02040502050405020303" pitchFamily="18" charset="0"/>
+            </a:endParaRPr>
+          </a:p>
+        </p:txBody>
+      </p:sp>
+      <p:sp>
+        <p:nvSpPr>
+          <p:cNvPr id="29" name="TextBox 28">
+            <a:extLst>
+              <a:ext uri="{FF2B5EF4-FFF2-40B4-BE49-F238E27FC236}">
+                <a16:creationId xmlns:a16="http://schemas.microsoft.com/office/drawing/2014/main" id="{C96CC8AC-B18C-2673-8677-A7497FFA3E98}"/>
+              </a:ext>
+            </a:extLst>
+          </p:cNvPr>
+          <p:cNvSpPr txBox="1"/>
+          <p:nvPr/>
+        </p:nvSpPr>
+        <p:spPr>
+          <a:xfrm>
+            <a:off x="2549860" y="3980189"/>
+            <a:ext cx="777777" cy="230832"/>
+          </a:xfrm>
+          <a:prstGeom prst="rect">
+            <a:avLst/>
+          </a:prstGeom>
+          <a:noFill/>
+          <a:ln>
+            <a:noFill/>
+          </a:ln>
+        </p:spPr>
+        <p:txBody>
+          <a:bodyPr wrap="none" rtlCol="0">
+            <a:spAutoFit/>
+          </a:bodyPr>
+          <a:lstStyle/>
+          <a:p>
+            <a:pPr/>
+            <a:r>
+              <a:rPr lang="en-US" sz="900" dirty="0">
+                <a:solidFill>
+                  <a:schemeClr val="accent1"/>
+                </a:solidFill>
+                <a:latin typeface="Georgia" panose="02040502050405020303" pitchFamily="18" charset="0"/>
+              </a:rPr>
+              <a:t>Flat surface</a:t>
+            </a:r>
+            <a:endParaRPr lang="en-US" sz="1400" dirty="0">
+              <a:solidFill>
+                <a:schemeClr val="accent1"/>
+              </a:solidFill>
+              <a:latin typeface="Georgia" panose="02040502050405020303" pitchFamily="18" charset="0"/>
+            </a:endParaRPr>
+          </a:p>
+        </p:txBody>
+      </p:sp>
+      <p:cxnSp>
+        <p:nvCxnSpPr>
+          <p:cNvPr id="30" name="Straight Arrow Connector 29">
+            <a:extLst>
+              <a:ext uri="{FF2B5EF4-FFF2-40B4-BE49-F238E27FC236}">
+                <a16:creationId xmlns:a16="http://schemas.microsoft.com/office/drawing/2014/main" id="{448E842C-1060-A0FF-5A01-975F05D4CD77}"/>
+              </a:ext>
+            </a:extLst>
+          </p:cNvPr>
+          <p:cNvCxnSpPr>
+            <a:cxnSpLocks/>
+          </p:cNvCxnSpPr>
+          <p:nvPr/>
+        </p:nvCxnSpPr>
+        <p:spPr>
+          <a:xfrm>
+            <a:off x="2318864" y="3920040"/>
+            <a:ext cx="302391" cy="175565"/>
+          </a:xfrm>
+          <a:prstGeom prst="straightConnector1">
+            <a:avLst/>
+          </a:prstGeom>
+          <a:ln w="12700">
+            <a:solidFill>
+              <a:schemeClr val="accent1"/>
+            </a:solidFill>
+            <a:headEnd type="triangle" w="sm" len="med"/>
+            <a:tailEnd type="none"/>
+          </a:ln>
+        </p:spPr>
+        <p:style>
+          <a:lnRef idx="1">
+            <a:schemeClr val="accent1"/>
+          </a:lnRef>
+          <a:fillRef idx="0">
+            <a:schemeClr val="accent1"/>
+          </a:fillRef>
+          <a:effectRef idx="0">
+            <a:schemeClr val="accent1"/>
+          </a:effectRef>
+          <a:fontRef idx="minor">
+            <a:schemeClr val="tx1"/>
+          </a:fontRef>
+        </p:style>
+      </p:cxnSp>
+      <p:sp>
+        <p:nvSpPr>
+          <p:cNvPr id="34" name="TextBox 33">
+            <a:extLst>
+              <a:ext uri="{FF2B5EF4-FFF2-40B4-BE49-F238E27FC236}">
+                <a16:creationId xmlns:a16="http://schemas.microsoft.com/office/drawing/2014/main" id="{F2A91BBE-05CC-93DE-288D-C41882C114E2}"/>
+              </a:ext>
+            </a:extLst>
+          </p:cNvPr>
+          <p:cNvSpPr txBox="1"/>
+          <p:nvPr/>
+        </p:nvSpPr>
+        <p:spPr>
+          <a:xfrm>
+            <a:off x="2457394" y="3348243"/>
+            <a:ext cx="665567" cy="369332"/>
+          </a:xfrm>
+          <a:prstGeom prst="rect">
+            <a:avLst/>
+          </a:prstGeom>
+          <a:noFill/>
+        </p:spPr>
+        <p:txBody>
+          <a:bodyPr wrap="none" rtlCol="0">
+            <a:spAutoFit/>
+          </a:bodyPr>
+          <a:lstStyle/>
+          <a:p>
+            <a:pPr algn="ctr"/>
+            <a:r>
+              <a:rPr lang="en-US" sz="900" dirty="0">
+                <a:solidFill>
+                  <a:srgbClr val="FF0000"/>
+                </a:solidFill>
+                <a:latin typeface="Georgia" panose="02040502050405020303" pitchFamily="18" charset="0"/>
+              </a:rPr>
+              <a:t>Normal </a:t>
+            </a:r>
+            <a:br>
+              <a:rPr lang="en-US" sz="900" dirty="0">
+                <a:solidFill>
+                  <a:srgbClr val="FF0000"/>
+                </a:solidFill>
+                <a:latin typeface="Georgia" panose="02040502050405020303" pitchFamily="18" charset="0"/>
+              </a:rPr>
+            </a:br>
+            <a:r>
+              <a:rPr lang="en-US" sz="900" dirty="0">
+                <a:solidFill>
+                  <a:srgbClr val="FF0000"/>
+                </a:solidFill>
+                <a:latin typeface="Georgia" panose="02040502050405020303" pitchFamily="18" charset="0"/>
+              </a:rPr>
+              <a:t>vector #2</a:t>
+            </a:r>
+            <a:endParaRPr lang="en-US" sz="1400" dirty="0">
+              <a:solidFill>
+                <a:srgbClr val="FF0000"/>
+              </a:solidFill>
+              <a:latin typeface="Georgia" panose="02040502050405020303" pitchFamily="18" charset="0"/>
+            </a:endParaRPr>
+          </a:p>
+        </p:txBody>
+      </p:sp>
+      <p:sp>
+        <p:nvSpPr>
+          <p:cNvPr id="35" name="TextBox 34">
+            <a:extLst>
+              <a:ext uri="{FF2B5EF4-FFF2-40B4-BE49-F238E27FC236}">
+                <a16:creationId xmlns:a16="http://schemas.microsoft.com/office/drawing/2014/main" id="{491ABA88-8952-7BFE-7614-E80F1CB756ED}"/>
+              </a:ext>
+            </a:extLst>
+          </p:cNvPr>
+          <p:cNvSpPr txBox="1"/>
+          <p:nvPr/>
+        </p:nvSpPr>
+        <p:spPr>
+          <a:xfrm>
+            <a:off x="1540772" y="3348243"/>
+            <a:ext cx="651140" cy="369332"/>
+          </a:xfrm>
+          <a:prstGeom prst="rect">
+            <a:avLst/>
+          </a:prstGeom>
+          <a:noFill/>
+        </p:spPr>
+        <p:txBody>
+          <a:bodyPr wrap="none" rtlCol="0">
+            <a:spAutoFit/>
+          </a:bodyPr>
+          <a:lstStyle/>
+          <a:p>
+            <a:pPr algn="ctr"/>
+            <a:r>
+              <a:rPr lang="en-US" sz="900" dirty="0">
+                <a:solidFill>
+                  <a:srgbClr val="FF0000"/>
+                </a:solidFill>
+                <a:latin typeface="Georgia" panose="02040502050405020303" pitchFamily="18" charset="0"/>
+              </a:rPr>
+              <a:t>Normal </a:t>
+            </a:r>
+            <a:br>
+              <a:rPr lang="en-US" sz="900" dirty="0">
+                <a:solidFill>
+                  <a:srgbClr val="FF0000"/>
+                </a:solidFill>
+                <a:latin typeface="Georgia" panose="02040502050405020303" pitchFamily="18" charset="0"/>
+              </a:rPr>
+            </a:br>
+            <a:r>
+              <a:rPr lang="en-US" sz="900" dirty="0">
+                <a:solidFill>
+                  <a:srgbClr val="FF0000"/>
+                </a:solidFill>
+                <a:latin typeface="Georgia" panose="02040502050405020303" pitchFamily="18" charset="0"/>
+              </a:rPr>
+              <a:t>vector #1</a:t>
+            </a:r>
+            <a:endParaRPr lang="en-US" sz="1400" dirty="0">
+              <a:solidFill>
+                <a:srgbClr val="FF0000"/>
+              </a:solidFill>
+              <a:latin typeface="Georgia" panose="02040502050405020303" pitchFamily="18" charset="0"/>
+            </a:endParaRPr>
+          </a:p>
+        </p:txBody>
+      </p:sp>
+      <p:sp>
+        <p:nvSpPr>
+          <p:cNvPr id="36" name="Rectangle 35">
+            <a:extLst>
+              <a:ext uri="{FF2B5EF4-FFF2-40B4-BE49-F238E27FC236}">
+                <a16:creationId xmlns:a16="http://schemas.microsoft.com/office/drawing/2014/main" id="{6C73F0B9-7EA4-CC85-943D-853C6391E5E5}"/>
+              </a:ext>
+            </a:extLst>
+          </p:cNvPr>
+          <p:cNvSpPr/>
+          <p:nvPr/>
+        </p:nvSpPr>
+        <p:spPr>
+          <a:xfrm>
+            <a:off x="1119189" y="1814513"/>
+            <a:ext cx="2357436" cy="2900362"/>
+          </a:xfrm>
+          <a:prstGeom prst="rect">
+            <a:avLst/>
+          </a:prstGeom>
+          <a:noFill/>
+          <a:ln>
+            <a:solidFill>
+              <a:schemeClr val="tx1"/>
+            </a:solidFill>
+          </a:ln>
+        </p:spPr>
+        <p:style>
+          <a:lnRef idx="2">
+            <a:schemeClr val="accent1">
+              <a:shade val="15000"/>
+            </a:schemeClr>
+          </a:lnRef>
+          <a:fillRef idx="1">
+            <a:schemeClr val="accent1"/>
+          </a:fillRef>
+          <a:effectRef idx="0">
+            <a:schemeClr val="accent1"/>
+          </a:effectRef>
+          <a:fontRef idx="minor">
+            <a:schemeClr val="lt1"/>
+          </a:fontRef>
+        </p:style>
+        <p:txBody>
+          <a:bodyPr rtlCol="0" anchor="ctr"/>
+          <a:lstStyle/>
+          <a:p>
+            <a:pPr algn="ctr"/>
+            <a:endParaRPr lang="en-US"/>
+          </a:p>
+        </p:txBody>
+      </p:sp>
+    </p:spTree>
+    <p:extLst>
+      <p:ext uri="{BB962C8B-B14F-4D97-AF65-F5344CB8AC3E}">
+        <p14:creationId xmlns:p14="http://schemas.microsoft.com/office/powerpoint/2010/main" val="2225490969"/>
+      </p:ext>
+    </p:extLst>
+  </p:cSld>
+  <p:clrMapOvr>
+    <a:masterClrMapping/>
+  </p:clrMapOvr>
+</p:sld>
+</file>
+
+<file path=ppt/slides/slide13.xml><?xml version="1.0" encoding="utf-8"?>
+<p:sld xmlns:a="http://schemas.openxmlformats.org/drawingml/2006/main" xmlns:r="http://schemas.openxmlformats.org/officeDocument/2006/relationships" xmlns:p="http://schemas.openxmlformats.org/presentationml/2006/main">
+  <p:cSld>
+    <p:spTree>
+      <p:nvGrpSpPr>
+        <p:cNvPr id="1" name=""/>
+        <p:cNvGrpSpPr/>
+        <p:nvPr/>
+      </p:nvGrpSpPr>
+      <p:grpSpPr>
+        <a:xfrm>
+          <a:off x="0" y="0"/>
+          <a:ext cx="0" cy="0"/>
+          <a:chOff x="0" y="0"/>
+          <a:chExt cx="0" cy="0"/>
+        </a:xfrm>
+      </p:grpSpPr>
+      <p:cxnSp>
+        <p:nvCxnSpPr>
+          <p:cNvPr id="2" name="Straight Arrow Connector 1">
+            <a:extLst>
+              <a:ext uri="{FF2B5EF4-FFF2-40B4-BE49-F238E27FC236}">
+                <a16:creationId xmlns:a16="http://schemas.microsoft.com/office/drawing/2014/main" id="{CF66554A-D261-0B28-969A-06FDA8047AC7}"/>
+              </a:ext>
+            </a:extLst>
+          </p:cNvPr>
+          <p:cNvCxnSpPr>
+            <a:cxnSpLocks/>
+          </p:cNvCxnSpPr>
+          <p:nvPr/>
+        </p:nvCxnSpPr>
+        <p:spPr>
+          <a:xfrm>
+            <a:off x="2309813" y="3175500"/>
+            <a:ext cx="180000" cy="0"/>
+          </a:xfrm>
+          <a:prstGeom prst="straightConnector1">
+            <a:avLst/>
+          </a:prstGeom>
+          <a:ln w="12700">
+            <a:solidFill>
+              <a:srgbClr val="002060"/>
+            </a:solidFill>
+            <a:headEnd type="none" w="med" len="lg"/>
+            <a:tailEnd type="none"/>
+          </a:ln>
+        </p:spPr>
+        <p:style>
+          <a:lnRef idx="1">
+            <a:schemeClr val="accent1"/>
+          </a:lnRef>
+          <a:fillRef idx="0">
+            <a:schemeClr val="accent1"/>
+          </a:fillRef>
+          <a:effectRef idx="0">
+            <a:schemeClr val="accent1"/>
+          </a:effectRef>
+          <a:fontRef idx="minor">
+            <a:schemeClr val="tx1"/>
+          </a:fontRef>
+        </p:style>
+      </p:cxnSp>
+      <p:cxnSp>
+        <p:nvCxnSpPr>
+          <p:cNvPr id="3" name="Straight Arrow Connector 2">
+            <a:extLst>
+              <a:ext uri="{FF2B5EF4-FFF2-40B4-BE49-F238E27FC236}">
+                <a16:creationId xmlns:a16="http://schemas.microsoft.com/office/drawing/2014/main" id="{357EC60F-FE48-DB3E-43EA-A0279249BCEC}"/>
+              </a:ext>
+            </a:extLst>
+          </p:cNvPr>
+          <p:cNvCxnSpPr>
+            <a:cxnSpLocks/>
+          </p:cNvCxnSpPr>
+          <p:nvPr/>
+        </p:nvCxnSpPr>
+        <p:spPr>
+          <a:xfrm>
+            <a:off x="2489813" y="3175500"/>
+            <a:ext cx="0" cy="180000"/>
+          </a:xfrm>
+          <a:prstGeom prst="straightConnector1">
+            <a:avLst/>
+          </a:prstGeom>
+          <a:ln w="12700">
+            <a:solidFill>
+              <a:srgbClr val="002060"/>
+            </a:solidFill>
+            <a:headEnd type="none" w="med" len="lg"/>
+            <a:tailEnd type="none"/>
+          </a:ln>
+        </p:spPr>
+        <p:style>
+          <a:lnRef idx="1">
+            <a:schemeClr val="accent1"/>
+          </a:lnRef>
+          <a:fillRef idx="0">
+            <a:schemeClr val="accent1"/>
+          </a:fillRef>
+          <a:effectRef idx="0">
+            <a:schemeClr val="accent1"/>
+          </a:effectRef>
+          <a:fontRef idx="minor">
+            <a:schemeClr val="tx1"/>
+          </a:fontRef>
+        </p:style>
+      </p:cxnSp>
+      <p:cxnSp>
+        <p:nvCxnSpPr>
+          <p:cNvPr id="6" name="Straight Arrow Connector 5">
+            <a:extLst>
+              <a:ext uri="{FF2B5EF4-FFF2-40B4-BE49-F238E27FC236}">
+                <a16:creationId xmlns:a16="http://schemas.microsoft.com/office/drawing/2014/main" id="{75931E26-8272-A20A-01A6-3E66173DD4A8}"/>
+              </a:ext>
+            </a:extLst>
+          </p:cNvPr>
+          <p:cNvCxnSpPr>
+            <a:cxnSpLocks/>
+          </p:cNvCxnSpPr>
+          <p:nvPr/>
+        </p:nvCxnSpPr>
+        <p:spPr>
+          <a:xfrm flipV="1">
+            <a:off x="2309813" y="2095500"/>
+            <a:ext cx="0" cy="2520000"/>
+          </a:xfrm>
+          <a:prstGeom prst="straightConnector1">
+            <a:avLst/>
+          </a:prstGeom>
+          <a:ln w="12700">
+            <a:solidFill>
+              <a:schemeClr val="bg1">
+                <a:lumMod val="75000"/>
+              </a:schemeClr>
+            </a:solidFill>
+            <a:prstDash val="dash"/>
+            <a:headEnd type="none"/>
+            <a:tailEnd type="none"/>
+          </a:ln>
+        </p:spPr>
+        <p:style>
+          <a:lnRef idx="1">
+            <a:schemeClr val="accent1"/>
+          </a:lnRef>
+          <a:fillRef idx="0">
+            <a:schemeClr val="accent1"/>
+          </a:fillRef>
+          <a:effectRef idx="0">
+            <a:schemeClr val="accent1"/>
+          </a:effectRef>
+          <a:fontRef idx="minor">
+            <a:schemeClr val="tx1"/>
+          </a:fontRef>
+        </p:style>
+      </p:cxnSp>
+      <p:cxnSp>
+        <p:nvCxnSpPr>
+          <p:cNvPr id="7" name="Straight Arrow Connector 6">
+            <a:extLst>
+              <a:ext uri="{FF2B5EF4-FFF2-40B4-BE49-F238E27FC236}">
+                <a16:creationId xmlns:a16="http://schemas.microsoft.com/office/drawing/2014/main" id="{37C73EC9-FE89-C4D7-5DA0-835B6575A73D}"/>
+              </a:ext>
+            </a:extLst>
+          </p:cNvPr>
+          <p:cNvCxnSpPr>
+            <a:cxnSpLocks/>
+          </p:cNvCxnSpPr>
+          <p:nvPr/>
+        </p:nvCxnSpPr>
+        <p:spPr>
+          <a:xfrm flipH="1">
+            <a:off x="2309813" y="3355500"/>
+            <a:ext cx="900000" cy="0"/>
+          </a:xfrm>
+          <a:prstGeom prst="straightConnector1">
+            <a:avLst/>
+          </a:prstGeom>
+          <a:ln w="25400">
+            <a:solidFill>
+              <a:srgbClr val="FF0000"/>
+            </a:solidFill>
+            <a:headEnd type="triangle" w="med" len="lg"/>
+            <a:tailEnd type="none"/>
+          </a:ln>
+        </p:spPr>
+        <p:style>
+          <a:lnRef idx="1">
+            <a:schemeClr val="accent1"/>
+          </a:lnRef>
+          <a:fillRef idx="0">
+            <a:schemeClr val="accent1"/>
+          </a:fillRef>
+          <a:effectRef idx="0">
+            <a:schemeClr val="accent1"/>
+          </a:effectRef>
+          <a:fontRef idx="minor">
+            <a:schemeClr val="tx1"/>
+          </a:fontRef>
+        </p:style>
+      </p:cxnSp>
+      <p:cxnSp>
+        <p:nvCxnSpPr>
+          <p:cNvPr id="9" name="Straight Arrow Connector 8">
+            <a:extLst>
+              <a:ext uri="{FF2B5EF4-FFF2-40B4-BE49-F238E27FC236}">
+                <a16:creationId xmlns:a16="http://schemas.microsoft.com/office/drawing/2014/main" id="{7980F0C2-7A79-49E8-2F3F-D77E16C15F47}"/>
+              </a:ext>
+            </a:extLst>
+          </p:cNvPr>
+          <p:cNvCxnSpPr>
+            <a:cxnSpLocks/>
+          </p:cNvCxnSpPr>
+          <p:nvPr/>
+        </p:nvCxnSpPr>
+        <p:spPr>
+          <a:xfrm flipV="1">
+            <a:off x="2309813" y="2529000"/>
+            <a:ext cx="0" cy="1800000"/>
+          </a:xfrm>
+          <a:prstGeom prst="straightConnector1">
+            <a:avLst/>
+          </a:prstGeom>
+          <a:ln w="25400">
+            <a:solidFill>
+              <a:schemeClr val="accent1"/>
+            </a:solidFill>
+            <a:prstDash val="solid"/>
+            <a:headEnd type="none"/>
+            <a:tailEnd type="none"/>
+          </a:ln>
+        </p:spPr>
+        <p:style>
+          <a:lnRef idx="1">
+            <a:schemeClr val="accent1"/>
+          </a:lnRef>
+          <a:fillRef idx="0">
+            <a:schemeClr val="accent1"/>
+          </a:fillRef>
+          <a:effectRef idx="0">
+            <a:schemeClr val="accent1"/>
+          </a:effectRef>
+          <a:fontRef idx="minor">
+            <a:schemeClr val="tx1"/>
+          </a:fontRef>
+        </p:style>
+      </p:cxnSp>
+      <p:sp>
+        <p:nvSpPr>
+          <p:cNvPr id="10" name="TextBox 9">
+            <a:extLst>
+              <a:ext uri="{FF2B5EF4-FFF2-40B4-BE49-F238E27FC236}">
+                <a16:creationId xmlns:a16="http://schemas.microsoft.com/office/drawing/2014/main" id="{9B02A39C-BF73-74B5-1C83-370B1E1FC30B}"/>
+              </a:ext>
+            </a:extLst>
+          </p:cNvPr>
+          <p:cNvSpPr txBox="1"/>
+          <p:nvPr/>
+        </p:nvSpPr>
+        <p:spPr>
+          <a:xfrm>
+            <a:off x="1555956" y="2592311"/>
+            <a:ext cx="473206" cy="253916"/>
+          </a:xfrm>
+          <a:prstGeom prst="rect">
+            <a:avLst/>
+          </a:prstGeom>
+          <a:noFill/>
+        </p:spPr>
+        <p:txBody>
+          <a:bodyPr wrap="none" rtlCol="0">
+            <a:spAutoFit/>
+          </a:bodyPr>
+          <a:lstStyle/>
+          <a:p>
+            <a:pPr/>
+            <a:r>
+              <a:rPr lang="en-US" sz="1050" dirty="0">
+                <a:latin typeface="Georgia" panose="02040502050405020303" pitchFamily="18" charset="0"/>
+              </a:rPr>
+              <a:t>Back</a:t>
+            </a:r>
+            <a:endParaRPr lang="en-US" dirty="0">
+              <a:latin typeface="Georgia" panose="02040502050405020303" pitchFamily="18" charset="0"/>
+            </a:endParaRPr>
+          </a:p>
+        </p:txBody>
+      </p:sp>
+      <p:sp>
+        <p:nvSpPr>
+          <p:cNvPr id="11" name="TextBox 10">
+            <a:extLst>
+              <a:ext uri="{FF2B5EF4-FFF2-40B4-BE49-F238E27FC236}">
+                <a16:creationId xmlns:a16="http://schemas.microsoft.com/office/drawing/2014/main" id="{CAA465F1-1597-0EED-82BB-CE7E995DB94B}"/>
+              </a:ext>
+            </a:extLst>
+          </p:cNvPr>
+          <p:cNvSpPr txBox="1"/>
+          <p:nvPr/>
+        </p:nvSpPr>
+        <p:spPr>
+          <a:xfrm>
+            <a:off x="2573100" y="2592311"/>
+            <a:ext cx="518091" cy="253916"/>
+          </a:xfrm>
+          <a:prstGeom prst="rect">
+            <a:avLst/>
+          </a:prstGeom>
+          <a:noFill/>
+        </p:spPr>
+        <p:txBody>
+          <a:bodyPr wrap="none" rtlCol="0">
+            <a:spAutoFit/>
+          </a:bodyPr>
+          <a:lstStyle/>
+          <a:p>
+            <a:pPr/>
+            <a:r>
+              <a:rPr lang="en-US" sz="1050" dirty="0">
+                <a:latin typeface="Georgia" panose="02040502050405020303" pitchFamily="18" charset="0"/>
+              </a:rPr>
+              <a:t>Front</a:t>
+            </a:r>
+            <a:endParaRPr lang="en-US" dirty="0">
+              <a:latin typeface="Georgia" panose="02040502050405020303" pitchFamily="18" charset="0"/>
+            </a:endParaRPr>
+          </a:p>
+        </p:txBody>
+      </p:sp>
+      <p:cxnSp>
+        <p:nvCxnSpPr>
+          <p:cNvPr id="12" name="Straight Arrow Connector 11">
+            <a:extLst>
+              <a:ext uri="{FF2B5EF4-FFF2-40B4-BE49-F238E27FC236}">
+                <a16:creationId xmlns:a16="http://schemas.microsoft.com/office/drawing/2014/main" id="{4272EC2A-0696-8AA1-73E5-4C2A4AE205A6}"/>
+              </a:ext>
+            </a:extLst>
+          </p:cNvPr>
+          <p:cNvCxnSpPr>
+            <a:cxnSpLocks/>
+          </p:cNvCxnSpPr>
+          <p:nvPr/>
+        </p:nvCxnSpPr>
+        <p:spPr>
+          <a:xfrm>
+            <a:off x="2354813" y="2719269"/>
+            <a:ext cx="266442" cy="0"/>
+          </a:xfrm>
+          <a:prstGeom prst="straightConnector1">
+            <a:avLst/>
+          </a:prstGeom>
+          <a:ln w="12700">
+            <a:solidFill>
+              <a:schemeClr val="tx1"/>
+            </a:solidFill>
+            <a:headEnd type="triangle" w="sm" len="med"/>
+            <a:tailEnd type="none"/>
+          </a:ln>
+        </p:spPr>
+        <p:style>
+          <a:lnRef idx="1">
+            <a:schemeClr val="accent1"/>
+          </a:lnRef>
+          <a:fillRef idx="0">
+            <a:schemeClr val="accent1"/>
+          </a:fillRef>
+          <a:effectRef idx="0">
+            <a:schemeClr val="accent1"/>
+          </a:effectRef>
+          <a:fontRef idx="minor">
+            <a:schemeClr val="tx1"/>
+          </a:fontRef>
+        </p:style>
+      </p:cxnSp>
+      <p:cxnSp>
+        <p:nvCxnSpPr>
+          <p:cNvPr id="13" name="Straight Arrow Connector 12">
+            <a:extLst>
+              <a:ext uri="{FF2B5EF4-FFF2-40B4-BE49-F238E27FC236}">
+                <a16:creationId xmlns:a16="http://schemas.microsoft.com/office/drawing/2014/main" id="{DFFFAD05-BF19-8F0A-D1AF-D832C4BAA6BE}"/>
+              </a:ext>
+            </a:extLst>
+          </p:cNvPr>
+          <p:cNvCxnSpPr>
+            <a:cxnSpLocks/>
+          </p:cNvCxnSpPr>
+          <p:nvPr/>
+        </p:nvCxnSpPr>
+        <p:spPr>
+          <a:xfrm flipH="1">
+            <a:off x="1979255" y="2719269"/>
+            <a:ext cx="285621" cy="0"/>
+          </a:xfrm>
+          <a:prstGeom prst="straightConnector1">
+            <a:avLst/>
+          </a:prstGeom>
+          <a:ln w="12700">
+            <a:solidFill>
+              <a:schemeClr val="tx1"/>
+            </a:solidFill>
+            <a:headEnd type="triangle" w="sm" len="med"/>
+            <a:tailEnd type="none"/>
+          </a:ln>
+        </p:spPr>
+        <p:style>
+          <a:lnRef idx="1">
+            <a:schemeClr val="accent1"/>
+          </a:lnRef>
+          <a:fillRef idx="0">
+            <a:schemeClr val="accent1"/>
+          </a:fillRef>
+          <a:effectRef idx="0">
+            <a:schemeClr val="accent1"/>
+          </a:effectRef>
+          <a:fontRef idx="minor">
+            <a:schemeClr val="tx1"/>
+          </a:fontRef>
+        </p:style>
+      </p:cxnSp>
+      <p:sp>
+        <p:nvSpPr>
+          <p:cNvPr id="14" name="TextBox 13">
+            <a:extLst>
+              <a:ext uri="{FF2B5EF4-FFF2-40B4-BE49-F238E27FC236}">
+                <a16:creationId xmlns:a16="http://schemas.microsoft.com/office/drawing/2014/main" id="{8D7D6F81-970B-246D-818C-76585EF6BCA8}"/>
+              </a:ext>
+            </a:extLst>
+          </p:cNvPr>
+          <p:cNvSpPr txBox="1"/>
+          <p:nvPr/>
+        </p:nvSpPr>
+        <p:spPr>
+          <a:xfrm>
+            <a:off x="2074011" y="1862909"/>
+            <a:ext cx="471604" cy="230832"/>
+          </a:xfrm>
+          <a:prstGeom prst="rect">
+            <a:avLst/>
+          </a:prstGeom>
+          <a:noFill/>
+          <a:ln>
+            <a:noFill/>
+          </a:ln>
+        </p:spPr>
+        <p:txBody>
+          <a:bodyPr wrap="none" rtlCol="0">
+            <a:spAutoFit/>
+          </a:bodyPr>
+          <a:lstStyle/>
+          <a:p>
+            <a:pPr/>
+            <a:r>
+              <a:rPr lang="en-US" sz="900" dirty="0">
+                <a:solidFill>
+                  <a:schemeClr val="bg1">
+                    <a:lumMod val="65000"/>
+                  </a:schemeClr>
+                </a:solidFill>
+                <a:latin typeface="Georgia" panose="02040502050405020303" pitchFamily="18" charset="0"/>
+              </a:rPr>
+              <a:t>Plane</a:t>
+            </a:r>
+            <a:endParaRPr lang="en-US" sz="1400" dirty="0">
+              <a:solidFill>
+                <a:schemeClr val="bg1">
+                  <a:lumMod val="65000"/>
+                </a:schemeClr>
+              </a:solidFill>
+              <a:latin typeface="Georgia" panose="02040502050405020303" pitchFamily="18" charset="0"/>
+            </a:endParaRPr>
+          </a:p>
+        </p:txBody>
+      </p:sp>
+      <p:sp>
+        <p:nvSpPr>
+          <p:cNvPr id="15" name="TextBox 14">
+            <a:extLst>
+              <a:ext uri="{FF2B5EF4-FFF2-40B4-BE49-F238E27FC236}">
+                <a16:creationId xmlns:a16="http://schemas.microsoft.com/office/drawing/2014/main" id="{32A78797-DA72-E0F8-3B75-DF5973F78F18}"/>
+              </a:ext>
+            </a:extLst>
+          </p:cNvPr>
+          <p:cNvSpPr txBox="1"/>
+          <p:nvPr/>
+        </p:nvSpPr>
+        <p:spPr>
+          <a:xfrm>
+            <a:off x="2549860" y="3980189"/>
+            <a:ext cx="777777" cy="230832"/>
+          </a:xfrm>
+          <a:prstGeom prst="rect">
+            <a:avLst/>
+          </a:prstGeom>
+          <a:noFill/>
+          <a:ln>
+            <a:noFill/>
+          </a:ln>
+        </p:spPr>
+        <p:txBody>
+          <a:bodyPr wrap="none" rtlCol="0">
+            <a:spAutoFit/>
+          </a:bodyPr>
+          <a:lstStyle/>
+          <a:p>
+            <a:pPr/>
+            <a:r>
+              <a:rPr lang="en-US" sz="900" dirty="0">
+                <a:solidFill>
+                  <a:schemeClr val="accent1"/>
+                </a:solidFill>
+                <a:latin typeface="Georgia" panose="02040502050405020303" pitchFamily="18" charset="0"/>
+              </a:rPr>
+              <a:t>Flat surface</a:t>
+            </a:r>
+            <a:endParaRPr lang="en-US" sz="1400" dirty="0">
+              <a:solidFill>
+                <a:schemeClr val="accent1"/>
+              </a:solidFill>
+              <a:latin typeface="Georgia" panose="02040502050405020303" pitchFamily="18" charset="0"/>
+            </a:endParaRPr>
+          </a:p>
+        </p:txBody>
+      </p:sp>
+      <p:cxnSp>
+        <p:nvCxnSpPr>
+          <p:cNvPr id="16" name="Straight Arrow Connector 15">
+            <a:extLst>
+              <a:ext uri="{FF2B5EF4-FFF2-40B4-BE49-F238E27FC236}">
+                <a16:creationId xmlns:a16="http://schemas.microsoft.com/office/drawing/2014/main" id="{AC8FD4C5-2D58-A6B3-1349-98F1866015DF}"/>
+              </a:ext>
+            </a:extLst>
+          </p:cNvPr>
+          <p:cNvCxnSpPr>
+            <a:cxnSpLocks/>
+          </p:cNvCxnSpPr>
+          <p:nvPr/>
+        </p:nvCxnSpPr>
+        <p:spPr>
+          <a:xfrm>
+            <a:off x="2318864" y="3920040"/>
+            <a:ext cx="302391" cy="175565"/>
+          </a:xfrm>
+          <a:prstGeom prst="straightConnector1">
+            <a:avLst/>
+          </a:prstGeom>
+          <a:ln w="12700">
+            <a:solidFill>
+              <a:schemeClr val="accent1"/>
+            </a:solidFill>
+            <a:headEnd type="triangle" w="sm" len="med"/>
+            <a:tailEnd type="none"/>
+          </a:ln>
+        </p:spPr>
+        <p:style>
+          <a:lnRef idx="1">
+            <a:schemeClr val="accent1"/>
+          </a:lnRef>
+          <a:fillRef idx="0">
+            <a:schemeClr val="accent1"/>
+          </a:fillRef>
+          <a:effectRef idx="0">
+            <a:schemeClr val="accent1"/>
+          </a:effectRef>
+          <a:fontRef idx="minor">
+            <a:schemeClr val="tx1"/>
+          </a:fontRef>
+        </p:style>
+      </p:cxnSp>
+      <p:sp>
+        <p:nvSpPr>
+          <p:cNvPr id="17" name="TextBox 16">
+            <a:extLst>
+              <a:ext uri="{FF2B5EF4-FFF2-40B4-BE49-F238E27FC236}">
+                <a16:creationId xmlns:a16="http://schemas.microsoft.com/office/drawing/2014/main" id="{49605B70-12A5-0CDD-862F-00EF8AFEC6C7}"/>
+              </a:ext>
+            </a:extLst>
+          </p:cNvPr>
+          <p:cNvSpPr txBox="1"/>
+          <p:nvPr/>
+        </p:nvSpPr>
+        <p:spPr>
+          <a:xfrm>
+            <a:off x="2512697" y="3348243"/>
+            <a:ext cx="554959" cy="507831"/>
+          </a:xfrm>
+          <a:prstGeom prst="rect">
+            <a:avLst/>
+          </a:prstGeom>
+          <a:noFill/>
+        </p:spPr>
+        <p:txBody>
+          <a:bodyPr wrap="none" rtlCol="0">
+            <a:spAutoFit/>
+          </a:bodyPr>
+          <a:lstStyle/>
+          <a:p>
+            <a:pPr algn="ctr"/>
+            <a:r>
+              <a:rPr lang="en-US" sz="900" dirty="0">
+                <a:solidFill>
+                  <a:srgbClr val="FF0000"/>
+                </a:solidFill>
+                <a:latin typeface="Georgia" panose="02040502050405020303" pitchFamily="18" charset="0"/>
+              </a:rPr>
+              <a:t>“The”</a:t>
+            </a:r>
+            <a:br>
+              <a:rPr lang="en-US" sz="900" dirty="0">
+                <a:solidFill>
+                  <a:srgbClr val="FF0000"/>
+                </a:solidFill>
+                <a:latin typeface="Georgia" panose="02040502050405020303" pitchFamily="18" charset="0"/>
+              </a:rPr>
+            </a:br>
+            <a:r>
+              <a:rPr lang="en-US" sz="900" dirty="0">
+                <a:solidFill>
+                  <a:srgbClr val="FF0000"/>
+                </a:solidFill>
+                <a:latin typeface="Georgia" panose="02040502050405020303" pitchFamily="18" charset="0"/>
+              </a:rPr>
+              <a:t>normal</a:t>
+            </a:r>
+            <a:br>
+              <a:rPr lang="en-US" sz="900" dirty="0">
+                <a:solidFill>
+                  <a:srgbClr val="FF0000"/>
+                </a:solidFill>
+                <a:latin typeface="Georgia" panose="02040502050405020303" pitchFamily="18" charset="0"/>
+              </a:rPr>
+            </a:br>
+            <a:r>
+              <a:rPr lang="en-US" sz="900" dirty="0">
+                <a:solidFill>
+                  <a:srgbClr val="FF0000"/>
+                </a:solidFill>
+                <a:latin typeface="Georgia" panose="02040502050405020303" pitchFamily="18" charset="0"/>
+              </a:rPr>
+              <a:t>vector</a:t>
+            </a:r>
+            <a:endParaRPr lang="en-US" sz="1400" dirty="0">
+              <a:solidFill>
+                <a:srgbClr val="FF0000"/>
+              </a:solidFill>
+              <a:latin typeface="Georgia" panose="02040502050405020303" pitchFamily="18" charset="0"/>
+            </a:endParaRPr>
+          </a:p>
+        </p:txBody>
+      </p:sp>
+      <p:sp>
+        <p:nvSpPr>
+          <p:cNvPr id="19" name="Rectangle 18">
+            <a:extLst>
+              <a:ext uri="{FF2B5EF4-FFF2-40B4-BE49-F238E27FC236}">
+                <a16:creationId xmlns:a16="http://schemas.microsoft.com/office/drawing/2014/main" id="{CDC7867D-BEA1-CD0F-0C66-9BC5F6F795F3}"/>
+              </a:ext>
+            </a:extLst>
+          </p:cNvPr>
+          <p:cNvSpPr/>
+          <p:nvPr/>
+        </p:nvSpPr>
+        <p:spPr>
+          <a:xfrm>
+            <a:off x="1119189" y="1814513"/>
+            <a:ext cx="2357436" cy="2900362"/>
+          </a:xfrm>
+          <a:prstGeom prst="rect">
+            <a:avLst/>
+          </a:prstGeom>
+          <a:noFill/>
+          <a:ln>
+            <a:solidFill>
+              <a:schemeClr val="tx1"/>
+            </a:solidFill>
+          </a:ln>
+        </p:spPr>
+        <p:style>
+          <a:lnRef idx="2">
+            <a:schemeClr val="accent1">
+              <a:shade val="15000"/>
+            </a:schemeClr>
+          </a:lnRef>
+          <a:fillRef idx="1">
+            <a:schemeClr val="accent1"/>
+          </a:fillRef>
+          <a:effectRef idx="0">
+            <a:schemeClr val="accent1"/>
+          </a:effectRef>
+          <a:fontRef idx="minor">
+            <a:schemeClr val="lt1"/>
+          </a:fontRef>
+        </p:style>
+        <p:txBody>
+          <a:bodyPr rtlCol="0" anchor="ctr"/>
+          <a:lstStyle/>
+          <a:p>
+            <a:pPr algn="ctr"/>
+            <a:endParaRPr lang="en-US"/>
+          </a:p>
+        </p:txBody>
+      </p:sp>
+    </p:spTree>
+    <p:extLst>
+      <p:ext uri="{BB962C8B-B14F-4D97-AF65-F5344CB8AC3E}">
+        <p14:creationId xmlns:p14="http://schemas.microsoft.com/office/powerpoint/2010/main" val="3558165669"/>
+      </p:ext>
+    </p:extLst>
+  </p:cSld>
+  <p:clrMapOvr>
+    <a:masterClrMapping/>
+  </p:clrMapOvr>
+</p:sld>
+</file>
+
 <file path=ppt/slides/slide2.xml><?xml version="1.0" encoding="utf-8"?>
 <p:sld xmlns:a="http://schemas.openxmlformats.org/drawingml/2006/main" xmlns:r="http://schemas.openxmlformats.org/officeDocument/2006/relationships" xmlns:p="http://schemas.openxmlformats.org/presentationml/2006/main">
   <p:cSld>
@@ -9754,8 +14812,8 @@
           </a:fontRef>
         </p:style>
       </p:cxnSp>
-      <mc:AlternateContent xmlns:mc="http://schemas.openxmlformats.org/markup-compatibility/2006">
-        <mc:Choice xmlns:a14="http://schemas.microsoft.com/office/drawing/2010/main" Requires="a14">
+      <mc:AlternateContent xmlns:mc="http://schemas.openxmlformats.org/markup-compatibility/2006" xmlns:a14="http://schemas.microsoft.com/office/drawing/2010/main">
+        <mc:Choice Requires="a14">
           <p:sp>
             <p:nvSpPr>
               <p:cNvPr id="28" name="TextBox 27">
@@ -9801,13 +14859,7 @@
                         <a:rPr lang="en-US" sz="1200" b="0" i="0" smtClean="0">
                           <a:latin typeface="Cambria Math" panose="02040503050406030204" pitchFamily="18" charset="0"/>
                         </a:rPr>
-                        <m:t>=</m:t>
-                      </m:r>
-                      <m:r>
-                        <a:rPr lang="en-US" sz="1200" b="0" i="0" smtClean="0">
-                          <a:latin typeface="Cambria Math" panose="02040503050406030204" pitchFamily="18" charset="0"/>
-                        </a:rPr>
-                        <m:t>0</m:t>
+                        <m:t>=0</m:t>
                       </m:r>
                     </m:oMath>
                   </m:oMathPara>
@@ -9817,7 +14869,7 @@
             </p:txBody>
           </p:sp>
         </mc:Choice>
-        <mc:Fallback>
+        <mc:Fallback xmlns="">
           <p:sp>
             <p:nvSpPr>
               <p:cNvPr id="28" name="TextBox 27">
@@ -9862,8 +14914,8 @@
           </p:sp>
         </mc:Fallback>
       </mc:AlternateContent>
-      <mc:AlternateContent xmlns:mc="http://schemas.openxmlformats.org/markup-compatibility/2006">
-        <mc:Choice xmlns:a14="http://schemas.microsoft.com/office/drawing/2010/main" Requires="a14">
+      <mc:AlternateContent xmlns:mc="http://schemas.openxmlformats.org/markup-compatibility/2006" xmlns:a14="http://schemas.microsoft.com/office/drawing/2010/main">
+        <mc:Choice Requires="a14">
           <p:sp>
             <p:nvSpPr>
               <p:cNvPr id="29" name="TextBox 28">
@@ -9909,13 +14961,7 @@
                         <a:rPr lang="en-US" sz="1200" b="0" i="0" smtClean="0">
                           <a:latin typeface="Cambria Math" panose="02040503050406030204" pitchFamily="18" charset="0"/>
                         </a:rPr>
-                        <m:t>=</m:t>
-                      </m:r>
-                      <m:r>
-                        <a:rPr lang="en-US" sz="1200" b="0" i="0" smtClean="0">
-                          <a:latin typeface="Cambria Math" panose="02040503050406030204" pitchFamily="18" charset="0"/>
-                        </a:rPr>
-                        <m:t>1</m:t>
+                        <m:t>=1</m:t>
                       </m:r>
                     </m:oMath>
                   </m:oMathPara>
@@ -9925,7 +14971,7 @@
             </p:txBody>
           </p:sp>
         </mc:Choice>
-        <mc:Fallback>
+        <mc:Fallback xmlns="">
           <p:sp>
             <p:nvSpPr>
               <p:cNvPr id="29" name="TextBox 28">
@@ -9970,8 +15016,8 @@
           </p:sp>
         </mc:Fallback>
       </mc:AlternateContent>
-      <mc:AlternateContent xmlns:mc="http://schemas.openxmlformats.org/markup-compatibility/2006">
-        <mc:Choice xmlns:a14="http://schemas.microsoft.com/office/drawing/2010/main" Requires="a14">
+      <mc:AlternateContent xmlns:mc="http://schemas.openxmlformats.org/markup-compatibility/2006" xmlns:a14="http://schemas.microsoft.com/office/drawing/2010/main">
+        <mc:Choice Requires="a14">
           <p:sp>
             <p:nvSpPr>
               <p:cNvPr id="30" name="TextBox 29">
@@ -10017,13 +15063,7 @@
                         <a:rPr lang="en-US" sz="1200" b="0" i="0" smtClean="0">
                           <a:latin typeface="Cambria Math" panose="02040503050406030204" pitchFamily="18" charset="0"/>
                         </a:rPr>
-                        <m:t>=</m:t>
-                      </m:r>
-                      <m:r>
-                        <a:rPr lang="en-US" sz="1200" b="0" i="0" smtClean="0">
-                          <a:latin typeface="Cambria Math" panose="02040503050406030204" pitchFamily="18" charset="0"/>
-                        </a:rPr>
-                        <m:t>0</m:t>
+                        <m:t>=0</m:t>
                       </m:r>
                     </m:oMath>
                   </m:oMathPara>
@@ -10033,7 +15073,7 @@
             </p:txBody>
           </p:sp>
         </mc:Choice>
-        <mc:Fallback>
+        <mc:Fallback xmlns="">
           <p:sp>
             <p:nvSpPr>
               <p:cNvPr id="30" name="TextBox 29">
@@ -10078,8 +15118,8 @@
           </p:sp>
         </mc:Fallback>
       </mc:AlternateContent>
-      <mc:AlternateContent xmlns:mc="http://schemas.openxmlformats.org/markup-compatibility/2006">
-        <mc:Choice xmlns:a14="http://schemas.microsoft.com/office/drawing/2010/main" Requires="a14">
+      <mc:AlternateContent xmlns:mc="http://schemas.openxmlformats.org/markup-compatibility/2006" xmlns:a14="http://schemas.microsoft.com/office/drawing/2010/main">
+        <mc:Choice Requires="a14">
           <p:sp>
             <p:nvSpPr>
               <p:cNvPr id="31" name="TextBox 30">
@@ -10125,13 +15165,7 @@
                         <a:rPr lang="en-US" sz="1200" b="0" i="0" smtClean="0">
                           <a:latin typeface="Cambria Math" panose="02040503050406030204" pitchFamily="18" charset="0"/>
                         </a:rPr>
-                        <m:t>=</m:t>
-                      </m:r>
-                      <m:r>
-                        <a:rPr lang="en-US" sz="1200" b="0" i="0" smtClean="0">
-                          <a:latin typeface="Cambria Math" panose="02040503050406030204" pitchFamily="18" charset="0"/>
-                        </a:rPr>
-                        <m:t>1</m:t>
+                        <m:t>=1</m:t>
                       </m:r>
                     </m:oMath>
                   </m:oMathPara>
@@ -10141,7 +15175,7 @@
             </p:txBody>
           </p:sp>
         </mc:Choice>
-        <mc:Fallback>
+        <mc:Fallback xmlns="">
           <p:sp>
             <p:nvSpPr>
               <p:cNvPr id="31" name="TextBox 30">
@@ -10685,7 +15719,6 @@
           </a:bodyPr>
           <a:lstStyle/>
           <a:p>
-            <a:pPr/>
             <a:r>
               <a:rPr lang="en-US" sz="1200" dirty="0">
                 <a:solidFill>
@@ -10726,7 +15759,6 @@
           </a:bodyPr>
           <a:lstStyle/>
           <a:p>
-            <a:pPr/>
             <a:r>
               <a:rPr lang="en-US" sz="1200" dirty="0">
                 <a:solidFill>
@@ -10767,7 +15799,6 @@
           </a:bodyPr>
           <a:lstStyle/>
           <a:p>
-            <a:pPr/>
             <a:r>
               <a:rPr lang="en-US" sz="1200" dirty="0">
                 <a:solidFill>
@@ -10808,7 +15839,6 @@
           </a:bodyPr>
           <a:lstStyle/>
           <a:p>
-            <a:pPr/>
             <a:r>
               <a:rPr lang="en-US" sz="1200" dirty="0">
                 <a:solidFill>
@@ -11399,8 +16429,8 @@
           </a:fontRef>
         </p:style>
       </p:cxnSp>
-      <mc:AlternateContent xmlns:mc="http://schemas.openxmlformats.org/markup-compatibility/2006">
-        <mc:Choice xmlns:a14="http://schemas.microsoft.com/office/drawing/2010/main" Requires="a14">
+      <mc:AlternateContent xmlns:mc="http://schemas.openxmlformats.org/markup-compatibility/2006" xmlns:a14="http://schemas.microsoft.com/office/drawing/2010/main">
+        <mc:Choice Requires="a14">
           <p:sp>
             <p:nvSpPr>
               <p:cNvPr id="28" name="TextBox 27">
@@ -11446,13 +16476,7 @@
                         <a:rPr lang="en-US" sz="1200" b="0" i="0" smtClean="0">
                           <a:latin typeface="Cambria Math" panose="02040503050406030204" pitchFamily="18" charset="0"/>
                         </a:rPr>
-                        <m:t>=</m:t>
-                      </m:r>
-                      <m:r>
-                        <a:rPr lang="en-US" sz="1200" b="0" i="0" smtClean="0">
-                          <a:latin typeface="Cambria Math" panose="02040503050406030204" pitchFamily="18" charset="0"/>
-                        </a:rPr>
-                        <m:t>0</m:t>
+                        <m:t>=0</m:t>
                       </m:r>
                     </m:oMath>
                   </m:oMathPara>
@@ -11462,7 +16486,7 @@
             </p:txBody>
           </p:sp>
         </mc:Choice>
-        <mc:Fallback>
+        <mc:Fallback xmlns="">
           <p:sp>
             <p:nvSpPr>
               <p:cNvPr id="28" name="TextBox 27">
@@ -11507,8 +16531,8 @@
           </p:sp>
         </mc:Fallback>
       </mc:AlternateContent>
-      <mc:AlternateContent xmlns:mc="http://schemas.openxmlformats.org/markup-compatibility/2006">
-        <mc:Choice xmlns:a14="http://schemas.microsoft.com/office/drawing/2010/main" Requires="a14">
+      <mc:AlternateContent xmlns:mc="http://schemas.openxmlformats.org/markup-compatibility/2006" xmlns:a14="http://schemas.microsoft.com/office/drawing/2010/main">
+        <mc:Choice Requires="a14">
           <p:sp>
             <p:nvSpPr>
               <p:cNvPr id="29" name="TextBox 28">
@@ -11554,13 +16578,7 @@
                         <a:rPr lang="en-US" sz="1200" b="0" i="0" smtClean="0">
                           <a:latin typeface="Cambria Math" panose="02040503050406030204" pitchFamily="18" charset="0"/>
                         </a:rPr>
-                        <m:t>=</m:t>
-                      </m:r>
-                      <m:r>
-                        <a:rPr lang="en-US" sz="1200" b="0" i="0" smtClean="0">
-                          <a:latin typeface="Cambria Math" panose="02040503050406030204" pitchFamily="18" charset="0"/>
-                        </a:rPr>
-                        <m:t>1</m:t>
+                        <m:t>=1</m:t>
                       </m:r>
                     </m:oMath>
                   </m:oMathPara>
@@ -11570,7 +16588,7 @@
             </p:txBody>
           </p:sp>
         </mc:Choice>
-        <mc:Fallback>
+        <mc:Fallback xmlns="">
           <p:sp>
             <p:nvSpPr>
               <p:cNvPr id="29" name="TextBox 28">
@@ -11615,8 +16633,8 @@
           </p:sp>
         </mc:Fallback>
       </mc:AlternateContent>
-      <mc:AlternateContent xmlns:mc="http://schemas.openxmlformats.org/markup-compatibility/2006">
-        <mc:Choice xmlns:a14="http://schemas.microsoft.com/office/drawing/2010/main" Requires="a14">
+      <mc:AlternateContent xmlns:mc="http://schemas.openxmlformats.org/markup-compatibility/2006" xmlns:a14="http://schemas.microsoft.com/office/drawing/2010/main">
+        <mc:Choice Requires="a14">
           <p:sp>
             <p:nvSpPr>
               <p:cNvPr id="30" name="TextBox 29">
@@ -11662,13 +16680,7 @@
                         <a:rPr lang="en-US" sz="1200" b="0" i="0" smtClean="0">
                           <a:latin typeface="Cambria Math" panose="02040503050406030204" pitchFamily="18" charset="0"/>
                         </a:rPr>
-                        <m:t>=</m:t>
-                      </m:r>
-                      <m:r>
-                        <a:rPr lang="en-US" sz="1200" b="0" i="0" smtClean="0">
-                          <a:latin typeface="Cambria Math" panose="02040503050406030204" pitchFamily="18" charset="0"/>
-                        </a:rPr>
-                        <m:t>0</m:t>
+                        <m:t>=0</m:t>
                       </m:r>
                     </m:oMath>
                   </m:oMathPara>
@@ -11678,7 +16690,7 @@
             </p:txBody>
           </p:sp>
         </mc:Choice>
-        <mc:Fallback>
+        <mc:Fallback xmlns="">
           <p:sp>
             <p:nvSpPr>
               <p:cNvPr id="30" name="TextBox 29">
@@ -11723,8 +16735,8 @@
           </p:sp>
         </mc:Fallback>
       </mc:AlternateContent>
-      <mc:AlternateContent xmlns:mc="http://schemas.openxmlformats.org/markup-compatibility/2006">
-        <mc:Choice xmlns:a14="http://schemas.microsoft.com/office/drawing/2010/main" Requires="a14">
+      <mc:AlternateContent xmlns:mc="http://schemas.openxmlformats.org/markup-compatibility/2006" xmlns:a14="http://schemas.microsoft.com/office/drawing/2010/main">
+        <mc:Choice Requires="a14">
           <p:sp>
             <p:nvSpPr>
               <p:cNvPr id="31" name="TextBox 30">
@@ -11770,13 +16782,7 @@
                         <a:rPr lang="en-US" sz="1200" b="0" i="0" smtClean="0">
                           <a:latin typeface="Cambria Math" panose="02040503050406030204" pitchFamily="18" charset="0"/>
                         </a:rPr>
-                        <m:t>=</m:t>
-                      </m:r>
-                      <m:r>
-                        <a:rPr lang="en-US" sz="1200" b="0" i="0" smtClean="0">
-                          <a:latin typeface="Cambria Math" panose="02040503050406030204" pitchFamily="18" charset="0"/>
-                        </a:rPr>
-                        <m:t>1</m:t>
+                        <m:t>=1</m:t>
                       </m:r>
                     </m:oMath>
                   </m:oMathPara>
@@ -11786,7 +16792,7 @@
             </p:txBody>
           </p:sp>
         </mc:Choice>
-        <mc:Fallback>
+        <mc:Fallback xmlns="">
           <p:sp>
             <p:nvSpPr>
               <p:cNvPr id="31" name="TextBox 30">
@@ -12287,7 +17293,6 @@
           </a:bodyPr>
           <a:lstStyle/>
           <a:p>
-            <a:pPr/>
             <a:r>
               <a:rPr lang="en-US" sz="1200" dirty="0">
                 <a:solidFill>
@@ -12328,7 +17333,6 @@
           </a:bodyPr>
           <a:lstStyle/>
           <a:p>
-            <a:pPr/>
             <a:r>
               <a:rPr lang="en-US" sz="1200" dirty="0">
                 <a:solidFill>
@@ -12369,7 +17373,6 @@
           </a:bodyPr>
           <a:lstStyle/>
           <a:p>
-            <a:pPr/>
             <a:r>
               <a:rPr lang="en-US" sz="1200" dirty="0">
                 <a:solidFill>
@@ -12410,7 +17413,6 @@
           </a:bodyPr>
           <a:lstStyle/>
           <a:p>
-            <a:pPr/>
             <a:r>
               <a:rPr lang="en-US" sz="1200" dirty="0">
                 <a:solidFill>

--- a/chapter-05/diagram.pptx
+++ b/chapter-05/diagram.pptx
@@ -14,10 +14,6 @@
     <p:sldId id="262" r:id="rId8"/>
     <p:sldId id="263" r:id="rId9"/>
     <p:sldId id="264" r:id="rId10"/>
-    <p:sldId id="265" r:id="rId11"/>
-    <p:sldId id="266" r:id="rId12"/>
-    <p:sldId id="267" r:id="rId13"/>
-    <p:sldId id="268" r:id="rId14"/>
   </p:sldIdLst>
   <p:sldSz cx="12192000" cy="6858000"/>
   <p:notesSz cx="6858000" cy="9144000"/>
@@ -3934,5060 +3930,6 @@
     <p:extLst>
       <p:ext uri="{BB962C8B-B14F-4D97-AF65-F5344CB8AC3E}">
         <p14:creationId xmlns:p14="http://schemas.microsoft.com/office/powerpoint/2010/main" val="1888163082"/>
-      </p:ext>
-    </p:extLst>
-  </p:cSld>
-  <p:clrMapOvr>
-    <a:masterClrMapping/>
-  </p:clrMapOvr>
-</p:sld>
-</file>
-
-<file path=ppt/slides/slide10.xml><?xml version="1.0" encoding="utf-8"?>
-<p:sld xmlns:a="http://schemas.openxmlformats.org/drawingml/2006/main" xmlns:r="http://schemas.openxmlformats.org/officeDocument/2006/relationships" xmlns:p="http://schemas.openxmlformats.org/presentationml/2006/main">
-  <p:cSld>
-    <p:spTree>
-      <p:nvGrpSpPr>
-        <p:cNvPr id="1" name=""/>
-        <p:cNvGrpSpPr/>
-        <p:nvPr/>
-      </p:nvGrpSpPr>
-      <p:grpSpPr>
-        <a:xfrm>
-          <a:off x="0" y="0"/>
-          <a:ext cx="0" cy="0"/>
-          <a:chOff x="0" y="0"/>
-          <a:chExt cx="0" cy="0"/>
-        </a:xfrm>
-      </p:grpSpPr>
-      <p:cxnSp>
-        <p:nvCxnSpPr>
-          <p:cNvPr id="57" name="Straight Arrow Connector 56">
-            <a:extLst>
-              <a:ext uri="{FF2B5EF4-FFF2-40B4-BE49-F238E27FC236}">
-                <a16:creationId xmlns:a16="http://schemas.microsoft.com/office/drawing/2014/main" id="{C1685909-28C7-286C-C6C2-442D789B1392}"/>
-              </a:ext>
-            </a:extLst>
-          </p:cNvPr>
-          <p:cNvCxnSpPr>
-            <a:cxnSpLocks/>
-          </p:cNvCxnSpPr>
-          <p:nvPr/>
-        </p:nvCxnSpPr>
-        <p:spPr>
-          <a:xfrm>
-            <a:off x="2698330" y="3420000"/>
-            <a:ext cx="180000" cy="0"/>
-          </a:xfrm>
-          <a:prstGeom prst="straightConnector1">
-            <a:avLst/>
-          </a:prstGeom>
-          <a:ln w="12700">
-            <a:solidFill>
-              <a:srgbClr val="002060"/>
-            </a:solidFill>
-            <a:headEnd type="none" w="med" len="lg"/>
-            <a:tailEnd type="none"/>
-          </a:ln>
-        </p:spPr>
-        <p:style>
-          <a:lnRef idx="1">
-            <a:schemeClr val="accent1"/>
-          </a:lnRef>
-          <a:fillRef idx="0">
-            <a:schemeClr val="accent1"/>
-          </a:fillRef>
-          <a:effectRef idx="0">
-            <a:schemeClr val="accent1"/>
-          </a:effectRef>
-          <a:fontRef idx="minor">
-            <a:schemeClr val="tx1"/>
-          </a:fontRef>
-        </p:style>
-      </p:cxnSp>
-      <p:cxnSp>
-        <p:nvCxnSpPr>
-          <p:cNvPr id="58" name="Straight Arrow Connector 57">
-            <a:extLst>
-              <a:ext uri="{FF2B5EF4-FFF2-40B4-BE49-F238E27FC236}">
-                <a16:creationId xmlns:a16="http://schemas.microsoft.com/office/drawing/2014/main" id="{A62CD5BA-10AA-62EF-ABDB-7DD7C0CB5B29}"/>
-              </a:ext>
-            </a:extLst>
-          </p:cNvPr>
-          <p:cNvCxnSpPr>
-            <a:cxnSpLocks/>
-          </p:cNvCxnSpPr>
-          <p:nvPr/>
-        </p:nvCxnSpPr>
-        <p:spPr>
-          <a:xfrm>
-            <a:off x="2698330" y="3240000"/>
-            <a:ext cx="0" cy="180000"/>
-          </a:xfrm>
-          <a:prstGeom prst="straightConnector1">
-            <a:avLst/>
-          </a:prstGeom>
-          <a:ln w="12700">
-            <a:solidFill>
-              <a:srgbClr val="002060"/>
-            </a:solidFill>
-            <a:headEnd type="none" w="med" len="lg"/>
-            <a:tailEnd type="none"/>
-          </a:ln>
-        </p:spPr>
-        <p:style>
-          <a:lnRef idx="1">
-            <a:schemeClr val="accent1"/>
-          </a:lnRef>
-          <a:fillRef idx="0">
-            <a:schemeClr val="accent1"/>
-          </a:fillRef>
-          <a:effectRef idx="0">
-            <a:schemeClr val="accent1"/>
-          </a:effectRef>
-          <a:fontRef idx="minor">
-            <a:schemeClr val="tx1"/>
-          </a:fontRef>
-        </p:style>
-      </p:cxnSp>
-      <p:cxnSp>
-        <p:nvCxnSpPr>
-          <p:cNvPr id="59" name="Straight Arrow Connector 58">
-            <a:extLst>
-              <a:ext uri="{FF2B5EF4-FFF2-40B4-BE49-F238E27FC236}">
-                <a16:creationId xmlns:a16="http://schemas.microsoft.com/office/drawing/2014/main" id="{0457A4FD-005A-A53D-DA00-2A7126DD7349}"/>
-              </a:ext>
-            </a:extLst>
-          </p:cNvPr>
-          <p:cNvCxnSpPr>
-            <a:cxnSpLocks/>
-          </p:cNvCxnSpPr>
-          <p:nvPr/>
-        </p:nvCxnSpPr>
-        <p:spPr>
-          <a:xfrm>
-            <a:off x="3069805" y="3420000"/>
-            <a:ext cx="180000" cy="0"/>
-          </a:xfrm>
-          <a:prstGeom prst="straightConnector1">
-            <a:avLst/>
-          </a:prstGeom>
-          <a:ln w="12700">
-            <a:solidFill>
-              <a:srgbClr val="002060"/>
-            </a:solidFill>
-            <a:headEnd type="none" w="med" len="lg"/>
-            <a:tailEnd type="none"/>
-          </a:ln>
-        </p:spPr>
-        <p:style>
-          <a:lnRef idx="1">
-            <a:schemeClr val="accent1"/>
-          </a:lnRef>
-          <a:fillRef idx="0">
-            <a:schemeClr val="accent1"/>
-          </a:fillRef>
-          <a:effectRef idx="0">
-            <a:schemeClr val="accent1"/>
-          </a:effectRef>
-          <a:fontRef idx="minor">
-            <a:schemeClr val="tx1"/>
-          </a:fontRef>
-        </p:style>
-      </p:cxnSp>
-      <p:cxnSp>
-        <p:nvCxnSpPr>
-          <p:cNvPr id="60" name="Straight Arrow Connector 59">
-            <a:extLst>
-              <a:ext uri="{FF2B5EF4-FFF2-40B4-BE49-F238E27FC236}">
-                <a16:creationId xmlns:a16="http://schemas.microsoft.com/office/drawing/2014/main" id="{E9B68A2A-83C3-7E3F-99C6-6A6994CDEC09}"/>
-              </a:ext>
-            </a:extLst>
-          </p:cNvPr>
-          <p:cNvCxnSpPr>
-            <a:cxnSpLocks/>
-          </p:cNvCxnSpPr>
-          <p:nvPr/>
-        </p:nvCxnSpPr>
-        <p:spPr>
-          <a:xfrm>
-            <a:off x="3069805" y="3240000"/>
-            <a:ext cx="0" cy="180000"/>
-          </a:xfrm>
-          <a:prstGeom prst="straightConnector1">
-            <a:avLst/>
-          </a:prstGeom>
-          <a:ln w="12700">
-            <a:solidFill>
-              <a:srgbClr val="002060"/>
-            </a:solidFill>
-            <a:headEnd type="none" w="med" len="lg"/>
-            <a:tailEnd type="none"/>
-          </a:ln>
-        </p:spPr>
-        <p:style>
-          <a:lnRef idx="1">
-            <a:schemeClr val="accent1"/>
-          </a:lnRef>
-          <a:fillRef idx="0">
-            <a:schemeClr val="accent1"/>
-          </a:fillRef>
-          <a:effectRef idx="0">
-            <a:schemeClr val="accent1"/>
-          </a:effectRef>
-          <a:fontRef idx="minor">
-            <a:schemeClr val="tx1"/>
-          </a:fontRef>
-        </p:style>
-      </p:cxnSp>
-      <p:cxnSp>
-        <p:nvCxnSpPr>
-          <p:cNvPr id="61" name="Straight Arrow Connector 60">
-            <a:extLst>
-              <a:ext uri="{FF2B5EF4-FFF2-40B4-BE49-F238E27FC236}">
-                <a16:creationId xmlns:a16="http://schemas.microsoft.com/office/drawing/2014/main" id="{08E563F7-BCDD-E3F4-C984-30298779655E}"/>
-              </a:ext>
-            </a:extLst>
-          </p:cNvPr>
-          <p:cNvCxnSpPr>
-            <a:cxnSpLocks/>
-          </p:cNvCxnSpPr>
-          <p:nvPr/>
-        </p:nvCxnSpPr>
-        <p:spPr>
-          <a:xfrm>
-            <a:off x="3422230" y="3420000"/>
-            <a:ext cx="180000" cy="0"/>
-          </a:xfrm>
-          <a:prstGeom prst="straightConnector1">
-            <a:avLst/>
-          </a:prstGeom>
-          <a:ln w="12700">
-            <a:solidFill>
-              <a:srgbClr val="002060"/>
-            </a:solidFill>
-            <a:headEnd type="none" w="med" len="lg"/>
-            <a:tailEnd type="none"/>
-          </a:ln>
-        </p:spPr>
-        <p:style>
-          <a:lnRef idx="1">
-            <a:schemeClr val="accent1"/>
-          </a:lnRef>
-          <a:fillRef idx="0">
-            <a:schemeClr val="accent1"/>
-          </a:fillRef>
-          <a:effectRef idx="0">
-            <a:schemeClr val="accent1"/>
-          </a:effectRef>
-          <a:fontRef idx="minor">
-            <a:schemeClr val="tx1"/>
-          </a:fontRef>
-        </p:style>
-      </p:cxnSp>
-      <p:cxnSp>
-        <p:nvCxnSpPr>
-          <p:cNvPr id="62" name="Straight Arrow Connector 61">
-            <a:extLst>
-              <a:ext uri="{FF2B5EF4-FFF2-40B4-BE49-F238E27FC236}">
-                <a16:creationId xmlns:a16="http://schemas.microsoft.com/office/drawing/2014/main" id="{AD43C189-5EEC-97F3-344D-08804B10958F}"/>
-              </a:ext>
-            </a:extLst>
-          </p:cNvPr>
-          <p:cNvCxnSpPr>
-            <a:cxnSpLocks/>
-          </p:cNvCxnSpPr>
-          <p:nvPr/>
-        </p:nvCxnSpPr>
-        <p:spPr>
-          <a:xfrm>
-            <a:off x="3422230" y="3240000"/>
-            <a:ext cx="0" cy="180000"/>
-          </a:xfrm>
-          <a:prstGeom prst="straightConnector1">
-            <a:avLst/>
-          </a:prstGeom>
-          <a:ln w="12700">
-            <a:solidFill>
-              <a:srgbClr val="002060"/>
-            </a:solidFill>
-            <a:headEnd type="none" w="med" len="lg"/>
-            <a:tailEnd type="none"/>
-          </a:ln>
-        </p:spPr>
-        <p:style>
-          <a:lnRef idx="1">
-            <a:schemeClr val="accent1"/>
-          </a:lnRef>
-          <a:fillRef idx="0">
-            <a:schemeClr val="accent1"/>
-          </a:fillRef>
-          <a:effectRef idx="0">
-            <a:schemeClr val="accent1"/>
-          </a:effectRef>
-          <a:fontRef idx="minor">
-            <a:schemeClr val="tx1"/>
-          </a:fontRef>
-        </p:style>
-      </p:cxnSp>
-      <p:cxnSp>
-        <p:nvCxnSpPr>
-          <p:cNvPr id="63" name="Straight Arrow Connector 62">
-            <a:extLst>
-              <a:ext uri="{FF2B5EF4-FFF2-40B4-BE49-F238E27FC236}">
-                <a16:creationId xmlns:a16="http://schemas.microsoft.com/office/drawing/2014/main" id="{D98E49FB-E9EF-7BD6-C0E9-BA836189B050}"/>
-              </a:ext>
-            </a:extLst>
-          </p:cNvPr>
-          <p:cNvCxnSpPr>
-            <a:cxnSpLocks/>
-          </p:cNvCxnSpPr>
-          <p:nvPr/>
-        </p:nvCxnSpPr>
-        <p:spPr>
-          <a:xfrm>
-            <a:off x="3780000" y="3420000"/>
-            <a:ext cx="180000" cy="0"/>
-          </a:xfrm>
-          <a:prstGeom prst="straightConnector1">
-            <a:avLst/>
-          </a:prstGeom>
-          <a:ln w="12700">
-            <a:solidFill>
-              <a:srgbClr val="002060"/>
-            </a:solidFill>
-            <a:headEnd type="none" w="med" len="lg"/>
-            <a:tailEnd type="none"/>
-          </a:ln>
-        </p:spPr>
-        <p:style>
-          <a:lnRef idx="1">
-            <a:schemeClr val="accent1"/>
-          </a:lnRef>
-          <a:fillRef idx="0">
-            <a:schemeClr val="accent1"/>
-          </a:fillRef>
-          <a:effectRef idx="0">
-            <a:schemeClr val="accent1"/>
-          </a:effectRef>
-          <a:fontRef idx="minor">
-            <a:schemeClr val="tx1"/>
-          </a:fontRef>
-        </p:style>
-      </p:cxnSp>
-      <p:cxnSp>
-        <p:nvCxnSpPr>
-          <p:cNvPr id="64" name="Straight Arrow Connector 63">
-            <a:extLst>
-              <a:ext uri="{FF2B5EF4-FFF2-40B4-BE49-F238E27FC236}">
-                <a16:creationId xmlns:a16="http://schemas.microsoft.com/office/drawing/2014/main" id="{2EBD9611-D5B8-0259-A2DC-73186A505797}"/>
-              </a:ext>
-            </a:extLst>
-          </p:cNvPr>
-          <p:cNvCxnSpPr>
-            <a:cxnSpLocks/>
-          </p:cNvCxnSpPr>
-          <p:nvPr/>
-        </p:nvCxnSpPr>
-        <p:spPr>
-          <a:xfrm>
-            <a:off x="3780000" y="3240000"/>
-            <a:ext cx="0" cy="180000"/>
-          </a:xfrm>
-          <a:prstGeom prst="straightConnector1">
-            <a:avLst/>
-          </a:prstGeom>
-          <a:ln w="12700">
-            <a:solidFill>
-              <a:srgbClr val="002060"/>
-            </a:solidFill>
-            <a:headEnd type="none" w="med" len="lg"/>
-            <a:tailEnd type="none"/>
-          </a:ln>
-        </p:spPr>
-        <p:style>
-          <a:lnRef idx="1">
-            <a:schemeClr val="accent1"/>
-          </a:lnRef>
-          <a:fillRef idx="0">
-            <a:schemeClr val="accent1"/>
-          </a:fillRef>
-          <a:effectRef idx="0">
-            <a:schemeClr val="accent1"/>
-          </a:effectRef>
-          <a:fontRef idx="minor">
-            <a:schemeClr val="tx1"/>
-          </a:fontRef>
-        </p:style>
-      </p:cxnSp>
-      <p:cxnSp>
-        <p:nvCxnSpPr>
-          <p:cNvPr id="65" name="Straight Arrow Connector 64">
-            <a:extLst>
-              <a:ext uri="{FF2B5EF4-FFF2-40B4-BE49-F238E27FC236}">
-                <a16:creationId xmlns:a16="http://schemas.microsoft.com/office/drawing/2014/main" id="{A95D45E9-1E6F-3B43-1E55-D28E96766086}"/>
-              </a:ext>
-            </a:extLst>
-          </p:cNvPr>
-          <p:cNvCxnSpPr>
-            <a:cxnSpLocks/>
-          </p:cNvCxnSpPr>
-          <p:nvPr/>
-        </p:nvCxnSpPr>
-        <p:spPr>
-          <a:xfrm>
-            <a:off x="4143749" y="3414175"/>
-            <a:ext cx="180000" cy="0"/>
-          </a:xfrm>
-          <a:prstGeom prst="straightConnector1">
-            <a:avLst/>
-          </a:prstGeom>
-          <a:ln w="12700">
-            <a:solidFill>
-              <a:srgbClr val="002060"/>
-            </a:solidFill>
-            <a:headEnd type="none" w="med" len="lg"/>
-            <a:tailEnd type="none"/>
-          </a:ln>
-        </p:spPr>
-        <p:style>
-          <a:lnRef idx="1">
-            <a:schemeClr val="accent1"/>
-          </a:lnRef>
-          <a:fillRef idx="0">
-            <a:schemeClr val="accent1"/>
-          </a:fillRef>
-          <a:effectRef idx="0">
-            <a:schemeClr val="accent1"/>
-          </a:effectRef>
-          <a:fontRef idx="minor">
-            <a:schemeClr val="tx1"/>
-          </a:fontRef>
-        </p:style>
-      </p:cxnSp>
-      <p:cxnSp>
-        <p:nvCxnSpPr>
-          <p:cNvPr id="66" name="Straight Arrow Connector 65">
-            <a:extLst>
-              <a:ext uri="{FF2B5EF4-FFF2-40B4-BE49-F238E27FC236}">
-                <a16:creationId xmlns:a16="http://schemas.microsoft.com/office/drawing/2014/main" id="{D0601F5E-CE76-C8CB-2931-0613B3E0BE66}"/>
-              </a:ext>
-            </a:extLst>
-          </p:cNvPr>
-          <p:cNvCxnSpPr>
-            <a:cxnSpLocks/>
-          </p:cNvCxnSpPr>
-          <p:nvPr/>
-        </p:nvCxnSpPr>
-        <p:spPr>
-          <a:xfrm>
-            <a:off x="4143749" y="3234175"/>
-            <a:ext cx="0" cy="180000"/>
-          </a:xfrm>
-          <a:prstGeom prst="straightConnector1">
-            <a:avLst/>
-          </a:prstGeom>
-          <a:ln w="12700">
-            <a:solidFill>
-              <a:srgbClr val="002060"/>
-            </a:solidFill>
-            <a:headEnd type="none" w="med" len="lg"/>
-            <a:tailEnd type="none"/>
-          </a:ln>
-        </p:spPr>
-        <p:style>
-          <a:lnRef idx="1">
-            <a:schemeClr val="accent1"/>
-          </a:lnRef>
-          <a:fillRef idx="0">
-            <a:schemeClr val="accent1"/>
-          </a:fillRef>
-          <a:effectRef idx="0">
-            <a:schemeClr val="accent1"/>
-          </a:effectRef>
-          <a:fontRef idx="minor">
-            <a:schemeClr val="tx1"/>
-          </a:fontRef>
-        </p:style>
-      </p:cxnSp>
-      <p:cxnSp>
-        <p:nvCxnSpPr>
-          <p:cNvPr id="51" name="Straight Arrow Connector 50">
-            <a:extLst>
-              <a:ext uri="{FF2B5EF4-FFF2-40B4-BE49-F238E27FC236}">
-                <a16:creationId xmlns:a16="http://schemas.microsoft.com/office/drawing/2014/main" id="{3A655079-E6B7-7960-FA3C-C855D8BD0A38}"/>
-              </a:ext>
-            </a:extLst>
-          </p:cNvPr>
-          <p:cNvCxnSpPr>
-            <a:cxnSpLocks/>
-          </p:cNvCxnSpPr>
-          <p:nvPr/>
-        </p:nvCxnSpPr>
-        <p:spPr>
-          <a:xfrm flipV="1">
-            <a:off x="4320775" y="3229230"/>
-            <a:ext cx="0" cy="1461540"/>
-          </a:xfrm>
-          <a:prstGeom prst="straightConnector1">
-            <a:avLst/>
-          </a:prstGeom>
-          <a:ln w="25400">
-            <a:solidFill>
-              <a:srgbClr val="FF0000"/>
-            </a:solidFill>
-            <a:headEnd type="triangle" w="med" len="lg"/>
-            <a:tailEnd type="none"/>
-          </a:ln>
-        </p:spPr>
-        <p:style>
-          <a:lnRef idx="1">
-            <a:schemeClr val="accent1"/>
-          </a:lnRef>
-          <a:fillRef idx="0">
-            <a:schemeClr val="accent1"/>
-          </a:fillRef>
-          <a:effectRef idx="0">
-            <a:schemeClr val="accent1"/>
-          </a:effectRef>
-          <a:fontRef idx="minor">
-            <a:schemeClr val="tx1"/>
-          </a:fontRef>
-        </p:style>
-      </p:cxnSp>
-      <p:cxnSp>
-        <p:nvCxnSpPr>
-          <p:cNvPr id="50" name="Straight Arrow Connector 49">
-            <a:extLst>
-              <a:ext uri="{FF2B5EF4-FFF2-40B4-BE49-F238E27FC236}">
-                <a16:creationId xmlns:a16="http://schemas.microsoft.com/office/drawing/2014/main" id="{CD110D1B-6395-A9A6-D957-A54D54B8AC0D}"/>
-              </a:ext>
-            </a:extLst>
-          </p:cNvPr>
-          <p:cNvCxnSpPr>
-            <a:cxnSpLocks/>
-          </p:cNvCxnSpPr>
-          <p:nvPr/>
-        </p:nvCxnSpPr>
-        <p:spPr>
-          <a:xfrm flipV="1">
-            <a:off x="3960000" y="3240000"/>
-            <a:ext cx="0" cy="989100"/>
-          </a:xfrm>
-          <a:prstGeom prst="straightConnector1">
-            <a:avLst/>
-          </a:prstGeom>
-          <a:ln w="25400">
-            <a:solidFill>
-              <a:srgbClr val="FF0000"/>
-            </a:solidFill>
-            <a:headEnd type="triangle" w="med" len="lg"/>
-            <a:tailEnd type="none"/>
-          </a:ln>
-        </p:spPr>
-        <p:style>
-          <a:lnRef idx="1">
-            <a:schemeClr val="accent1"/>
-          </a:lnRef>
-          <a:fillRef idx="0">
-            <a:schemeClr val="accent1"/>
-          </a:fillRef>
-          <a:effectRef idx="0">
-            <a:schemeClr val="accent1"/>
-          </a:effectRef>
-          <a:fontRef idx="minor">
-            <a:schemeClr val="tx1"/>
-          </a:fontRef>
-        </p:style>
-      </p:cxnSp>
-      <p:cxnSp>
-        <p:nvCxnSpPr>
-          <p:cNvPr id="49" name="Straight Arrow Connector 48">
-            <a:extLst>
-              <a:ext uri="{FF2B5EF4-FFF2-40B4-BE49-F238E27FC236}">
-                <a16:creationId xmlns:a16="http://schemas.microsoft.com/office/drawing/2014/main" id="{1A16F050-07DC-802B-F054-18B07D0654B0}"/>
-              </a:ext>
-            </a:extLst>
-          </p:cNvPr>
-          <p:cNvCxnSpPr>
-            <a:cxnSpLocks/>
-          </p:cNvCxnSpPr>
-          <p:nvPr/>
-        </p:nvCxnSpPr>
-        <p:spPr>
-          <a:xfrm flipV="1">
-            <a:off x="3603238" y="3240000"/>
-            <a:ext cx="0" cy="468400"/>
-          </a:xfrm>
-          <a:prstGeom prst="straightConnector1">
-            <a:avLst/>
-          </a:prstGeom>
-          <a:ln w="25400">
-            <a:solidFill>
-              <a:srgbClr val="FF0000"/>
-            </a:solidFill>
-            <a:headEnd type="triangle" w="med" len="lg"/>
-            <a:tailEnd type="none"/>
-          </a:ln>
-        </p:spPr>
-        <p:style>
-          <a:lnRef idx="1">
-            <a:schemeClr val="accent1"/>
-          </a:lnRef>
-          <a:fillRef idx="0">
-            <a:schemeClr val="accent1"/>
-          </a:fillRef>
-          <a:effectRef idx="0">
-            <a:schemeClr val="accent1"/>
-          </a:effectRef>
-          <a:fontRef idx="minor">
-            <a:schemeClr val="tx1"/>
-          </a:fontRef>
-        </p:style>
-      </p:cxnSp>
-      <p:cxnSp>
-        <p:nvCxnSpPr>
-          <p:cNvPr id="48" name="Straight Arrow Connector 47">
-            <a:extLst>
-              <a:ext uri="{FF2B5EF4-FFF2-40B4-BE49-F238E27FC236}">
-                <a16:creationId xmlns:a16="http://schemas.microsoft.com/office/drawing/2014/main" id="{D574CB81-9B35-8985-3F7B-7B918FA28C33}"/>
-              </a:ext>
-            </a:extLst>
-          </p:cNvPr>
-          <p:cNvCxnSpPr>
-            <a:cxnSpLocks/>
-          </p:cNvCxnSpPr>
-          <p:nvPr/>
-        </p:nvCxnSpPr>
-        <p:spPr>
-          <a:xfrm flipV="1">
-            <a:off x="3249805" y="3240000"/>
-            <a:ext cx="0" cy="1789200"/>
-          </a:xfrm>
-          <a:prstGeom prst="straightConnector1">
-            <a:avLst/>
-          </a:prstGeom>
-          <a:ln w="25400">
-            <a:solidFill>
-              <a:srgbClr val="FF0000"/>
-            </a:solidFill>
-            <a:headEnd type="triangle" w="med" len="lg"/>
-            <a:tailEnd type="none"/>
-          </a:ln>
-        </p:spPr>
-        <p:style>
-          <a:lnRef idx="1">
-            <a:schemeClr val="accent1"/>
-          </a:lnRef>
-          <a:fillRef idx="0">
-            <a:schemeClr val="accent1"/>
-          </a:fillRef>
-          <a:effectRef idx="0">
-            <a:schemeClr val="accent1"/>
-          </a:effectRef>
-          <a:fontRef idx="minor">
-            <a:schemeClr val="tx1"/>
-          </a:fontRef>
-        </p:style>
-      </p:cxnSp>
-      <p:cxnSp>
-        <p:nvCxnSpPr>
-          <p:cNvPr id="11" name="Straight Arrow Connector 10">
-            <a:extLst>
-              <a:ext uri="{FF2B5EF4-FFF2-40B4-BE49-F238E27FC236}">
-                <a16:creationId xmlns:a16="http://schemas.microsoft.com/office/drawing/2014/main" id="{52E3DD0C-DAFC-4791-C919-2D9A719F4F74}"/>
-              </a:ext>
-            </a:extLst>
-          </p:cNvPr>
-          <p:cNvCxnSpPr>
-            <a:cxnSpLocks/>
-          </p:cNvCxnSpPr>
-          <p:nvPr/>
-        </p:nvCxnSpPr>
-        <p:spPr>
-          <a:xfrm>
-            <a:off x="1080000" y="3960000"/>
-            <a:ext cx="3600000" cy="0"/>
-          </a:xfrm>
-          <a:prstGeom prst="straightConnector1">
-            <a:avLst/>
-          </a:prstGeom>
-          <a:ln w="12700">
-            <a:solidFill>
-              <a:schemeClr val="bg1">
-                <a:lumMod val="75000"/>
-              </a:schemeClr>
-            </a:solidFill>
-            <a:prstDash val="dash"/>
-            <a:headEnd type="none"/>
-            <a:tailEnd type="none"/>
-          </a:ln>
-        </p:spPr>
-        <p:style>
-          <a:lnRef idx="1">
-            <a:schemeClr val="accent1"/>
-          </a:lnRef>
-          <a:fillRef idx="0">
-            <a:schemeClr val="accent1"/>
-          </a:fillRef>
-          <a:effectRef idx="0">
-            <a:schemeClr val="accent1"/>
-          </a:effectRef>
-          <a:fontRef idx="minor">
-            <a:schemeClr val="tx1"/>
-          </a:fontRef>
-        </p:style>
-      </p:cxnSp>
-      <p:cxnSp>
-        <p:nvCxnSpPr>
-          <p:cNvPr id="12" name="Straight Arrow Connector 11">
-            <a:extLst>
-              <a:ext uri="{FF2B5EF4-FFF2-40B4-BE49-F238E27FC236}">
-                <a16:creationId xmlns:a16="http://schemas.microsoft.com/office/drawing/2014/main" id="{E5709EC7-9AD0-2F60-C8F2-BDE8CD9F7540}"/>
-              </a:ext>
-            </a:extLst>
-          </p:cNvPr>
-          <p:cNvCxnSpPr>
-            <a:cxnSpLocks/>
-          </p:cNvCxnSpPr>
-          <p:nvPr/>
-        </p:nvCxnSpPr>
-        <p:spPr>
-          <a:xfrm>
-            <a:off x="1440000" y="3600000"/>
-            <a:ext cx="3600000" cy="0"/>
-          </a:xfrm>
-          <a:prstGeom prst="straightConnector1">
-            <a:avLst/>
-          </a:prstGeom>
-          <a:ln w="12700">
-            <a:solidFill>
-              <a:schemeClr val="bg1">
-                <a:lumMod val="75000"/>
-              </a:schemeClr>
-            </a:solidFill>
-            <a:prstDash val="dash"/>
-            <a:headEnd type="none"/>
-            <a:tailEnd type="none"/>
-          </a:ln>
-        </p:spPr>
-        <p:style>
-          <a:lnRef idx="1">
-            <a:schemeClr val="accent1"/>
-          </a:lnRef>
-          <a:fillRef idx="0">
-            <a:schemeClr val="accent1"/>
-          </a:fillRef>
-          <a:effectRef idx="0">
-            <a:schemeClr val="accent1"/>
-          </a:effectRef>
-          <a:fontRef idx="minor">
-            <a:schemeClr val="tx1"/>
-          </a:fontRef>
-        </p:style>
-      </p:cxnSp>
-      <p:cxnSp>
-        <p:nvCxnSpPr>
-          <p:cNvPr id="13" name="Straight Arrow Connector 12">
-            <a:extLst>
-              <a:ext uri="{FF2B5EF4-FFF2-40B4-BE49-F238E27FC236}">
-                <a16:creationId xmlns:a16="http://schemas.microsoft.com/office/drawing/2014/main" id="{43DB675C-8CCD-6E89-9E02-968A102EACC2}"/>
-              </a:ext>
-            </a:extLst>
-          </p:cNvPr>
-          <p:cNvCxnSpPr>
-            <a:cxnSpLocks/>
-          </p:cNvCxnSpPr>
-          <p:nvPr/>
-        </p:nvCxnSpPr>
-        <p:spPr>
-          <a:xfrm>
-            <a:off x="1800000" y="3240000"/>
-            <a:ext cx="3600000" cy="0"/>
-          </a:xfrm>
-          <a:prstGeom prst="straightConnector1">
-            <a:avLst/>
-          </a:prstGeom>
-          <a:ln w="12700">
-            <a:solidFill>
-              <a:schemeClr val="bg1">
-                <a:lumMod val="75000"/>
-              </a:schemeClr>
-            </a:solidFill>
-            <a:prstDash val="dash"/>
-            <a:headEnd type="none"/>
-            <a:tailEnd type="none"/>
-          </a:ln>
-        </p:spPr>
-        <p:style>
-          <a:lnRef idx="1">
-            <a:schemeClr val="accent1"/>
-          </a:lnRef>
-          <a:fillRef idx="0">
-            <a:schemeClr val="accent1"/>
-          </a:fillRef>
-          <a:effectRef idx="0">
-            <a:schemeClr val="accent1"/>
-          </a:effectRef>
-          <a:fontRef idx="minor">
-            <a:schemeClr val="tx1"/>
-          </a:fontRef>
-        </p:style>
-      </p:cxnSp>
-      <p:cxnSp>
-        <p:nvCxnSpPr>
-          <p:cNvPr id="14" name="Straight Arrow Connector 13">
-            <a:extLst>
-              <a:ext uri="{FF2B5EF4-FFF2-40B4-BE49-F238E27FC236}">
-                <a16:creationId xmlns:a16="http://schemas.microsoft.com/office/drawing/2014/main" id="{700E80A0-ED53-13BE-851C-3C1698235062}"/>
-              </a:ext>
-            </a:extLst>
-          </p:cNvPr>
-          <p:cNvCxnSpPr>
-            <a:cxnSpLocks/>
-          </p:cNvCxnSpPr>
-          <p:nvPr/>
-        </p:nvCxnSpPr>
-        <p:spPr>
-          <a:xfrm>
-            <a:off x="2160000" y="2880000"/>
-            <a:ext cx="3600000" cy="0"/>
-          </a:xfrm>
-          <a:prstGeom prst="straightConnector1">
-            <a:avLst/>
-          </a:prstGeom>
-          <a:ln w="12700">
-            <a:solidFill>
-              <a:schemeClr val="bg1">
-                <a:lumMod val="75000"/>
-              </a:schemeClr>
-            </a:solidFill>
-            <a:prstDash val="dash"/>
-            <a:headEnd type="none"/>
-            <a:tailEnd type="none"/>
-          </a:ln>
-        </p:spPr>
-        <p:style>
-          <a:lnRef idx="1">
-            <a:schemeClr val="accent1"/>
-          </a:lnRef>
-          <a:fillRef idx="0">
-            <a:schemeClr val="accent1"/>
-          </a:fillRef>
-          <a:effectRef idx="0">
-            <a:schemeClr val="accent1"/>
-          </a:effectRef>
-          <a:fontRef idx="minor">
-            <a:schemeClr val="tx1"/>
-          </a:fontRef>
-        </p:style>
-      </p:cxnSp>
-      <p:cxnSp>
-        <p:nvCxnSpPr>
-          <p:cNvPr id="15" name="Straight Arrow Connector 14">
-            <a:extLst>
-              <a:ext uri="{FF2B5EF4-FFF2-40B4-BE49-F238E27FC236}">
-                <a16:creationId xmlns:a16="http://schemas.microsoft.com/office/drawing/2014/main" id="{CE9C1DF7-5050-C1B2-66E1-3A96F0D21096}"/>
-              </a:ext>
-            </a:extLst>
-          </p:cNvPr>
-          <p:cNvCxnSpPr>
-            <a:cxnSpLocks/>
-          </p:cNvCxnSpPr>
-          <p:nvPr/>
-        </p:nvCxnSpPr>
-        <p:spPr>
-          <a:xfrm>
-            <a:off x="2520000" y="2520000"/>
-            <a:ext cx="3600000" cy="0"/>
-          </a:xfrm>
-          <a:prstGeom prst="straightConnector1">
-            <a:avLst/>
-          </a:prstGeom>
-          <a:ln w="12700">
-            <a:solidFill>
-              <a:schemeClr val="bg1">
-                <a:lumMod val="75000"/>
-              </a:schemeClr>
-            </a:solidFill>
-            <a:prstDash val="dash"/>
-            <a:headEnd type="none"/>
-            <a:tailEnd type="none"/>
-          </a:ln>
-        </p:spPr>
-        <p:style>
-          <a:lnRef idx="1">
-            <a:schemeClr val="accent1"/>
-          </a:lnRef>
-          <a:fillRef idx="0">
-            <a:schemeClr val="accent1"/>
-          </a:fillRef>
-          <a:effectRef idx="0">
-            <a:schemeClr val="accent1"/>
-          </a:effectRef>
-          <a:fontRef idx="minor">
-            <a:schemeClr val="tx1"/>
-          </a:fontRef>
-        </p:style>
-      </p:cxnSp>
-      <p:cxnSp>
-        <p:nvCxnSpPr>
-          <p:cNvPr id="4" name="Straight Arrow Connector 3">
-            <a:extLst>
-              <a:ext uri="{FF2B5EF4-FFF2-40B4-BE49-F238E27FC236}">
-                <a16:creationId xmlns:a16="http://schemas.microsoft.com/office/drawing/2014/main" id="{926895DD-9092-CC13-B7CD-F2D6AEC17B3D}"/>
-              </a:ext>
-            </a:extLst>
-          </p:cNvPr>
-          <p:cNvCxnSpPr>
-            <a:cxnSpLocks/>
-          </p:cNvCxnSpPr>
-          <p:nvPr/>
-        </p:nvCxnSpPr>
-        <p:spPr>
-          <a:xfrm flipV="1">
-            <a:off x="1440000" y="2160000"/>
-            <a:ext cx="2160000" cy="2160000"/>
-          </a:xfrm>
-          <a:prstGeom prst="straightConnector1">
-            <a:avLst/>
-          </a:prstGeom>
-          <a:ln w="12700">
-            <a:solidFill>
-              <a:schemeClr val="bg1">
-                <a:lumMod val="75000"/>
-              </a:schemeClr>
-            </a:solidFill>
-            <a:prstDash val="dash"/>
-            <a:headEnd type="none"/>
-            <a:tailEnd type="none"/>
-          </a:ln>
-        </p:spPr>
-        <p:style>
-          <a:lnRef idx="1">
-            <a:schemeClr val="accent1"/>
-          </a:lnRef>
-          <a:fillRef idx="0">
-            <a:schemeClr val="accent1"/>
-          </a:fillRef>
-          <a:effectRef idx="0">
-            <a:schemeClr val="accent1"/>
-          </a:effectRef>
-          <a:fontRef idx="minor">
-            <a:schemeClr val="tx1"/>
-          </a:fontRef>
-        </p:style>
-      </p:cxnSp>
-      <p:cxnSp>
-        <p:nvCxnSpPr>
-          <p:cNvPr id="5" name="Straight Arrow Connector 4">
-            <a:extLst>
-              <a:ext uri="{FF2B5EF4-FFF2-40B4-BE49-F238E27FC236}">
-                <a16:creationId xmlns:a16="http://schemas.microsoft.com/office/drawing/2014/main" id="{1C0F6D57-6B9F-1180-54E7-7220E63EAD63}"/>
-              </a:ext>
-            </a:extLst>
-          </p:cNvPr>
-          <p:cNvCxnSpPr>
-            <a:cxnSpLocks/>
-          </p:cNvCxnSpPr>
-          <p:nvPr/>
-        </p:nvCxnSpPr>
-        <p:spPr>
-          <a:xfrm flipV="1">
-            <a:off x="1800000" y="2160000"/>
-            <a:ext cx="2160000" cy="2160000"/>
-          </a:xfrm>
-          <a:prstGeom prst="straightConnector1">
-            <a:avLst/>
-          </a:prstGeom>
-          <a:ln w="12700">
-            <a:solidFill>
-              <a:schemeClr val="bg1">
-                <a:lumMod val="75000"/>
-              </a:schemeClr>
-            </a:solidFill>
-            <a:prstDash val="dash"/>
-            <a:headEnd type="none"/>
-            <a:tailEnd type="none"/>
-          </a:ln>
-        </p:spPr>
-        <p:style>
-          <a:lnRef idx="1">
-            <a:schemeClr val="accent1"/>
-          </a:lnRef>
-          <a:fillRef idx="0">
-            <a:schemeClr val="accent1"/>
-          </a:fillRef>
-          <a:effectRef idx="0">
-            <a:schemeClr val="accent1"/>
-          </a:effectRef>
-          <a:fontRef idx="minor">
-            <a:schemeClr val="tx1"/>
-          </a:fontRef>
-        </p:style>
-      </p:cxnSp>
-      <p:cxnSp>
-        <p:nvCxnSpPr>
-          <p:cNvPr id="6" name="Straight Arrow Connector 5">
-            <a:extLst>
-              <a:ext uri="{FF2B5EF4-FFF2-40B4-BE49-F238E27FC236}">
-                <a16:creationId xmlns:a16="http://schemas.microsoft.com/office/drawing/2014/main" id="{E33E4F9B-CC89-B3D4-1283-62CB283D08FE}"/>
-              </a:ext>
-            </a:extLst>
-          </p:cNvPr>
-          <p:cNvCxnSpPr>
-            <a:cxnSpLocks/>
-          </p:cNvCxnSpPr>
-          <p:nvPr/>
-        </p:nvCxnSpPr>
-        <p:spPr>
-          <a:xfrm flipV="1">
-            <a:off x="2160000" y="2160000"/>
-            <a:ext cx="2160000" cy="2160000"/>
-          </a:xfrm>
-          <a:prstGeom prst="straightConnector1">
-            <a:avLst/>
-          </a:prstGeom>
-          <a:ln w="12700">
-            <a:solidFill>
-              <a:schemeClr val="bg1">
-                <a:lumMod val="75000"/>
-              </a:schemeClr>
-            </a:solidFill>
-            <a:prstDash val="dash"/>
-            <a:headEnd type="none"/>
-            <a:tailEnd type="none"/>
-          </a:ln>
-        </p:spPr>
-        <p:style>
-          <a:lnRef idx="1">
-            <a:schemeClr val="accent1"/>
-          </a:lnRef>
-          <a:fillRef idx="0">
-            <a:schemeClr val="accent1"/>
-          </a:fillRef>
-          <a:effectRef idx="0">
-            <a:schemeClr val="accent1"/>
-          </a:effectRef>
-          <a:fontRef idx="minor">
-            <a:schemeClr val="tx1"/>
-          </a:fontRef>
-        </p:style>
-      </p:cxnSp>
-      <p:cxnSp>
-        <p:nvCxnSpPr>
-          <p:cNvPr id="7" name="Straight Arrow Connector 6">
-            <a:extLst>
-              <a:ext uri="{FF2B5EF4-FFF2-40B4-BE49-F238E27FC236}">
-                <a16:creationId xmlns:a16="http://schemas.microsoft.com/office/drawing/2014/main" id="{B4CC85A5-234F-D749-118D-3E77AADC4B67}"/>
-              </a:ext>
-            </a:extLst>
-          </p:cNvPr>
-          <p:cNvCxnSpPr>
-            <a:cxnSpLocks/>
-          </p:cNvCxnSpPr>
-          <p:nvPr/>
-        </p:nvCxnSpPr>
-        <p:spPr>
-          <a:xfrm flipV="1">
-            <a:off x="2520000" y="2160000"/>
-            <a:ext cx="2160000" cy="2160000"/>
-          </a:xfrm>
-          <a:prstGeom prst="straightConnector1">
-            <a:avLst/>
-          </a:prstGeom>
-          <a:ln w="12700">
-            <a:solidFill>
-              <a:schemeClr val="bg1">
-                <a:lumMod val="75000"/>
-              </a:schemeClr>
-            </a:solidFill>
-            <a:prstDash val="dash"/>
-            <a:headEnd type="none"/>
-            <a:tailEnd type="none"/>
-          </a:ln>
-        </p:spPr>
-        <p:style>
-          <a:lnRef idx="1">
-            <a:schemeClr val="accent1"/>
-          </a:lnRef>
-          <a:fillRef idx="0">
-            <a:schemeClr val="accent1"/>
-          </a:fillRef>
-          <a:effectRef idx="0">
-            <a:schemeClr val="accent1"/>
-          </a:effectRef>
-          <a:fontRef idx="minor">
-            <a:schemeClr val="tx1"/>
-          </a:fontRef>
-        </p:style>
-      </p:cxnSp>
-      <p:cxnSp>
-        <p:nvCxnSpPr>
-          <p:cNvPr id="8" name="Straight Arrow Connector 7">
-            <a:extLst>
-              <a:ext uri="{FF2B5EF4-FFF2-40B4-BE49-F238E27FC236}">
-                <a16:creationId xmlns:a16="http://schemas.microsoft.com/office/drawing/2014/main" id="{2692D4BE-9BB5-5A1D-5F30-38AB5FC326B7}"/>
-              </a:ext>
-            </a:extLst>
-          </p:cNvPr>
-          <p:cNvCxnSpPr>
-            <a:cxnSpLocks/>
-          </p:cNvCxnSpPr>
-          <p:nvPr/>
-        </p:nvCxnSpPr>
-        <p:spPr>
-          <a:xfrm flipV="1">
-            <a:off x="2880000" y="2160000"/>
-            <a:ext cx="2160000" cy="2160000"/>
-          </a:xfrm>
-          <a:prstGeom prst="straightConnector1">
-            <a:avLst/>
-          </a:prstGeom>
-          <a:ln w="12700">
-            <a:solidFill>
-              <a:schemeClr val="bg1">
-                <a:lumMod val="75000"/>
-              </a:schemeClr>
-            </a:solidFill>
-            <a:prstDash val="dash"/>
-            <a:headEnd type="none"/>
-            <a:tailEnd type="none"/>
-          </a:ln>
-        </p:spPr>
-        <p:style>
-          <a:lnRef idx="1">
-            <a:schemeClr val="accent1"/>
-          </a:lnRef>
-          <a:fillRef idx="0">
-            <a:schemeClr val="accent1"/>
-          </a:fillRef>
-          <a:effectRef idx="0">
-            <a:schemeClr val="accent1"/>
-          </a:effectRef>
-          <a:fontRef idx="minor">
-            <a:schemeClr val="tx1"/>
-          </a:fontRef>
-        </p:style>
-      </p:cxnSp>
-      <p:cxnSp>
-        <p:nvCxnSpPr>
-          <p:cNvPr id="9" name="Straight Arrow Connector 8">
-            <a:extLst>
-              <a:ext uri="{FF2B5EF4-FFF2-40B4-BE49-F238E27FC236}">
-                <a16:creationId xmlns:a16="http://schemas.microsoft.com/office/drawing/2014/main" id="{165A7444-AFB2-F04A-4C2C-B7D2A74B731E}"/>
-              </a:ext>
-            </a:extLst>
-          </p:cNvPr>
-          <p:cNvCxnSpPr>
-            <a:cxnSpLocks/>
-          </p:cNvCxnSpPr>
-          <p:nvPr/>
-        </p:nvCxnSpPr>
-        <p:spPr>
-          <a:xfrm flipV="1">
-            <a:off x="3240000" y="2160000"/>
-            <a:ext cx="2160000" cy="2160000"/>
-          </a:xfrm>
-          <a:prstGeom prst="straightConnector1">
-            <a:avLst/>
-          </a:prstGeom>
-          <a:ln w="12700">
-            <a:solidFill>
-              <a:schemeClr val="bg1">
-                <a:lumMod val="75000"/>
-              </a:schemeClr>
-            </a:solidFill>
-            <a:prstDash val="dash"/>
-            <a:headEnd type="none"/>
-            <a:tailEnd type="none"/>
-          </a:ln>
-        </p:spPr>
-        <p:style>
-          <a:lnRef idx="1">
-            <a:schemeClr val="accent1"/>
-          </a:lnRef>
-          <a:fillRef idx="0">
-            <a:schemeClr val="accent1"/>
-          </a:fillRef>
-          <a:effectRef idx="0">
-            <a:schemeClr val="accent1"/>
-          </a:effectRef>
-          <a:fontRef idx="minor">
-            <a:schemeClr val="tx1"/>
-          </a:fontRef>
-        </p:style>
-      </p:cxnSp>
-      <p:cxnSp>
-        <p:nvCxnSpPr>
-          <p:cNvPr id="10" name="Straight Arrow Connector 9">
-            <a:extLst>
-              <a:ext uri="{FF2B5EF4-FFF2-40B4-BE49-F238E27FC236}">
-                <a16:creationId xmlns:a16="http://schemas.microsoft.com/office/drawing/2014/main" id="{37B05D9D-92D1-A321-7938-6FE9C2ECBF9F}"/>
-              </a:ext>
-            </a:extLst>
-          </p:cNvPr>
-          <p:cNvCxnSpPr>
-            <a:cxnSpLocks/>
-          </p:cNvCxnSpPr>
-          <p:nvPr/>
-        </p:nvCxnSpPr>
-        <p:spPr>
-          <a:xfrm flipV="1">
-            <a:off x="3600000" y="2160000"/>
-            <a:ext cx="2160000" cy="2160000"/>
-          </a:xfrm>
-          <a:prstGeom prst="straightConnector1">
-            <a:avLst/>
-          </a:prstGeom>
-          <a:ln w="12700">
-            <a:solidFill>
-              <a:schemeClr val="bg1">
-                <a:lumMod val="75000"/>
-              </a:schemeClr>
-            </a:solidFill>
-            <a:prstDash val="dash"/>
-            <a:headEnd type="none"/>
-            <a:tailEnd type="none"/>
-          </a:ln>
-        </p:spPr>
-        <p:style>
-          <a:lnRef idx="1">
-            <a:schemeClr val="accent1"/>
-          </a:lnRef>
-          <a:fillRef idx="0">
-            <a:schemeClr val="accent1"/>
-          </a:fillRef>
-          <a:effectRef idx="0">
-            <a:schemeClr val="accent1"/>
-          </a:effectRef>
-          <a:fontRef idx="minor">
-            <a:schemeClr val="tx1"/>
-          </a:fontRef>
-        </p:style>
-      </p:cxnSp>
-      <p:cxnSp>
-        <p:nvCxnSpPr>
-          <p:cNvPr id="34" name="Straight Arrow Connector 33">
-            <a:extLst>
-              <a:ext uri="{FF2B5EF4-FFF2-40B4-BE49-F238E27FC236}">
-                <a16:creationId xmlns:a16="http://schemas.microsoft.com/office/drawing/2014/main" id="{E91D25A9-1DF5-B508-1FDD-6BDCE0044F7D}"/>
-              </a:ext>
-            </a:extLst>
-          </p:cNvPr>
-          <p:cNvCxnSpPr>
-            <a:cxnSpLocks/>
-          </p:cNvCxnSpPr>
-          <p:nvPr/>
-        </p:nvCxnSpPr>
-        <p:spPr>
-          <a:xfrm flipV="1">
-            <a:off x="2880000" y="3240000"/>
-            <a:ext cx="0" cy="589050"/>
-          </a:xfrm>
-          <a:prstGeom prst="straightConnector1">
-            <a:avLst/>
-          </a:prstGeom>
-          <a:ln w="25400">
-            <a:solidFill>
-              <a:srgbClr val="FF0000"/>
-            </a:solidFill>
-            <a:headEnd type="triangle" w="med" len="lg"/>
-            <a:tailEnd type="none"/>
-          </a:ln>
-        </p:spPr>
-        <p:style>
-          <a:lnRef idx="1">
-            <a:schemeClr val="accent1"/>
-          </a:lnRef>
-          <a:fillRef idx="0">
-            <a:schemeClr val="accent1"/>
-          </a:fillRef>
-          <a:effectRef idx="0">
-            <a:schemeClr val="accent1"/>
-          </a:effectRef>
-          <a:fontRef idx="minor">
-            <a:schemeClr val="tx1"/>
-          </a:fontRef>
-        </p:style>
-      </p:cxnSp>
-      <p:sp>
-        <p:nvSpPr>
-          <p:cNvPr id="2" name="Parallelogram 1">
-            <a:extLst>
-              <a:ext uri="{FF2B5EF4-FFF2-40B4-BE49-F238E27FC236}">
-                <a16:creationId xmlns:a16="http://schemas.microsoft.com/office/drawing/2014/main" id="{63947384-0B3E-8787-C4B2-179644A9DAD2}"/>
-              </a:ext>
-            </a:extLst>
-          </p:cNvPr>
-          <p:cNvSpPr/>
-          <p:nvPr/>
-        </p:nvSpPr>
-        <p:spPr>
-          <a:xfrm>
-            <a:off x="1789050" y="2520001"/>
-            <a:ext cx="3600000" cy="1439999"/>
-          </a:xfrm>
-          <a:prstGeom prst="parallelogram">
-            <a:avLst>
-              <a:gd name="adj" fmla="val 100036"/>
-            </a:avLst>
-          </a:prstGeom>
-          <a:solidFill>
-            <a:schemeClr val="accent1">
-              <a:lumMod val="20000"/>
-              <a:lumOff val="80000"/>
-              <a:alpha val="75000"/>
-            </a:schemeClr>
-          </a:solidFill>
-          <a:ln w="12700">
-            <a:solidFill>
-              <a:schemeClr val="accent1"/>
-            </a:solidFill>
-          </a:ln>
-        </p:spPr>
-        <p:style>
-          <a:lnRef idx="2">
-            <a:schemeClr val="accent1">
-              <a:shade val="50000"/>
-            </a:schemeClr>
-          </a:lnRef>
-          <a:fillRef idx="1">
-            <a:schemeClr val="accent1"/>
-          </a:fillRef>
-          <a:effectRef idx="0">
-            <a:schemeClr val="accent1"/>
-          </a:effectRef>
-          <a:fontRef idx="minor">
-            <a:schemeClr val="lt1"/>
-          </a:fontRef>
-        </p:style>
-        <p:txBody>
-          <a:bodyPr rtlCol="0" anchor="ctr"/>
-          <a:lstStyle/>
-          <a:p>
-            <a:pPr algn="ctr"/>
-            <a:endParaRPr lang="en-US"/>
-          </a:p>
-        </p:txBody>
-      </p:sp>
-      <p:cxnSp>
-        <p:nvCxnSpPr>
-          <p:cNvPr id="3" name="Straight Arrow Connector 2">
-            <a:extLst>
-              <a:ext uri="{FF2B5EF4-FFF2-40B4-BE49-F238E27FC236}">
-                <a16:creationId xmlns:a16="http://schemas.microsoft.com/office/drawing/2014/main" id="{DE715AA5-FDD8-C328-A324-819B0DAEE0CA}"/>
-              </a:ext>
-            </a:extLst>
-          </p:cNvPr>
-          <p:cNvCxnSpPr>
-            <a:cxnSpLocks/>
-          </p:cNvCxnSpPr>
-          <p:nvPr/>
-        </p:nvCxnSpPr>
-        <p:spPr>
-          <a:xfrm flipV="1">
-            <a:off x="1080000" y="2160000"/>
-            <a:ext cx="2160000" cy="2160000"/>
-          </a:xfrm>
-          <a:prstGeom prst="straightConnector1">
-            <a:avLst/>
-          </a:prstGeom>
-          <a:ln w="12700">
-            <a:solidFill>
-              <a:schemeClr val="bg1">
-                <a:lumMod val="75000"/>
-              </a:schemeClr>
-            </a:solidFill>
-            <a:prstDash val="dash"/>
-            <a:headEnd type="none"/>
-            <a:tailEnd type="none"/>
-          </a:ln>
-        </p:spPr>
-        <p:style>
-          <a:lnRef idx="1">
-            <a:schemeClr val="accent1"/>
-          </a:lnRef>
-          <a:fillRef idx="0">
-            <a:schemeClr val="accent1"/>
-          </a:fillRef>
-          <a:effectRef idx="0">
-            <a:schemeClr val="accent1"/>
-          </a:effectRef>
-          <a:fontRef idx="minor">
-            <a:schemeClr val="tx1"/>
-          </a:fontRef>
-        </p:style>
-      </p:cxnSp>
-      <p:cxnSp>
-        <p:nvCxnSpPr>
-          <p:cNvPr id="18" name="Straight Arrow Connector 17">
-            <a:extLst>
-              <a:ext uri="{FF2B5EF4-FFF2-40B4-BE49-F238E27FC236}">
-                <a16:creationId xmlns:a16="http://schemas.microsoft.com/office/drawing/2014/main" id="{E722862D-1A4B-2D24-2E57-00E38B0C479A}"/>
-              </a:ext>
-            </a:extLst>
-          </p:cNvPr>
-          <p:cNvCxnSpPr>
-            <a:cxnSpLocks/>
-          </p:cNvCxnSpPr>
-          <p:nvPr/>
-        </p:nvCxnSpPr>
-        <p:spPr>
-          <a:xfrm flipV="1">
-            <a:off x="3960000" y="2160000"/>
-            <a:ext cx="2160000" cy="2160000"/>
-          </a:xfrm>
-          <a:prstGeom prst="straightConnector1">
-            <a:avLst/>
-          </a:prstGeom>
-          <a:ln w="12700">
-            <a:solidFill>
-              <a:schemeClr val="bg1">
-                <a:lumMod val="75000"/>
-              </a:schemeClr>
-            </a:solidFill>
-            <a:prstDash val="dash"/>
-            <a:headEnd type="none"/>
-            <a:tailEnd type="none"/>
-          </a:ln>
-        </p:spPr>
-        <p:style>
-          <a:lnRef idx="1">
-            <a:schemeClr val="accent1"/>
-          </a:lnRef>
-          <a:fillRef idx="0">
-            <a:schemeClr val="accent1"/>
-          </a:fillRef>
-          <a:effectRef idx="0">
-            <a:schemeClr val="accent1"/>
-          </a:effectRef>
-          <a:fontRef idx="minor">
-            <a:schemeClr val="tx1"/>
-          </a:fontRef>
-        </p:style>
-      </p:cxnSp>
-      <p:cxnSp>
-        <p:nvCxnSpPr>
-          <p:cNvPr id="38" name="Straight Arrow Connector 37">
-            <a:extLst>
-              <a:ext uri="{FF2B5EF4-FFF2-40B4-BE49-F238E27FC236}">
-                <a16:creationId xmlns:a16="http://schemas.microsoft.com/office/drawing/2014/main" id="{ADCAE138-74BA-7881-3E35-0BDA1CE025E7}"/>
-              </a:ext>
-            </a:extLst>
-          </p:cNvPr>
-          <p:cNvCxnSpPr>
-            <a:cxnSpLocks/>
-          </p:cNvCxnSpPr>
-          <p:nvPr/>
-        </p:nvCxnSpPr>
-        <p:spPr>
-          <a:xfrm>
-            <a:off x="3069805" y="2700000"/>
-            <a:ext cx="180000" cy="0"/>
-          </a:xfrm>
-          <a:prstGeom prst="straightConnector1">
-            <a:avLst/>
-          </a:prstGeom>
-          <a:ln w="12700">
-            <a:solidFill>
-              <a:srgbClr val="002060"/>
-            </a:solidFill>
-            <a:headEnd type="none" w="med" len="lg"/>
-            <a:tailEnd type="none"/>
-          </a:ln>
-        </p:spPr>
-        <p:style>
-          <a:lnRef idx="1">
-            <a:schemeClr val="accent1"/>
-          </a:lnRef>
-          <a:fillRef idx="0">
-            <a:schemeClr val="accent1"/>
-          </a:fillRef>
-          <a:effectRef idx="0">
-            <a:schemeClr val="accent1"/>
-          </a:effectRef>
-          <a:fontRef idx="minor">
-            <a:schemeClr val="tx1"/>
-          </a:fontRef>
-        </p:style>
-      </p:cxnSp>
-      <p:cxnSp>
-        <p:nvCxnSpPr>
-          <p:cNvPr id="39" name="Straight Arrow Connector 38">
-            <a:extLst>
-              <a:ext uri="{FF2B5EF4-FFF2-40B4-BE49-F238E27FC236}">
-                <a16:creationId xmlns:a16="http://schemas.microsoft.com/office/drawing/2014/main" id="{69DAD36B-D477-805E-9522-7DDFAE97A327}"/>
-              </a:ext>
-            </a:extLst>
-          </p:cNvPr>
-          <p:cNvCxnSpPr>
-            <a:cxnSpLocks/>
-          </p:cNvCxnSpPr>
-          <p:nvPr/>
-        </p:nvCxnSpPr>
-        <p:spPr>
-          <a:xfrm>
-            <a:off x="3069805" y="2700000"/>
-            <a:ext cx="0" cy="180000"/>
-          </a:xfrm>
-          <a:prstGeom prst="straightConnector1">
-            <a:avLst/>
-          </a:prstGeom>
-          <a:ln w="12700">
-            <a:solidFill>
-              <a:srgbClr val="002060"/>
-            </a:solidFill>
-            <a:headEnd type="none" w="med" len="lg"/>
-            <a:tailEnd type="none"/>
-          </a:ln>
-        </p:spPr>
-        <p:style>
-          <a:lnRef idx="1">
-            <a:schemeClr val="accent1"/>
-          </a:lnRef>
-          <a:fillRef idx="0">
-            <a:schemeClr val="accent1"/>
-          </a:fillRef>
-          <a:effectRef idx="0">
-            <a:schemeClr val="accent1"/>
-          </a:effectRef>
-          <a:fontRef idx="minor">
-            <a:schemeClr val="tx1"/>
-          </a:fontRef>
-        </p:style>
-      </p:cxnSp>
-      <p:cxnSp>
-        <p:nvCxnSpPr>
-          <p:cNvPr id="23" name="Straight Arrow Connector 22">
-            <a:extLst>
-              <a:ext uri="{FF2B5EF4-FFF2-40B4-BE49-F238E27FC236}">
-                <a16:creationId xmlns:a16="http://schemas.microsoft.com/office/drawing/2014/main" id="{6DD26812-214A-E8E8-720E-25C1F7FB2DF3}"/>
-              </a:ext>
-            </a:extLst>
-          </p:cNvPr>
-          <p:cNvCxnSpPr>
-            <a:cxnSpLocks/>
-          </p:cNvCxnSpPr>
-          <p:nvPr/>
-        </p:nvCxnSpPr>
-        <p:spPr>
-          <a:xfrm>
-            <a:off x="3249805" y="1861384"/>
-            <a:ext cx="0" cy="1018984"/>
-          </a:xfrm>
-          <a:prstGeom prst="straightConnector1">
-            <a:avLst/>
-          </a:prstGeom>
-          <a:ln w="25400">
-            <a:solidFill>
-              <a:srgbClr val="FF0000"/>
-            </a:solidFill>
-            <a:headEnd type="triangle" w="med" len="lg"/>
-            <a:tailEnd type="none"/>
-          </a:ln>
-        </p:spPr>
-        <p:style>
-          <a:lnRef idx="1">
-            <a:schemeClr val="accent1"/>
-          </a:lnRef>
-          <a:fillRef idx="0">
-            <a:schemeClr val="accent1"/>
-          </a:fillRef>
-          <a:effectRef idx="0">
-            <a:schemeClr val="accent1"/>
-          </a:effectRef>
-          <a:fontRef idx="minor">
-            <a:schemeClr val="tx1"/>
-          </a:fontRef>
-        </p:style>
-      </p:cxnSp>
-      <p:cxnSp>
-        <p:nvCxnSpPr>
-          <p:cNvPr id="40" name="Straight Arrow Connector 39">
-            <a:extLst>
-              <a:ext uri="{FF2B5EF4-FFF2-40B4-BE49-F238E27FC236}">
-                <a16:creationId xmlns:a16="http://schemas.microsoft.com/office/drawing/2014/main" id="{FFE7AFC5-5D76-1817-3076-93A22F14B391}"/>
-              </a:ext>
-            </a:extLst>
-          </p:cNvPr>
-          <p:cNvCxnSpPr>
-            <a:cxnSpLocks/>
-          </p:cNvCxnSpPr>
-          <p:nvPr/>
-        </p:nvCxnSpPr>
-        <p:spPr>
-          <a:xfrm>
-            <a:off x="3422230" y="2700000"/>
-            <a:ext cx="180000" cy="0"/>
-          </a:xfrm>
-          <a:prstGeom prst="straightConnector1">
-            <a:avLst/>
-          </a:prstGeom>
-          <a:ln w="12700">
-            <a:solidFill>
-              <a:srgbClr val="002060"/>
-            </a:solidFill>
-            <a:headEnd type="none" w="med" len="lg"/>
-            <a:tailEnd type="none"/>
-          </a:ln>
-        </p:spPr>
-        <p:style>
-          <a:lnRef idx="1">
-            <a:schemeClr val="accent1"/>
-          </a:lnRef>
-          <a:fillRef idx="0">
-            <a:schemeClr val="accent1"/>
-          </a:fillRef>
-          <a:effectRef idx="0">
-            <a:schemeClr val="accent1"/>
-          </a:effectRef>
-          <a:fontRef idx="minor">
-            <a:schemeClr val="tx1"/>
-          </a:fontRef>
-        </p:style>
-      </p:cxnSp>
-      <p:cxnSp>
-        <p:nvCxnSpPr>
-          <p:cNvPr id="41" name="Straight Arrow Connector 40">
-            <a:extLst>
-              <a:ext uri="{FF2B5EF4-FFF2-40B4-BE49-F238E27FC236}">
-                <a16:creationId xmlns:a16="http://schemas.microsoft.com/office/drawing/2014/main" id="{494376D5-E22C-0BBD-4824-372ECDEF64CD}"/>
-              </a:ext>
-            </a:extLst>
-          </p:cNvPr>
-          <p:cNvCxnSpPr>
-            <a:cxnSpLocks/>
-          </p:cNvCxnSpPr>
-          <p:nvPr/>
-        </p:nvCxnSpPr>
-        <p:spPr>
-          <a:xfrm>
-            <a:off x="3422230" y="2700000"/>
-            <a:ext cx="0" cy="180000"/>
-          </a:xfrm>
-          <a:prstGeom prst="straightConnector1">
-            <a:avLst/>
-          </a:prstGeom>
-          <a:ln w="12700">
-            <a:solidFill>
-              <a:srgbClr val="002060"/>
-            </a:solidFill>
-            <a:headEnd type="none" w="med" len="lg"/>
-            <a:tailEnd type="none"/>
-          </a:ln>
-        </p:spPr>
-        <p:style>
-          <a:lnRef idx="1">
-            <a:schemeClr val="accent1"/>
-          </a:lnRef>
-          <a:fillRef idx="0">
-            <a:schemeClr val="accent1"/>
-          </a:fillRef>
-          <a:effectRef idx="0">
-            <a:schemeClr val="accent1"/>
-          </a:effectRef>
-          <a:fontRef idx="minor">
-            <a:schemeClr val="tx1"/>
-          </a:fontRef>
-        </p:style>
-      </p:cxnSp>
-      <p:cxnSp>
-        <p:nvCxnSpPr>
-          <p:cNvPr id="42" name="Straight Arrow Connector 41">
-            <a:extLst>
-              <a:ext uri="{FF2B5EF4-FFF2-40B4-BE49-F238E27FC236}">
-                <a16:creationId xmlns:a16="http://schemas.microsoft.com/office/drawing/2014/main" id="{A708E7CB-87C3-1837-4452-6B03DC1A9285}"/>
-              </a:ext>
-            </a:extLst>
-          </p:cNvPr>
-          <p:cNvCxnSpPr>
-            <a:cxnSpLocks/>
-          </p:cNvCxnSpPr>
-          <p:nvPr/>
-        </p:nvCxnSpPr>
-        <p:spPr>
-          <a:xfrm>
-            <a:off x="3772274" y="2700000"/>
-            <a:ext cx="180000" cy="0"/>
-          </a:xfrm>
-          <a:prstGeom prst="straightConnector1">
-            <a:avLst/>
-          </a:prstGeom>
-          <a:ln w="12700">
-            <a:solidFill>
-              <a:srgbClr val="002060"/>
-            </a:solidFill>
-            <a:headEnd type="none" w="med" len="lg"/>
-            <a:tailEnd type="none"/>
-          </a:ln>
-        </p:spPr>
-        <p:style>
-          <a:lnRef idx="1">
-            <a:schemeClr val="accent1"/>
-          </a:lnRef>
-          <a:fillRef idx="0">
-            <a:schemeClr val="accent1"/>
-          </a:fillRef>
-          <a:effectRef idx="0">
-            <a:schemeClr val="accent1"/>
-          </a:effectRef>
-          <a:fontRef idx="minor">
-            <a:schemeClr val="tx1"/>
-          </a:fontRef>
-        </p:style>
-      </p:cxnSp>
-      <p:cxnSp>
-        <p:nvCxnSpPr>
-          <p:cNvPr id="43" name="Straight Arrow Connector 42">
-            <a:extLst>
-              <a:ext uri="{FF2B5EF4-FFF2-40B4-BE49-F238E27FC236}">
-                <a16:creationId xmlns:a16="http://schemas.microsoft.com/office/drawing/2014/main" id="{F60CEDE8-A7FB-CE15-9688-D1C2CC0A1CF8}"/>
-              </a:ext>
-            </a:extLst>
-          </p:cNvPr>
-          <p:cNvCxnSpPr>
-            <a:cxnSpLocks/>
-          </p:cNvCxnSpPr>
-          <p:nvPr/>
-        </p:nvCxnSpPr>
-        <p:spPr>
-          <a:xfrm>
-            <a:off x="3772274" y="2700000"/>
-            <a:ext cx="0" cy="180000"/>
-          </a:xfrm>
-          <a:prstGeom prst="straightConnector1">
-            <a:avLst/>
-          </a:prstGeom>
-          <a:ln w="12700">
-            <a:solidFill>
-              <a:srgbClr val="002060"/>
-            </a:solidFill>
-            <a:headEnd type="none" w="med" len="lg"/>
-            <a:tailEnd type="none"/>
-          </a:ln>
-        </p:spPr>
-        <p:style>
-          <a:lnRef idx="1">
-            <a:schemeClr val="accent1"/>
-          </a:lnRef>
-          <a:fillRef idx="0">
-            <a:schemeClr val="accent1"/>
-          </a:fillRef>
-          <a:effectRef idx="0">
-            <a:schemeClr val="accent1"/>
-          </a:effectRef>
-          <a:fontRef idx="minor">
-            <a:schemeClr val="tx1"/>
-          </a:fontRef>
-        </p:style>
-      </p:cxnSp>
-      <p:cxnSp>
-        <p:nvCxnSpPr>
-          <p:cNvPr id="44" name="Straight Arrow Connector 43">
-            <a:extLst>
-              <a:ext uri="{FF2B5EF4-FFF2-40B4-BE49-F238E27FC236}">
-                <a16:creationId xmlns:a16="http://schemas.microsoft.com/office/drawing/2014/main" id="{76C6A648-D525-492A-6354-BE64CBD4EBBB}"/>
-              </a:ext>
-            </a:extLst>
-          </p:cNvPr>
-          <p:cNvCxnSpPr>
-            <a:cxnSpLocks/>
-          </p:cNvCxnSpPr>
-          <p:nvPr/>
-        </p:nvCxnSpPr>
-        <p:spPr>
-          <a:xfrm>
-            <a:off x="4143749" y="2700000"/>
-            <a:ext cx="180000" cy="0"/>
-          </a:xfrm>
-          <a:prstGeom prst="straightConnector1">
-            <a:avLst/>
-          </a:prstGeom>
-          <a:ln w="12700">
-            <a:solidFill>
-              <a:srgbClr val="002060"/>
-            </a:solidFill>
-            <a:headEnd type="none" w="med" len="lg"/>
-            <a:tailEnd type="none"/>
-          </a:ln>
-        </p:spPr>
-        <p:style>
-          <a:lnRef idx="1">
-            <a:schemeClr val="accent1"/>
-          </a:lnRef>
-          <a:fillRef idx="0">
-            <a:schemeClr val="accent1"/>
-          </a:fillRef>
-          <a:effectRef idx="0">
-            <a:schemeClr val="accent1"/>
-          </a:effectRef>
-          <a:fontRef idx="minor">
-            <a:schemeClr val="tx1"/>
-          </a:fontRef>
-        </p:style>
-      </p:cxnSp>
-      <p:cxnSp>
-        <p:nvCxnSpPr>
-          <p:cNvPr id="45" name="Straight Arrow Connector 44">
-            <a:extLst>
-              <a:ext uri="{FF2B5EF4-FFF2-40B4-BE49-F238E27FC236}">
-                <a16:creationId xmlns:a16="http://schemas.microsoft.com/office/drawing/2014/main" id="{A08765F2-6060-C18E-D4D0-F3B2D487ACE9}"/>
-              </a:ext>
-            </a:extLst>
-          </p:cNvPr>
-          <p:cNvCxnSpPr>
-            <a:cxnSpLocks/>
-          </p:cNvCxnSpPr>
-          <p:nvPr/>
-        </p:nvCxnSpPr>
-        <p:spPr>
-          <a:xfrm>
-            <a:off x="4143749" y="2700000"/>
-            <a:ext cx="0" cy="180000"/>
-          </a:xfrm>
-          <a:prstGeom prst="straightConnector1">
-            <a:avLst/>
-          </a:prstGeom>
-          <a:ln w="12700">
-            <a:solidFill>
-              <a:srgbClr val="002060"/>
-            </a:solidFill>
-            <a:headEnd type="none" w="med" len="lg"/>
-            <a:tailEnd type="none"/>
-          </a:ln>
-        </p:spPr>
-        <p:style>
-          <a:lnRef idx="1">
-            <a:schemeClr val="accent1"/>
-          </a:lnRef>
-          <a:fillRef idx="0">
-            <a:schemeClr val="accent1"/>
-          </a:fillRef>
-          <a:effectRef idx="0">
-            <a:schemeClr val="accent1"/>
-          </a:effectRef>
-          <a:fontRef idx="minor">
-            <a:schemeClr val="tx1"/>
-          </a:fontRef>
-        </p:style>
-      </p:cxnSp>
-      <p:cxnSp>
-        <p:nvCxnSpPr>
-          <p:cNvPr id="46" name="Straight Arrow Connector 45">
-            <a:extLst>
-              <a:ext uri="{FF2B5EF4-FFF2-40B4-BE49-F238E27FC236}">
-                <a16:creationId xmlns:a16="http://schemas.microsoft.com/office/drawing/2014/main" id="{761D7E53-9632-F97D-EA99-A0A318D104AD}"/>
-              </a:ext>
-            </a:extLst>
-          </p:cNvPr>
-          <p:cNvCxnSpPr>
-            <a:cxnSpLocks/>
-          </p:cNvCxnSpPr>
-          <p:nvPr/>
-        </p:nvCxnSpPr>
-        <p:spPr>
-          <a:xfrm>
-            <a:off x="4508080" y="2701556"/>
-            <a:ext cx="180000" cy="0"/>
-          </a:xfrm>
-          <a:prstGeom prst="straightConnector1">
-            <a:avLst/>
-          </a:prstGeom>
-          <a:ln w="12700">
-            <a:solidFill>
-              <a:srgbClr val="002060"/>
-            </a:solidFill>
-            <a:headEnd type="none" w="med" len="lg"/>
-            <a:tailEnd type="none"/>
-          </a:ln>
-        </p:spPr>
-        <p:style>
-          <a:lnRef idx="1">
-            <a:schemeClr val="accent1"/>
-          </a:lnRef>
-          <a:fillRef idx="0">
-            <a:schemeClr val="accent1"/>
-          </a:fillRef>
-          <a:effectRef idx="0">
-            <a:schemeClr val="accent1"/>
-          </a:effectRef>
-          <a:fontRef idx="minor">
-            <a:schemeClr val="tx1"/>
-          </a:fontRef>
-        </p:style>
-      </p:cxnSp>
-      <p:cxnSp>
-        <p:nvCxnSpPr>
-          <p:cNvPr id="47" name="Straight Arrow Connector 46">
-            <a:extLst>
-              <a:ext uri="{FF2B5EF4-FFF2-40B4-BE49-F238E27FC236}">
-                <a16:creationId xmlns:a16="http://schemas.microsoft.com/office/drawing/2014/main" id="{EAE88D3B-EC69-6666-F77A-FA534C91319B}"/>
-              </a:ext>
-            </a:extLst>
-          </p:cNvPr>
-          <p:cNvCxnSpPr>
-            <a:cxnSpLocks/>
-          </p:cNvCxnSpPr>
-          <p:nvPr/>
-        </p:nvCxnSpPr>
-        <p:spPr>
-          <a:xfrm>
-            <a:off x="4508080" y="2701556"/>
-            <a:ext cx="0" cy="180000"/>
-          </a:xfrm>
-          <a:prstGeom prst="straightConnector1">
-            <a:avLst/>
-          </a:prstGeom>
-          <a:ln w="12700">
-            <a:solidFill>
-              <a:srgbClr val="002060"/>
-            </a:solidFill>
-            <a:headEnd type="none" w="med" len="lg"/>
-            <a:tailEnd type="none"/>
-          </a:ln>
-        </p:spPr>
-        <p:style>
-          <a:lnRef idx="1">
-            <a:schemeClr val="accent1"/>
-          </a:lnRef>
-          <a:fillRef idx="0">
-            <a:schemeClr val="accent1"/>
-          </a:fillRef>
-          <a:effectRef idx="0">
-            <a:schemeClr val="accent1"/>
-          </a:effectRef>
-          <a:fontRef idx="minor">
-            <a:schemeClr val="tx1"/>
-          </a:fontRef>
-        </p:style>
-      </p:cxnSp>
-      <p:cxnSp>
-        <p:nvCxnSpPr>
-          <p:cNvPr id="25" name="Straight Arrow Connector 24">
-            <a:extLst>
-              <a:ext uri="{FF2B5EF4-FFF2-40B4-BE49-F238E27FC236}">
-                <a16:creationId xmlns:a16="http://schemas.microsoft.com/office/drawing/2014/main" id="{88D57623-F73C-0DE3-0650-47698345FAC7}"/>
-              </a:ext>
-            </a:extLst>
-          </p:cNvPr>
-          <p:cNvCxnSpPr>
-            <a:cxnSpLocks/>
-          </p:cNvCxnSpPr>
-          <p:nvPr/>
-        </p:nvCxnSpPr>
-        <p:spPr>
-          <a:xfrm>
-            <a:off x="3598272" y="1203795"/>
-            <a:ext cx="478" cy="1677233"/>
-          </a:xfrm>
-          <a:prstGeom prst="straightConnector1">
-            <a:avLst/>
-          </a:prstGeom>
-          <a:ln w="25400">
-            <a:solidFill>
-              <a:srgbClr val="FF0000"/>
-            </a:solidFill>
-            <a:headEnd type="triangle" w="med" len="lg"/>
-            <a:tailEnd type="none"/>
-          </a:ln>
-        </p:spPr>
-        <p:style>
-          <a:lnRef idx="1">
-            <a:schemeClr val="accent1"/>
-          </a:lnRef>
-          <a:fillRef idx="0">
-            <a:schemeClr val="accent1"/>
-          </a:fillRef>
-          <a:effectRef idx="0">
-            <a:schemeClr val="accent1"/>
-          </a:effectRef>
-          <a:fontRef idx="minor">
-            <a:schemeClr val="tx1"/>
-          </a:fontRef>
-        </p:style>
-      </p:cxnSp>
-      <p:cxnSp>
-        <p:nvCxnSpPr>
-          <p:cNvPr id="27" name="Straight Arrow Connector 26">
-            <a:extLst>
-              <a:ext uri="{FF2B5EF4-FFF2-40B4-BE49-F238E27FC236}">
-                <a16:creationId xmlns:a16="http://schemas.microsoft.com/office/drawing/2014/main" id="{68796507-C5C7-8078-5098-976865FDB9A2}"/>
-              </a:ext>
-            </a:extLst>
-          </p:cNvPr>
-          <p:cNvCxnSpPr>
-            <a:cxnSpLocks/>
-          </p:cNvCxnSpPr>
-          <p:nvPr/>
-        </p:nvCxnSpPr>
-        <p:spPr>
-          <a:xfrm>
-            <a:off x="3944899" y="1532077"/>
-            <a:ext cx="0" cy="1348438"/>
-          </a:xfrm>
-          <a:prstGeom prst="straightConnector1">
-            <a:avLst/>
-          </a:prstGeom>
-          <a:ln w="25400">
-            <a:solidFill>
-              <a:srgbClr val="FF0000"/>
-            </a:solidFill>
-            <a:headEnd type="triangle" w="med" len="lg"/>
-            <a:tailEnd type="none"/>
-          </a:ln>
-        </p:spPr>
-        <p:style>
-          <a:lnRef idx="1">
-            <a:schemeClr val="accent1"/>
-          </a:lnRef>
-          <a:fillRef idx="0">
-            <a:schemeClr val="accent1"/>
-          </a:fillRef>
-          <a:effectRef idx="0">
-            <a:schemeClr val="accent1"/>
-          </a:effectRef>
-          <a:fontRef idx="minor">
-            <a:schemeClr val="tx1"/>
-          </a:fontRef>
-        </p:style>
-      </p:cxnSp>
-      <p:cxnSp>
-        <p:nvCxnSpPr>
-          <p:cNvPr id="29" name="Straight Arrow Connector 28">
-            <a:extLst>
-              <a:ext uri="{FF2B5EF4-FFF2-40B4-BE49-F238E27FC236}">
-                <a16:creationId xmlns:a16="http://schemas.microsoft.com/office/drawing/2014/main" id="{E53AF32D-6D01-C15C-2744-FF412465B693}"/>
-              </a:ext>
-            </a:extLst>
-          </p:cNvPr>
-          <p:cNvCxnSpPr>
-            <a:cxnSpLocks/>
-          </p:cNvCxnSpPr>
-          <p:nvPr/>
-        </p:nvCxnSpPr>
-        <p:spPr>
-          <a:xfrm>
-            <a:off x="4320000" y="2295525"/>
-            <a:ext cx="0" cy="584990"/>
-          </a:xfrm>
-          <a:prstGeom prst="straightConnector1">
-            <a:avLst/>
-          </a:prstGeom>
-          <a:ln w="25400">
-            <a:solidFill>
-              <a:srgbClr val="FF0000"/>
-            </a:solidFill>
-            <a:headEnd type="triangle" w="med" len="lg"/>
-            <a:tailEnd type="none"/>
-          </a:ln>
-        </p:spPr>
-        <p:style>
-          <a:lnRef idx="1">
-            <a:schemeClr val="accent1"/>
-          </a:lnRef>
-          <a:fillRef idx="0">
-            <a:schemeClr val="accent1"/>
-          </a:fillRef>
-          <a:effectRef idx="0">
-            <a:schemeClr val="accent1"/>
-          </a:effectRef>
-          <a:fontRef idx="minor">
-            <a:schemeClr val="tx1"/>
-          </a:fontRef>
-        </p:style>
-      </p:cxnSp>
-      <p:cxnSp>
-        <p:nvCxnSpPr>
-          <p:cNvPr id="31" name="Straight Arrow Connector 30">
-            <a:extLst>
-              <a:ext uri="{FF2B5EF4-FFF2-40B4-BE49-F238E27FC236}">
-                <a16:creationId xmlns:a16="http://schemas.microsoft.com/office/drawing/2014/main" id="{A55A3B4F-5EA2-B3B9-59B5-BBB70DDE518B}"/>
-              </a:ext>
-            </a:extLst>
-          </p:cNvPr>
-          <p:cNvCxnSpPr>
-            <a:cxnSpLocks/>
-          </p:cNvCxnSpPr>
-          <p:nvPr/>
-        </p:nvCxnSpPr>
-        <p:spPr>
-          <a:xfrm>
-            <a:off x="4680000" y="581025"/>
-            <a:ext cx="0" cy="2298975"/>
-          </a:xfrm>
-          <a:prstGeom prst="straightConnector1">
-            <a:avLst/>
-          </a:prstGeom>
-          <a:ln w="25400">
-            <a:solidFill>
-              <a:srgbClr val="FF0000"/>
-            </a:solidFill>
-            <a:headEnd type="triangle" w="med" len="lg"/>
-            <a:tailEnd type="none"/>
-          </a:ln>
-        </p:spPr>
-        <p:style>
-          <a:lnRef idx="1">
-            <a:schemeClr val="accent1"/>
-          </a:lnRef>
-          <a:fillRef idx="0">
-            <a:schemeClr val="accent1"/>
-          </a:fillRef>
-          <a:effectRef idx="0">
-            <a:schemeClr val="accent1"/>
-          </a:effectRef>
-          <a:fontRef idx="minor">
-            <a:schemeClr val="tx1"/>
-          </a:fontRef>
-        </p:style>
-      </p:cxnSp>
-    </p:spTree>
-    <p:extLst>
-      <p:ext uri="{BB962C8B-B14F-4D97-AF65-F5344CB8AC3E}">
-        <p14:creationId xmlns:p14="http://schemas.microsoft.com/office/powerpoint/2010/main" val="119472357"/>
-      </p:ext>
-    </p:extLst>
-  </p:cSld>
-  <p:clrMapOvr>
-    <a:masterClrMapping/>
-  </p:clrMapOvr>
-</p:sld>
-</file>
-
-<file path=ppt/slides/slide11.xml><?xml version="1.0" encoding="utf-8"?>
-<p:sld xmlns:a="http://schemas.openxmlformats.org/drawingml/2006/main" xmlns:r="http://schemas.openxmlformats.org/officeDocument/2006/relationships" xmlns:p="http://schemas.openxmlformats.org/presentationml/2006/main">
-  <p:cSld>
-    <p:spTree>
-      <p:nvGrpSpPr>
-        <p:cNvPr id="1" name=""/>
-        <p:cNvGrpSpPr/>
-        <p:nvPr/>
-      </p:nvGrpSpPr>
-      <p:grpSpPr>
-        <a:xfrm>
-          <a:off x="0" y="0"/>
-          <a:ext cx="0" cy="0"/>
-          <a:chOff x="0" y="0"/>
-          <a:chExt cx="0" cy="0"/>
-        </a:xfrm>
-      </p:grpSpPr>
-      <p:cxnSp>
-        <p:nvCxnSpPr>
-          <p:cNvPr id="50" name="Straight Arrow Connector 49">
-            <a:extLst>
-              <a:ext uri="{FF2B5EF4-FFF2-40B4-BE49-F238E27FC236}">
-                <a16:creationId xmlns:a16="http://schemas.microsoft.com/office/drawing/2014/main" id="{F179B378-B140-3740-29E7-1D11C12307DF}"/>
-              </a:ext>
-            </a:extLst>
-          </p:cNvPr>
-          <p:cNvCxnSpPr>
-            <a:cxnSpLocks/>
-          </p:cNvCxnSpPr>
-          <p:nvPr/>
-        </p:nvCxnSpPr>
-        <p:spPr>
-          <a:xfrm>
-            <a:off x="3420000" y="3421857"/>
-            <a:ext cx="180000" cy="0"/>
-          </a:xfrm>
-          <a:prstGeom prst="straightConnector1">
-            <a:avLst/>
-          </a:prstGeom>
-          <a:ln w="12700">
-            <a:solidFill>
-              <a:srgbClr val="002060"/>
-            </a:solidFill>
-            <a:headEnd type="none" w="med" len="lg"/>
-            <a:tailEnd type="none"/>
-          </a:ln>
-        </p:spPr>
-        <p:style>
-          <a:lnRef idx="1">
-            <a:schemeClr val="accent1"/>
-          </a:lnRef>
-          <a:fillRef idx="0">
-            <a:schemeClr val="accent1"/>
-          </a:fillRef>
-          <a:effectRef idx="0">
-            <a:schemeClr val="accent1"/>
-          </a:effectRef>
-          <a:fontRef idx="minor">
-            <a:schemeClr val="tx1"/>
-          </a:fontRef>
-        </p:style>
-      </p:cxnSp>
-      <p:cxnSp>
-        <p:nvCxnSpPr>
-          <p:cNvPr id="15" name="Straight Arrow Connector 14">
-            <a:extLst>
-              <a:ext uri="{FF2B5EF4-FFF2-40B4-BE49-F238E27FC236}">
-                <a16:creationId xmlns:a16="http://schemas.microsoft.com/office/drawing/2014/main" id="{7E9CBE48-54C3-59B2-3927-122F011AC771}"/>
-              </a:ext>
-            </a:extLst>
-          </p:cNvPr>
-          <p:cNvCxnSpPr>
-            <a:cxnSpLocks/>
-          </p:cNvCxnSpPr>
-          <p:nvPr/>
-        </p:nvCxnSpPr>
-        <p:spPr>
-          <a:xfrm flipV="1">
-            <a:off x="3600000" y="3240000"/>
-            <a:ext cx="0" cy="1800000"/>
-          </a:xfrm>
-          <a:prstGeom prst="straightConnector1">
-            <a:avLst/>
-          </a:prstGeom>
-          <a:ln w="25400">
-            <a:solidFill>
-              <a:srgbClr val="FF0000"/>
-            </a:solidFill>
-            <a:headEnd type="triangle" w="med" len="lg"/>
-            <a:tailEnd type="none"/>
-          </a:ln>
-        </p:spPr>
-        <p:style>
-          <a:lnRef idx="1">
-            <a:schemeClr val="accent1"/>
-          </a:lnRef>
-          <a:fillRef idx="0">
-            <a:schemeClr val="accent1"/>
-          </a:fillRef>
-          <a:effectRef idx="0">
-            <a:schemeClr val="accent1"/>
-          </a:effectRef>
-          <a:fontRef idx="minor">
-            <a:schemeClr val="tx1"/>
-          </a:fontRef>
-        </p:style>
-      </p:cxnSp>
-      <p:cxnSp>
-        <p:nvCxnSpPr>
-          <p:cNvPr id="51" name="Straight Arrow Connector 50">
-            <a:extLst>
-              <a:ext uri="{FF2B5EF4-FFF2-40B4-BE49-F238E27FC236}">
-                <a16:creationId xmlns:a16="http://schemas.microsoft.com/office/drawing/2014/main" id="{4FFA5315-572D-FBF4-265B-3D8978AED855}"/>
-              </a:ext>
-            </a:extLst>
-          </p:cNvPr>
-          <p:cNvCxnSpPr>
-            <a:cxnSpLocks/>
-          </p:cNvCxnSpPr>
-          <p:nvPr/>
-        </p:nvCxnSpPr>
-        <p:spPr>
-          <a:xfrm>
-            <a:off x="3420000" y="3249000"/>
-            <a:ext cx="0" cy="180000"/>
-          </a:xfrm>
-          <a:prstGeom prst="straightConnector1">
-            <a:avLst/>
-          </a:prstGeom>
-          <a:ln w="12700">
-            <a:solidFill>
-              <a:srgbClr val="002060"/>
-            </a:solidFill>
-            <a:headEnd type="none" w="med" len="lg"/>
-            <a:tailEnd type="none"/>
-          </a:ln>
-        </p:spPr>
-        <p:style>
-          <a:lnRef idx="1">
-            <a:schemeClr val="accent1"/>
-          </a:lnRef>
-          <a:fillRef idx="0">
-            <a:schemeClr val="accent1"/>
-          </a:fillRef>
-          <a:effectRef idx="0">
-            <a:schemeClr val="accent1"/>
-          </a:effectRef>
-          <a:fontRef idx="minor">
-            <a:schemeClr val="tx1"/>
-          </a:fontRef>
-        </p:style>
-      </p:cxnSp>
-      <p:cxnSp>
-        <p:nvCxnSpPr>
-          <p:cNvPr id="16" name="Straight Arrow Connector 15">
-            <a:extLst>
-              <a:ext uri="{FF2B5EF4-FFF2-40B4-BE49-F238E27FC236}">
-                <a16:creationId xmlns:a16="http://schemas.microsoft.com/office/drawing/2014/main" id="{B00DB90A-2D61-8301-6339-FAF2D7F4A3A8}"/>
-              </a:ext>
-            </a:extLst>
-          </p:cNvPr>
-          <p:cNvCxnSpPr>
-            <a:cxnSpLocks/>
-          </p:cNvCxnSpPr>
-          <p:nvPr/>
-        </p:nvCxnSpPr>
-        <p:spPr>
-          <a:xfrm>
-            <a:off x="1080000" y="3960000"/>
-            <a:ext cx="3600000" cy="0"/>
-          </a:xfrm>
-          <a:prstGeom prst="straightConnector1">
-            <a:avLst/>
-          </a:prstGeom>
-          <a:ln w="12700">
-            <a:solidFill>
-              <a:schemeClr val="bg1">
-                <a:lumMod val="75000"/>
-              </a:schemeClr>
-            </a:solidFill>
-            <a:prstDash val="dash"/>
-            <a:headEnd type="none"/>
-            <a:tailEnd type="none"/>
-          </a:ln>
-        </p:spPr>
-        <p:style>
-          <a:lnRef idx="1">
-            <a:schemeClr val="accent1"/>
-          </a:lnRef>
-          <a:fillRef idx="0">
-            <a:schemeClr val="accent1"/>
-          </a:fillRef>
-          <a:effectRef idx="0">
-            <a:schemeClr val="accent1"/>
-          </a:effectRef>
-          <a:fontRef idx="minor">
-            <a:schemeClr val="tx1"/>
-          </a:fontRef>
-        </p:style>
-      </p:cxnSp>
-      <p:cxnSp>
-        <p:nvCxnSpPr>
-          <p:cNvPr id="17" name="Straight Arrow Connector 16">
-            <a:extLst>
-              <a:ext uri="{FF2B5EF4-FFF2-40B4-BE49-F238E27FC236}">
-                <a16:creationId xmlns:a16="http://schemas.microsoft.com/office/drawing/2014/main" id="{B1058BA8-6562-93CD-D13E-B3740D7C2B1B}"/>
-              </a:ext>
-            </a:extLst>
-          </p:cNvPr>
-          <p:cNvCxnSpPr>
-            <a:cxnSpLocks/>
-          </p:cNvCxnSpPr>
-          <p:nvPr/>
-        </p:nvCxnSpPr>
-        <p:spPr>
-          <a:xfrm>
-            <a:off x="1440000" y="3600000"/>
-            <a:ext cx="3600000" cy="0"/>
-          </a:xfrm>
-          <a:prstGeom prst="straightConnector1">
-            <a:avLst/>
-          </a:prstGeom>
-          <a:ln w="12700">
-            <a:solidFill>
-              <a:schemeClr val="bg1">
-                <a:lumMod val="75000"/>
-              </a:schemeClr>
-            </a:solidFill>
-            <a:prstDash val="dash"/>
-            <a:headEnd type="none"/>
-            <a:tailEnd type="none"/>
-          </a:ln>
-        </p:spPr>
-        <p:style>
-          <a:lnRef idx="1">
-            <a:schemeClr val="accent1"/>
-          </a:lnRef>
-          <a:fillRef idx="0">
-            <a:schemeClr val="accent1"/>
-          </a:fillRef>
-          <a:effectRef idx="0">
-            <a:schemeClr val="accent1"/>
-          </a:effectRef>
-          <a:fontRef idx="minor">
-            <a:schemeClr val="tx1"/>
-          </a:fontRef>
-        </p:style>
-      </p:cxnSp>
-      <p:cxnSp>
-        <p:nvCxnSpPr>
-          <p:cNvPr id="18" name="Straight Arrow Connector 17">
-            <a:extLst>
-              <a:ext uri="{FF2B5EF4-FFF2-40B4-BE49-F238E27FC236}">
-                <a16:creationId xmlns:a16="http://schemas.microsoft.com/office/drawing/2014/main" id="{4D884A38-0397-9911-A9D8-E3A6A8534404}"/>
-              </a:ext>
-            </a:extLst>
-          </p:cNvPr>
-          <p:cNvCxnSpPr>
-            <a:cxnSpLocks/>
-          </p:cNvCxnSpPr>
-          <p:nvPr/>
-        </p:nvCxnSpPr>
-        <p:spPr>
-          <a:xfrm>
-            <a:off x="1800000" y="3240000"/>
-            <a:ext cx="3600000" cy="0"/>
-          </a:xfrm>
-          <a:prstGeom prst="straightConnector1">
-            <a:avLst/>
-          </a:prstGeom>
-          <a:ln w="12700">
-            <a:solidFill>
-              <a:schemeClr val="bg1">
-                <a:lumMod val="75000"/>
-              </a:schemeClr>
-            </a:solidFill>
-            <a:prstDash val="dash"/>
-            <a:headEnd type="none"/>
-            <a:tailEnd type="none"/>
-          </a:ln>
-        </p:spPr>
-        <p:style>
-          <a:lnRef idx="1">
-            <a:schemeClr val="accent1"/>
-          </a:lnRef>
-          <a:fillRef idx="0">
-            <a:schemeClr val="accent1"/>
-          </a:fillRef>
-          <a:effectRef idx="0">
-            <a:schemeClr val="accent1"/>
-          </a:effectRef>
-          <a:fontRef idx="minor">
-            <a:schemeClr val="tx1"/>
-          </a:fontRef>
-        </p:style>
-      </p:cxnSp>
-      <p:cxnSp>
-        <p:nvCxnSpPr>
-          <p:cNvPr id="19" name="Straight Arrow Connector 18">
-            <a:extLst>
-              <a:ext uri="{FF2B5EF4-FFF2-40B4-BE49-F238E27FC236}">
-                <a16:creationId xmlns:a16="http://schemas.microsoft.com/office/drawing/2014/main" id="{39437467-78A9-1668-FAC3-245E326F1620}"/>
-              </a:ext>
-            </a:extLst>
-          </p:cNvPr>
-          <p:cNvCxnSpPr>
-            <a:cxnSpLocks/>
-          </p:cNvCxnSpPr>
-          <p:nvPr/>
-        </p:nvCxnSpPr>
-        <p:spPr>
-          <a:xfrm>
-            <a:off x="2160000" y="2880000"/>
-            <a:ext cx="3600000" cy="0"/>
-          </a:xfrm>
-          <a:prstGeom prst="straightConnector1">
-            <a:avLst/>
-          </a:prstGeom>
-          <a:ln w="12700">
-            <a:solidFill>
-              <a:schemeClr val="bg1">
-                <a:lumMod val="75000"/>
-              </a:schemeClr>
-            </a:solidFill>
-            <a:prstDash val="dash"/>
-            <a:headEnd type="none"/>
-            <a:tailEnd type="none"/>
-          </a:ln>
-        </p:spPr>
-        <p:style>
-          <a:lnRef idx="1">
-            <a:schemeClr val="accent1"/>
-          </a:lnRef>
-          <a:fillRef idx="0">
-            <a:schemeClr val="accent1"/>
-          </a:fillRef>
-          <a:effectRef idx="0">
-            <a:schemeClr val="accent1"/>
-          </a:effectRef>
-          <a:fontRef idx="minor">
-            <a:schemeClr val="tx1"/>
-          </a:fontRef>
-        </p:style>
-      </p:cxnSp>
-      <p:cxnSp>
-        <p:nvCxnSpPr>
-          <p:cNvPr id="20" name="Straight Arrow Connector 19">
-            <a:extLst>
-              <a:ext uri="{FF2B5EF4-FFF2-40B4-BE49-F238E27FC236}">
-                <a16:creationId xmlns:a16="http://schemas.microsoft.com/office/drawing/2014/main" id="{A37F492D-F722-339D-D612-698DD5775E49}"/>
-              </a:ext>
-            </a:extLst>
-          </p:cNvPr>
-          <p:cNvCxnSpPr>
-            <a:cxnSpLocks/>
-          </p:cNvCxnSpPr>
-          <p:nvPr/>
-        </p:nvCxnSpPr>
-        <p:spPr>
-          <a:xfrm>
-            <a:off x="2520000" y="2520000"/>
-            <a:ext cx="3600000" cy="0"/>
-          </a:xfrm>
-          <a:prstGeom prst="straightConnector1">
-            <a:avLst/>
-          </a:prstGeom>
-          <a:ln w="12700">
-            <a:solidFill>
-              <a:schemeClr val="bg1">
-                <a:lumMod val="75000"/>
-              </a:schemeClr>
-            </a:solidFill>
-            <a:prstDash val="dash"/>
-            <a:headEnd type="none"/>
-            <a:tailEnd type="none"/>
-          </a:ln>
-        </p:spPr>
-        <p:style>
-          <a:lnRef idx="1">
-            <a:schemeClr val="accent1"/>
-          </a:lnRef>
-          <a:fillRef idx="0">
-            <a:schemeClr val="accent1"/>
-          </a:fillRef>
-          <a:effectRef idx="0">
-            <a:schemeClr val="accent1"/>
-          </a:effectRef>
-          <a:fontRef idx="minor">
-            <a:schemeClr val="tx1"/>
-          </a:fontRef>
-        </p:style>
-      </p:cxnSp>
-      <p:cxnSp>
-        <p:nvCxnSpPr>
-          <p:cNvPr id="21" name="Straight Arrow Connector 20">
-            <a:extLst>
-              <a:ext uri="{FF2B5EF4-FFF2-40B4-BE49-F238E27FC236}">
-                <a16:creationId xmlns:a16="http://schemas.microsoft.com/office/drawing/2014/main" id="{FEFA5478-E226-6EF3-8748-A4BA7C571D15}"/>
-              </a:ext>
-            </a:extLst>
-          </p:cNvPr>
-          <p:cNvCxnSpPr>
-            <a:cxnSpLocks/>
-          </p:cNvCxnSpPr>
-          <p:nvPr/>
-        </p:nvCxnSpPr>
-        <p:spPr>
-          <a:xfrm flipV="1">
-            <a:off x="1440000" y="2160000"/>
-            <a:ext cx="2160000" cy="2160000"/>
-          </a:xfrm>
-          <a:prstGeom prst="straightConnector1">
-            <a:avLst/>
-          </a:prstGeom>
-          <a:ln w="12700">
-            <a:solidFill>
-              <a:schemeClr val="bg1">
-                <a:lumMod val="75000"/>
-              </a:schemeClr>
-            </a:solidFill>
-            <a:prstDash val="dash"/>
-            <a:headEnd type="none"/>
-            <a:tailEnd type="none"/>
-          </a:ln>
-        </p:spPr>
-        <p:style>
-          <a:lnRef idx="1">
-            <a:schemeClr val="accent1"/>
-          </a:lnRef>
-          <a:fillRef idx="0">
-            <a:schemeClr val="accent1"/>
-          </a:fillRef>
-          <a:effectRef idx="0">
-            <a:schemeClr val="accent1"/>
-          </a:effectRef>
-          <a:fontRef idx="minor">
-            <a:schemeClr val="tx1"/>
-          </a:fontRef>
-        </p:style>
-      </p:cxnSp>
-      <p:cxnSp>
-        <p:nvCxnSpPr>
-          <p:cNvPr id="22" name="Straight Arrow Connector 21">
-            <a:extLst>
-              <a:ext uri="{FF2B5EF4-FFF2-40B4-BE49-F238E27FC236}">
-                <a16:creationId xmlns:a16="http://schemas.microsoft.com/office/drawing/2014/main" id="{58DB2124-F3FE-7662-3AB3-37E656A45B1F}"/>
-              </a:ext>
-            </a:extLst>
-          </p:cNvPr>
-          <p:cNvCxnSpPr>
-            <a:cxnSpLocks/>
-          </p:cNvCxnSpPr>
-          <p:nvPr/>
-        </p:nvCxnSpPr>
-        <p:spPr>
-          <a:xfrm flipV="1">
-            <a:off x="1800000" y="2160000"/>
-            <a:ext cx="2160000" cy="2160000"/>
-          </a:xfrm>
-          <a:prstGeom prst="straightConnector1">
-            <a:avLst/>
-          </a:prstGeom>
-          <a:ln w="12700">
-            <a:solidFill>
-              <a:schemeClr val="bg1">
-                <a:lumMod val="75000"/>
-              </a:schemeClr>
-            </a:solidFill>
-            <a:prstDash val="dash"/>
-            <a:headEnd type="none"/>
-            <a:tailEnd type="none"/>
-          </a:ln>
-        </p:spPr>
-        <p:style>
-          <a:lnRef idx="1">
-            <a:schemeClr val="accent1"/>
-          </a:lnRef>
-          <a:fillRef idx="0">
-            <a:schemeClr val="accent1"/>
-          </a:fillRef>
-          <a:effectRef idx="0">
-            <a:schemeClr val="accent1"/>
-          </a:effectRef>
-          <a:fontRef idx="minor">
-            <a:schemeClr val="tx1"/>
-          </a:fontRef>
-        </p:style>
-      </p:cxnSp>
-      <p:cxnSp>
-        <p:nvCxnSpPr>
-          <p:cNvPr id="23" name="Straight Arrow Connector 22">
-            <a:extLst>
-              <a:ext uri="{FF2B5EF4-FFF2-40B4-BE49-F238E27FC236}">
-                <a16:creationId xmlns:a16="http://schemas.microsoft.com/office/drawing/2014/main" id="{AA2D64C4-1656-7E0E-B7E6-BABF2D020960}"/>
-              </a:ext>
-            </a:extLst>
-          </p:cNvPr>
-          <p:cNvCxnSpPr>
-            <a:cxnSpLocks/>
-          </p:cNvCxnSpPr>
-          <p:nvPr/>
-        </p:nvCxnSpPr>
-        <p:spPr>
-          <a:xfrm flipV="1">
-            <a:off x="2160000" y="2160000"/>
-            <a:ext cx="2160000" cy="2160000"/>
-          </a:xfrm>
-          <a:prstGeom prst="straightConnector1">
-            <a:avLst/>
-          </a:prstGeom>
-          <a:ln w="12700">
-            <a:solidFill>
-              <a:schemeClr val="bg1">
-                <a:lumMod val="75000"/>
-              </a:schemeClr>
-            </a:solidFill>
-            <a:prstDash val="dash"/>
-            <a:headEnd type="none"/>
-            <a:tailEnd type="none"/>
-          </a:ln>
-        </p:spPr>
-        <p:style>
-          <a:lnRef idx="1">
-            <a:schemeClr val="accent1"/>
-          </a:lnRef>
-          <a:fillRef idx="0">
-            <a:schemeClr val="accent1"/>
-          </a:fillRef>
-          <a:effectRef idx="0">
-            <a:schemeClr val="accent1"/>
-          </a:effectRef>
-          <a:fontRef idx="minor">
-            <a:schemeClr val="tx1"/>
-          </a:fontRef>
-        </p:style>
-      </p:cxnSp>
-      <p:cxnSp>
-        <p:nvCxnSpPr>
-          <p:cNvPr id="24" name="Straight Arrow Connector 23">
-            <a:extLst>
-              <a:ext uri="{FF2B5EF4-FFF2-40B4-BE49-F238E27FC236}">
-                <a16:creationId xmlns:a16="http://schemas.microsoft.com/office/drawing/2014/main" id="{319C36AF-DDD5-CA2E-0C8F-9E8AE3CACBDC}"/>
-              </a:ext>
-            </a:extLst>
-          </p:cNvPr>
-          <p:cNvCxnSpPr>
-            <a:cxnSpLocks/>
-          </p:cNvCxnSpPr>
-          <p:nvPr/>
-        </p:nvCxnSpPr>
-        <p:spPr>
-          <a:xfrm flipV="1">
-            <a:off x="2520000" y="2160000"/>
-            <a:ext cx="2160000" cy="2160000"/>
-          </a:xfrm>
-          <a:prstGeom prst="straightConnector1">
-            <a:avLst/>
-          </a:prstGeom>
-          <a:ln w="12700">
-            <a:solidFill>
-              <a:schemeClr val="bg1">
-                <a:lumMod val="75000"/>
-              </a:schemeClr>
-            </a:solidFill>
-            <a:prstDash val="dash"/>
-            <a:headEnd type="none"/>
-            <a:tailEnd type="none"/>
-          </a:ln>
-        </p:spPr>
-        <p:style>
-          <a:lnRef idx="1">
-            <a:schemeClr val="accent1"/>
-          </a:lnRef>
-          <a:fillRef idx="0">
-            <a:schemeClr val="accent1"/>
-          </a:fillRef>
-          <a:effectRef idx="0">
-            <a:schemeClr val="accent1"/>
-          </a:effectRef>
-          <a:fontRef idx="minor">
-            <a:schemeClr val="tx1"/>
-          </a:fontRef>
-        </p:style>
-      </p:cxnSp>
-      <p:cxnSp>
-        <p:nvCxnSpPr>
-          <p:cNvPr id="25" name="Straight Arrow Connector 24">
-            <a:extLst>
-              <a:ext uri="{FF2B5EF4-FFF2-40B4-BE49-F238E27FC236}">
-                <a16:creationId xmlns:a16="http://schemas.microsoft.com/office/drawing/2014/main" id="{7C2B53A2-500E-8627-2EDA-3EC977DC303B}"/>
-              </a:ext>
-            </a:extLst>
-          </p:cNvPr>
-          <p:cNvCxnSpPr>
-            <a:cxnSpLocks/>
-          </p:cNvCxnSpPr>
-          <p:nvPr/>
-        </p:nvCxnSpPr>
-        <p:spPr>
-          <a:xfrm flipV="1">
-            <a:off x="2880000" y="2160000"/>
-            <a:ext cx="2160000" cy="2160000"/>
-          </a:xfrm>
-          <a:prstGeom prst="straightConnector1">
-            <a:avLst/>
-          </a:prstGeom>
-          <a:ln w="12700">
-            <a:solidFill>
-              <a:schemeClr val="bg1">
-                <a:lumMod val="75000"/>
-              </a:schemeClr>
-            </a:solidFill>
-            <a:prstDash val="dash"/>
-            <a:headEnd type="none"/>
-            <a:tailEnd type="none"/>
-          </a:ln>
-        </p:spPr>
-        <p:style>
-          <a:lnRef idx="1">
-            <a:schemeClr val="accent1"/>
-          </a:lnRef>
-          <a:fillRef idx="0">
-            <a:schemeClr val="accent1"/>
-          </a:fillRef>
-          <a:effectRef idx="0">
-            <a:schemeClr val="accent1"/>
-          </a:effectRef>
-          <a:fontRef idx="minor">
-            <a:schemeClr val="tx1"/>
-          </a:fontRef>
-        </p:style>
-      </p:cxnSp>
-      <p:cxnSp>
-        <p:nvCxnSpPr>
-          <p:cNvPr id="26" name="Straight Arrow Connector 25">
-            <a:extLst>
-              <a:ext uri="{FF2B5EF4-FFF2-40B4-BE49-F238E27FC236}">
-                <a16:creationId xmlns:a16="http://schemas.microsoft.com/office/drawing/2014/main" id="{F28CF3FB-8E13-10F7-A4B7-16CDBFFAB774}"/>
-              </a:ext>
-            </a:extLst>
-          </p:cNvPr>
-          <p:cNvCxnSpPr>
-            <a:cxnSpLocks/>
-          </p:cNvCxnSpPr>
-          <p:nvPr/>
-        </p:nvCxnSpPr>
-        <p:spPr>
-          <a:xfrm flipV="1">
-            <a:off x="3240000" y="2160000"/>
-            <a:ext cx="2160000" cy="2160000"/>
-          </a:xfrm>
-          <a:prstGeom prst="straightConnector1">
-            <a:avLst/>
-          </a:prstGeom>
-          <a:ln w="12700">
-            <a:solidFill>
-              <a:schemeClr val="bg1">
-                <a:lumMod val="75000"/>
-              </a:schemeClr>
-            </a:solidFill>
-            <a:prstDash val="dash"/>
-            <a:headEnd type="none"/>
-            <a:tailEnd type="none"/>
-          </a:ln>
-        </p:spPr>
-        <p:style>
-          <a:lnRef idx="1">
-            <a:schemeClr val="accent1"/>
-          </a:lnRef>
-          <a:fillRef idx="0">
-            <a:schemeClr val="accent1"/>
-          </a:fillRef>
-          <a:effectRef idx="0">
-            <a:schemeClr val="accent1"/>
-          </a:effectRef>
-          <a:fontRef idx="minor">
-            <a:schemeClr val="tx1"/>
-          </a:fontRef>
-        </p:style>
-      </p:cxnSp>
-      <p:sp>
-        <p:nvSpPr>
-          <p:cNvPr id="52" name="Parallelogram 51">
-            <a:extLst>
-              <a:ext uri="{FF2B5EF4-FFF2-40B4-BE49-F238E27FC236}">
-                <a16:creationId xmlns:a16="http://schemas.microsoft.com/office/drawing/2014/main" id="{166464DA-2BCF-74BB-C605-79A549B0DED3}"/>
-              </a:ext>
-            </a:extLst>
-          </p:cNvPr>
-          <p:cNvSpPr/>
-          <p:nvPr/>
-        </p:nvSpPr>
-        <p:spPr>
-          <a:xfrm>
-            <a:off x="1789050" y="2520001"/>
-            <a:ext cx="3600000" cy="1439999"/>
-          </a:xfrm>
-          <a:prstGeom prst="parallelogram">
-            <a:avLst>
-              <a:gd name="adj" fmla="val 100036"/>
-            </a:avLst>
-          </a:prstGeom>
-          <a:solidFill>
-            <a:schemeClr val="accent1">
-              <a:lumMod val="20000"/>
-              <a:lumOff val="80000"/>
-              <a:alpha val="75000"/>
-            </a:schemeClr>
-          </a:solidFill>
-          <a:ln w="12700">
-            <a:solidFill>
-              <a:schemeClr val="accent1"/>
-            </a:solidFill>
-          </a:ln>
-        </p:spPr>
-        <p:style>
-          <a:lnRef idx="2">
-            <a:schemeClr val="accent1">
-              <a:shade val="50000"/>
-            </a:schemeClr>
-          </a:lnRef>
-          <a:fillRef idx="1">
-            <a:schemeClr val="accent1"/>
-          </a:fillRef>
-          <a:effectRef idx="0">
-            <a:schemeClr val="accent1"/>
-          </a:effectRef>
-          <a:fontRef idx="minor">
-            <a:schemeClr val="lt1"/>
-          </a:fontRef>
-        </p:style>
-        <p:txBody>
-          <a:bodyPr rtlCol="0" anchor="ctr"/>
-          <a:lstStyle/>
-          <a:p>
-            <a:pPr algn="ctr"/>
-            <a:endParaRPr lang="en-US"/>
-          </a:p>
-        </p:txBody>
-      </p:sp>
-      <p:cxnSp>
-        <p:nvCxnSpPr>
-          <p:cNvPr id="27" name="Straight Arrow Connector 26">
-            <a:extLst>
-              <a:ext uri="{FF2B5EF4-FFF2-40B4-BE49-F238E27FC236}">
-                <a16:creationId xmlns:a16="http://schemas.microsoft.com/office/drawing/2014/main" id="{7486DD8F-914B-24FF-3A65-C3D046195C30}"/>
-              </a:ext>
-            </a:extLst>
-          </p:cNvPr>
-          <p:cNvCxnSpPr>
-            <a:cxnSpLocks/>
-          </p:cNvCxnSpPr>
-          <p:nvPr/>
-        </p:nvCxnSpPr>
-        <p:spPr>
-          <a:xfrm flipV="1">
-            <a:off x="3600000" y="2160000"/>
-            <a:ext cx="2160000" cy="2160000"/>
-          </a:xfrm>
-          <a:prstGeom prst="straightConnector1">
-            <a:avLst/>
-          </a:prstGeom>
-          <a:ln w="12700">
-            <a:solidFill>
-              <a:schemeClr val="bg1">
-                <a:lumMod val="75000"/>
-              </a:schemeClr>
-            </a:solidFill>
-            <a:prstDash val="dash"/>
-            <a:headEnd type="none"/>
-            <a:tailEnd type="none"/>
-          </a:ln>
-        </p:spPr>
-        <p:style>
-          <a:lnRef idx="1">
-            <a:schemeClr val="accent1"/>
-          </a:lnRef>
-          <a:fillRef idx="0">
-            <a:schemeClr val="accent1"/>
-          </a:fillRef>
-          <a:effectRef idx="0">
-            <a:schemeClr val="accent1"/>
-          </a:effectRef>
-          <a:fontRef idx="minor">
-            <a:schemeClr val="tx1"/>
-          </a:fontRef>
-        </p:style>
-      </p:cxnSp>
-      <p:cxnSp>
-        <p:nvCxnSpPr>
-          <p:cNvPr id="30" name="Straight Arrow Connector 29">
-            <a:extLst>
-              <a:ext uri="{FF2B5EF4-FFF2-40B4-BE49-F238E27FC236}">
-                <a16:creationId xmlns:a16="http://schemas.microsoft.com/office/drawing/2014/main" id="{AE7BC944-A3A2-D8FC-12BA-7D9E6022EF64}"/>
-              </a:ext>
-            </a:extLst>
-          </p:cNvPr>
-          <p:cNvCxnSpPr>
-            <a:cxnSpLocks/>
-          </p:cNvCxnSpPr>
-          <p:nvPr/>
-        </p:nvCxnSpPr>
-        <p:spPr>
-          <a:xfrm flipV="1">
-            <a:off x="1080000" y="2160000"/>
-            <a:ext cx="2160000" cy="2160000"/>
-          </a:xfrm>
-          <a:prstGeom prst="straightConnector1">
-            <a:avLst/>
-          </a:prstGeom>
-          <a:ln w="12700">
-            <a:solidFill>
-              <a:schemeClr val="bg1">
-                <a:lumMod val="75000"/>
-              </a:schemeClr>
-            </a:solidFill>
-            <a:prstDash val="dash"/>
-            <a:headEnd type="none"/>
-            <a:tailEnd type="none"/>
-          </a:ln>
-        </p:spPr>
-        <p:style>
-          <a:lnRef idx="1">
-            <a:schemeClr val="accent1"/>
-          </a:lnRef>
-          <a:fillRef idx="0">
-            <a:schemeClr val="accent1"/>
-          </a:fillRef>
-          <a:effectRef idx="0">
-            <a:schemeClr val="accent1"/>
-          </a:effectRef>
-          <a:fontRef idx="minor">
-            <a:schemeClr val="tx1"/>
-          </a:fontRef>
-        </p:style>
-      </p:cxnSp>
-      <p:cxnSp>
-        <p:nvCxnSpPr>
-          <p:cNvPr id="31" name="Straight Arrow Connector 30">
-            <a:extLst>
-              <a:ext uri="{FF2B5EF4-FFF2-40B4-BE49-F238E27FC236}">
-                <a16:creationId xmlns:a16="http://schemas.microsoft.com/office/drawing/2014/main" id="{DB96D324-01D2-8141-7132-7794EC9C90E3}"/>
-              </a:ext>
-            </a:extLst>
-          </p:cNvPr>
-          <p:cNvCxnSpPr>
-            <a:cxnSpLocks/>
-          </p:cNvCxnSpPr>
-          <p:nvPr/>
-        </p:nvCxnSpPr>
-        <p:spPr>
-          <a:xfrm flipV="1">
-            <a:off x="3960000" y="2160000"/>
-            <a:ext cx="2160000" cy="2160000"/>
-          </a:xfrm>
-          <a:prstGeom prst="straightConnector1">
-            <a:avLst/>
-          </a:prstGeom>
-          <a:ln w="12700">
-            <a:solidFill>
-              <a:schemeClr val="bg1">
-                <a:lumMod val="75000"/>
-              </a:schemeClr>
-            </a:solidFill>
-            <a:prstDash val="dash"/>
-            <a:headEnd type="none"/>
-            <a:tailEnd type="none"/>
-          </a:ln>
-        </p:spPr>
-        <p:style>
-          <a:lnRef idx="1">
-            <a:schemeClr val="accent1"/>
-          </a:lnRef>
-          <a:fillRef idx="0">
-            <a:schemeClr val="accent1"/>
-          </a:fillRef>
-          <a:effectRef idx="0">
-            <a:schemeClr val="accent1"/>
-          </a:effectRef>
-          <a:fontRef idx="minor">
-            <a:schemeClr val="tx1"/>
-          </a:fontRef>
-        </p:style>
-      </p:cxnSp>
-      <p:cxnSp>
-        <p:nvCxnSpPr>
-          <p:cNvPr id="43" name="Straight Arrow Connector 42">
-            <a:extLst>
-              <a:ext uri="{FF2B5EF4-FFF2-40B4-BE49-F238E27FC236}">
-                <a16:creationId xmlns:a16="http://schemas.microsoft.com/office/drawing/2014/main" id="{347BF0B9-F490-9EB7-5BF5-F0DDD93B491F}"/>
-              </a:ext>
-            </a:extLst>
-          </p:cNvPr>
-          <p:cNvCxnSpPr>
-            <a:cxnSpLocks/>
-          </p:cNvCxnSpPr>
-          <p:nvPr/>
-        </p:nvCxnSpPr>
-        <p:spPr>
-          <a:xfrm>
-            <a:off x="3959762" y="1080000"/>
-            <a:ext cx="478" cy="1800000"/>
-          </a:xfrm>
-          <a:prstGeom prst="straightConnector1">
-            <a:avLst/>
-          </a:prstGeom>
-          <a:ln w="25400">
-            <a:solidFill>
-              <a:srgbClr val="FF0000"/>
-            </a:solidFill>
-            <a:headEnd type="triangle" w="med" len="lg"/>
-            <a:tailEnd type="none"/>
-          </a:ln>
-        </p:spPr>
-        <p:style>
-          <a:lnRef idx="1">
-            <a:schemeClr val="accent1"/>
-          </a:lnRef>
-          <a:fillRef idx="0">
-            <a:schemeClr val="accent1"/>
-          </a:fillRef>
-          <a:effectRef idx="0">
-            <a:schemeClr val="accent1"/>
-          </a:effectRef>
-          <a:fontRef idx="minor">
-            <a:schemeClr val="tx1"/>
-          </a:fontRef>
-        </p:style>
-      </p:cxnSp>
-      <p:cxnSp>
-        <p:nvCxnSpPr>
-          <p:cNvPr id="48" name="Straight Arrow Connector 47">
-            <a:extLst>
-              <a:ext uri="{FF2B5EF4-FFF2-40B4-BE49-F238E27FC236}">
-                <a16:creationId xmlns:a16="http://schemas.microsoft.com/office/drawing/2014/main" id="{05ED7143-7B1E-51AA-5248-ED8229266C59}"/>
-              </a:ext>
-            </a:extLst>
-          </p:cNvPr>
-          <p:cNvCxnSpPr>
-            <a:cxnSpLocks/>
-          </p:cNvCxnSpPr>
-          <p:nvPr/>
-        </p:nvCxnSpPr>
-        <p:spPr>
-          <a:xfrm>
-            <a:off x="3772274" y="2700000"/>
-            <a:ext cx="180000" cy="0"/>
-          </a:xfrm>
-          <a:prstGeom prst="straightConnector1">
-            <a:avLst/>
-          </a:prstGeom>
-          <a:ln w="12700">
-            <a:solidFill>
-              <a:srgbClr val="002060"/>
-            </a:solidFill>
-            <a:headEnd type="none" w="med" len="lg"/>
-            <a:tailEnd type="none"/>
-          </a:ln>
-        </p:spPr>
-        <p:style>
-          <a:lnRef idx="1">
-            <a:schemeClr val="accent1"/>
-          </a:lnRef>
-          <a:fillRef idx="0">
-            <a:schemeClr val="accent1"/>
-          </a:fillRef>
-          <a:effectRef idx="0">
-            <a:schemeClr val="accent1"/>
-          </a:effectRef>
-          <a:fontRef idx="minor">
-            <a:schemeClr val="tx1"/>
-          </a:fontRef>
-        </p:style>
-      </p:cxnSp>
-      <p:cxnSp>
-        <p:nvCxnSpPr>
-          <p:cNvPr id="49" name="Straight Arrow Connector 48">
-            <a:extLst>
-              <a:ext uri="{FF2B5EF4-FFF2-40B4-BE49-F238E27FC236}">
-                <a16:creationId xmlns:a16="http://schemas.microsoft.com/office/drawing/2014/main" id="{A106707B-500E-0CD6-D1E6-4FA9C4ED8987}"/>
-              </a:ext>
-            </a:extLst>
-          </p:cNvPr>
-          <p:cNvCxnSpPr>
-            <a:cxnSpLocks/>
-          </p:cNvCxnSpPr>
-          <p:nvPr/>
-        </p:nvCxnSpPr>
-        <p:spPr>
-          <a:xfrm>
-            <a:off x="3772274" y="2700000"/>
-            <a:ext cx="0" cy="180000"/>
-          </a:xfrm>
-          <a:prstGeom prst="straightConnector1">
-            <a:avLst/>
-          </a:prstGeom>
-          <a:ln w="12700">
-            <a:solidFill>
-              <a:srgbClr val="002060"/>
-            </a:solidFill>
-            <a:headEnd type="none" w="med" len="lg"/>
-            <a:tailEnd type="none"/>
-          </a:ln>
-        </p:spPr>
-        <p:style>
-          <a:lnRef idx="1">
-            <a:schemeClr val="accent1"/>
-          </a:lnRef>
-          <a:fillRef idx="0">
-            <a:schemeClr val="accent1"/>
-          </a:fillRef>
-          <a:effectRef idx="0">
-            <a:schemeClr val="accent1"/>
-          </a:effectRef>
-          <a:fontRef idx="minor">
-            <a:schemeClr val="tx1"/>
-          </a:fontRef>
-        </p:style>
-      </p:cxnSp>
-      <p:sp>
-        <p:nvSpPr>
-          <p:cNvPr id="53" name="Right Brace 52">
-            <a:extLst>
-              <a:ext uri="{FF2B5EF4-FFF2-40B4-BE49-F238E27FC236}">
-                <a16:creationId xmlns:a16="http://schemas.microsoft.com/office/drawing/2014/main" id="{6AC0D40B-65F6-D4D6-9EBD-8C2E296F2759}"/>
-              </a:ext>
-            </a:extLst>
-          </p:cNvPr>
-          <p:cNvSpPr/>
-          <p:nvPr/>
-        </p:nvSpPr>
-        <p:spPr>
-          <a:xfrm>
-            <a:off x="4075551" y="1079999"/>
-            <a:ext cx="124161" cy="1790997"/>
-          </a:xfrm>
-          <a:prstGeom prst="rightBrace">
-            <a:avLst>
-              <a:gd name="adj1" fmla="val 45123"/>
-              <a:gd name="adj2" fmla="val 50000"/>
-            </a:avLst>
-          </a:prstGeom>
-          <a:ln w="12700">
-            <a:solidFill>
-              <a:srgbClr val="FF0000"/>
-            </a:solidFill>
-          </a:ln>
-        </p:spPr>
-        <p:style>
-          <a:lnRef idx="1">
-            <a:schemeClr val="accent1"/>
-          </a:lnRef>
-          <a:fillRef idx="0">
-            <a:schemeClr val="accent1"/>
-          </a:fillRef>
-          <a:effectRef idx="0">
-            <a:schemeClr val="accent1"/>
-          </a:effectRef>
-          <a:fontRef idx="minor">
-            <a:schemeClr val="tx1"/>
-          </a:fontRef>
-        </p:style>
-        <p:txBody>
-          <a:bodyPr rtlCol="0" anchor="ctr"/>
-          <a:lstStyle/>
-          <a:p>
-            <a:pPr algn="ctr"/>
-            <a:endParaRPr lang="en-US"/>
-          </a:p>
-        </p:txBody>
-      </p:sp>
-      <mc:AlternateContent xmlns:mc="http://schemas.openxmlformats.org/markup-compatibility/2006">
-        <mc:Choice xmlns:a14="http://schemas.microsoft.com/office/drawing/2010/main" Requires="a14">
-          <p:sp>
-            <p:nvSpPr>
-              <p:cNvPr id="54" name="TextBox 53">
-                <a:extLst>
-                  <a:ext uri="{FF2B5EF4-FFF2-40B4-BE49-F238E27FC236}">
-                    <a16:creationId xmlns:a16="http://schemas.microsoft.com/office/drawing/2014/main" id="{151D254F-F52E-4551-5EB6-28AD53C4FA0A}"/>
-                  </a:ext>
-                </a:extLst>
-              </p:cNvPr>
-              <p:cNvSpPr txBox="1"/>
-              <p:nvPr/>
-            </p:nvSpPr>
-            <p:spPr>
-              <a:xfrm>
-                <a:off x="4234873" y="1856889"/>
-                <a:ext cx="160300" cy="246221"/>
-              </a:xfrm>
-              <a:prstGeom prst="rect">
-                <a:avLst/>
-              </a:prstGeom>
-              <a:noFill/>
-            </p:spPr>
-            <p:txBody>
-              <a:bodyPr wrap="square" lIns="0" tIns="0" rIns="0" bIns="0" rtlCol="0">
-                <a:spAutoFit/>
-              </a:bodyPr>
-              <a:lstStyle/>
-              <a:p>
-                <a:pPr/>
-                <a14:m>
-                  <m:oMathPara xmlns:m="http://schemas.openxmlformats.org/officeDocument/2006/math">
-                    <m:oMathParaPr>
-                      <m:jc m:val="centerGroup"/>
-                    </m:oMathParaPr>
-                    <m:oMath xmlns:m="http://schemas.openxmlformats.org/officeDocument/2006/math">
-                      <m:r>
-                        <a:rPr lang="en-US" sz="1600" b="0" i="1" smtClean="0">
-                          <a:solidFill>
-                            <a:srgbClr val="FF0000"/>
-                          </a:solidFill>
-                          <a:latin typeface="Cambria Math" panose="02040503050406030204" pitchFamily="18" charset="0"/>
-                        </a:rPr>
-                        <m:t>1</m:t>
-                      </m:r>
-                    </m:oMath>
-                  </m:oMathPara>
-                </a14:m>
-                <a:endParaRPr lang="en-US" dirty="0"/>
-              </a:p>
-            </p:txBody>
-          </p:sp>
-        </mc:Choice>
-        <mc:Fallback>
-          <p:sp>
-            <p:nvSpPr>
-              <p:cNvPr id="54" name="TextBox 53">
-                <a:extLst>
-                  <a:ext uri="{FF2B5EF4-FFF2-40B4-BE49-F238E27FC236}">
-                    <a16:creationId xmlns:a16="http://schemas.microsoft.com/office/drawing/2014/main" id="{151D254F-F52E-4551-5EB6-28AD53C4FA0A}"/>
-                  </a:ext>
-                </a:extLst>
-              </p:cNvPr>
-              <p:cNvSpPr txBox="1">
-                <a:spLocks noRot="1" noChangeAspect="1" noMove="1" noResize="1" noEditPoints="1" noAdjustHandles="1" noChangeArrowheads="1" noChangeShapeType="1" noTextEdit="1"/>
-              </p:cNvSpPr>
-              <p:nvPr/>
-            </p:nvSpPr>
-            <p:spPr>
-              <a:xfrm>
-                <a:off x="4234873" y="1856889"/>
-                <a:ext cx="160300" cy="246221"/>
-              </a:xfrm>
-              <a:prstGeom prst="rect">
-                <a:avLst/>
-              </a:prstGeom>
-              <a:blipFill>
-                <a:blip r:embed="rId2"/>
-                <a:stretch>
-                  <a:fillRect l="-30769" r="-26923" b="-5000"/>
-                </a:stretch>
-              </a:blipFill>
-            </p:spPr>
-            <p:txBody>
-              <a:bodyPr/>
-              <a:lstStyle/>
-              <a:p>
-                <a:r>
-                  <a:rPr lang="en-US">
-                    <a:noFill/>
-                  </a:rPr>
-                  <a:t> </a:t>
-                </a:r>
-              </a:p>
-            </p:txBody>
-          </p:sp>
-        </mc:Fallback>
-      </mc:AlternateContent>
-      <p:sp>
-        <p:nvSpPr>
-          <p:cNvPr id="55" name="Right Brace 54">
-            <a:extLst>
-              <a:ext uri="{FF2B5EF4-FFF2-40B4-BE49-F238E27FC236}">
-                <a16:creationId xmlns:a16="http://schemas.microsoft.com/office/drawing/2014/main" id="{FD73A74F-8BFD-2E18-748A-8C5A826277C3}"/>
-              </a:ext>
-            </a:extLst>
-          </p:cNvPr>
-          <p:cNvSpPr/>
-          <p:nvPr/>
-        </p:nvSpPr>
-        <p:spPr>
-          <a:xfrm>
-            <a:off x="3741976" y="3249003"/>
-            <a:ext cx="124161" cy="1790997"/>
-          </a:xfrm>
-          <a:prstGeom prst="rightBrace">
-            <a:avLst>
-              <a:gd name="adj1" fmla="val 45123"/>
-              <a:gd name="adj2" fmla="val 50000"/>
-            </a:avLst>
-          </a:prstGeom>
-          <a:ln w="12700">
-            <a:solidFill>
-              <a:srgbClr val="FF0000"/>
-            </a:solidFill>
-          </a:ln>
-        </p:spPr>
-        <p:style>
-          <a:lnRef idx="1">
-            <a:schemeClr val="accent1"/>
-          </a:lnRef>
-          <a:fillRef idx="0">
-            <a:schemeClr val="accent1"/>
-          </a:fillRef>
-          <a:effectRef idx="0">
-            <a:schemeClr val="accent1"/>
-          </a:effectRef>
-          <a:fontRef idx="minor">
-            <a:schemeClr val="tx1"/>
-          </a:fontRef>
-        </p:style>
-        <p:txBody>
-          <a:bodyPr rtlCol="0" anchor="ctr"/>
-          <a:lstStyle/>
-          <a:p>
-            <a:pPr algn="ctr"/>
-            <a:endParaRPr lang="en-US"/>
-          </a:p>
-        </p:txBody>
-      </p:sp>
-      <mc:AlternateContent xmlns:mc="http://schemas.openxmlformats.org/markup-compatibility/2006">
-        <mc:Choice xmlns:a14="http://schemas.microsoft.com/office/drawing/2010/main" Requires="a14">
-          <p:sp>
-            <p:nvSpPr>
-              <p:cNvPr id="56" name="TextBox 55">
-                <a:extLst>
-                  <a:ext uri="{FF2B5EF4-FFF2-40B4-BE49-F238E27FC236}">
-                    <a16:creationId xmlns:a16="http://schemas.microsoft.com/office/drawing/2014/main" id="{1463BC8B-5C24-4BCA-3105-C85B1F46DE4E}"/>
-                  </a:ext>
-                </a:extLst>
-              </p:cNvPr>
-              <p:cNvSpPr txBox="1"/>
-              <p:nvPr/>
-            </p:nvSpPr>
-            <p:spPr>
-              <a:xfrm>
-                <a:off x="3896948" y="4021390"/>
-                <a:ext cx="160300" cy="246221"/>
-              </a:xfrm>
-              <a:prstGeom prst="rect">
-                <a:avLst/>
-              </a:prstGeom>
-              <a:noFill/>
-            </p:spPr>
-            <p:txBody>
-              <a:bodyPr wrap="square" lIns="0" tIns="0" rIns="0" bIns="0" rtlCol="0">
-                <a:spAutoFit/>
-              </a:bodyPr>
-              <a:lstStyle/>
-              <a:p>
-                <a:pPr/>
-                <a14:m>
-                  <m:oMathPara xmlns:m="http://schemas.openxmlformats.org/officeDocument/2006/math">
-                    <m:oMathParaPr>
-                      <m:jc m:val="centerGroup"/>
-                    </m:oMathParaPr>
-                    <m:oMath xmlns:m="http://schemas.openxmlformats.org/officeDocument/2006/math">
-                      <m:r>
-                        <a:rPr lang="en-US" sz="1600" b="0" i="1" smtClean="0">
-                          <a:solidFill>
-                            <a:srgbClr val="FF0000"/>
-                          </a:solidFill>
-                          <a:latin typeface="Cambria Math" panose="02040503050406030204" pitchFamily="18" charset="0"/>
-                        </a:rPr>
-                        <m:t>1</m:t>
-                      </m:r>
-                    </m:oMath>
-                  </m:oMathPara>
-                </a14:m>
-                <a:endParaRPr lang="en-US" dirty="0"/>
-              </a:p>
-            </p:txBody>
-          </p:sp>
-        </mc:Choice>
-        <mc:Fallback>
-          <p:sp>
-            <p:nvSpPr>
-              <p:cNvPr id="56" name="TextBox 55">
-                <a:extLst>
-                  <a:ext uri="{FF2B5EF4-FFF2-40B4-BE49-F238E27FC236}">
-                    <a16:creationId xmlns:a16="http://schemas.microsoft.com/office/drawing/2014/main" id="{1463BC8B-5C24-4BCA-3105-C85B1F46DE4E}"/>
-                  </a:ext>
-                </a:extLst>
-              </p:cNvPr>
-              <p:cNvSpPr txBox="1">
-                <a:spLocks noRot="1" noChangeAspect="1" noMove="1" noResize="1" noEditPoints="1" noAdjustHandles="1" noChangeArrowheads="1" noChangeShapeType="1" noTextEdit="1"/>
-              </p:cNvSpPr>
-              <p:nvPr/>
-            </p:nvSpPr>
-            <p:spPr>
-              <a:xfrm>
-                <a:off x="3896948" y="4021390"/>
-                <a:ext cx="160300" cy="246221"/>
-              </a:xfrm>
-              <a:prstGeom prst="rect">
-                <a:avLst/>
-              </a:prstGeom>
-              <a:blipFill>
-                <a:blip r:embed="rId3"/>
-                <a:stretch>
-                  <a:fillRect l="-25926" r="-25926" b="-5000"/>
-                </a:stretch>
-              </a:blipFill>
-            </p:spPr>
-            <p:txBody>
-              <a:bodyPr/>
-              <a:lstStyle/>
-              <a:p>
-                <a:r>
-                  <a:rPr lang="en-US">
-                    <a:noFill/>
-                  </a:rPr>
-                  <a:t> </a:t>
-                </a:r>
-              </a:p>
-            </p:txBody>
-          </p:sp>
-        </mc:Fallback>
-      </mc:AlternateContent>
-    </p:spTree>
-    <p:extLst>
-      <p:ext uri="{BB962C8B-B14F-4D97-AF65-F5344CB8AC3E}">
-        <p14:creationId xmlns:p14="http://schemas.microsoft.com/office/powerpoint/2010/main" val="4078243434"/>
-      </p:ext>
-    </p:extLst>
-  </p:cSld>
-  <p:clrMapOvr>
-    <a:masterClrMapping/>
-  </p:clrMapOvr>
-</p:sld>
-</file>
-
-<file path=ppt/slides/slide12.xml><?xml version="1.0" encoding="utf-8"?>
-<p:sld xmlns:a="http://schemas.openxmlformats.org/drawingml/2006/main" xmlns:r="http://schemas.openxmlformats.org/officeDocument/2006/relationships" xmlns:p="http://schemas.openxmlformats.org/presentationml/2006/main">
-  <p:cSld>
-    <p:spTree>
-      <p:nvGrpSpPr>
-        <p:cNvPr id="1" name=""/>
-        <p:cNvGrpSpPr/>
-        <p:nvPr/>
-      </p:nvGrpSpPr>
-      <p:grpSpPr>
-        <a:xfrm>
-          <a:off x="0" y="0"/>
-          <a:ext cx="0" cy="0"/>
-          <a:chOff x="0" y="0"/>
-          <a:chExt cx="0" cy="0"/>
-        </a:xfrm>
-      </p:grpSpPr>
-      <p:cxnSp>
-        <p:nvCxnSpPr>
-          <p:cNvPr id="14" name="Straight Arrow Connector 13">
-            <a:extLst>
-              <a:ext uri="{FF2B5EF4-FFF2-40B4-BE49-F238E27FC236}">
-                <a16:creationId xmlns:a16="http://schemas.microsoft.com/office/drawing/2014/main" id="{A03E9872-C2BD-97D4-4731-FF0687F5A732}"/>
-              </a:ext>
-            </a:extLst>
-          </p:cNvPr>
-          <p:cNvCxnSpPr>
-            <a:cxnSpLocks/>
-          </p:cNvCxnSpPr>
-          <p:nvPr/>
-        </p:nvCxnSpPr>
-        <p:spPr>
-          <a:xfrm>
-            <a:off x="2309813" y="3175500"/>
-            <a:ext cx="180000" cy="0"/>
-          </a:xfrm>
-          <a:prstGeom prst="straightConnector1">
-            <a:avLst/>
-          </a:prstGeom>
-          <a:ln w="12700">
-            <a:solidFill>
-              <a:srgbClr val="002060"/>
-            </a:solidFill>
-            <a:headEnd type="none" w="med" len="lg"/>
-            <a:tailEnd type="none"/>
-          </a:ln>
-        </p:spPr>
-        <p:style>
-          <a:lnRef idx="1">
-            <a:schemeClr val="accent1"/>
-          </a:lnRef>
-          <a:fillRef idx="0">
-            <a:schemeClr val="accent1"/>
-          </a:fillRef>
-          <a:effectRef idx="0">
-            <a:schemeClr val="accent1"/>
-          </a:effectRef>
-          <a:fontRef idx="minor">
-            <a:schemeClr val="tx1"/>
-          </a:fontRef>
-        </p:style>
-      </p:cxnSp>
-      <p:cxnSp>
-        <p:nvCxnSpPr>
-          <p:cNvPr id="15" name="Straight Arrow Connector 14">
-            <a:extLst>
-              <a:ext uri="{FF2B5EF4-FFF2-40B4-BE49-F238E27FC236}">
-                <a16:creationId xmlns:a16="http://schemas.microsoft.com/office/drawing/2014/main" id="{8DAAE73D-32C5-6EAE-0744-6F70FB0ED2F8}"/>
-              </a:ext>
-            </a:extLst>
-          </p:cNvPr>
-          <p:cNvCxnSpPr>
-            <a:cxnSpLocks/>
-          </p:cNvCxnSpPr>
-          <p:nvPr/>
-        </p:nvCxnSpPr>
-        <p:spPr>
-          <a:xfrm>
-            <a:off x="2489813" y="3175500"/>
-            <a:ext cx="0" cy="180000"/>
-          </a:xfrm>
-          <a:prstGeom prst="straightConnector1">
-            <a:avLst/>
-          </a:prstGeom>
-          <a:ln w="12700">
-            <a:solidFill>
-              <a:srgbClr val="002060"/>
-            </a:solidFill>
-            <a:headEnd type="none" w="med" len="lg"/>
-            <a:tailEnd type="none"/>
-          </a:ln>
-        </p:spPr>
-        <p:style>
-          <a:lnRef idx="1">
-            <a:schemeClr val="accent1"/>
-          </a:lnRef>
-          <a:fillRef idx="0">
-            <a:schemeClr val="accent1"/>
-          </a:fillRef>
-          <a:effectRef idx="0">
-            <a:schemeClr val="accent1"/>
-          </a:effectRef>
-          <a:fontRef idx="minor">
-            <a:schemeClr val="tx1"/>
-          </a:fontRef>
-        </p:style>
-      </p:cxnSp>
-      <p:cxnSp>
-        <p:nvCxnSpPr>
-          <p:cNvPr id="13" name="Straight Arrow Connector 12">
-            <a:extLst>
-              <a:ext uri="{FF2B5EF4-FFF2-40B4-BE49-F238E27FC236}">
-                <a16:creationId xmlns:a16="http://schemas.microsoft.com/office/drawing/2014/main" id="{9F35A291-F98B-6092-3580-570313DD7AD5}"/>
-              </a:ext>
-            </a:extLst>
-          </p:cNvPr>
-          <p:cNvCxnSpPr>
-            <a:cxnSpLocks/>
-          </p:cNvCxnSpPr>
-          <p:nvPr/>
-        </p:nvCxnSpPr>
-        <p:spPr>
-          <a:xfrm>
-            <a:off x="2131592" y="3175500"/>
-            <a:ext cx="0" cy="180000"/>
-          </a:xfrm>
-          <a:prstGeom prst="straightConnector1">
-            <a:avLst/>
-          </a:prstGeom>
-          <a:ln w="12700">
-            <a:solidFill>
-              <a:srgbClr val="002060"/>
-            </a:solidFill>
-            <a:headEnd type="none" w="med" len="lg"/>
-            <a:tailEnd type="none"/>
-          </a:ln>
-        </p:spPr>
-        <p:style>
-          <a:lnRef idx="1">
-            <a:schemeClr val="accent1"/>
-          </a:lnRef>
-          <a:fillRef idx="0">
-            <a:schemeClr val="accent1"/>
-          </a:fillRef>
-          <a:effectRef idx="0">
-            <a:schemeClr val="accent1"/>
-          </a:effectRef>
-          <a:fontRef idx="minor">
-            <a:schemeClr val="tx1"/>
-          </a:fontRef>
-        </p:style>
-      </p:cxnSp>
-      <p:cxnSp>
-        <p:nvCxnSpPr>
-          <p:cNvPr id="12" name="Straight Arrow Connector 11">
-            <a:extLst>
-              <a:ext uri="{FF2B5EF4-FFF2-40B4-BE49-F238E27FC236}">
-                <a16:creationId xmlns:a16="http://schemas.microsoft.com/office/drawing/2014/main" id="{2C495AA3-2C8D-E1A6-5355-6A9558B7C84C}"/>
-              </a:ext>
-            </a:extLst>
-          </p:cNvPr>
-          <p:cNvCxnSpPr>
-            <a:cxnSpLocks/>
-          </p:cNvCxnSpPr>
-          <p:nvPr/>
-        </p:nvCxnSpPr>
-        <p:spPr>
-          <a:xfrm>
-            <a:off x="2131592" y="3175500"/>
-            <a:ext cx="180000" cy="0"/>
-          </a:xfrm>
-          <a:prstGeom prst="straightConnector1">
-            <a:avLst/>
-          </a:prstGeom>
-          <a:ln w="12700">
-            <a:solidFill>
-              <a:srgbClr val="002060"/>
-            </a:solidFill>
-            <a:headEnd type="none" w="med" len="lg"/>
-            <a:tailEnd type="none"/>
-          </a:ln>
-        </p:spPr>
-        <p:style>
-          <a:lnRef idx="1">
-            <a:schemeClr val="accent1"/>
-          </a:lnRef>
-          <a:fillRef idx="0">
-            <a:schemeClr val="accent1"/>
-          </a:fillRef>
-          <a:effectRef idx="0">
-            <a:schemeClr val="accent1"/>
-          </a:effectRef>
-          <a:fontRef idx="minor">
-            <a:schemeClr val="tx1"/>
-          </a:fontRef>
-        </p:style>
-      </p:cxnSp>
-      <p:cxnSp>
-        <p:nvCxnSpPr>
-          <p:cNvPr id="2" name="Straight Arrow Connector 1">
-            <a:extLst>
-              <a:ext uri="{FF2B5EF4-FFF2-40B4-BE49-F238E27FC236}">
-                <a16:creationId xmlns:a16="http://schemas.microsoft.com/office/drawing/2014/main" id="{39532250-E514-CD85-745B-CA32E95AA954}"/>
-              </a:ext>
-            </a:extLst>
-          </p:cNvPr>
-          <p:cNvCxnSpPr>
-            <a:cxnSpLocks/>
-          </p:cNvCxnSpPr>
-          <p:nvPr/>
-        </p:nvCxnSpPr>
-        <p:spPr>
-          <a:xfrm flipV="1">
-            <a:off x="2309813" y="2095500"/>
-            <a:ext cx="0" cy="2520000"/>
-          </a:xfrm>
-          <a:prstGeom prst="straightConnector1">
-            <a:avLst/>
-          </a:prstGeom>
-          <a:ln w="12700">
-            <a:solidFill>
-              <a:schemeClr val="bg1">
-                <a:lumMod val="75000"/>
-              </a:schemeClr>
-            </a:solidFill>
-            <a:prstDash val="dash"/>
-            <a:headEnd type="none"/>
-            <a:tailEnd type="none"/>
-          </a:ln>
-        </p:spPr>
-        <p:style>
-          <a:lnRef idx="1">
-            <a:schemeClr val="accent1"/>
-          </a:lnRef>
-          <a:fillRef idx="0">
-            <a:schemeClr val="accent1"/>
-          </a:fillRef>
-          <a:effectRef idx="0">
-            <a:schemeClr val="accent1"/>
-          </a:effectRef>
-          <a:fontRef idx="minor">
-            <a:schemeClr val="tx1"/>
-          </a:fontRef>
-        </p:style>
-      </p:cxnSp>
-      <p:cxnSp>
-        <p:nvCxnSpPr>
-          <p:cNvPr id="7" name="Straight Arrow Connector 6">
-            <a:extLst>
-              <a:ext uri="{FF2B5EF4-FFF2-40B4-BE49-F238E27FC236}">
-                <a16:creationId xmlns:a16="http://schemas.microsoft.com/office/drawing/2014/main" id="{42CF9BDB-F40D-192F-690D-16946BBC3D7F}"/>
-              </a:ext>
-            </a:extLst>
-          </p:cNvPr>
-          <p:cNvCxnSpPr>
-            <a:cxnSpLocks/>
-          </p:cNvCxnSpPr>
-          <p:nvPr/>
-        </p:nvCxnSpPr>
-        <p:spPr>
-          <a:xfrm flipH="1">
-            <a:off x="2309813" y="3355500"/>
-            <a:ext cx="900000" cy="0"/>
-          </a:xfrm>
-          <a:prstGeom prst="straightConnector1">
-            <a:avLst/>
-          </a:prstGeom>
-          <a:ln w="25400">
-            <a:solidFill>
-              <a:srgbClr val="FF0000"/>
-            </a:solidFill>
-            <a:headEnd type="triangle" w="med" len="lg"/>
-            <a:tailEnd type="none"/>
-          </a:ln>
-        </p:spPr>
-        <p:style>
-          <a:lnRef idx="1">
-            <a:schemeClr val="accent1"/>
-          </a:lnRef>
-          <a:fillRef idx="0">
-            <a:schemeClr val="accent1"/>
-          </a:fillRef>
-          <a:effectRef idx="0">
-            <a:schemeClr val="accent1"/>
-          </a:effectRef>
-          <a:fontRef idx="minor">
-            <a:schemeClr val="tx1"/>
-          </a:fontRef>
-        </p:style>
-      </p:cxnSp>
-      <p:cxnSp>
-        <p:nvCxnSpPr>
-          <p:cNvPr id="10" name="Straight Arrow Connector 9">
-            <a:extLst>
-              <a:ext uri="{FF2B5EF4-FFF2-40B4-BE49-F238E27FC236}">
-                <a16:creationId xmlns:a16="http://schemas.microsoft.com/office/drawing/2014/main" id="{B3716435-E509-0FE6-055C-006F931B4EBA}"/>
-              </a:ext>
-            </a:extLst>
-          </p:cNvPr>
-          <p:cNvCxnSpPr>
-            <a:cxnSpLocks/>
-          </p:cNvCxnSpPr>
-          <p:nvPr/>
-        </p:nvCxnSpPr>
-        <p:spPr>
-          <a:xfrm flipH="1">
-            <a:off x="1409813" y="3355500"/>
-            <a:ext cx="900000" cy="0"/>
-          </a:xfrm>
-          <a:prstGeom prst="straightConnector1">
-            <a:avLst/>
-          </a:prstGeom>
-          <a:ln w="25400">
-            <a:solidFill>
-              <a:srgbClr val="FF0000"/>
-            </a:solidFill>
-            <a:headEnd type="none" w="lg" len="med"/>
-            <a:tailEnd type="triangle" w="med" len="lg"/>
-          </a:ln>
-        </p:spPr>
-        <p:style>
-          <a:lnRef idx="1">
-            <a:schemeClr val="accent1"/>
-          </a:lnRef>
-          <a:fillRef idx="0">
-            <a:schemeClr val="accent1"/>
-          </a:fillRef>
-          <a:effectRef idx="0">
-            <a:schemeClr val="accent1"/>
-          </a:effectRef>
-          <a:fontRef idx="minor">
-            <a:schemeClr val="tx1"/>
-          </a:fontRef>
-        </p:style>
-      </p:cxnSp>
-      <p:cxnSp>
-        <p:nvCxnSpPr>
-          <p:cNvPr id="6" name="Straight Arrow Connector 5">
-            <a:extLst>
-              <a:ext uri="{FF2B5EF4-FFF2-40B4-BE49-F238E27FC236}">
-                <a16:creationId xmlns:a16="http://schemas.microsoft.com/office/drawing/2014/main" id="{8DA5D1EB-CC61-1509-1B77-922F654F4A52}"/>
-              </a:ext>
-            </a:extLst>
-          </p:cNvPr>
-          <p:cNvCxnSpPr>
-            <a:cxnSpLocks/>
-          </p:cNvCxnSpPr>
-          <p:nvPr/>
-        </p:nvCxnSpPr>
-        <p:spPr>
-          <a:xfrm flipV="1">
-            <a:off x="2309813" y="2529000"/>
-            <a:ext cx="0" cy="1800000"/>
-          </a:xfrm>
-          <a:prstGeom prst="straightConnector1">
-            <a:avLst/>
-          </a:prstGeom>
-          <a:ln w="25400">
-            <a:solidFill>
-              <a:schemeClr val="accent1"/>
-            </a:solidFill>
-            <a:prstDash val="solid"/>
-            <a:headEnd type="none"/>
-            <a:tailEnd type="none"/>
-          </a:ln>
-        </p:spPr>
-        <p:style>
-          <a:lnRef idx="1">
-            <a:schemeClr val="accent1"/>
-          </a:lnRef>
-          <a:fillRef idx="0">
-            <a:schemeClr val="accent1"/>
-          </a:fillRef>
-          <a:effectRef idx="0">
-            <a:schemeClr val="accent1"/>
-          </a:effectRef>
-          <a:fontRef idx="minor">
-            <a:schemeClr val="tx1"/>
-          </a:fontRef>
-        </p:style>
-      </p:cxnSp>
-      <p:sp>
-        <p:nvSpPr>
-          <p:cNvPr id="21" name="TextBox 20">
-            <a:extLst>
-              <a:ext uri="{FF2B5EF4-FFF2-40B4-BE49-F238E27FC236}">
-                <a16:creationId xmlns:a16="http://schemas.microsoft.com/office/drawing/2014/main" id="{FAE0F94E-B885-2F55-5C06-84B573BC5F4E}"/>
-              </a:ext>
-            </a:extLst>
-          </p:cNvPr>
-          <p:cNvSpPr txBox="1"/>
-          <p:nvPr/>
-        </p:nvSpPr>
-        <p:spPr>
-          <a:xfrm>
-            <a:off x="1409813" y="2584617"/>
-            <a:ext cx="641522" cy="261610"/>
-          </a:xfrm>
-          <a:prstGeom prst="rect">
-            <a:avLst/>
-          </a:prstGeom>
-          <a:noFill/>
-        </p:spPr>
-        <p:txBody>
-          <a:bodyPr wrap="none" rtlCol="0">
-            <a:spAutoFit/>
-          </a:bodyPr>
-          <a:lstStyle/>
-          <a:p>
-            <a:pPr/>
-            <a:r>
-              <a:rPr lang="en-US" sz="1050" dirty="0">
-                <a:latin typeface="Georgia" panose="02040502050405020303" pitchFamily="18" charset="0"/>
-              </a:rPr>
-              <a:t>Side #1</a:t>
-            </a:r>
-            <a:endParaRPr lang="en-US" dirty="0">
-              <a:latin typeface="Georgia" panose="02040502050405020303" pitchFamily="18" charset="0"/>
-            </a:endParaRPr>
-          </a:p>
-        </p:txBody>
-      </p:sp>
-      <p:sp>
-        <p:nvSpPr>
-          <p:cNvPr id="22" name="TextBox 21">
-            <a:extLst>
-              <a:ext uri="{FF2B5EF4-FFF2-40B4-BE49-F238E27FC236}">
-                <a16:creationId xmlns:a16="http://schemas.microsoft.com/office/drawing/2014/main" id="{A8DBC02B-3A06-847C-2772-7C6DD811CCC5}"/>
-              </a:ext>
-            </a:extLst>
-          </p:cNvPr>
-          <p:cNvSpPr txBox="1"/>
-          <p:nvPr/>
-        </p:nvSpPr>
-        <p:spPr>
-          <a:xfrm>
-            <a:off x="2573100" y="2592311"/>
-            <a:ext cx="636713" cy="253916"/>
-          </a:xfrm>
-          <a:prstGeom prst="rect">
-            <a:avLst/>
-          </a:prstGeom>
-          <a:noFill/>
-        </p:spPr>
-        <p:txBody>
-          <a:bodyPr wrap="none" rtlCol="0">
-            <a:spAutoFit/>
-          </a:bodyPr>
-          <a:lstStyle/>
-          <a:p>
-            <a:pPr/>
-            <a:r>
-              <a:rPr lang="en-US" sz="1050" dirty="0">
-                <a:latin typeface="Georgia" panose="02040502050405020303" pitchFamily="18" charset="0"/>
-              </a:rPr>
-              <a:t>Side #2</a:t>
-            </a:r>
-            <a:endParaRPr lang="en-US" dirty="0">
-              <a:latin typeface="Georgia" panose="02040502050405020303" pitchFamily="18" charset="0"/>
-            </a:endParaRPr>
-          </a:p>
-        </p:txBody>
-      </p:sp>
-      <p:cxnSp>
-        <p:nvCxnSpPr>
-          <p:cNvPr id="23" name="Straight Arrow Connector 22">
-            <a:extLst>
-              <a:ext uri="{FF2B5EF4-FFF2-40B4-BE49-F238E27FC236}">
-                <a16:creationId xmlns:a16="http://schemas.microsoft.com/office/drawing/2014/main" id="{3F7F4251-1EA2-3A36-79C2-20D5A40B222D}"/>
-              </a:ext>
-            </a:extLst>
-          </p:cNvPr>
-          <p:cNvCxnSpPr>
-            <a:cxnSpLocks/>
-          </p:cNvCxnSpPr>
-          <p:nvPr/>
-        </p:nvCxnSpPr>
-        <p:spPr>
-          <a:xfrm>
-            <a:off x="2354813" y="2719269"/>
-            <a:ext cx="266442" cy="0"/>
-          </a:xfrm>
-          <a:prstGeom prst="straightConnector1">
-            <a:avLst/>
-          </a:prstGeom>
-          <a:ln w="12700">
-            <a:solidFill>
-              <a:schemeClr val="tx1"/>
-            </a:solidFill>
-            <a:headEnd type="triangle" w="sm" len="med"/>
-            <a:tailEnd type="none"/>
-          </a:ln>
-        </p:spPr>
-        <p:style>
-          <a:lnRef idx="1">
-            <a:schemeClr val="accent1"/>
-          </a:lnRef>
-          <a:fillRef idx="0">
-            <a:schemeClr val="accent1"/>
-          </a:fillRef>
-          <a:effectRef idx="0">
-            <a:schemeClr val="accent1"/>
-          </a:effectRef>
-          <a:fontRef idx="minor">
-            <a:schemeClr val="tx1"/>
-          </a:fontRef>
-        </p:style>
-      </p:cxnSp>
-      <p:cxnSp>
-        <p:nvCxnSpPr>
-          <p:cNvPr id="26" name="Straight Arrow Connector 25">
-            <a:extLst>
-              <a:ext uri="{FF2B5EF4-FFF2-40B4-BE49-F238E27FC236}">
-                <a16:creationId xmlns:a16="http://schemas.microsoft.com/office/drawing/2014/main" id="{138BE9E8-B367-09D1-FF5D-20E5AE1298B2}"/>
-              </a:ext>
-            </a:extLst>
-          </p:cNvPr>
-          <p:cNvCxnSpPr>
-            <a:cxnSpLocks/>
-          </p:cNvCxnSpPr>
-          <p:nvPr/>
-        </p:nvCxnSpPr>
-        <p:spPr>
-          <a:xfrm flipH="1">
-            <a:off x="1979255" y="2719269"/>
-            <a:ext cx="285621" cy="0"/>
-          </a:xfrm>
-          <a:prstGeom prst="straightConnector1">
-            <a:avLst/>
-          </a:prstGeom>
-          <a:ln w="12700">
-            <a:solidFill>
-              <a:schemeClr val="tx1"/>
-            </a:solidFill>
-            <a:headEnd type="triangle" w="sm" len="med"/>
-            <a:tailEnd type="none"/>
-          </a:ln>
-        </p:spPr>
-        <p:style>
-          <a:lnRef idx="1">
-            <a:schemeClr val="accent1"/>
-          </a:lnRef>
-          <a:fillRef idx="0">
-            <a:schemeClr val="accent1"/>
-          </a:fillRef>
-          <a:effectRef idx="0">
-            <a:schemeClr val="accent1"/>
-          </a:effectRef>
-          <a:fontRef idx="minor">
-            <a:schemeClr val="tx1"/>
-          </a:fontRef>
-        </p:style>
-      </p:cxnSp>
-      <p:sp>
-        <p:nvSpPr>
-          <p:cNvPr id="28" name="TextBox 27">
-            <a:extLst>
-              <a:ext uri="{FF2B5EF4-FFF2-40B4-BE49-F238E27FC236}">
-                <a16:creationId xmlns:a16="http://schemas.microsoft.com/office/drawing/2014/main" id="{915E973B-76D9-DCF3-F503-BD982F10AE73}"/>
-              </a:ext>
-            </a:extLst>
-          </p:cNvPr>
-          <p:cNvSpPr txBox="1"/>
-          <p:nvPr/>
-        </p:nvSpPr>
-        <p:spPr>
-          <a:xfrm>
-            <a:off x="2074011" y="1862909"/>
-            <a:ext cx="471604" cy="230832"/>
-          </a:xfrm>
-          <a:prstGeom prst="rect">
-            <a:avLst/>
-          </a:prstGeom>
-          <a:noFill/>
-          <a:ln>
-            <a:noFill/>
-          </a:ln>
-        </p:spPr>
-        <p:txBody>
-          <a:bodyPr wrap="none" rtlCol="0">
-            <a:spAutoFit/>
-          </a:bodyPr>
-          <a:lstStyle/>
-          <a:p>
-            <a:pPr/>
-            <a:r>
-              <a:rPr lang="en-US" sz="900" dirty="0">
-                <a:solidFill>
-                  <a:schemeClr val="bg1">
-                    <a:lumMod val="65000"/>
-                  </a:schemeClr>
-                </a:solidFill>
-                <a:latin typeface="Georgia" panose="02040502050405020303" pitchFamily="18" charset="0"/>
-              </a:rPr>
-              <a:t>Plane</a:t>
-            </a:r>
-            <a:endParaRPr lang="en-US" sz="1400" dirty="0">
-              <a:solidFill>
-                <a:schemeClr val="bg1">
-                  <a:lumMod val="65000"/>
-                </a:schemeClr>
-              </a:solidFill>
-              <a:latin typeface="Georgia" panose="02040502050405020303" pitchFamily="18" charset="0"/>
-            </a:endParaRPr>
-          </a:p>
-        </p:txBody>
-      </p:sp>
-      <p:sp>
-        <p:nvSpPr>
-          <p:cNvPr id="29" name="TextBox 28">
-            <a:extLst>
-              <a:ext uri="{FF2B5EF4-FFF2-40B4-BE49-F238E27FC236}">
-                <a16:creationId xmlns:a16="http://schemas.microsoft.com/office/drawing/2014/main" id="{C96CC8AC-B18C-2673-8677-A7497FFA3E98}"/>
-              </a:ext>
-            </a:extLst>
-          </p:cNvPr>
-          <p:cNvSpPr txBox="1"/>
-          <p:nvPr/>
-        </p:nvSpPr>
-        <p:spPr>
-          <a:xfrm>
-            <a:off x="2549860" y="3980189"/>
-            <a:ext cx="777777" cy="230832"/>
-          </a:xfrm>
-          <a:prstGeom prst="rect">
-            <a:avLst/>
-          </a:prstGeom>
-          <a:noFill/>
-          <a:ln>
-            <a:noFill/>
-          </a:ln>
-        </p:spPr>
-        <p:txBody>
-          <a:bodyPr wrap="none" rtlCol="0">
-            <a:spAutoFit/>
-          </a:bodyPr>
-          <a:lstStyle/>
-          <a:p>
-            <a:pPr/>
-            <a:r>
-              <a:rPr lang="en-US" sz="900" dirty="0">
-                <a:solidFill>
-                  <a:schemeClr val="accent1"/>
-                </a:solidFill>
-                <a:latin typeface="Georgia" panose="02040502050405020303" pitchFamily="18" charset="0"/>
-              </a:rPr>
-              <a:t>Flat surface</a:t>
-            </a:r>
-            <a:endParaRPr lang="en-US" sz="1400" dirty="0">
-              <a:solidFill>
-                <a:schemeClr val="accent1"/>
-              </a:solidFill>
-              <a:latin typeface="Georgia" panose="02040502050405020303" pitchFamily="18" charset="0"/>
-            </a:endParaRPr>
-          </a:p>
-        </p:txBody>
-      </p:sp>
-      <p:cxnSp>
-        <p:nvCxnSpPr>
-          <p:cNvPr id="30" name="Straight Arrow Connector 29">
-            <a:extLst>
-              <a:ext uri="{FF2B5EF4-FFF2-40B4-BE49-F238E27FC236}">
-                <a16:creationId xmlns:a16="http://schemas.microsoft.com/office/drawing/2014/main" id="{448E842C-1060-A0FF-5A01-975F05D4CD77}"/>
-              </a:ext>
-            </a:extLst>
-          </p:cNvPr>
-          <p:cNvCxnSpPr>
-            <a:cxnSpLocks/>
-          </p:cNvCxnSpPr>
-          <p:nvPr/>
-        </p:nvCxnSpPr>
-        <p:spPr>
-          <a:xfrm>
-            <a:off x="2318864" y="3920040"/>
-            <a:ext cx="302391" cy="175565"/>
-          </a:xfrm>
-          <a:prstGeom prst="straightConnector1">
-            <a:avLst/>
-          </a:prstGeom>
-          <a:ln w="12700">
-            <a:solidFill>
-              <a:schemeClr val="accent1"/>
-            </a:solidFill>
-            <a:headEnd type="triangle" w="sm" len="med"/>
-            <a:tailEnd type="none"/>
-          </a:ln>
-        </p:spPr>
-        <p:style>
-          <a:lnRef idx="1">
-            <a:schemeClr val="accent1"/>
-          </a:lnRef>
-          <a:fillRef idx="0">
-            <a:schemeClr val="accent1"/>
-          </a:fillRef>
-          <a:effectRef idx="0">
-            <a:schemeClr val="accent1"/>
-          </a:effectRef>
-          <a:fontRef idx="minor">
-            <a:schemeClr val="tx1"/>
-          </a:fontRef>
-        </p:style>
-      </p:cxnSp>
-      <p:sp>
-        <p:nvSpPr>
-          <p:cNvPr id="34" name="TextBox 33">
-            <a:extLst>
-              <a:ext uri="{FF2B5EF4-FFF2-40B4-BE49-F238E27FC236}">
-                <a16:creationId xmlns:a16="http://schemas.microsoft.com/office/drawing/2014/main" id="{F2A91BBE-05CC-93DE-288D-C41882C114E2}"/>
-              </a:ext>
-            </a:extLst>
-          </p:cNvPr>
-          <p:cNvSpPr txBox="1"/>
-          <p:nvPr/>
-        </p:nvSpPr>
-        <p:spPr>
-          <a:xfrm>
-            <a:off x="2457394" y="3348243"/>
-            <a:ext cx="665567" cy="369332"/>
-          </a:xfrm>
-          <a:prstGeom prst="rect">
-            <a:avLst/>
-          </a:prstGeom>
-          <a:noFill/>
-        </p:spPr>
-        <p:txBody>
-          <a:bodyPr wrap="none" rtlCol="0">
-            <a:spAutoFit/>
-          </a:bodyPr>
-          <a:lstStyle/>
-          <a:p>
-            <a:pPr algn="ctr"/>
-            <a:r>
-              <a:rPr lang="en-US" sz="900" dirty="0">
-                <a:solidFill>
-                  <a:srgbClr val="FF0000"/>
-                </a:solidFill>
-                <a:latin typeface="Georgia" panose="02040502050405020303" pitchFamily="18" charset="0"/>
-              </a:rPr>
-              <a:t>Normal </a:t>
-            </a:r>
-            <a:br>
-              <a:rPr lang="en-US" sz="900" dirty="0">
-                <a:solidFill>
-                  <a:srgbClr val="FF0000"/>
-                </a:solidFill>
-                <a:latin typeface="Georgia" panose="02040502050405020303" pitchFamily="18" charset="0"/>
-              </a:rPr>
-            </a:br>
-            <a:r>
-              <a:rPr lang="en-US" sz="900" dirty="0">
-                <a:solidFill>
-                  <a:srgbClr val="FF0000"/>
-                </a:solidFill>
-                <a:latin typeface="Georgia" panose="02040502050405020303" pitchFamily="18" charset="0"/>
-              </a:rPr>
-              <a:t>vector #2</a:t>
-            </a:r>
-            <a:endParaRPr lang="en-US" sz="1400" dirty="0">
-              <a:solidFill>
-                <a:srgbClr val="FF0000"/>
-              </a:solidFill>
-              <a:latin typeface="Georgia" panose="02040502050405020303" pitchFamily="18" charset="0"/>
-            </a:endParaRPr>
-          </a:p>
-        </p:txBody>
-      </p:sp>
-      <p:sp>
-        <p:nvSpPr>
-          <p:cNvPr id="35" name="TextBox 34">
-            <a:extLst>
-              <a:ext uri="{FF2B5EF4-FFF2-40B4-BE49-F238E27FC236}">
-                <a16:creationId xmlns:a16="http://schemas.microsoft.com/office/drawing/2014/main" id="{491ABA88-8952-7BFE-7614-E80F1CB756ED}"/>
-              </a:ext>
-            </a:extLst>
-          </p:cNvPr>
-          <p:cNvSpPr txBox="1"/>
-          <p:nvPr/>
-        </p:nvSpPr>
-        <p:spPr>
-          <a:xfrm>
-            <a:off x="1540772" y="3348243"/>
-            <a:ext cx="651140" cy="369332"/>
-          </a:xfrm>
-          <a:prstGeom prst="rect">
-            <a:avLst/>
-          </a:prstGeom>
-          <a:noFill/>
-        </p:spPr>
-        <p:txBody>
-          <a:bodyPr wrap="none" rtlCol="0">
-            <a:spAutoFit/>
-          </a:bodyPr>
-          <a:lstStyle/>
-          <a:p>
-            <a:pPr algn="ctr"/>
-            <a:r>
-              <a:rPr lang="en-US" sz="900" dirty="0">
-                <a:solidFill>
-                  <a:srgbClr val="FF0000"/>
-                </a:solidFill>
-                <a:latin typeface="Georgia" panose="02040502050405020303" pitchFamily="18" charset="0"/>
-              </a:rPr>
-              <a:t>Normal </a:t>
-            </a:r>
-            <a:br>
-              <a:rPr lang="en-US" sz="900" dirty="0">
-                <a:solidFill>
-                  <a:srgbClr val="FF0000"/>
-                </a:solidFill>
-                <a:latin typeface="Georgia" panose="02040502050405020303" pitchFamily="18" charset="0"/>
-              </a:rPr>
-            </a:br>
-            <a:r>
-              <a:rPr lang="en-US" sz="900" dirty="0">
-                <a:solidFill>
-                  <a:srgbClr val="FF0000"/>
-                </a:solidFill>
-                <a:latin typeface="Georgia" panose="02040502050405020303" pitchFamily="18" charset="0"/>
-              </a:rPr>
-              <a:t>vector #1</a:t>
-            </a:r>
-            <a:endParaRPr lang="en-US" sz="1400" dirty="0">
-              <a:solidFill>
-                <a:srgbClr val="FF0000"/>
-              </a:solidFill>
-              <a:latin typeface="Georgia" panose="02040502050405020303" pitchFamily="18" charset="0"/>
-            </a:endParaRPr>
-          </a:p>
-        </p:txBody>
-      </p:sp>
-      <p:sp>
-        <p:nvSpPr>
-          <p:cNvPr id="36" name="Rectangle 35">
-            <a:extLst>
-              <a:ext uri="{FF2B5EF4-FFF2-40B4-BE49-F238E27FC236}">
-                <a16:creationId xmlns:a16="http://schemas.microsoft.com/office/drawing/2014/main" id="{6C73F0B9-7EA4-CC85-943D-853C6391E5E5}"/>
-              </a:ext>
-            </a:extLst>
-          </p:cNvPr>
-          <p:cNvSpPr/>
-          <p:nvPr/>
-        </p:nvSpPr>
-        <p:spPr>
-          <a:xfrm>
-            <a:off x="1119189" y="1814513"/>
-            <a:ext cx="2357436" cy="2900362"/>
-          </a:xfrm>
-          <a:prstGeom prst="rect">
-            <a:avLst/>
-          </a:prstGeom>
-          <a:noFill/>
-          <a:ln>
-            <a:solidFill>
-              <a:schemeClr val="tx1"/>
-            </a:solidFill>
-          </a:ln>
-        </p:spPr>
-        <p:style>
-          <a:lnRef idx="2">
-            <a:schemeClr val="accent1">
-              <a:shade val="15000"/>
-            </a:schemeClr>
-          </a:lnRef>
-          <a:fillRef idx="1">
-            <a:schemeClr val="accent1"/>
-          </a:fillRef>
-          <a:effectRef idx="0">
-            <a:schemeClr val="accent1"/>
-          </a:effectRef>
-          <a:fontRef idx="minor">
-            <a:schemeClr val="lt1"/>
-          </a:fontRef>
-        </p:style>
-        <p:txBody>
-          <a:bodyPr rtlCol="0" anchor="ctr"/>
-          <a:lstStyle/>
-          <a:p>
-            <a:pPr algn="ctr"/>
-            <a:endParaRPr lang="en-US"/>
-          </a:p>
-        </p:txBody>
-      </p:sp>
-    </p:spTree>
-    <p:extLst>
-      <p:ext uri="{BB962C8B-B14F-4D97-AF65-F5344CB8AC3E}">
-        <p14:creationId xmlns:p14="http://schemas.microsoft.com/office/powerpoint/2010/main" val="2225490969"/>
-      </p:ext>
-    </p:extLst>
-  </p:cSld>
-  <p:clrMapOvr>
-    <a:masterClrMapping/>
-  </p:clrMapOvr>
-</p:sld>
-</file>
-
-<file path=ppt/slides/slide13.xml><?xml version="1.0" encoding="utf-8"?>
-<p:sld xmlns:a="http://schemas.openxmlformats.org/drawingml/2006/main" xmlns:r="http://schemas.openxmlformats.org/officeDocument/2006/relationships" xmlns:p="http://schemas.openxmlformats.org/presentationml/2006/main">
-  <p:cSld>
-    <p:spTree>
-      <p:nvGrpSpPr>
-        <p:cNvPr id="1" name=""/>
-        <p:cNvGrpSpPr/>
-        <p:nvPr/>
-      </p:nvGrpSpPr>
-      <p:grpSpPr>
-        <a:xfrm>
-          <a:off x="0" y="0"/>
-          <a:ext cx="0" cy="0"/>
-          <a:chOff x="0" y="0"/>
-          <a:chExt cx="0" cy="0"/>
-        </a:xfrm>
-      </p:grpSpPr>
-      <p:cxnSp>
-        <p:nvCxnSpPr>
-          <p:cNvPr id="2" name="Straight Arrow Connector 1">
-            <a:extLst>
-              <a:ext uri="{FF2B5EF4-FFF2-40B4-BE49-F238E27FC236}">
-                <a16:creationId xmlns:a16="http://schemas.microsoft.com/office/drawing/2014/main" id="{CF66554A-D261-0B28-969A-06FDA8047AC7}"/>
-              </a:ext>
-            </a:extLst>
-          </p:cNvPr>
-          <p:cNvCxnSpPr>
-            <a:cxnSpLocks/>
-          </p:cNvCxnSpPr>
-          <p:nvPr/>
-        </p:nvCxnSpPr>
-        <p:spPr>
-          <a:xfrm>
-            <a:off x="2309813" y="3175500"/>
-            <a:ext cx="180000" cy="0"/>
-          </a:xfrm>
-          <a:prstGeom prst="straightConnector1">
-            <a:avLst/>
-          </a:prstGeom>
-          <a:ln w="12700">
-            <a:solidFill>
-              <a:srgbClr val="002060"/>
-            </a:solidFill>
-            <a:headEnd type="none" w="med" len="lg"/>
-            <a:tailEnd type="none"/>
-          </a:ln>
-        </p:spPr>
-        <p:style>
-          <a:lnRef idx="1">
-            <a:schemeClr val="accent1"/>
-          </a:lnRef>
-          <a:fillRef idx="0">
-            <a:schemeClr val="accent1"/>
-          </a:fillRef>
-          <a:effectRef idx="0">
-            <a:schemeClr val="accent1"/>
-          </a:effectRef>
-          <a:fontRef idx="minor">
-            <a:schemeClr val="tx1"/>
-          </a:fontRef>
-        </p:style>
-      </p:cxnSp>
-      <p:cxnSp>
-        <p:nvCxnSpPr>
-          <p:cNvPr id="3" name="Straight Arrow Connector 2">
-            <a:extLst>
-              <a:ext uri="{FF2B5EF4-FFF2-40B4-BE49-F238E27FC236}">
-                <a16:creationId xmlns:a16="http://schemas.microsoft.com/office/drawing/2014/main" id="{357EC60F-FE48-DB3E-43EA-A0279249BCEC}"/>
-              </a:ext>
-            </a:extLst>
-          </p:cNvPr>
-          <p:cNvCxnSpPr>
-            <a:cxnSpLocks/>
-          </p:cNvCxnSpPr>
-          <p:nvPr/>
-        </p:nvCxnSpPr>
-        <p:spPr>
-          <a:xfrm>
-            <a:off x="2489813" y="3175500"/>
-            <a:ext cx="0" cy="180000"/>
-          </a:xfrm>
-          <a:prstGeom prst="straightConnector1">
-            <a:avLst/>
-          </a:prstGeom>
-          <a:ln w="12700">
-            <a:solidFill>
-              <a:srgbClr val="002060"/>
-            </a:solidFill>
-            <a:headEnd type="none" w="med" len="lg"/>
-            <a:tailEnd type="none"/>
-          </a:ln>
-        </p:spPr>
-        <p:style>
-          <a:lnRef idx="1">
-            <a:schemeClr val="accent1"/>
-          </a:lnRef>
-          <a:fillRef idx="0">
-            <a:schemeClr val="accent1"/>
-          </a:fillRef>
-          <a:effectRef idx="0">
-            <a:schemeClr val="accent1"/>
-          </a:effectRef>
-          <a:fontRef idx="minor">
-            <a:schemeClr val="tx1"/>
-          </a:fontRef>
-        </p:style>
-      </p:cxnSp>
-      <p:cxnSp>
-        <p:nvCxnSpPr>
-          <p:cNvPr id="6" name="Straight Arrow Connector 5">
-            <a:extLst>
-              <a:ext uri="{FF2B5EF4-FFF2-40B4-BE49-F238E27FC236}">
-                <a16:creationId xmlns:a16="http://schemas.microsoft.com/office/drawing/2014/main" id="{75931E26-8272-A20A-01A6-3E66173DD4A8}"/>
-              </a:ext>
-            </a:extLst>
-          </p:cNvPr>
-          <p:cNvCxnSpPr>
-            <a:cxnSpLocks/>
-          </p:cNvCxnSpPr>
-          <p:nvPr/>
-        </p:nvCxnSpPr>
-        <p:spPr>
-          <a:xfrm flipV="1">
-            <a:off x="2309813" y="2095500"/>
-            <a:ext cx="0" cy="2520000"/>
-          </a:xfrm>
-          <a:prstGeom prst="straightConnector1">
-            <a:avLst/>
-          </a:prstGeom>
-          <a:ln w="12700">
-            <a:solidFill>
-              <a:schemeClr val="bg1">
-                <a:lumMod val="75000"/>
-              </a:schemeClr>
-            </a:solidFill>
-            <a:prstDash val="dash"/>
-            <a:headEnd type="none"/>
-            <a:tailEnd type="none"/>
-          </a:ln>
-        </p:spPr>
-        <p:style>
-          <a:lnRef idx="1">
-            <a:schemeClr val="accent1"/>
-          </a:lnRef>
-          <a:fillRef idx="0">
-            <a:schemeClr val="accent1"/>
-          </a:fillRef>
-          <a:effectRef idx="0">
-            <a:schemeClr val="accent1"/>
-          </a:effectRef>
-          <a:fontRef idx="minor">
-            <a:schemeClr val="tx1"/>
-          </a:fontRef>
-        </p:style>
-      </p:cxnSp>
-      <p:cxnSp>
-        <p:nvCxnSpPr>
-          <p:cNvPr id="7" name="Straight Arrow Connector 6">
-            <a:extLst>
-              <a:ext uri="{FF2B5EF4-FFF2-40B4-BE49-F238E27FC236}">
-                <a16:creationId xmlns:a16="http://schemas.microsoft.com/office/drawing/2014/main" id="{37C73EC9-FE89-C4D7-5DA0-835B6575A73D}"/>
-              </a:ext>
-            </a:extLst>
-          </p:cNvPr>
-          <p:cNvCxnSpPr>
-            <a:cxnSpLocks/>
-          </p:cNvCxnSpPr>
-          <p:nvPr/>
-        </p:nvCxnSpPr>
-        <p:spPr>
-          <a:xfrm flipH="1">
-            <a:off x="2309813" y="3355500"/>
-            <a:ext cx="900000" cy="0"/>
-          </a:xfrm>
-          <a:prstGeom prst="straightConnector1">
-            <a:avLst/>
-          </a:prstGeom>
-          <a:ln w="25400">
-            <a:solidFill>
-              <a:srgbClr val="FF0000"/>
-            </a:solidFill>
-            <a:headEnd type="triangle" w="med" len="lg"/>
-            <a:tailEnd type="none"/>
-          </a:ln>
-        </p:spPr>
-        <p:style>
-          <a:lnRef idx="1">
-            <a:schemeClr val="accent1"/>
-          </a:lnRef>
-          <a:fillRef idx="0">
-            <a:schemeClr val="accent1"/>
-          </a:fillRef>
-          <a:effectRef idx="0">
-            <a:schemeClr val="accent1"/>
-          </a:effectRef>
-          <a:fontRef idx="minor">
-            <a:schemeClr val="tx1"/>
-          </a:fontRef>
-        </p:style>
-      </p:cxnSp>
-      <p:cxnSp>
-        <p:nvCxnSpPr>
-          <p:cNvPr id="9" name="Straight Arrow Connector 8">
-            <a:extLst>
-              <a:ext uri="{FF2B5EF4-FFF2-40B4-BE49-F238E27FC236}">
-                <a16:creationId xmlns:a16="http://schemas.microsoft.com/office/drawing/2014/main" id="{7980F0C2-7A79-49E8-2F3F-D77E16C15F47}"/>
-              </a:ext>
-            </a:extLst>
-          </p:cNvPr>
-          <p:cNvCxnSpPr>
-            <a:cxnSpLocks/>
-          </p:cNvCxnSpPr>
-          <p:nvPr/>
-        </p:nvCxnSpPr>
-        <p:spPr>
-          <a:xfrm flipV="1">
-            <a:off x="2309813" y="2529000"/>
-            <a:ext cx="0" cy="1800000"/>
-          </a:xfrm>
-          <a:prstGeom prst="straightConnector1">
-            <a:avLst/>
-          </a:prstGeom>
-          <a:ln w="25400">
-            <a:solidFill>
-              <a:schemeClr val="accent1"/>
-            </a:solidFill>
-            <a:prstDash val="solid"/>
-            <a:headEnd type="none"/>
-            <a:tailEnd type="none"/>
-          </a:ln>
-        </p:spPr>
-        <p:style>
-          <a:lnRef idx="1">
-            <a:schemeClr val="accent1"/>
-          </a:lnRef>
-          <a:fillRef idx="0">
-            <a:schemeClr val="accent1"/>
-          </a:fillRef>
-          <a:effectRef idx="0">
-            <a:schemeClr val="accent1"/>
-          </a:effectRef>
-          <a:fontRef idx="minor">
-            <a:schemeClr val="tx1"/>
-          </a:fontRef>
-        </p:style>
-      </p:cxnSp>
-      <p:sp>
-        <p:nvSpPr>
-          <p:cNvPr id="10" name="TextBox 9">
-            <a:extLst>
-              <a:ext uri="{FF2B5EF4-FFF2-40B4-BE49-F238E27FC236}">
-                <a16:creationId xmlns:a16="http://schemas.microsoft.com/office/drawing/2014/main" id="{9B02A39C-BF73-74B5-1C83-370B1E1FC30B}"/>
-              </a:ext>
-            </a:extLst>
-          </p:cNvPr>
-          <p:cNvSpPr txBox="1"/>
-          <p:nvPr/>
-        </p:nvSpPr>
-        <p:spPr>
-          <a:xfrm>
-            <a:off x="1555956" y="2592311"/>
-            <a:ext cx="473206" cy="253916"/>
-          </a:xfrm>
-          <a:prstGeom prst="rect">
-            <a:avLst/>
-          </a:prstGeom>
-          <a:noFill/>
-        </p:spPr>
-        <p:txBody>
-          <a:bodyPr wrap="none" rtlCol="0">
-            <a:spAutoFit/>
-          </a:bodyPr>
-          <a:lstStyle/>
-          <a:p>
-            <a:pPr/>
-            <a:r>
-              <a:rPr lang="en-US" sz="1050" dirty="0">
-                <a:latin typeface="Georgia" panose="02040502050405020303" pitchFamily="18" charset="0"/>
-              </a:rPr>
-              <a:t>Back</a:t>
-            </a:r>
-            <a:endParaRPr lang="en-US" dirty="0">
-              <a:latin typeface="Georgia" panose="02040502050405020303" pitchFamily="18" charset="0"/>
-            </a:endParaRPr>
-          </a:p>
-        </p:txBody>
-      </p:sp>
-      <p:sp>
-        <p:nvSpPr>
-          <p:cNvPr id="11" name="TextBox 10">
-            <a:extLst>
-              <a:ext uri="{FF2B5EF4-FFF2-40B4-BE49-F238E27FC236}">
-                <a16:creationId xmlns:a16="http://schemas.microsoft.com/office/drawing/2014/main" id="{CAA465F1-1597-0EED-82BB-CE7E995DB94B}"/>
-              </a:ext>
-            </a:extLst>
-          </p:cNvPr>
-          <p:cNvSpPr txBox="1"/>
-          <p:nvPr/>
-        </p:nvSpPr>
-        <p:spPr>
-          <a:xfrm>
-            <a:off x="2573100" y="2592311"/>
-            <a:ext cx="518091" cy="253916"/>
-          </a:xfrm>
-          <a:prstGeom prst="rect">
-            <a:avLst/>
-          </a:prstGeom>
-          <a:noFill/>
-        </p:spPr>
-        <p:txBody>
-          <a:bodyPr wrap="none" rtlCol="0">
-            <a:spAutoFit/>
-          </a:bodyPr>
-          <a:lstStyle/>
-          <a:p>
-            <a:pPr/>
-            <a:r>
-              <a:rPr lang="en-US" sz="1050" dirty="0">
-                <a:latin typeface="Georgia" panose="02040502050405020303" pitchFamily="18" charset="0"/>
-              </a:rPr>
-              <a:t>Front</a:t>
-            </a:r>
-            <a:endParaRPr lang="en-US" dirty="0">
-              <a:latin typeface="Georgia" panose="02040502050405020303" pitchFamily="18" charset="0"/>
-            </a:endParaRPr>
-          </a:p>
-        </p:txBody>
-      </p:sp>
-      <p:cxnSp>
-        <p:nvCxnSpPr>
-          <p:cNvPr id="12" name="Straight Arrow Connector 11">
-            <a:extLst>
-              <a:ext uri="{FF2B5EF4-FFF2-40B4-BE49-F238E27FC236}">
-                <a16:creationId xmlns:a16="http://schemas.microsoft.com/office/drawing/2014/main" id="{4272EC2A-0696-8AA1-73E5-4C2A4AE205A6}"/>
-              </a:ext>
-            </a:extLst>
-          </p:cNvPr>
-          <p:cNvCxnSpPr>
-            <a:cxnSpLocks/>
-          </p:cNvCxnSpPr>
-          <p:nvPr/>
-        </p:nvCxnSpPr>
-        <p:spPr>
-          <a:xfrm>
-            <a:off x="2354813" y="2719269"/>
-            <a:ext cx="266442" cy="0"/>
-          </a:xfrm>
-          <a:prstGeom prst="straightConnector1">
-            <a:avLst/>
-          </a:prstGeom>
-          <a:ln w="12700">
-            <a:solidFill>
-              <a:schemeClr val="tx1"/>
-            </a:solidFill>
-            <a:headEnd type="triangle" w="sm" len="med"/>
-            <a:tailEnd type="none"/>
-          </a:ln>
-        </p:spPr>
-        <p:style>
-          <a:lnRef idx="1">
-            <a:schemeClr val="accent1"/>
-          </a:lnRef>
-          <a:fillRef idx="0">
-            <a:schemeClr val="accent1"/>
-          </a:fillRef>
-          <a:effectRef idx="0">
-            <a:schemeClr val="accent1"/>
-          </a:effectRef>
-          <a:fontRef idx="minor">
-            <a:schemeClr val="tx1"/>
-          </a:fontRef>
-        </p:style>
-      </p:cxnSp>
-      <p:cxnSp>
-        <p:nvCxnSpPr>
-          <p:cNvPr id="13" name="Straight Arrow Connector 12">
-            <a:extLst>
-              <a:ext uri="{FF2B5EF4-FFF2-40B4-BE49-F238E27FC236}">
-                <a16:creationId xmlns:a16="http://schemas.microsoft.com/office/drawing/2014/main" id="{DFFFAD05-BF19-8F0A-D1AF-D832C4BAA6BE}"/>
-              </a:ext>
-            </a:extLst>
-          </p:cNvPr>
-          <p:cNvCxnSpPr>
-            <a:cxnSpLocks/>
-          </p:cNvCxnSpPr>
-          <p:nvPr/>
-        </p:nvCxnSpPr>
-        <p:spPr>
-          <a:xfrm flipH="1">
-            <a:off x="1979255" y="2719269"/>
-            <a:ext cx="285621" cy="0"/>
-          </a:xfrm>
-          <a:prstGeom prst="straightConnector1">
-            <a:avLst/>
-          </a:prstGeom>
-          <a:ln w="12700">
-            <a:solidFill>
-              <a:schemeClr val="tx1"/>
-            </a:solidFill>
-            <a:headEnd type="triangle" w="sm" len="med"/>
-            <a:tailEnd type="none"/>
-          </a:ln>
-        </p:spPr>
-        <p:style>
-          <a:lnRef idx="1">
-            <a:schemeClr val="accent1"/>
-          </a:lnRef>
-          <a:fillRef idx="0">
-            <a:schemeClr val="accent1"/>
-          </a:fillRef>
-          <a:effectRef idx="0">
-            <a:schemeClr val="accent1"/>
-          </a:effectRef>
-          <a:fontRef idx="minor">
-            <a:schemeClr val="tx1"/>
-          </a:fontRef>
-        </p:style>
-      </p:cxnSp>
-      <p:sp>
-        <p:nvSpPr>
-          <p:cNvPr id="14" name="TextBox 13">
-            <a:extLst>
-              <a:ext uri="{FF2B5EF4-FFF2-40B4-BE49-F238E27FC236}">
-                <a16:creationId xmlns:a16="http://schemas.microsoft.com/office/drawing/2014/main" id="{8D7D6F81-970B-246D-818C-76585EF6BCA8}"/>
-              </a:ext>
-            </a:extLst>
-          </p:cNvPr>
-          <p:cNvSpPr txBox="1"/>
-          <p:nvPr/>
-        </p:nvSpPr>
-        <p:spPr>
-          <a:xfrm>
-            <a:off x="2074011" y="1862909"/>
-            <a:ext cx="471604" cy="230832"/>
-          </a:xfrm>
-          <a:prstGeom prst="rect">
-            <a:avLst/>
-          </a:prstGeom>
-          <a:noFill/>
-          <a:ln>
-            <a:noFill/>
-          </a:ln>
-        </p:spPr>
-        <p:txBody>
-          <a:bodyPr wrap="none" rtlCol="0">
-            <a:spAutoFit/>
-          </a:bodyPr>
-          <a:lstStyle/>
-          <a:p>
-            <a:pPr/>
-            <a:r>
-              <a:rPr lang="en-US" sz="900" dirty="0">
-                <a:solidFill>
-                  <a:schemeClr val="bg1">
-                    <a:lumMod val="65000"/>
-                  </a:schemeClr>
-                </a:solidFill>
-                <a:latin typeface="Georgia" panose="02040502050405020303" pitchFamily="18" charset="0"/>
-              </a:rPr>
-              <a:t>Plane</a:t>
-            </a:r>
-            <a:endParaRPr lang="en-US" sz="1400" dirty="0">
-              <a:solidFill>
-                <a:schemeClr val="bg1">
-                  <a:lumMod val="65000"/>
-                </a:schemeClr>
-              </a:solidFill>
-              <a:latin typeface="Georgia" panose="02040502050405020303" pitchFamily="18" charset="0"/>
-            </a:endParaRPr>
-          </a:p>
-        </p:txBody>
-      </p:sp>
-      <p:sp>
-        <p:nvSpPr>
-          <p:cNvPr id="15" name="TextBox 14">
-            <a:extLst>
-              <a:ext uri="{FF2B5EF4-FFF2-40B4-BE49-F238E27FC236}">
-                <a16:creationId xmlns:a16="http://schemas.microsoft.com/office/drawing/2014/main" id="{32A78797-DA72-E0F8-3B75-DF5973F78F18}"/>
-              </a:ext>
-            </a:extLst>
-          </p:cNvPr>
-          <p:cNvSpPr txBox="1"/>
-          <p:nvPr/>
-        </p:nvSpPr>
-        <p:spPr>
-          <a:xfrm>
-            <a:off x="2549860" y="3980189"/>
-            <a:ext cx="777777" cy="230832"/>
-          </a:xfrm>
-          <a:prstGeom prst="rect">
-            <a:avLst/>
-          </a:prstGeom>
-          <a:noFill/>
-          <a:ln>
-            <a:noFill/>
-          </a:ln>
-        </p:spPr>
-        <p:txBody>
-          <a:bodyPr wrap="none" rtlCol="0">
-            <a:spAutoFit/>
-          </a:bodyPr>
-          <a:lstStyle/>
-          <a:p>
-            <a:pPr/>
-            <a:r>
-              <a:rPr lang="en-US" sz="900" dirty="0">
-                <a:solidFill>
-                  <a:schemeClr val="accent1"/>
-                </a:solidFill>
-                <a:latin typeface="Georgia" panose="02040502050405020303" pitchFamily="18" charset="0"/>
-              </a:rPr>
-              <a:t>Flat surface</a:t>
-            </a:r>
-            <a:endParaRPr lang="en-US" sz="1400" dirty="0">
-              <a:solidFill>
-                <a:schemeClr val="accent1"/>
-              </a:solidFill>
-              <a:latin typeface="Georgia" panose="02040502050405020303" pitchFamily="18" charset="0"/>
-            </a:endParaRPr>
-          </a:p>
-        </p:txBody>
-      </p:sp>
-      <p:cxnSp>
-        <p:nvCxnSpPr>
-          <p:cNvPr id="16" name="Straight Arrow Connector 15">
-            <a:extLst>
-              <a:ext uri="{FF2B5EF4-FFF2-40B4-BE49-F238E27FC236}">
-                <a16:creationId xmlns:a16="http://schemas.microsoft.com/office/drawing/2014/main" id="{AC8FD4C5-2D58-A6B3-1349-98F1866015DF}"/>
-              </a:ext>
-            </a:extLst>
-          </p:cNvPr>
-          <p:cNvCxnSpPr>
-            <a:cxnSpLocks/>
-          </p:cNvCxnSpPr>
-          <p:nvPr/>
-        </p:nvCxnSpPr>
-        <p:spPr>
-          <a:xfrm>
-            <a:off x="2318864" y="3920040"/>
-            <a:ext cx="302391" cy="175565"/>
-          </a:xfrm>
-          <a:prstGeom prst="straightConnector1">
-            <a:avLst/>
-          </a:prstGeom>
-          <a:ln w="12700">
-            <a:solidFill>
-              <a:schemeClr val="accent1"/>
-            </a:solidFill>
-            <a:headEnd type="triangle" w="sm" len="med"/>
-            <a:tailEnd type="none"/>
-          </a:ln>
-        </p:spPr>
-        <p:style>
-          <a:lnRef idx="1">
-            <a:schemeClr val="accent1"/>
-          </a:lnRef>
-          <a:fillRef idx="0">
-            <a:schemeClr val="accent1"/>
-          </a:fillRef>
-          <a:effectRef idx="0">
-            <a:schemeClr val="accent1"/>
-          </a:effectRef>
-          <a:fontRef idx="minor">
-            <a:schemeClr val="tx1"/>
-          </a:fontRef>
-        </p:style>
-      </p:cxnSp>
-      <p:sp>
-        <p:nvSpPr>
-          <p:cNvPr id="17" name="TextBox 16">
-            <a:extLst>
-              <a:ext uri="{FF2B5EF4-FFF2-40B4-BE49-F238E27FC236}">
-                <a16:creationId xmlns:a16="http://schemas.microsoft.com/office/drawing/2014/main" id="{49605B70-12A5-0CDD-862F-00EF8AFEC6C7}"/>
-              </a:ext>
-            </a:extLst>
-          </p:cNvPr>
-          <p:cNvSpPr txBox="1"/>
-          <p:nvPr/>
-        </p:nvSpPr>
-        <p:spPr>
-          <a:xfrm>
-            <a:off x="2512697" y="3348243"/>
-            <a:ext cx="554959" cy="507831"/>
-          </a:xfrm>
-          <a:prstGeom prst="rect">
-            <a:avLst/>
-          </a:prstGeom>
-          <a:noFill/>
-        </p:spPr>
-        <p:txBody>
-          <a:bodyPr wrap="none" rtlCol="0">
-            <a:spAutoFit/>
-          </a:bodyPr>
-          <a:lstStyle/>
-          <a:p>
-            <a:pPr algn="ctr"/>
-            <a:r>
-              <a:rPr lang="en-US" sz="900" dirty="0">
-                <a:solidFill>
-                  <a:srgbClr val="FF0000"/>
-                </a:solidFill>
-                <a:latin typeface="Georgia" panose="02040502050405020303" pitchFamily="18" charset="0"/>
-              </a:rPr>
-              <a:t>“The”</a:t>
-            </a:r>
-            <a:br>
-              <a:rPr lang="en-US" sz="900" dirty="0">
-                <a:solidFill>
-                  <a:srgbClr val="FF0000"/>
-                </a:solidFill>
-                <a:latin typeface="Georgia" panose="02040502050405020303" pitchFamily="18" charset="0"/>
-              </a:rPr>
-            </a:br>
-            <a:r>
-              <a:rPr lang="en-US" sz="900" dirty="0">
-                <a:solidFill>
-                  <a:srgbClr val="FF0000"/>
-                </a:solidFill>
-                <a:latin typeface="Georgia" panose="02040502050405020303" pitchFamily="18" charset="0"/>
-              </a:rPr>
-              <a:t>normal</a:t>
-            </a:r>
-            <a:br>
-              <a:rPr lang="en-US" sz="900" dirty="0">
-                <a:solidFill>
-                  <a:srgbClr val="FF0000"/>
-                </a:solidFill>
-                <a:latin typeface="Georgia" panose="02040502050405020303" pitchFamily="18" charset="0"/>
-              </a:rPr>
-            </a:br>
-            <a:r>
-              <a:rPr lang="en-US" sz="900" dirty="0">
-                <a:solidFill>
-                  <a:srgbClr val="FF0000"/>
-                </a:solidFill>
-                <a:latin typeface="Georgia" panose="02040502050405020303" pitchFamily="18" charset="0"/>
-              </a:rPr>
-              <a:t>vector</a:t>
-            </a:r>
-            <a:endParaRPr lang="en-US" sz="1400" dirty="0">
-              <a:solidFill>
-                <a:srgbClr val="FF0000"/>
-              </a:solidFill>
-              <a:latin typeface="Georgia" panose="02040502050405020303" pitchFamily="18" charset="0"/>
-            </a:endParaRPr>
-          </a:p>
-        </p:txBody>
-      </p:sp>
-      <p:sp>
-        <p:nvSpPr>
-          <p:cNvPr id="19" name="Rectangle 18">
-            <a:extLst>
-              <a:ext uri="{FF2B5EF4-FFF2-40B4-BE49-F238E27FC236}">
-                <a16:creationId xmlns:a16="http://schemas.microsoft.com/office/drawing/2014/main" id="{CDC7867D-BEA1-CD0F-0C66-9BC5F6F795F3}"/>
-              </a:ext>
-            </a:extLst>
-          </p:cNvPr>
-          <p:cNvSpPr/>
-          <p:nvPr/>
-        </p:nvSpPr>
-        <p:spPr>
-          <a:xfrm>
-            <a:off x="1119189" y="1814513"/>
-            <a:ext cx="2357436" cy="2900362"/>
-          </a:xfrm>
-          <a:prstGeom prst="rect">
-            <a:avLst/>
-          </a:prstGeom>
-          <a:noFill/>
-          <a:ln>
-            <a:solidFill>
-              <a:schemeClr val="tx1"/>
-            </a:solidFill>
-          </a:ln>
-        </p:spPr>
-        <p:style>
-          <a:lnRef idx="2">
-            <a:schemeClr val="accent1">
-              <a:shade val="15000"/>
-            </a:schemeClr>
-          </a:lnRef>
-          <a:fillRef idx="1">
-            <a:schemeClr val="accent1"/>
-          </a:fillRef>
-          <a:effectRef idx="0">
-            <a:schemeClr val="accent1"/>
-          </a:effectRef>
-          <a:fontRef idx="minor">
-            <a:schemeClr val="lt1"/>
-          </a:fontRef>
-        </p:style>
-        <p:txBody>
-          <a:bodyPr rtlCol="0" anchor="ctr"/>
-          <a:lstStyle/>
-          <a:p>
-            <a:pPr algn="ctr"/>
-            <a:endParaRPr lang="en-US"/>
-          </a:p>
-        </p:txBody>
-      </p:sp>
-    </p:spTree>
-    <p:extLst>
-      <p:ext uri="{BB962C8B-B14F-4D97-AF65-F5344CB8AC3E}">
-        <p14:creationId xmlns:p14="http://schemas.microsoft.com/office/powerpoint/2010/main" val="3558165669"/>
       </p:ext>
     </p:extLst>
   </p:cSld>
